--- a/Functional Programming with Java 8.pptx
+++ b/Functional Programming with Java 8.pptx
@@ -5,7 +5,7 @@
     <p:sldMasterId id="2147483654" r:id="rId1"/>
   </p:sldMasterIdLst>
   <p:notesMasterIdLst>
-    <p:notesMasterId r:id="rId18"/>
+    <p:notesMasterId r:id="rId23"/>
   </p:notesMasterIdLst>
   <p:sldIdLst>
     <p:sldId id="256" r:id="rId2"/>
@@ -14,16 +14,21 @@
     <p:sldId id="318" r:id="rId5"/>
     <p:sldId id="319" r:id="rId6"/>
     <p:sldId id="315" r:id="rId7"/>
-    <p:sldId id="321" r:id="rId8"/>
-    <p:sldId id="324" r:id="rId9"/>
-    <p:sldId id="323" r:id="rId10"/>
-    <p:sldId id="322" r:id="rId11"/>
-    <p:sldId id="314" r:id="rId12"/>
-    <p:sldId id="326" r:id="rId13"/>
-    <p:sldId id="325" r:id="rId14"/>
-    <p:sldId id="320" r:id="rId15"/>
-    <p:sldId id="316" r:id="rId16"/>
-    <p:sldId id="300" r:id="rId17"/>
+    <p:sldId id="327" r:id="rId8"/>
+    <p:sldId id="321" r:id="rId9"/>
+    <p:sldId id="324" r:id="rId10"/>
+    <p:sldId id="323" r:id="rId11"/>
+    <p:sldId id="322" r:id="rId12"/>
+    <p:sldId id="314" r:id="rId13"/>
+    <p:sldId id="326" r:id="rId14"/>
+    <p:sldId id="329" r:id="rId15"/>
+    <p:sldId id="325" r:id="rId16"/>
+    <p:sldId id="328" r:id="rId17"/>
+    <p:sldId id="330" r:id="rId18"/>
+    <p:sldId id="331" r:id="rId19"/>
+    <p:sldId id="320" r:id="rId20"/>
+    <p:sldId id="316" r:id="rId21"/>
+    <p:sldId id="300" r:id="rId22"/>
   </p:sldIdLst>
   <p:sldSz cx="9144000" cy="5143500" type="screen16x9"/>
   <p:notesSz cx="6858000" cy="9144000"/>
@@ -738,14 +743,14 @@
               </a:spcBef>
               <a:buNone/>
             </a:pPr>
-            <a:endParaRPr/>
+            <a:endParaRPr dirty="0"/>
           </a:p>
         </p:txBody>
       </p:sp>
     </p:spTree>
     <p:extLst>
       <p:ext uri="{BB962C8B-B14F-4D97-AF65-F5344CB8AC3E}">
-        <p14:creationId xmlns:p14="http://schemas.microsoft.com/office/powerpoint/2010/main" val="557652562"/>
+        <p14:creationId xmlns:p14="http://schemas.microsoft.com/office/powerpoint/2010/main" val="3636857159"/>
       </p:ext>
     </p:extLst>
   </p:cSld>
@@ -861,7 +866,7 @@
     </p:spTree>
     <p:extLst>
       <p:ext uri="{BB962C8B-B14F-4D97-AF65-F5344CB8AC3E}">
-        <p14:creationId xmlns:p14="http://schemas.microsoft.com/office/powerpoint/2010/main" val="193509055"/>
+        <p14:creationId xmlns:p14="http://schemas.microsoft.com/office/powerpoint/2010/main" val="557652562"/>
       </p:ext>
     </p:extLst>
   </p:cSld>
@@ -977,7 +982,7 @@
     </p:spTree>
     <p:extLst>
       <p:ext uri="{BB962C8B-B14F-4D97-AF65-F5344CB8AC3E}">
-        <p14:creationId xmlns:p14="http://schemas.microsoft.com/office/powerpoint/2010/main" val="3528208680"/>
+        <p14:creationId xmlns:p14="http://schemas.microsoft.com/office/powerpoint/2010/main" val="193509055"/>
       </p:ext>
     </p:extLst>
   </p:cSld>
@@ -1093,7 +1098,7 @@
     </p:spTree>
     <p:extLst>
       <p:ext uri="{BB962C8B-B14F-4D97-AF65-F5344CB8AC3E}">
-        <p14:creationId xmlns:p14="http://schemas.microsoft.com/office/powerpoint/2010/main" val="857551539"/>
+        <p14:creationId xmlns:p14="http://schemas.microsoft.com/office/powerpoint/2010/main" val="3528208680"/>
       </p:ext>
     </p:extLst>
   </p:cSld>
@@ -1209,7 +1214,7 @@
     </p:spTree>
     <p:extLst>
       <p:ext uri="{BB962C8B-B14F-4D97-AF65-F5344CB8AC3E}">
-        <p14:creationId xmlns:p14="http://schemas.microsoft.com/office/powerpoint/2010/main" val="2544434027"/>
+        <p14:creationId xmlns:p14="http://schemas.microsoft.com/office/powerpoint/2010/main" val="1068528306"/>
       </p:ext>
     </p:extLst>
   </p:cSld>
@@ -1325,7 +1330,7 @@
     </p:spTree>
     <p:extLst>
       <p:ext uri="{BB962C8B-B14F-4D97-AF65-F5344CB8AC3E}">
-        <p14:creationId xmlns:p14="http://schemas.microsoft.com/office/powerpoint/2010/main" val="1491293710"/>
+        <p14:creationId xmlns:p14="http://schemas.microsoft.com/office/powerpoint/2010/main" val="857551539"/>
       </p:ext>
     </p:extLst>
   </p:cSld>
@@ -1340,7 +1345,7 @@
   <p:cSld>
     <p:spTree>
       <p:nvGrpSpPr>
-        <p:cNvPr id="1" name="Shape 187"/>
+        <p:cNvPr id="1" name="Shape 169"/>
         <p:cNvGrpSpPr/>
         <p:nvPr/>
       </p:nvGrpSpPr>
@@ -1354,7 +1359,7 @@
       </p:grpSpPr>
       <p:sp>
         <p:nvSpPr>
-          <p:cNvPr id="188" name="Shape 188"/>
+          <p:cNvPr id="170" name="Shape 170"/>
           <p:cNvSpPr>
             <a:spLocks noGrp="1" noRot="1" noChangeAspect="1"/>
           </p:cNvSpPr>
@@ -1405,7 +1410,7 @@
       </p:sp>
       <p:sp>
         <p:nvSpPr>
-          <p:cNvPr id="189" name="Shape 189"/>
+          <p:cNvPr id="171" name="Shape 171"/>
           <p:cNvSpPr txBox="1">
             <a:spLocks noGrp="1"/>
           </p:cNvSpPr>
@@ -1441,7 +1446,355 @@
     </p:spTree>
     <p:extLst>
       <p:ext uri="{BB962C8B-B14F-4D97-AF65-F5344CB8AC3E}">
-        <p14:creationId xmlns:p14="http://schemas.microsoft.com/office/powerpoint/2010/main" val="711016244"/>
+        <p14:creationId xmlns:p14="http://schemas.microsoft.com/office/powerpoint/2010/main" val="1203623056"/>
+      </p:ext>
+    </p:extLst>
+  </p:cSld>
+  <p:clrMapOvr>
+    <a:masterClrMapping/>
+  </p:clrMapOvr>
+</p:notes>
+</file>
+
+<file path=ppt/notesSlides/notesSlide17.xml><?xml version="1.0" encoding="utf-8"?>
+<p:notes xmlns:a="http://schemas.openxmlformats.org/drawingml/2006/main" xmlns:r="http://schemas.openxmlformats.org/officeDocument/2006/relationships" xmlns:p="http://schemas.openxmlformats.org/presentationml/2006/main" showMasterSp="0" showMasterPhAnim="0">
+  <p:cSld>
+    <p:spTree>
+      <p:nvGrpSpPr>
+        <p:cNvPr id="1" name="Shape 169"/>
+        <p:cNvGrpSpPr/>
+        <p:nvPr/>
+      </p:nvGrpSpPr>
+      <p:grpSpPr>
+        <a:xfrm>
+          <a:off x="0" y="0"/>
+          <a:ext cx="0" cy="0"/>
+          <a:chOff x="0" y="0"/>
+          <a:chExt cx="0" cy="0"/>
+        </a:xfrm>
+      </p:grpSpPr>
+      <p:sp>
+        <p:nvSpPr>
+          <p:cNvPr id="170" name="Shape 170"/>
+          <p:cNvSpPr>
+            <a:spLocks noGrp="1" noRot="1" noChangeAspect="1"/>
+          </p:cNvSpPr>
+          <p:nvPr>
+            <p:ph type="sldImg" idx="2"/>
+          </p:nvPr>
+        </p:nvSpPr>
+        <p:spPr>
+          <a:xfrm>
+            <a:off x="381000" y="685800"/>
+            <a:ext cx="6096000" cy="3429000"/>
+          </a:xfrm>
+          <a:custGeom>
+            <a:avLst/>
+            <a:gdLst/>
+            <a:ahLst/>
+            <a:cxnLst/>
+            <a:rect l="0" t="0" r="0" b="0"/>
+            <a:pathLst>
+              <a:path w="120000" h="120000" extrusionOk="0">
+                <a:moveTo>
+                  <a:pt x="0" y="0"/>
+                </a:moveTo>
+                <a:lnTo>
+                  <a:pt x="120000" y="0"/>
+                </a:lnTo>
+                <a:lnTo>
+                  <a:pt x="120000" y="120000"/>
+                </a:lnTo>
+                <a:lnTo>
+                  <a:pt x="0" y="120000"/>
+                </a:lnTo>
+                <a:close/>
+              </a:path>
+            </a:pathLst>
+          </a:custGeom>
+          <a:noFill/>
+          <a:ln w="9525" cap="flat" cmpd="sng">
+            <a:solidFill>
+              <a:srgbClr val="000000"/>
+            </a:solidFill>
+            <a:prstDash val="solid"/>
+            <a:round/>
+            <a:headEnd type="none" w="med" len="med"/>
+            <a:tailEnd type="none" w="med" len="med"/>
+          </a:ln>
+        </p:spPr>
+      </p:sp>
+      <p:sp>
+        <p:nvSpPr>
+          <p:cNvPr id="171" name="Shape 171"/>
+          <p:cNvSpPr txBox="1">
+            <a:spLocks noGrp="1"/>
+          </p:cNvSpPr>
+          <p:nvPr>
+            <p:ph type="body" idx="1"/>
+          </p:nvPr>
+        </p:nvSpPr>
+        <p:spPr>
+          <a:xfrm>
+            <a:off x="685800" y="4343400"/>
+            <a:ext cx="5486399" cy="4114800"/>
+          </a:xfrm>
+          <a:prstGeom prst="rect">
+            <a:avLst/>
+          </a:prstGeom>
+        </p:spPr>
+        <p:txBody>
+          <a:bodyPr lIns="91425" tIns="91425" rIns="91425" bIns="91425" anchor="t" anchorCtr="0">
+            <a:noAutofit/>
+          </a:bodyPr>
+          <a:lstStyle/>
+          <a:p>
+            <a:pPr>
+              <a:spcBef>
+                <a:spcPts val="0"/>
+              </a:spcBef>
+              <a:buNone/>
+            </a:pPr>
+            <a:endParaRPr/>
+          </a:p>
+        </p:txBody>
+      </p:sp>
+    </p:spTree>
+    <p:extLst>
+      <p:ext uri="{BB962C8B-B14F-4D97-AF65-F5344CB8AC3E}">
+        <p14:creationId xmlns:p14="http://schemas.microsoft.com/office/powerpoint/2010/main" val="355553470"/>
+      </p:ext>
+    </p:extLst>
+  </p:cSld>
+  <p:clrMapOvr>
+    <a:masterClrMapping/>
+  </p:clrMapOvr>
+</p:notes>
+</file>
+
+<file path=ppt/notesSlides/notesSlide18.xml><?xml version="1.0" encoding="utf-8"?>
+<p:notes xmlns:a="http://schemas.openxmlformats.org/drawingml/2006/main" xmlns:r="http://schemas.openxmlformats.org/officeDocument/2006/relationships" xmlns:p="http://schemas.openxmlformats.org/presentationml/2006/main" showMasterSp="0" showMasterPhAnim="0">
+  <p:cSld>
+    <p:spTree>
+      <p:nvGrpSpPr>
+        <p:cNvPr id="1" name="Shape 169"/>
+        <p:cNvGrpSpPr/>
+        <p:nvPr/>
+      </p:nvGrpSpPr>
+      <p:grpSpPr>
+        <a:xfrm>
+          <a:off x="0" y="0"/>
+          <a:ext cx="0" cy="0"/>
+          <a:chOff x="0" y="0"/>
+          <a:chExt cx="0" cy="0"/>
+        </a:xfrm>
+      </p:grpSpPr>
+      <p:sp>
+        <p:nvSpPr>
+          <p:cNvPr id="170" name="Shape 170"/>
+          <p:cNvSpPr>
+            <a:spLocks noGrp="1" noRot="1" noChangeAspect="1"/>
+          </p:cNvSpPr>
+          <p:nvPr>
+            <p:ph type="sldImg" idx="2"/>
+          </p:nvPr>
+        </p:nvSpPr>
+        <p:spPr>
+          <a:xfrm>
+            <a:off x="381000" y="685800"/>
+            <a:ext cx="6096000" cy="3429000"/>
+          </a:xfrm>
+          <a:custGeom>
+            <a:avLst/>
+            <a:gdLst/>
+            <a:ahLst/>
+            <a:cxnLst/>
+            <a:rect l="0" t="0" r="0" b="0"/>
+            <a:pathLst>
+              <a:path w="120000" h="120000" extrusionOk="0">
+                <a:moveTo>
+                  <a:pt x="0" y="0"/>
+                </a:moveTo>
+                <a:lnTo>
+                  <a:pt x="120000" y="0"/>
+                </a:lnTo>
+                <a:lnTo>
+                  <a:pt x="120000" y="120000"/>
+                </a:lnTo>
+                <a:lnTo>
+                  <a:pt x="0" y="120000"/>
+                </a:lnTo>
+                <a:close/>
+              </a:path>
+            </a:pathLst>
+          </a:custGeom>
+          <a:noFill/>
+          <a:ln w="9525" cap="flat" cmpd="sng">
+            <a:solidFill>
+              <a:srgbClr val="000000"/>
+            </a:solidFill>
+            <a:prstDash val="solid"/>
+            <a:round/>
+            <a:headEnd type="none" w="med" len="med"/>
+            <a:tailEnd type="none" w="med" len="med"/>
+          </a:ln>
+        </p:spPr>
+      </p:sp>
+      <p:sp>
+        <p:nvSpPr>
+          <p:cNvPr id="171" name="Shape 171"/>
+          <p:cNvSpPr txBox="1">
+            <a:spLocks noGrp="1"/>
+          </p:cNvSpPr>
+          <p:nvPr>
+            <p:ph type="body" idx="1"/>
+          </p:nvPr>
+        </p:nvSpPr>
+        <p:spPr>
+          <a:xfrm>
+            <a:off x="685800" y="4343400"/>
+            <a:ext cx="5486399" cy="4114800"/>
+          </a:xfrm>
+          <a:prstGeom prst="rect">
+            <a:avLst/>
+          </a:prstGeom>
+        </p:spPr>
+        <p:txBody>
+          <a:bodyPr lIns="91425" tIns="91425" rIns="91425" bIns="91425" anchor="t" anchorCtr="0">
+            <a:noAutofit/>
+          </a:bodyPr>
+          <a:lstStyle/>
+          <a:p>
+            <a:pPr>
+              <a:spcBef>
+                <a:spcPts val="0"/>
+              </a:spcBef>
+              <a:buNone/>
+            </a:pPr>
+            <a:endParaRPr/>
+          </a:p>
+        </p:txBody>
+      </p:sp>
+    </p:spTree>
+    <p:extLst>
+      <p:ext uri="{BB962C8B-B14F-4D97-AF65-F5344CB8AC3E}">
+        <p14:creationId xmlns:p14="http://schemas.microsoft.com/office/powerpoint/2010/main" val="738340183"/>
+      </p:ext>
+    </p:extLst>
+  </p:cSld>
+  <p:clrMapOvr>
+    <a:masterClrMapping/>
+  </p:clrMapOvr>
+</p:notes>
+</file>
+
+<file path=ppt/notesSlides/notesSlide19.xml><?xml version="1.0" encoding="utf-8"?>
+<p:notes xmlns:a="http://schemas.openxmlformats.org/drawingml/2006/main" xmlns:r="http://schemas.openxmlformats.org/officeDocument/2006/relationships" xmlns:p="http://schemas.openxmlformats.org/presentationml/2006/main" showMasterSp="0" showMasterPhAnim="0">
+  <p:cSld>
+    <p:spTree>
+      <p:nvGrpSpPr>
+        <p:cNvPr id="1" name="Shape 169"/>
+        <p:cNvGrpSpPr/>
+        <p:nvPr/>
+      </p:nvGrpSpPr>
+      <p:grpSpPr>
+        <a:xfrm>
+          <a:off x="0" y="0"/>
+          <a:ext cx="0" cy="0"/>
+          <a:chOff x="0" y="0"/>
+          <a:chExt cx="0" cy="0"/>
+        </a:xfrm>
+      </p:grpSpPr>
+      <p:sp>
+        <p:nvSpPr>
+          <p:cNvPr id="170" name="Shape 170"/>
+          <p:cNvSpPr>
+            <a:spLocks noGrp="1" noRot="1" noChangeAspect="1"/>
+          </p:cNvSpPr>
+          <p:nvPr>
+            <p:ph type="sldImg" idx="2"/>
+          </p:nvPr>
+        </p:nvSpPr>
+        <p:spPr>
+          <a:xfrm>
+            <a:off x="381000" y="685800"/>
+            <a:ext cx="6096000" cy="3429000"/>
+          </a:xfrm>
+          <a:custGeom>
+            <a:avLst/>
+            <a:gdLst/>
+            <a:ahLst/>
+            <a:cxnLst/>
+            <a:rect l="0" t="0" r="0" b="0"/>
+            <a:pathLst>
+              <a:path w="120000" h="120000" extrusionOk="0">
+                <a:moveTo>
+                  <a:pt x="0" y="0"/>
+                </a:moveTo>
+                <a:lnTo>
+                  <a:pt x="120000" y="0"/>
+                </a:lnTo>
+                <a:lnTo>
+                  <a:pt x="120000" y="120000"/>
+                </a:lnTo>
+                <a:lnTo>
+                  <a:pt x="0" y="120000"/>
+                </a:lnTo>
+                <a:close/>
+              </a:path>
+            </a:pathLst>
+          </a:custGeom>
+          <a:noFill/>
+          <a:ln w="9525" cap="flat" cmpd="sng">
+            <a:solidFill>
+              <a:srgbClr val="000000"/>
+            </a:solidFill>
+            <a:prstDash val="solid"/>
+            <a:round/>
+            <a:headEnd type="none" w="med" len="med"/>
+            <a:tailEnd type="none" w="med" len="med"/>
+          </a:ln>
+        </p:spPr>
+      </p:sp>
+      <p:sp>
+        <p:nvSpPr>
+          <p:cNvPr id="171" name="Shape 171"/>
+          <p:cNvSpPr txBox="1">
+            <a:spLocks noGrp="1"/>
+          </p:cNvSpPr>
+          <p:nvPr>
+            <p:ph type="body" idx="1"/>
+          </p:nvPr>
+        </p:nvSpPr>
+        <p:spPr>
+          <a:xfrm>
+            <a:off x="685800" y="4343400"/>
+            <a:ext cx="5486399" cy="4114800"/>
+          </a:xfrm>
+          <a:prstGeom prst="rect">
+            <a:avLst/>
+          </a:prstGeom>
+        </p:spPr>
+        <p:txBody>
+          <a:bodyPr lIns="91425" tIns="91425" rIns="91425" bIns="91425" anchor="t" anchorCtr="0">
+            <a:noAutofit/>
+          </a:bodyPr>
+          <a:lstStyle/>
+          <a:p>
+            <a:pPr>
+              <a:spcBef>
+                <a:spcPts val="0"/>
+              </a:spcBef>
+              <a:buNone/>
+            </a:pPr>
+            <a:endParaRPr/>
+          </a:p>
+        </p:txBody>
+      </p:sp>
+    </p:spTree>
+    <p:extLst>
+      <p:ext uri="{BB962C8B-B14F-4D97-AF65-F5344CB8AC3E}">
+        <p14:creationId xmlns:p14="http://schemas.microsoft.com/office/powerpoint/2010/main" val="2544434027"/>
       </p:ext>
     </p:extLst>
   </p:cSld>
@@ -1558,6 +1911,238 @@
     <p:extLst>
       <p:ext uri="{BB962C8B-B14F-4D97-AF65-F5344CB8AC3E}">
         <p14:creationId xmlns:p14="http://schemas.microsoft.com/office/powerpoint/2010/main" val="302534114"/>
+      </p:ext>
+    </p:extLst>
+  </p:cSld>
+  <p:clrMapOvr>
+    <a:masterClrMapping/>
+  </p:clrMapOvr>
+</p:notes>
+</file>
+
+<file path=ppt/notesSlides/notesSlide20.xml><?xml version="1.0" encoding="utf-8"?>
+<p:notes xmlns:a="http://schemas.openxmlformats.org/drawingml/2006/main" xmlns:r="http://schemas.openxmlformats.org/officeDocument/2006/relationships" xmlns:p="http://schemas.openxmlformats.org/presentationml/2006/main" showMasterSp="0" showMasterPhAnim="0">
+  <p:cSld>
+    <p:spTree>
+      <p:nvGrpSpPr>
+        <p:cNvPr id="1" name="Shape 169"/>
+        <p:cNvGrpSpPr/>
+        <p:nvPr/>
+      </p:nvGrpSpPr>
+      <p:grpSpPr>
+        <a:xfrm>
+          <a:off x="0" y="0"/>
+          <a:ext cx="0" cy="0"/>
+          <a:chOff x="0" y="0"/>
+          <a:chExt cx="0" cy="0"/>
+        </a:xfrm>
+      </p:grpSpPr>
+      <p:sp>
+        <p:nvSpPr>
+          <p:cNvPr id="170" name="Shape 170"/>
+          <p:cNvSpPr>
+            <a:spLocks noGrp="1" noRot="1" noChangeAspect="1"/>
+          </p:cNvSpPr>
+          <p:nvPr>
+            <p:ph type="sldImg" idx="2"/>
+          </p:nvPr>
+        </p:nvSpPr>
+        <p:spPr>
+          <a:xfrm>
+            <a:off x="381000" y="685800"/>
+            <a:ext cx="6096000" cy="3429000"/>
+          </a:xfrm>
+          <a:custGeom>
+            <a:avLst/>
+            <a:gdLst/>
+            <a:ahLst/>
+            <a:cxnLst/>
+            <a:rect l="0" t="0" r="0" b="0"/>
+            <a:pathLst>
+              <a:path w="120000" h="120000" extrusionOk="0">
+                <a:moveTo>
+                  <a:pt x="0" y="0"/>
+                </a:moveTo>
+                <a:lnTo>
+                  <a:pt x="120000" y="0"/>
+                </a:lnTo>
+                <a:lnTo>
+                  <a:pt x="120000" y="120000"/>
+                </a:lnTo>
+                <a:lnTo>
+                  <a:pt x="0" y="120000"/>
+                </a:lnTo>
+                <a:close/>
+              </a:path>
+            </a:pathLst>
+          </a:custGeom>
+          <a:noFill/>
+          <a:ln w="9525" cap="flat" cmpd="sng">
+            <a:solidFill>
+              <a:srgbClr val="000000"/>
+            </a:solidFill>
+            <a:prstDash val="solid"/>
+            <a:round/>
+            <a:headEnd type="none" w="med" len="med"/>
+            <a:tailEnd type="none" w="med" len="med"/>
+          </a:ln>
+        </p:spPr>
+      </p:sp>
+      <p:sp>
+        <p:nvSpPr>
+          <p:cNvPr id="171" name="Shape 171"/>
+          <p:cNvSpPr txBox="1">
+            <a:spLocks noGrp="1"/>
+          </p:cNvSpPr>
+          <p:nvPr>
+            <p:ph type="body" idx="1"/>
+          </p:nvPr>
+        </p:nvSpPr>
+        <p:spPr>
+          <a:xfrm>
+            <a:off x="685800" y="4343400"/>
+            <a:ext cx="5486399" cy="4114800"/>
+          </a:xfrm>
+          <a:prstGeom prst="rect">
+            <a:avLst/>
+          </a:prstGeom>
+        </p:spPr>
+        <p:txBody>
+          <a:bodyPr lIns="91425" tIns="91425" rIns="91425" bIns="91425" anchor="t" anchorCtr="0">
+            <a:noAutofit/>
+          </a:bodyPr>
+          <a:lstStyle/>
+          <a:p>
+            <a:pPr>
+              <a:spcBef>
+                <a:spcPts val="0"/>
+              </a:spcBef>
+              <a:buNone/>
+            </a:pPr>
+            <a:endParaRPr/>
+          </a:p>
+        </p:txBody>
+      </p:sp>
+    </p:spTree>
+    <p:extLst>
+      <p:ext uri="{BB962C8B-B14F-4D97-AF65-F5344CB8AC3E}">
+        <p14:creationId xmlns:p14="http://schemas.microsoft.com/office/powerpoint/2010/main" val="1491293710"/>
+      </p:ext>
+    </p:extLst>
+  </p:cSld>
+  <p:clrMapOvr>
+    <a:masterClrMapping/>
+  </p:clrMapOvr>
+</p:notes>
+</file>
+
+<file path=ppt/notesSlides/notesSlide21.xml><?xml version="1.0" encoding="utf-8"?>
+<p:notes xmlns:a="http://schemas.openxmlformats.org/drawingml/2006/main" xmlns:r="http://schemas.openxmlformats.org/officeDocument/2006/relationships" xmlns:p="http://schemas.openxmlformats.org/presentationml/2006/main" showMasterSp="0" showMasterPhAnim="0">
+  <p:cSld>
+    <p:spTree>
+      <p:nvGrpSpPr>
+        <p:cNvPr id="1" name="Shape 187"/>
+        <p:cNvGrpSpPr/>
+        <p:nvPr/>
+      </p:nvGrpSpPr>
+      <p:grpSpPr>
+        <a:xfrm>
+          <a:off x="0" y="0"/>
+          <a:ext cx="0" cy="0"/>
+          <a:chOff x="0" y="0"/>
+          <a:chExt cx="0" cy="0"/>
+        </a:xfrm>
+      </p:grpSpPr>
+      <p:sp>
+        <p:nvSpPr>
+          <p:cNvPr id="188" name="Shape 188"/>
+          <p:cNvSpPr>
+            <a:spLocks noGrp="1" noRot="1" noChangeAspect="1"/>
+          </p:cNvSpPr>
+          <p:nvPr>
+            <p:ph type="sldImg" idx="2"/>
+          </p:nvPr>
+        </p:nvSpPr>
+        <p:spPr>
+          <a:xfrm>
+            <a:off x="381000" y="685800"/>
+            <a:ext cx="6096000" cy="3429000"/>
+          </a:xfrm>
+          <a:custGeom>
+            <a:avLst/>
+            <a:gdLst/>
+            <a:ahLst/>
+            <a:cxnLst/>
+            <a:rect l="0" t="0" r="0" b="0"/>
+            <a:pathLst>
+              <a:path w="120000" h="120000" extrusionOk="0">
+                <a:moveTo>
+                  <a:pt x="0" y="0"/>
+                </a:moveTo>
+                <a:lnTo>
+                  <a:pt x="120000" y="0"/>
+                </a:lnTo>
+                <a:lnTo>
+                  <a:pt x="120000" y="120000"/>
+                </a:lnTo>
+                <a:lnTo>
+                  <a:pt x="0" y="120000"/>
+                </a:lnTo>
+                <a:close/>
+              </a:path>
+            </a:pathLst>
+          </a:custGeom>
+          <a:noFill/>
+          <a:ln w="9525" cap="flat" cmpd="sng">
+            <a:solidFill>
+              <a:srgbClr val="000000"/>
+            </a:solidFill>
+            <a:prstDash val="solid"/>
+            <a:round/>
+            <a:headEnd type="none" w="med" len="med"/>
+            <a:tailEnd type="none" w="med" len="med"/>
+          </a:ln>
+        </p:spPr>
+      </p:sp>
+      <p:sp>
+        <p:nvSpPr>
+          <p:cNvPr id="189" name="Shape 189"/>
+          <p:cNvSpPr txBox="1">
+            <a:spLocks noGrp="1"/>
+          </p:cNvSpPr>
+          <p:nvPr>
+            <p:ph type="body" idx="1"/>
+          </p:nvPr>
+        </p:nvSpPr>
+        <p:spPr>
+          <a:xfrm>
+            <a:off x="685800" y="4343400"/>
+            <a:ext cx="5486399" cy="4114800"/>
+          </a:xfrm>
+          <a:prstGeom prst="rect">
+            <a:avLst/>
+          </a:prstGeom>
+        </p:spPr>
+        <p:txBody>
+          <a:bodyPr lIns="91425" tIns="91425" rIns="91425" bIns="91425" anchor="t" anchorCtr="0">
+            <a:noAutofit/>
+          </a:bodyPr>
+          <a:lstStyle/>
+          <a:p>
+            <a:pPr>
+              <a:spcBef>
+                <a:spcPts val="0"/>
+              </a:spcBef>
+              <a:buNone/>
+            </a:pPr>
+            <a:endParaRPr/>
+          </a:p>
+        </p:txBody>
+      </p:sp>
+    </p:spTree>
+    <p:extLst>
+      <p:ext uri="{BB962C8B-B14F-4D97-AF65-F5344CB8AC3E}">
+        <p14:creationId xmlns:p14="http://schemas.microsoft.com/office/powerpoint/2010/main" val="711016244"/>
       </p:ext>
     </p:extLst>
   </p:cSld>
@@ -2130,14 +2715,14 @@
               </a:spcBef>
               <a:buNone/>
             </a:pPr>
-            <a:endParaRPr dirty="0"/>
+            <a:endParaRPr/>
           </a:p>
         </p:txBody>
       </p:sp>
     </p:spTree>
     <p:extLst>
       <p:ext uri="{BB962C8B-B14F-4D97-AF65-F5344CB8AC3E}">
-        <p14:creationId xmlns:p14="http://schemas.microsoft.com/office/powerpoint/2010/main" val="3849636921"/>
+        <p14:creationId xmlns:p14="http://schemas.microsoft.com/office/powerpoint/2010/main" val="4135256709"/>
       </p:ext>
     </p:extLst>
   </p:cSld>
@@ -2253,7 +2838,7 @@
     </p:spTree>
     <p:extLst>
       <p:ext uri="{BB962C8B-B14F-4D97-AF65-F5344CB8AC3E}">
-        <p14:creationId xmlns:p14="http://schemas.microsoft.com/office/powerpoint/2010/main" val="2483279979"/>
+        <p14:creationId xmlns:p14="http://schemas.microsoft.com/office/powerpoint/2010/main" val="3849636921"/>
       </p:ext>
     </p:extLst>
   </p:cSld>
@@ -2369,7 +2954,7 @@
     </p:spTree>
     <p:extLst>
       <p:ext uri="{BB962C8B-B14F-4D97-AF65-F5344CB8AC3E}">
-        <p14:creationId xmlns:p14="http://schemas.microsoft.com/office/powerpoint/2010/main" val="3636857159"/>
+        <p14:creationId xmlns:p14="http://schemas.microsoft.com/office/powerpoint/2010/main" val="2483279979"/>
       </p:ext>
     </p:extLst>
   </p:cSld>
@@ -4626,10 +5211,9 @@
           </a:bodyPr>
           <a:lstStyle/>
           <a:p>
-            <a:pPr lvl="0"/>
             <a:r>
               <a:rPr lang="en-US" dirty="0"/>
-              <a:t>Referential Transparency (TR)</a:t>
+              <a:t>Pure Functions</a:t>
             </a:r>
             <a:endParaRPr lang="en" dirty="0"/>
           </a:p>
@@ -4669,7 +5253,7 @@
             </a:pPr>
             <a:r>
               <a:rPr lang="en-US" sz="2000" dirty="0"/>
-              <a:t>An expression e is referentially transparent if for all programs p, every occurrence of e in p can be replaced with the result of evaluating e without changing the meaning of p</a:t>
+              <a:t>Let us see examples of Pure vs Impure Functions</a:t>
             </a:r>
           </a:p>
           <a:p>
@@ -4692,7 +5276,7 @@
             </a:pPr>
             <a:r>
               <a:rPr lang="en-US" sz="2000" dirty="0"/>
-              <a:t>A function f is pure if when x is RT, f(x) is also RT</a:t>
+              <a:t>Account Deposit example</a:t>
             </a:r>
           </a:p>
           <a:p>
@@ -4714,11 +5298,316 @@
               <a:buChar char="●"/>
             </a:pPr>
             <a:r>
-              <a:rPr lang="en-US" sz="2000" dirty="0" err="1"/>
-              <a:t>Memoization</a:t>
+              <a:rPr lang="en-US" sz="2000" dirty="0"/>
+              <a:t>Buy Coffee example</a:t>
             </a:r>
-            <a:endParaRPr lang="en-US" sz="2000" dirty="0"/>
-          </a:p>
+          </a:p>
+        </p:txBody>
+      </p:sp>
+    </p:spTree>
+    <p:extLst>
+      <p:ext uri="{BB962C8B-B14F-4D97-AF65-F5344CB8AC3E}">
+        <p14:creationId xmlns:p14="http://schemas.microsoft.com/office/powerpoint/2010/main" val="970858060"/>
+      </p:ext>
+    </p:extLst>
+  </p:cSld>
+  <p:clrMapOvr>
+    <a:masterClrMapping/>
+  </p:clrMapOvr>
+  <p:transition spd="slow">
+    <p:cut/>
+  </p:transition>
+  <p:timing>
+    <p:tnLst>
+      <p:par>
+        <p:cTn id="1" dur="indefinite" restart="never" nodeType="tmRoot">
+          <p:childTnLst>
+            <p:seq concurrent="1" nextAc="seek">
+              <p:cTn id="2" dur="indefinite" nodeType="mainSeq">
+                <p:childTnLst>
+                  <p:par>
+                    <p:cTn id="3" fill="hold">
+                      <p:stCondLst>
+                        <p:cond delay="indefinite"/>
+                      </p:stCondLst>
+                      <p:childTnLst>
+                        <p:par>
+                          <p:cTn id="4" fill="hold">
+                            <p:stCondLst>
+                              <p:cond delay="0"/>
+                            </p:stCondLst>
+                            <p:childTnLst>
+                              <p:par>
+                                <p:cTn id="5" presetID="10" presetClass="entr" presetSubtype="0" fill="hold" nodeType="clickEffect">
+                                  <p:stCondLst>
+                                    <p:cond delay="0"/>
+                                  </p:stCondLst>
+                                  <p:childTnLst>
+                                    <p:set>
+                                      <p:cBhvr>
+                                        <p:cTn id="6" dur="1" fill="hold">
+                                          <p:stCondLst>
+                                            <p:cond delay="0"/>
+                                          </p:stCondLst>
+                                        </p:cTn>
+                                        <p:tgtEl>
+                                          <p:spTgt spid="168">
+                                            <p:txEl>
+                                              <p:pRg st="0" end="0"/>
+                                            </p:txEl>
+                                          </p:spTgt>
+                                        </p:tgtEl>
+                                        <p:attrNameLst>
+                                          <p:attrName>style.visibility</p:attrName>
+                                        </p:attrNameLst>
+                                      </p:cBhvr>
+                                      <p:to>
+                                        <p:strVal val="visible"/>
+                                      </p:to>
+                                    </p:set>
+                                    <p:animEffect transition="in" filter="fade">
+                                      <p:cBhvr>
+                                        <p:cTn id="7" dur="500"/>
+                                        <p:tgtEl>
+                                          <p:spTgt spid="168">
+                                            <p:txEl>
+                                              <p:pRg st="0" end="0"/>
+                                            </p:txEl>
+                                          </p:spTgt>
+                                        </p:tgtEl>
+                                      </p:cBhvr>
+                                    </p:animEffect>
+                                  </p:childTnLst>
+                                </p:cTn>
+                              </p:par>
+                            </p:childTnLst>
+                          </p:cTn>
+                        </p:par>
+                      </p:childTnLst>
+                    </p:cTn>
+                  </p:par>
+                  <p:par>
+                    <p:cTn id="8" fill="hold">
+                      <p:stCondLst>
+                        <p:cond delay="indefinite"/>
+                      </p:stCondLst>
+                      <p:childTnLst>
+                        <p:par>
+                          <p:cTn id="9" fill="hold">
+                            <p:stCondLst>
+                              <p:cond delay="0"/>
+                            </p:stCondLst>
+                            <p:childTnLst>
+                              <p:par>
+                                <p:cTn id="10" presetID="10" presetClass="entr" presetSubtype="0" fill="hold" nodeType="clickEffect">
+                                  <p:stCondLst>
+                                    <p:cond delay="0"/>
+                                  </p:stCondLst>
+                                  <p:childTnLst>
+                                    <p:set>
+                                      <p:cBhvr>
+                                        <p:cTn id="11" dur="1" fill="hold">
+                                          <p:stCondLst>
+                                            <p:cond delay="0"/>
+                                          </p:stCondLst>
+                                        </p:cTn>
+                                        <p:tgtEl>
+                                          <p:spTgt spid="168">
+                                            <p:txEl>
+                                              <p:pRg st="2" end="2"/>
+                                            </p:txEl>
+                                          </p:spTgt>
+                                        </p:tgtEl>
+                                        <p:attrNameLst>
+                                          <p:attrName>style.visibility</p:attrName>
+                                        </p:attrNameLst>
+                                      </p:cBhvr>
+                                      <p:to>
+                                        <p:strVal val="visible"/>
+                                      </p:to>
+                                    </p:set>
+                                    <p:animEffect transition="in" filter="fade">
+                                      <p:cBhvr>
+                                        <p:cTn id="12" dur="500"/>
+                                        <p:tgtEl>
+                                          <p:spTgt spid="168">
+                                            <p:txEl>
+                                              <p:pRg st="2" end="2"/>
+                                            </p:txEl>
+                                          </p:spTgt>
+                                        </p:tgtEl>
+                                      </p:cBhvr>
+                                    </p:animEffect>
+                                  </p:childTnLst>
+                                </p:cTn>
+                              </p:par>
+                            </p:childTnLst>
+                          </p:cTn>
+                        </p:par>
+                      </p:childTnLst>
+                    </p:cTn>
+                  </p:par>
+                  <p:par>
+                    <p:cTn id="13" fill="hold">
+                      <p:stCondLst>
+                        <p:cond delay="indefinite"/>
+                      </p:stCondLst>
+                      <p:childTnLst>
+                        <p:par>
+                          <p:cTn id="14" fill="hold">
+                            <p:stCondLst>
+                              <p:cond delay="0"/>
+                            </p:stCondLst>
+                            <p:childTnLst>
+                              <p:par>
+                                <p:cTn id="15" presetID="10" presetClass="entr" presetSubtype="0" fill="hold" nodeType="clickEffect">
+                                  <p:stCondLst>
+                                    <p:cond delay="0"/>
+                                  </p:stCondLst>
+                                  <p:childTnLst>
+                                    <p:set>
+                                      <p:cBhvr>
+                                        <p:cTn id="16" dur="1" fill="hold">
+                                          <p:stCondLst>
+                                            <p:cond delay="0"/>
+                                          </p:stCondLst>
+                                        </p:cTn>
+                                        <p:tgtEl>
+                                          <p:spTgt spid="168">
+                                            <p:txEl>
+                                              <p:pRg st="4" end="4"/>
+                                            </p:txEl>
+                                          </p:spTgt>
+                                        </p:tgtEl>
+                                        <p:attrNameLst>
+                                          <p:attrName>style.visibility</p:attrName>
+                                        </p:attrNameLst>
+                                      </p:cBhvr>
+                                      <p:to>
+                                        <p:strVal val="visible"/>
+                                      </p:to>
+                                    </p:set>
+                                    <p:animEffect transition="in" filter="fade">
+                                      <p:cBhvr>
+                                        <p:cTn id="17" dur="500"/>
+                                        <p:tgtEl>
+                                          <p:spTgt spid="168">
+                                            <p:txEl>
+                                              <p:pRg st="4" end="4"/>
+                                            </p:txEl>
+                                          </p:spTgt>
+                                        </p:tgtEl>
+                                      </p:cBhvr>
+                                    </p:animEffect>
+                                  </p:childTnLst>
+                                </p:cTn>
+                              </p:par>
+                            </p:childTnLst>
+                          </p:cTn>
+                        </p:par>
+                      </p:childTnLst>
+                    </p:cTn>
+                  </p:par>
+                </p:childTnLst>
+              </p:cTn>
+              <p:prevCondLst>
+                <p:cond evt="onPrev" delay="0">
+                  <p:tgtEl>
+                    <p:sldTgt/>
+                  </p:tgtEl>
+                </p:cond>
+              </p:prevCondLst>
+              <p:nextCondLst>
+                <p:cond evt="onNext" delay="0">
+                  <p:tgtEl>
+                    <p:sldTgt/>
+                  </p:tgtEl>
+                </p:cond>
+              </p:nextCondLst>
+            </p:seq>
+          </p:childTnLst>
+        </p:cTn>
+      </p:par>
+    </p:tnLst>
+  </p:timing>
+</p:sld>
+</file>
+
+<file path=ppt/slides/slide11.xml><?xml version="1.0" encoding="utf-8"?>
+<p:sld xmlns:a="http://schemas.openxmlformats.org/drawingml/2006/main" xmlns:r="http://schemas.openxmlformats.org/officeDocument/2006/relationships" xmlns:p="http://schemas.openxmlformats.org/presentationml/2006/main">
+  <p:cSld>
+    <p:spTree>
+      <p:nvGrpSpPr>
+        <p:cNvPr id="1" name="Shape 166"/>
+        <p:cNvGrpSpPr/>
+        <p:nvPr/>
+      </p:nvGrpSpPr>
+      <p:grpSpPr>
+        <a:xfrm>
+          <a:off x="0" y="0"/>
+          <a:ext cx="0" cy="0"/>
+          <a:chOff x="0" y="0"/>
+          <a:chExt cx="0" cy="0"/>
+        </a:xfrm>
+      </p:grpSpPr>
+      <p:sp>
+        <p:nvSpPr>
+          <p:cNvPr id="167" name="Shape 167"/>
+          <p:cNvSpPr txBox="1">
+            <a:spLocks noGrp="1"/>
+          </p:cNvSpPr>
+          <p:nvPr>
+            <p:ph type="title"/>
+          </p:nvPr>
+        </p:nvSpPr>
+        <p:spPr>
+          <a:xfrm>
+            <a:off x="487200" y="133350"/>
+            <a:ext cx="8229600" cy="632367"/>
+          </a:xfrm>
+          <a:prstGeom prst="rect">
+            <a:avLst/>
+          </a:prstGeom>
+        </p:spPr>
+        <p:txBody>
+          <a:bodyPr lIns="91425" tIns="91425" rIns="91425" bIns="91425" anchor="b" anchorCtr="0">
+            <a:noAutofit/>
+          </a:bodyPr>
+          <a:lstStyle/>
+          <a:p>
+            <a:pPr lvl="0"/>
+            <a:r>
+              <a:rPr lang="en-US" dirty="0"/>
+              <a:t>Referential Transparency (TR)</a:t>
+            </a:r>
+            <a:endParaRPr lang="en" dirty="0"/>
+          </a:p>
+        </p:txBody>
+      </p:sp>
+      <p:sp>
+        <p:nvSpPr>
+          <p:cNvPr id="168" name="Shape 168"/>
+          <p:cNvSpPr txBox="1">
+            <a:spLocks noGrp="1"/>
+          </p:cNvSpPr>
+          <p:nvPr>
+            <p:ph type="body" idx="1"/>
+          </p:nvPr>
+        </p:nvSpPr>
+        <p:spPr>
+          <a:xfrm>
+            <a:off x="457200" y="765717"/>
+            <a:ext cx="8229600" cy="4160133"/>
+          </a:xfrm>
+          <a:prstGeom prst="rect">
+            <a:avLst/>
+          </a:prstGeom>
+        </p:spPr>
+        <p:txBody>
+          <a:bodyPr lIns="91425" tIns="91425" rIns="91425" bIns="91425" anchor="t" anchorCtr="0">
+            <a:noAutofit/>
+          </a:bodyPr>
+          <a:lstStyle/>
           <a:p>
             <a:pPr marL="457200" indent="-419100">
               <a:buClr>
@@ -4729,7 +5618,7 @@
             </a:pPr>
             <a:r>
               <a:rPr lang="en-US" sz="2000" dirty="0"/>
-              <a:t>Execution order can be rearranged</a:t>
+              <a:t>An expression e is referentially transparent if for all programs p, every occurrence of e in p can be replaced with the result of evaluating e without changing the meaning of p</a:t>
             </a:r>
           </a:p>
           <a:p>
@@ -4751,10 +5640,70 @@
               <a:buChar char="●"/>
             </a:pPr>
             <a:r>
+              <a:rPr lang="en-US" sz="2000" dirty="0"/>
+              <a:t>A function f is pure if when x is RT, f(x) is also RT</a:t>
+            </a:r>
+          </a:p>
+          <a:p>
+            <a:pPr marL="457200" indent="-419100">
+              <a:buClr>
+                <a:srgbClr val="000000"/>
+              </a:buClr>
+              <a:buFont typeface="Arial"/>
+              <a:buChar char="●"/>
+            </a:pPr>
+            <a:endParaRPr lang="en-US" sz="2000" dirty="0"/>
+          </a:p>
+          <a:p>
+            <a:pPr marL="457200" indent="-419100">
+              <a:buClr>
+                <a:srgbClr val="000000"/>
+              </a:buClr>
+              <a:buFont typeface="Arial"/>
+              <a:buChar char="●"/>
+            </a:pPr>
+            <a:r>
               <a:rPr lang="en-US" sz="2000" dirty="0" err="1"/>
               <a:t>ReferentialTransparencyExample</a:t>
             </a:r>
             <a:endParaRPr lang="en-US" sz="2000" dirty="0"/>
+          </a:p>
+          <a:p>
+            <a:pPr marL="457200" indent="-419100">
+              <a:buClr>
+                <a:srgbClr val="000000"/>
+              </a:buClr>
+              <a:buFont typeface="Arial"/>
+              <a:buChar char="●"/>
+            </a:pPr>
+            <a:endParaRPr lang="en-US" sz="2000" dirty="0"/>
+          </a:p>
+          <a:p>
+            <a:pPr marL="457200" indent="-419100">
+              <a:buClr>
+                <a:srgbClr val="000000"/>
+              </a:buClr>
+              <a:buFont typeface="Arial"/>
+              <a:buChar char="●"/>
+            </a:pPr>
+            <a:r>
+              <a:rPr lang="en-US" sz="2000" dirty="0" err="1"/>
+              <a:t>Memoization</a:t>
+            </a:r>
+            <a:endParaRPr lang="en-US" sz="2000" dirty="0"/>
+          </a:p>
+          <a:p>
+            <a:pPr marL="457200" indent="-419100">
+              <a:buClr>
+                <a:srgbClr val="000000"/>
+              </a:buClr>
+              <a:buFont typeface="Arial"/>
+              <a:buChar char="●"/>
+            </a:pPr>
+            <a:r>
+              <a:rPr lang="en-US" sz="2000" dirty="0"/>
+              <a:t>Execution order can be rearranged</a:t>
+            </a:r>
           </a:p>
         </p:txBody>
       </p:sp>
@@ -4990,7 +5939,7 @@
                                         <p:tgtEl>
                                           <p:spTgt spid="168">
                                             <p:txEl>
-                                              <p:pRg st="5" end="5"/>
+                                              <p:pRg st="6" end="6"/>
                                             </p:txEl>
                                           </p:spTgt>
                                         </p:tgtEl>
@@ -5008,7 +5957,7 @@
                                         <p:tgtEl>
                                           <p:spTgt spid="168">
                                             <p:txEl>
-                                              <p:pRg st="5" end="5"/>
+                                              <p:pRg st="6" end="6"/>
                                             </p:txEl>
                                           </p:spTgt>
                                         </p:tgtEl>
@@ -5109,7 +6058,7 @@
 </p:sld>
 </file>
 
-<file path=ppt/slides/slide11.xml><?xml version="1.0" encoding="utf-8"?>
+<file path=ppt/slides/slide12.xml><?xml version="1.0" encoding="utf-8"?>
 <p:sld xmlns:a="http://schemas.openxmlformats.org/drawingml/2006/main" xmlns:r="http://schemas.openxmlformats.org/officeDocument/2006/relationships" xmlns:p="http://schemas.openxmlformats.org/presentationml/2006/main">
   <p:cSld>
     <p:spTree>
@@ -5193,7 +6142,7 @@
               <a:buChar char="●"/>
             </a:pPr>
             <a:r>
-              <a:rPr lang="en-US" sz="2000" dirty="0"/>
+              <a:rPr lang="en-US" sz="2400" dirty="0"/>
               <a:t>Functions are First Class Citizens</a:t>
             </a:r>
           </a:p>
@@ -5206,7 +6155,7 @@
               <a:buChar char="o"/>
             </a:pPr>
             <a:r>
-              <a:rPr lang="en-US" sz="1600" dirty="0"/>
+              <a:rPr lang="en-US" sz="1800" dirty="0"/>
               <a:t>We can define variables that hold function</a:t>
             </a:r>
           </a:p>
@@ -5219,7 +6168,7 @@
               <a:buChar char="o"/>
             </a:pPr>
             <a:r>
-              <a:rPr lang="en-US" sz="1600" dirty="0"/>
+              <a:rPr lang="en-US" sz="1800" dirty="0"/>
               <a:t>We can pass function around as data or variables</a:t>
             </a:r>
           </a:p>
@@ -5231,7 +6180,7 @@
               <a:buFont typeface="Courier New" panose="02070309020205020404" pitchFamily="49" charset="0"/>
               <a:buChar char="o"/>
             </a:pPr>
-            <a:endParaRPr lang="en-US" sz="1600" dirty="0"/>
+            <a:endParaRPr lang="en-US" sz="1800" dirty="0"/>
           </a:p>
           <a:p>
             <a:pPr marL="457200" indent="-419100">
@@ -5242,7 +6191,7 @@
               <a:buChar char="●"/>
             </a:pPr>
             <a:r>
-              <a:rPr lang="en-US" sz="2000" dirty="0"/>
+              <a:rPr lang="en-US" sz="2400" dirty="0"/>
               <a:t>Higher order functions</a:t>
             </a:r>
           </a:p>
@@ -5255,7 +6204,7 @@
               <a:buChar char="o"/>
             </a:pPr>
             <a:r>
-              <a:rPr lang="en-US" sz="1600" dirty="0"/>
+              <a:rPr lang="en-US" sz="1800" dirty="0"/>
               <a:t>Function that take another function as parameter</a:t>
             </a:r>
           </a:p>
@@ -5268,7 +6217,7 @@
               <a:buChar char="o"/>
             </a:pPr>
             <a:r>
-              <a:rPr lang="en-US" sz="1600" dirty="0"/>
+              <a:rPr lang="en-US" sz="1800" dirty="0"/>
               <a:t>Function that return another function</a:t>
             </a:r>
           </a:p>
@@ -5281,7 +6230,7 @@
               <a:buChar char="o"/>
             </a:pPr>
             <a:r>
-              <a:rPr lang="en-US" sz="1600" dirty="0"/>
+              <a:rPr lang="en-US" sz="1800" dirty="0"/>
               <a:t>Function that create another function</a:t>
             </a:r>
           </a:p>
@@ -5293,7 +6242,7 @@
               <a:buFont typeface="Courier New" panose="02070309020205020404" pitchFamily="49" charset="0"/>
               <a:buChar char="o"/>
             </a:pPr>
-            <a:endParaRPr lang="en-US" sz="1600" dirty="0"/>
+            <a:endParaRPr lang="en-US" sz="1800" dirty="0"/>
           </a:p>
           <a:p>
             <a:pPr marL="457200" indent="-419100">
@@ -5304,67 +6253,13 @@
               <a:buChar char="●"/>
             </a:pPr>
             <a:r>
-              <a:rPr lang="en-US" sz="2000" dirty="0"/>
-              <a:t>Imperative vs Declarative</a:t>
+              <a:rPr lang="en-US" sz="2400" dirty="0"/>
+              <a:t>Let us look at some examples of Higher order functions</a:t>
             </a:r>
-          </a:p>
-          <a:p>
-            <a:pPr marL="287338" lvl="1">
-              <a:buClr>
-                <a:srgbClr val="000000"/>
-              </a:buClr>
-            </a:pPr>
-            <a:endParaRPr lang="en-US" sz="1600" dirty="0"/>
+            <a:endParaRPr lang="en-US" sz="1800" dirty="0"/>
           </a:p>
         </p:txBody>
       </p:sp>
-      <p:pic>
-        <p:nvPicPr>
-          <p:cNvPr id="6" name="Picture 4" descr="Image result for imperative vs declarative programming">
-            <a:extLst>
-              <a:ext uri="{FF2B5EF4-FFF2-40B4-BE49-F238E27FC236}">
-                <a16:creationId xmlns:a16="http://schemas.microsoft.com/office/drawing/2014/main" id="{DA26CD46-3538-40B7-9563-7842564DE2CF}"/>
-              </a:ext>
-            </a:extLst>
-          </p:cNvPr>
-          <p:cNvPicPr>
-            <a:picLocks noChangeAspect="1" noChangeArrowheads="1"/>
-          </p:cNvPicPr>
-          <p:nvPr/>
-        </p:nvPicPr>
-        <p:blipFill>
-          <a:blip r:embed="rId3">
-            <a:extLst>
-              <a:ext uri="{28A0092B-C50C-407E-A947-70E740481C1C}">
-                <a14:useLocalDpi xmlns:a14="http://schemas.microsoft.com/office/drawing/2010/main" val="0"/>
-              </a:ext>
-            </a:extLst>
-          </a:blip>
-          <a:srcRect/>
-          <a:stretch>
-            <a:fillRect/>
-          </a:stretch>
-        </p:blipFill>
-        <p:spPr bwMode="auto">
-          <a:xfrm>
-            <a:off x="1066800" y="3562350"/>
-            <a:ext cx="2680200" cy="1281233"/>
-          </a:xfrm>
-          <a:prstGeom prst="rect">
-            <a:avLst/>
-          </a:prstGeom>
-          <a:noFill/>
-          <a:extLst>
-            <a:ext uri="{909E8E84-426E-40DD-AFC4-6F175D3DCCD1}">
-              <a14:hiddenFill xmlns:a14="http://schemas.microsoft.com/office/drawing/2010/main">
-                <a:solidFill>
-                  <a:srgbClr val="FFFFFF"/>
-                </a:solidFill>
-              </a14:hiddenFill>
-            </a:ext>
-          </a:extLst>
-        </p:spPr>
-      </p:pic>
       <p:sp>
         <p:nvSpPr>
           <p:cNvPr id="7" name="Shape 168">
@@ -5622,21 +6517,7 @@
                 <a:srgbClr val="000000"/>
               </a:buClr>
             </a:pPr>
-            <a:r>
-              <a:rPr lang="en-US" sz="1600" dirty="0"/>
-              <a:t>Let us look at some examples of Imperative vs Declarative code</a:t>
-            </a:r>
-          </a:p>
-          <a:p>
-            <a:pPr marL="287338" lvl="1">
-              <a:buClr>
-                <a:srgbClr val="000000"/>
-              </a:buClr>
-            </a:pPr>
-            <a:r>
-              <a:rPr lang="en-US" sz="1600" dirty="0"/>
-              <a:t>and Higher Order functions</a:t>
-            </a:r>
+            <a:endParaRPr lang="en-US" sz="1600" dirty="0"/>
           </a:p>
         </p:txBody>
       </p:sp>
@@ -6053,41 +6934,6 @@
                                   </p:childTnLst>
                                 </p:cTn>
                               </p:par>
-                              <p:par>
-                                <p:cTn id="33" presetID="10" presetClass="entr" presetSubtype="0" fill="hold" nodeType="withEffect">
-                                  <p:stCondLst>
-                                    <p:cond delay="0"/>
-                                  </p:stCondLst>
-                                  <p:childTnLst>
-                                    <p:set>
-                                      <p:cBhvr>
-                                        <p:cTn id="34" dur="1" fill="hold">
-                                          <p:stCondLst>
-                                            <p:cond delay="0"/>
-                                          </p:stCondLst>
-                                        </p:cTn>
-                                        <p:tgtEl>
-                                          <p:spTgt spid="6"/>
-                                        </p:tgtEl>
-                                        <p:attrNameLst>
-                                          <p:attrName>style.visibility</p:attrName>
-                                        </p:attrNameLst>
-                                      </p:cBhvr>
-                                      <p:to>
-                                        <p:strVal val="visible"/>
-                                      </p:to>
-                                    </p:set>
-                                    <p:animEffect transition="in" filter="fade">
-                                      <p:cBhvr>
-                                        <p:cTn id="35" dur="500"/>
-                                        <p:tgtEl>
-                                          <p:spTgt spid="6"/>
-                                        </p:tgtEl>
-                                      </p:cBhvr>
-                                    </p:animEffect>
-                                  </p:childTnLst>
-                                </p:cTn>
-                              </p:par>
                             </p:childTnLst>
                           </p:cTn>
                         </p:par>
@@ -6095,26 +6941,31 @@
                     </p:cTn>
                   </p:par>
                   <p:par>
-                    <p:cTn id="36" fill="hold">
+                    <p:cTn id="33" fill="hold">
                       <p:stCondLst>
                         <p:cond delay="indefinite"/>
                       </p:stCondLst>
                       <p:childTnLst>
                         <p:par>
-                          <p:cTn id="37" fill="hold">
+                          <p:cTn id="34" fill="hold">
                             <p:stCondLst>
                               <p:cond delay="0"/>
                             </p:stCondLst>
                             <p:childTnLst>
                               <p:par>
-                                <p:cTn id="38" presetID="10" presetClass="entr" presetSubtype="0" fill="hold" grpId="0" nodeType="clickEffect">
+                                <p:cTn id="35" presetID="10" presetClass="entr" presetSubtype="0" fill="hold" grpId="0" nodeType="clickEffect" nodePh="1">
                                   <p:stCondLst>
                                     <p:cond delay="0"/>
                                   </p:stCondLst>
+                                  <p:endCondLst>
+                                    <p:cond evt="begin" delay="0">
+                                      <p:tn val="35"/>
+                                    </p:cond>
+                                  </p:endCondLst>
                                   <p:childTnLst>
                                     <p:set>
                                       <p:cBhvr>
-                                        <p:cTn id="39" dur="1" fill="hold">
+                                        <p:cTn id="36" dur="1" fill="hold">
                                           <p:stCondLst>
                                             <p:cond delay="0"/>
                                           </p:stCondLst>
@@ -6136,54 +6987,11 @@
                                     </p:set>
                                     <p:animEffect transition="in" filter="fade">
                                       <p:cBhvr>
-                                        <p:cTn id="40" dur="500"/>
+                                        <p:cTn id="37" dur="500"/>
                                         <p:tgtEl>
                                           <p:spTgt spid="7">
                                             <p:txEl>
                                               <p:pRg st="0" end="0"/>
-                                            </p:txEl>
-                                          </p:spTgt>
-                                        </p:tgtEl>
-                                      </p:cBhvr>
-                                    </p:animEffect>
-                                  </p:childTnLst>
-                                </p:cTn>
-                              </p:par>
-                              <p:par>
-                                <p:cTn id="41" presetID="10" presetClass="entr" presetSubtype="0" fill="hold" grpId="0" nodeType="withEffect">
-                                  <p:stCondLst>
-                                    <p:cond delay="0"/>
-                                  </p:stCondLst>
-                                  <p:childTnLst>
-                                    <p:set>
-                                      <p:cBhvr>
-                                        <p:cTn id="42" dur="1" fill="hold">
-                                          <p:stCondLst>
-                                            <p:cond delay="0"/>
-                                          </p:stCondLst>
-                                        </p:cTn>
-                                        <p:tgtEl>
-                                          <p:spTgt spid="7">
-                                            <p:txEl>
-                                              <p:pRg st="1" end="1"/>
-                                            </p:txEl>
-                                          </p:spTgt>
-                                        </p:tgtEl>
-                                        <p:attrNameLst>
-                                          <p:attrName>style.visibility</p:attrName>
-                                        </p:attrNameLst>
-                                      </p:cBhvr>
-                                      <p:to>
-                                        <p:strVal val="visible"/>
-                                      </p:to>
-                                    </p:set>
-                                    <p:animEffect transition="in" filter="fade">
-                                      <p:cBhvr>
-                                        <p:cTn id="43" dur="500"/>
-                                        <p:tgtEl>
-                                          <p:spTgt spid="7">
-                                            <p:txEl>
-                                              <p:pRg st="1" end="1"/>
                                             </p:txEl>
                                           </p:spTgt>
                                         </p:tgtEl>
@@ -6227,7 +7035,7 @@
 </p:sld>
 </file>
 
-<file path=ppt/slides/slide12.xml><?xml version="1.0" encoding="utf-8"?>
+<file path=ppt/slides/slide13.xml><?xml version="1.0" encoding="utf-8"?>
 <p:sld xmlns:a="http://schemas.openxmlformats.org/drawingml/2006/main" xmlns:r="http://schemas.openxmlformats.org/officeDocument/2006/relationships" xmlns:p="http://schemas.openxmlformats.org/presentationml/2006/main">
   <p:cSld>
     <p:spTree>
@@ -6595,7 +7403,567 @@
 </p:sld>
 </file>
 
-<file path=ppt/slides/slide13.xml><?xml version="1.0" encoding="utf-8"?>
+<file path=ppt/slides/slide14.xml><?xml version="1.0" encoding="utf-8"?>
+<p:sld xmlns:a="http://schemas.openxmlformats.org/drawingml/2006/main" xmlns:r="http://schemas.openxmlformats.org/officeDocument/2006/relationships" xmlns:p="http://schemas.openxmlformats.org/presentationml/2006/main">
+  <p:cSld>
+    <p:spTree>
+      <p:nvGrpSpPr>
+        <p:cNvPr id="1" name="Shape 166"/>
+        <p:cNvGrpSpPr/>
+        <p:nvPr/>
+      </p:nvGrpSpPr>
+      <p:grpSpPr>
+        <a:xfrm>
+          <a:off x="0" y="0"/>
+          <a:ext cx="0" cy="0"/>
+          <a:chOff x="0" y="0"/>
+          <a:chExt cx="0" cy="0"/>
+        </a:xfrm>
+      </p:grpSpPr>
+      <p:sp>
+        <p:nvSpPr>
+          <p:cNvPr id="167" name="Shape 167"/>
+          <p:cNvSpPr txBox="1">
+            <a:spLocks noGrp="1"/>
+          </p:cNvSpPr>
+          <p:nvPr>
+            <p:ph type="title"/>
+          </p:nvPr>
+        </p:nvSpPr>
+        <p:spPr>
+          <a:xfrm>
+            <a:off x="487200" y="133350"/>
+            <a:ext cx="8229600" cy="632367"/>
+          </a:xfrm>
+          <a:prstGeom prst="rect">
+            <a:avLst/>
+          </a:prstGeom>
+        </p:spPr>
+        <p:txBody>
+          <a:bodyPr lIns="91425" tIns="91425" rIns="91425" bIns="91425" anchor="b" anchorCtr="0">
+            <a:noAutofit/>
+          </a:bodyPr>
+          <a:lstStyle/>
+          <a:p>
+            <a:pPr lvl="0"/>
+            <a:r>
+              <a:rPr lang="en-US" dirty="0"/>
+              <a:t>Function Types in Java 8</a:t>
+            </a:r>
+            <a:endParaRPr lang="en" dirty="0"/>
+          </a:p>
+        </p:txBody>
+      </p:sp>
+      <p:sp>
+        <p:nvSpPr>
+          <p:cNvPr id="168" name="Shape 168"/>
+          <p:cNvSpPr txBox="1">
+            <a:spLocks noGrp="1"/>
+          </p:cNvSpPr>
+          <p:nvPr>
+            <p:ph type="body" idx="1"/>
+          </p:nvPr>
+        </p:nvSpPr>
+        <p:spPr>
+          <a:xfrm>
+            <a:off x="457200" y="765717"/>
+            <a:ext cx="8229600" cy="4160133"/>
+          </a:xfrm>
+          <a:prstGeom prst="rect">
+            <a:avLst/>
+          </a:prstGeom>
+        </p:spPr>
+        <p:txBody>
+          <a:bodyPr lIns="91425" tIns="91425" rIns="91425" bIns="91425" anchor="t" anchorCtr="0">
+            <a:noAutofit/>
+          </a:bodyPr>
+          <a:lstStyle/>
+          <a:p>
+            <a:pPr marL="457200" lvl="0" indent="-419100">
+              <a:buClr>
+                <a:srgbClr val="000000"/>
+              </a:buClr>
+              <a:buFont typeface="Arial"/>
+              <a:buChar char="●"/>
+            </a:pPr>
+            <a:r>
+              <a:rPr lang="en-US" sz="2400" dirty="0"/>
+              <a:t>Java is statically type language.</a:t>
+            </a:r>
+          </a:p>
+          <a:p>
+            <a:pPr marL="457200" lvl="0" indent="-419100">
+              <a:buClr>
+                <a:srgbClr val="000000"/>
+              </a:buClr>
+              <a:buFont typeface="Arial"/>
+              <a:buChar char="●"/>
+            </a:pPr>
+            <a:endParaRPr lang="en-US" sz="2400" dirty="0"/>
+          </a:p>
+          <a:p>
+            <a:pPr marL="457200" lvl="0" indent="-419100">
+              <a:buClr>
+                <a:srgbClr val="000000"/>
+              </a:buClr>
+              <a:buFont typeface="Arial"/>
+              <a:buChar char="●"/>
+            </a:pPr>
+            <a:r>
+              <a:rPr lang="en-US" sz="2400" dirty="0"/>
+              <a:t>Everything must have a “type”</a:t>
+            </a:r>
+          </a:p>
+          <a:p>
+            <a:pPr marL="457200" lvl="0" indent="-419100">
+              <a:buClr>
+                <a:srgbClr val="000000"/>
+              </a:buClr>
+              <a:buFont typeface="Arial"/>
+              <a:buChar char="●"/>
+            </a:pPr>
+            <a:endParaRPr lang="en-US" sz="2400" dirty="0"/>
+          </a:p>
+          <a:p>
+            <a:pPr marL="457200" indent="-419100">
+              <a:buClr>
+                <a:srgbClr val="000000"/>
+              </a:buClr>
+              <a:buFont typeface="Arial"/>
+              <a:buChar char="●"/>
+            </a:pPr>
+            <a:r>
+              <a:rPr lang="en-US" sz="2400" dirty="0"/>
+              <a:t>What is the “type” of function:</a:t>
+            </a:r>
+          </a:p>
+          <a:p>
+            <a:pPr marL="627063" lvl="1" indent="-339725">
+              <a:buClr>
+                <a:srgbClr val="000000"/>
+              </a:buClr>
+              <a:buFont typeface="Courier New" panose="02070309020205020404" pitchFamily="49" charset="0"/>
+              <a:buChar char="o"/>
+            </a:pPr>
+            <a:r>
+              <a:rPr lang="en-US" sz="1800" dirty="0" err="1"/>
+              <a:t>num</a:t>
+            </a:r>
+            <a:r>
+              <a:rPr lang="en-US" sz="1800" dirty="0"/>
+              <a:t> -&gt; </a:t>
+            </a:r>
+            <a:r>
+              <a:rPr lang="en-US" sz="1800" dirty="0" err="1"/>
+              <a:t>num</a:t>
+            </a:r>
+            <a:r>
+              <a:rPr lang="en-US" sz="1800" dirty="0"/>
+              <a:t> *2</a:t>
+            </a:r>
+          </a:p>
+          <a:p>
+            <a:pPr marL="627063" lvl="1" indent="-339725">
+              <a:buClr>
+                <a:srgbClr val="000000"/>
+              </a:buClr>
+              <a:buFont typeface="Courier New" panose="02070309020205020404" pitchFamily="49" charset="0"/>
+              <a:buChar char="o"/>
+            </a:pPr>
+            <a:r>
+              <a:rPr lang="en-US" sz="1800" dirty="0" err="1"/>
+              <a:t>lang</a:t>
+            </a:r>
+            <a:r>
+              <a:rPr lang="en-US" sz="1800" dirty="0"/>
+              <a:t> -&gt; </a:t>
+            </a:r>
+            <a:r>
+              <a:rPr lang="en-US" sz="1800" dirty="0" err="1"/>
+              <a:t>lang.startsWith</a:t>
+            </a:r>
+            <a:r>
+              <a:rPr lang="en-US" sz="1800" dirty="0"/>
+              <a:t>(“java”)</a:t>
+            </a:r>
+          </a:p>
+          <a:p>
+            <a:pPr marL="627063" lvl="1" indent="-339725">
+              <a:buClr>
+                <a:srgbClr val="000000"/>
+              </a:buClr>
+              <a:buFont typeface="Courier New" panose="02070309020205020404" pitchFamily="49" charset="0"/>
+              <a:buChar char="o"/>
+            </a:pPr>
+            <a:r>
+              <a:rPr lang="en-US" sz="1800" dirty="0"/>
+              <a:t>(num1, num2) -&gt; num1 + num2</a:t>
+            </a:r>
+          </a:p>
+        </p:txBody>
+      </p:sp>
+    </p:spTree>
+    <p:extLst>
+      <p:ext uri="{BB962C8B-B14F-4D97-AF65-F5344CB8AC3E}">
+        <p14:creationId xmlns:p14="http://schemas.microsoft.com/office/powerpoint/2010/main" val="771486675"/>
+      </p:ext>
+    </p:extLst>
+  </p:cSld>
+  <p:clrMapOvr>
+    <a:masterClrMapping/>
+  </p:clrMapOvr>
+  <p:transition spd="slow">
+    <p:cut/>
+  </p:transition>
+  <p:timing>
+    <p:tnLst>
+      <p:par>
+        <p:cTn id="1" dur="indefinite" restart="never" nodeType="tmRoot">
+          <p:childTnLst>
+            <p:seq concurrent="1" nextAc="seek">
+              <p:cTn id="2" dur="indefinite" nodeType="mainSeq">
+                <p:childTnLst>
+                  <p:par>
+                    <p:cTn id="3" fill="hold">
+                      <p:stCondLst>
+                        <p:cond delay="indefinite"/>
+                      </p:stCondLst>
+                      <p:childTnLst>
+                        <p:par>
+                          <p:cTn id="4" fill="hold">
+                            <p:stCondLst>
+                              <p:cond delay="0"/>
+                            </p:stCondLst>
+                            <p:childTnLst>
+                              <p:par>
+                                <p:cTn id="5" presetID="10" presetClass="entr" presetSubtype="0" fill="hold" grpId="0" nodeType="clickEffect">
+                                  <p:stCondLst>
+                                    <p:cond delay="0"/>
+                                  </p:stCondLst>
+                                  <p:childTnLst>
+                                    <p:set>
+                                      <p:cBhvr>
+                                        <p:cTn id="6" dur="1" fill="hold">
+                                          <p:stCondLst>
+                                            <p:cond delay="0"/>
+                                          </p:stCondLst>
+                                        </p:cTn>
+                                        <p:tgtEl>
+                                          <p:spTgt spid="168">
+                                            <p:txEl>
+                                              <p:pRg st="0" end="0"/>
+                                            </p:txEl>
+                                          </p:spTgt>
+                                        </p:tgtEl>
+                                        <p:attrNameLst>
+                                          <p:attrName>style.visibility</p:attrName>
+                                        </p:attrNameLst>
+                                      </p:cBhvr>
+                                      <p:to>
+                                        <p:strVal val="visible"/>
+                                      </p:to>
+                                    </p:set>
+                                    <p:animEffect transition="in" filter="fade">
+                                      <p:cBhvr>
+                                        <p:cTn id="7" dur="500"/>
+                                        <p:tgtEl>
+                                          <p:spTgt spid="168">
+                                            <p:txEl>
+                                              <p:pRg st="0" end="0"/>
+                                            </p:txEl>
+                                          </p:spTgt>
+                                        </p:tgtEl>
+                                      </p:cBhvr>
+                                    </p:animEffect>
+                                  </p:childTnLst>
+                                </p:cTn>
+                              </p:par>
+                            </p:childTnLst>
+                          </p:cTn>
+                        </p:par>
+                      </p:childTnLst>
+                    </p:cTn>
+                  </p:par>
+                  <p:par>
+                    <p:cTn id="8" fill="hold">
+                      <p:stCondLst>
+                        <p:cond delay="indefinite"/>
+                      </p:stCondLst>
+                      <p:childTnLst>
+                        <p:par>
+                          <p:cTn id="9" fill="hold">
+                            <p:stCondLst>
+                              <p:cond delay="0"/>
+                            </p:stCondLst>
+                            <p:childTnLst>
+                              <p:par>
+                                <p:cTn id="10" presetID="10" presetClass="entr" presetSubtype="0" fill="hold" grpId="0" nodeType="clickEffect">
+                                  <p:stCondLst>
+                                    <p:cond delay="0"/>
+                                  </p:stCondLst>
+                                  <p:childTnLst>
+                                    <p:set>
+                                      <p:cBhvr>
+                                        <p:cTn id="11" dur="1" fill="hold">
+                                          <p:stCondLst>
+                                            <p:cond delay="0"/>
+                                          </p:stCondLst>
+                                        </p:cTn>
+                                        <p:tgtEl>
+                                          <p:spTgt spid="168">
+                                            <p:txEl>
+                                              <p:pRg st="2" end="2"/>
+                                            </p:txEl>
+                                          </p:spTgt>
+                                        </p:tgtEl>
+                                        <p:attrNameLst>
+                                          <p:attrName>style.visibility</p:attrName>
+                                        </p:attrNameLst>
+                                      </p:cBhvr>
+                                      <p:to>
+                                        <p:strVal val="visible"/>
+                                      </p:to>
+                                    </p:set>
+                                    <p:animEffect transition="in" filter="fade">
+                                      <p:cBhvr>
+                                        <p:cTn id="12" dur="500"/>
+                                        <p:tgtEl>
+                                          <p:spTgt spid="168">
+                                            <p:txEl>
+                                              <p:pRg st="2" end="2"/>
+                                            </p:txEl>
+                                          </p:spTgt>
+                                        </p:tgtEl>
+                                      </p:cBhvr>
+                                    </p:animEffect>
+                                  </p:childTnLst>
+                                </p:cTn>
+                              </p:par>
+                            </p:childTnLst>
+                          </p:cTn>
+                        </p:par>
+                      </p:childTnLst>
+                    </p:cTn>
+                  </p:par>
+                  <p:par>
+                    <p:cTn id="13" fill="hold">
+                      <p:stCondLst>
+                        <p:cond delay="indefinite"/>
+                      </p:stCondLst>
+                      <p:childTnLst>
+                        <p:par>
+                          <p:cTn id="14" fill="hold">
+                            <p:stCondLst>
+                              <p:cond delay="0"/>
+                            </p:stCondLst>
+                            <p:childTnLst>
+                              <p:par>
+                                <p:cTn id="15" presetID="10" presetClass="entr" presetSubtype="0" fill="hold" grpId="0" nodeType="clickEffect">
+                                  <p:stCondLst>
+                                    <p:cond delay="0"/>
+                                  </p:stCondLst>
+                                  <p:childTnLst>
+                                    <p:set>
+                                      <p:cBhvr>
+                                        <p:cTn id="16" dur="1" fill="hold">
+                                          <p:stCondLst>
+                                            <p:cond delay="0"/>
+                                          </p:stCondLst>
+                                        </p:cTn>
+                                        <p:tgtEl>
+                                          <p:spTgt spid="168">
+                                            <p:txEl>
+                                              <p:pRg st="4" end="4"/>
+                                            </p:txEl>
+                                          </p:spTgt>
+                                        </p:tgtEl>
+                                        <p:attrNameLst>
+                                          <p:attrName>style.visibility</p:attrName>
+                                        </p:attrNameLst>
+                                      </p:cBhvr>
+                                      <p:to>
+                                        <p:strVal val="visible"/>
+                                      </p:to>
+                                    </p:set>
+                                    <p:animEffect transition="in" filter="fade">
+                                      <p:cBhvr>
+                                        <p:cTn id="17" dur="500"/>
+                                        <p:tgtEl>
+                                          <p:spTgt spid="168">
+                                            <p:txEl>
+                                              <p:pRg st="4" end="4"/>
+                                            </p:txEl>
+                                          </p:spTgt>
+                                        </p:tgtEl>
+                                      </p:cBhvr>
+                                    </p:animEffect>
+                                  </p:childTnLst>
+                                </p:cTn>
+                              </p:par>
+                              <p:par>
+                                <p:cTn id="18" presetID="10" presetClass="entr" presetSubtype="0" fill="hold" grpId="0" nodeType="withEffect">
+                                  <p:stCondLst>
+                                    <p:cond delay="0"/>
+                                  </p:stCondLst>
+                                  <p:childTnLst>
+                                    <p:set>
+                                      <p:cBhvr>
+                                        <p:cTn id="19" dur="1" fill="hold">
+                                          <p:stCondLst>
+                                            <p:cond delay="0"/>
+                                          </p:stCondLst>
+                                        </p:cTn>
+                                        <p:tgtEl>
+                                          <p:spTgt spid="168">
+                                            <p:txEl>
+                                              <p:pRg st="5" end="5"/>
+                                            </p:txEl>
+                                          </p:spTgt>
+                                        </p:tgtEl>
+                                        <p:attrNameLst>
+                                          <p:attrName>style.visibility</p:attrName>
+                                        </p:attrNameLst>
+                                      </p:cBhvr>
+                                      <p:to>
+                                        <p:strVal val="visible"/>
+                                      </p:to>
+                                    </p:set>
+                                    <p:animEffect transition="in" filter="fade">
+                                      <p:cBhvr>
+                                        <p:cTn id="20" dur="500"/>
+                                        <p:tgtEl>
+                                          <p:spTgt spid="168">
+                                            <p:txEl>
+                                              <p:pRg st="5" end="5"/>
+                                            </p:txEl>
+                                          </p:spTgt>
+                                        </p:tgtEl>
+                                      </p:cBhvr>
+                                    </p:animEffect>
+                                  </p:childTnLst>
+                                </p:cTn>
+                              </p:par>
+                              <p:par>
+                                <p:cTn id="21" presetID="10" presetClass="entr" presetSubtype="0" fill="hold" grpId="0" nodeType="withEffect">
+                                  <p:stCondLst>
+                                    <p:cond delay="0"/>
+                                  </p:stCondLst>
+                                  <p:childTnLst>
+                                    <p:set>
+                                      <p:cBhvr>
+                                        <p:cTn id="22" dur="1" fill="hold">
+                                          <p:stCondLst>
+                                            <p:cond delay="0"/>
+                                          </p:stCondLst>
+                                        </p:cTn>
+                                        <p:tgtEl>
+                                          <p:spTgt spid="168">
+                                            <p:txEl>
+                                              <p:pRg st="6" end="6"/>
+                                            </p:txEl>
+                                          </p:spTgt>
+                                        </p:tgtEl>
+                                        <p:attrNameLst>
+                                          <p:attrName>style.visibility</p:attrName>
+                                        </p:attrNameLst>
+                                      </p:cBhvr>
+                                      <p:to>
+                                        <p:strVal val="visible"/>
+                                      </p:to>
+                                    </p:set>
+                                    <p:animEffect transition="in" filter="fade">
+                                      <p:cBhvr>
+                                        <p:cTn id="23" dur="500"/>
+                                        <p:tgtEl>
+                                          <p:spTgt spid="168">
+                                            <p:txEl>
+                                              <p:pRg st="6" end="6"/>
+                                            </p:txEl>
+                                          </p:spTgt>
+                                        </p:tgtEl>
+                                      </p:cBhvr>
+                                    </p:animEffect>
+                                  </p:childTnLst>
+                                </p:cTn>
+                              </p:par>
+                              <p:par>
+                                <p:cTn id="24" presetID="10" presetClass="entr" presetSubtype="0" fill="hold" grpId="0" nodeType="withEffect">
+                                  <p:stCondLst>
+                                    <p:cond delay="0"/>
+                                  </p:stCondLst>
+                                  <p:childTnLst>
+                                    <p:set>
+                                      <p:cBhvr>
+                                        <p:cTn id="25" dur="1" fill="hold">
+                                          <p:stCondLst>
+                                            <p:cond delay="0"/>
+                                          </p:stCondLst>
+                                        </p:cTn>
+                                        <p:tgtEl>
+                                          <p:spTgt spid="168">
+                                            <p:txEl>
+                                              <p:pRg st="7" end="7"/>
+                                            </p:txEl>
+                                          </p:spTgt>
+                                        </p:tgtEl>
+                                        <p:attrNameLst>
+                                          <p:attrName>style.visibility</p:attrName>
+                                        </p:attrNameLst>
+                                      </p:cBhvr>
+                                      <p:to>
+                                        <p:strVal val="visible"/>
+                                      </p:to>
+                                    </p:set>
+                                    <p:animEffect transition="in" filter="fade">
+                                      <p:cBhvr>
+                                        <p:cTn id="26" dur="500"/>
+                                        <p:tgtEl>
+                                          <p:spTgt spid="168">
+                                            <p:txEl>
+                                              <p:pRg st="7" end="7"/>
+                                            </p:txEl>
+                                          </p:spTgt>
+                                        </p:tgtEl>
+                                      </p:cBhvr>
+                                    </p:animEffect>
+                                  </p:childTnLst>
+                                </p:cTn>
+                              </p:par>
+                            </p:childTnLst>
+                          </p:cTn>
+                        </p:par>
+                      </p:childTnLst>
+                    </p:cTn>
+                  </p:par>
+                </p:childTnLst>
+              </p:cTn>
+              <p:prevCondLst>
+                <p:cond evt="onPrev" delay="0">
+                  <p:tgtEl>
+                    <p:sldTgt/>
+                  </p:tgtEl>
+                </p:cond>
+              </p:prevCondLst>
+              <p:nextCondLst>
+                <p:cond evt="onNext" delay="0">
+                  <p:tgtEl>
+                    <p:sldTgt/>
+                  </p:tgtEl>
+                </p:cond>
+              </p:nextCondLst>
+            </p:seq>
+          </p:childTnLst>
+        </p:cTn>
+      </p:par>
+    </p:tnLst>
+    <p:bldLst>
+      <p:bldP spid="168" grpId="0" build="p"/>
+    </p:bldLst>
+  </p:timing>
+</p:sld>
+</file>
+
+<file path=ppt/slides/slide15.xml><?xml version="1.0" encoding="utf-8"?>
 <p:sld xmlns:a="http://schemas.openxmlformats.org/drawingml/2006/main" xmlns:r="http://schemas.openxmlformats.org/officeDocument/2006/relationships" xmlns:p="http://schemas.openxmlformats.org/presentationml/2006/main">
   <p:cSld>
     <p:spTree>
@@ -6888,7 +8256,7 @@
 </p:sld>
 </file>
 
-<file path=ppt/slides/slide14.xml><?xml version="1.0" encoding="utf-8"?>
+<file path=ppt/slides/slide16.xml><?xml version="1.0" encoding="utf-8"?>
 <p:sld xmlns:a="http://schemas.openxmlformats.org/drawingml/2006/main" xmlns:r="http://schemas.openxmlformats.org/officeDocument/2006/relationships" xmlns:p="http://schemas.openxmlformats.org/presentationml/2006/main">
   <p:cSld>
     <p:spTree>
@@ -6930,15 +8298,10 @@
           </a:bodyPr>
           <a:lstStyle/>
           <a:p>
-            <a:pPr lvl="0" rtl="0">
-              <a:spcBef>
-                <a:spcPts val="0"/>
-              </a:spcBef>
-              <a:buNone/>
-            </a:pPr>
+            <a:pPr lvl="0"/>
             <a:r>
               <a:rPr lang="en-US" dirty="0"/>
-              <a:t>What is not covered</a:t>
+              <a:t>Exception handling with Try</a:t>
             </a:r>
             <a:endParaRPr lang="en" dirty="0"/>
           </a:p>
@@ -6978,7 +8341,23 @@
             </a:pPr>
             <a:r>
               <a:rPr lang="en-US" sz="2400" dirty="0"/>
-              <a:t>Persistent Data Structures</a:t>
+              <a:t>The purpose of the class is to provide a type-level solution for representing exception values instead of (playing!) </a:t>
+            </a:r>
+            <a:r>
+              <a:rPr lang="en-US" sz="2400" i="1" u="sng" dirty="0"/>
+              <a:t>throw</a:t>
+            </a:r>
+            <a:r>
+              <a:rPr lang="en-US" sz="2400" i="1" dirty="0"/>
+              <a:t> and </a:t>
+            </a:r>
+            <a:r>
+              <a:rPr lang="en-US" sz="2400" i="1" u="sng" dirty="0"/>
+              <a:t>catch</a:t>
+            </a:r>
+            <a:r>
+              <a:rPr lang="en-US" sz="2400" dirty="0"/>
+              <a:t>.</a:t>
             </a:r>
           </a:p>
           <a:p>
@@ -7001,84 +8380,16 @@
             </a:pPr>
             <a:r>
               <a:rPr lang="en-US" sz="2400" dirty="0"/>
-              <a:t>Lazy Evaluation</a:t>
+              <a:t>Account Withdraw Example</a:t>
             </a:r>
-          </a:p>
-          <a:p>
-            <a:pPr marL="457200" lvl="0" indent="-419100">
-              <a:buClr>
-                <a:srgbClr val="000000"/>
-              </a:buClr>
-              <a:buFont typeface="Arial"/>
-              <a:buChar char="●"/>
-            </a:pPr>
-            <a:endParaRPr lang="en-US" sz="2400" dirty="0"/>
-          </a:p>
-          <a:p>
-            <a:pPr marL="457200" lvl="0" indent="-419100">
-              <a:buClr>
-                <a:srgbClr val="000000"/>
-              </a:buClr>
-              <a:buFont typeface="Arial"/>
-              <a:buChar char="●"/>
-            </a:pPr>
-            <a:r>
-              <a:rPr lang="en-US" sz="2400" dirty="0"/>
-              <a:t>Partial Functions</a:t>
-            </a:r>
-          </a:p>
-          <a:p>
-            <a:pPr marL="457200" lvl="0" indent="-419100">
-              <a:buClr>
-                <a:srgbClr val="000000"/>
-              </a:buClr>
-              <a:buFont typeface="Arial"/>
-              <a:buChar char="●"/>
-            </a:pPr>
-            <a:endParaRPr lang="en-US" sz="2400" dirty="0"/>
-          </a:p>
-          <a:p>
-            <a:pPr marL="457200" lvl="0" indent="-419100">
-              <a:buClr>
-                <a:srgbClr val="000000"/>
-              </a:buClr>
-              <a:buFont typeface="Arial"/>
-              <a:buChar char="●"/>
-            </a:pPr>
-            <a:r>
-              <a:rPr lang="en-US" sz="2400" dirty="0"/>
-              <a:t>Function Composition</a:t>
-            </a:r>
-          </a:p>
-          <a:p>
-            <a:pPr marL="457200" lvl="0" indent="-419100">
-              <a:buClr>
-                <a:srgbClr val="000000"/>
-              </a:buClr>
-              <a:buFont typeface="Arial"/>
-              <a:buChar char="●"/>
-            </a:pPr>
-            <a:endParaRPr lang="en-US" sz="2400" dirty="0"/>
-          </a:p>
-          <a:p>
-            <a:pPr marL="457200" lvl="0" indent="-419100">
-              <a:buClr>
-                <a:srgbClr val="000000"/>
-              </a:buClr>
-              <a:buFont typeface="Arial"/>
-              <a:buChar char="●"/>
-            </a:pPr>
-            <a:r>
-              <a:rPr lang="en-US" sz="2400" dirty="0"/>
-              <a:t>Currying</a:t>
-            </a:r>
+            <a:endParaRPr lang="en-US" sz="1800" dirty="0"/>
           </a:p>
         </p:txBody>
       </p:sp>
     </p:spTree>
     <p:extLst>
       <p:ext uri="{BB962C8B-B14F-4D97-AF65-F5344CB8AC3E}">
-        <p14:creationId xmlns:p14="http://schemas.microsoft.com/office/powerpoint/2010/main" val="2328765829"/>
+        <p14:creationId xmlns:p14="http://schemas.microsoft.com/office/powerpoint/2010/main" val="1512847725"/>
       </p:ext>
     </p:extLst>
   </p:cSld>
@@ -7088,10 +8399,165 @@
   <p:transition spd="slow">
     <p:cut/>
   </p:transition>
+  <p:timing>
+    <p:tnLst>
+      <p:par>
+        <p:cTn id="1" dur="indefinite" restart="never" nodeType="tmRoot">
+          <p:childTnLst>
+            <p:seq concurrent="1" nextAc="seek">
+              <p:cTn id="2" dur="indefinite" nodeType="mainSeq">
+                <p:childTnLst>
+                  <p:par>
+                    <p:cTn id="3" fill="hold">
+                      <p:stCondLst>
+                        <p:cond delay="indefinite"/>
+                      </p:stCondLst>
+                      <p:childTnLst>
+                        <p:par>
+                          <p:cTn id="4" fill="hold">
+                            <p:stCondLst>
+                              <p:cond delay="0"/>
+                            </p:stCondLst>
+                            <p:childTnLst>
+                              <p:par>
+                                <p:cTn id="5" presetID="10" presetClass="entr" presetSubtype="0" fill="hold" grpId="0" nodeType="clickEffect">
+                                  <p:stCondLst>
+                                    <p:cond delay="0"/>
+                                  </p:stCondLst>
+                                  <p:childTnLst>
+                                    <p:set>
+                                      <p:cBhvr>
+                                        <p:cTn id="6" dur="1" fill="hold">
+                                          <p:stCondLst>
+                                            <p:cond delay="0"/>
+                                          </p:stCondLst>
+                                        </p:cTn>
+                                        <p:tgtEl>
+                                          <p:spTgt spid="168">
+                                            <p:txEl>
+                                              <p:pRg st="0" end="0"/>
+                                            </p:txEl>
+                                          </p:spTgt>
+                                        </p:tgtEl>
+                                        <p:attrNameLst>
+                                          <p:attrName>style.visibility</p:attrName>
+                                        </p:attrNameLst>
+                                      </p:cBhvr>
+                                      <p:to>
+                                        <p:strVal val="visible"/>
+                                      </p:to>
+                                    </p:set>
+                                    <p:animEffect transition="in" filter="fade">
+                                      <p:cBhvr>
+                                        <p:cTn id="7" dur="500"/>
+                                        <p:tgtEl>
+                                          <p:spTgt spid="168">
+                                            <p:txEl>
+                                              <p:pRg st="0" end="0"/>
+                                            </p:txEl>
+                                          </p:spTgt>
+                                        </p:tgtEl>
+                                      </p:cBhvr>
+                                    </p:animEffect>
+                                  </p:childTnLst>
+                                </p:cTn>
+                              </p:par>
+                            </p:childTnLst>
+                          </p:cTn>
+                        </p:par>
+                      </p:childTnLst>
+                    </p:cTn>
+                  </p:par>
+                  <p:par>
+                    <p:cTn id="8" fill="hold">
+                      <p:stCondLst>
+                        <p:cond delay="indefinite"/>
+                      </p:stCondLst>
+                      <p:childTnLst>
+                        <p:par>
+                          <p:cTn id="9" fill="hold">
+                            <p:stCondLst>
+                              <p:cond delay="0"/>
+                            </p:stCondLst>
+                            <p:childTnLst>
+                              <p:par>
+                                <p:cTn id="10" presetID="10" presetClass="entr" presetSubtype="0" fill="hold" grpId="0" nodeType="clickEffect">
+                                  <p:stCondLst>
+                                    <p:cond delay="0"/>
+                                  </p:stCondLst>
+                                  <p:childTnLst>
+                                    <p:set>
+                                      <p:cBhvr>
+                                        <p:cTn id="11" dur="1" fill="hold">
+                                          <p:stCondLst>
+                                            <p:cond delay="0"/>
+                                          </p:stCondLst>
+                                        </p:cTn>
+                                        <p:tgtEl>
+                                          <p:spTgt spid="168">
+                                            <p:txEl>
+                                              <p:pRg st="2" end="2"/>
+                                            </p:txEl>
+                                          </p:spTgt>
+                                        </p:tgtEl>
+                                        <p:attrNameLst>
+                                          <p:attrName>style.visibility</p:attrName>
+                                        </p:attrNameLst>
+                                      </p:cBhvr>
+                                      <p:to>
+                                        <p:strVal val="visible"/>
+                                      </p:to>
+                                    </p:set>
+                                    <p:animEffect transition="in" filter="fade">
+                                      <p:cBhvr>
+                                        <p:cTn id="12" dur="500"/>
+                                        <p:tgtEl>
+                                          <p:spTgt spid="168">
+                                            <p:txEl>
+                                              <p:pRg st="2" end="2"/>
+                                            </p:txEl>
+                                          </p:spTgt>
+                                        </p:tgtEl>
+                                      </p:cBhvr>
+                                    </p:animEffect>
+                                  </p:childTnLst>
+                                </p:cTn>
+                              </p:par>
+                            </p:childTnLst>
+                          </p:cTn>
+                        </p:par>
+                      </p:childTnLst>
+                    </p:cTn>
+                  </p:par>
+                </p:childTnLst>
+              </p:cTn>
+              <p:prevCondLst>
+                <p:cond evt="onPrev" delay="0">
+                  <p:tgtEl>
+                    <p:sldTgt/>
+                  </p:tgtEl>
+                </p:cond>
+              </p:prevCondLst>
+              <p:nextCondLst>
+                <p:cond evt="onNext" delay="0">
+                  <p:tgtEl>
+                    <p:sldTgt/>
+                  </p:tgtEl>
+                </p:cond>
+              </p:nextCondLst>
+            </p:seq>
+          </p:childTnLst>
+        </p:cTn>
+      </p:par>
+    </p:tnLst>
+    <p:bldLst>
+      <p:bldP spid="168" grpId="0" build="p"/>
+    </p:bldLst>
+  </p:timing>
 </p:sld>
 </file>
 
-<file path=ppt/slides/slide15.xml><?xml version="1.0" encoding="utf-8"?>
+<file path=ppt/slides/slide17.xml><?xml version="1.0" encoding="utf-8"?>
 <p:sld xmlns:a="http://schemas.openxmlformats.org/drawingml/2006/main" xmlns:r="http://schemas.openxmlformats.org/officeDocument/2006/relationships" xmlns:p="http://schemas.openxmlformats.org/presentationml/2006/main">
   <p:cSld>
     <p:spTree>
@@ -7133,15 +8599,10 @@
           </a:bodyPr>
           <a:lstStyle/>
           <a:p>
-            <a:pPr lvl="0" rtl="0">
-              <a:spcBef>
-                <a:spcPts val="0"/>
-              </a:spcBef>
-              <a:buNone/>
-            </a:pPr>
+            <a:pPr lvl="0"/>
             <a:r>
               <a:rPr lang="en-US" dirty="0"/>
-              <a:t>Quiz</a:t>
+              <a:t>Function Composition &amp; Currying</a:t>
             </a:r>
             <a:endParaRPr lang="en" dirty="0"/>
           </a:p>
@@ -7180,9 +8641,10 @@
               <a:buChar char="●"/>
             </a:pPr>
             <a:r>
-              <a:rPr lang="en-US" sz="2400" dirty="0"/>
-              <a:t>Who is creator of LISP?</a:t>
+              <a:rPr lang="en-US" sz="2800" dirty="0" err="1"/>
+              <a:t>FunctionCompositionExample</a:t>
             </a:r>
+            <a:endParaRPr lang="en-US" sz="2800" dirty="0"/>
           </a:p>
           <a:p>
             <a:pPr marL="457200" lvl="0" indent="-419100">
@@ -7192,7 +8654,7 @@
               <a:buFont typeface="Arial"/>
               <a:buChar char="●"/>
             </a:pPr>
-            <a:endParaRPr lang="en-US" sz="2400" dirty="0"/>
+            <a:endParaRPr lang="en-US" sz="2800" dirty="0"/>
           </a:p>
           <a:p>
             <a:pPr marL="457200" lvl="0" indent="-419100">
@@ -7203,10 +8665,104 @@
               <a:buChar char="●"/>
             </a:pPr>
             <a:r>
-              <a:rPr lang="en-US" sz="2400" dirty="0"/>
-              <a:t>Name any three functional programming languages?</a:t>
+              <a:rPr lang="en-US" sz="2800" dirty="0" err="1"/>
+              <a:t>CurryingExample</a:t>
             </a:r>
-          </a:p>
+            <a:endParaRPr lang="en-US" sz="2000" dirty="0"/>
+          </a:p>
+        </p:txBody>
+      </p:sp>
+    </p:spTree>
+    <p:extLst>
+      <p:ext uri="{BB962C8B-B14F-4D97-AF65-F5344CB8AC3E}">
+        <p14:creationId xmlns:p14="http://schemas.microsoft.com/office/powerpoint/2010/main" val="1243314361"/>
+      </p:ext>
+    </p:extLst>
+  </p:cSld>
+  <p:clrMapOvr>
+    <a:masterClrMapping/>
+  </p:clrMapOvr>
+  <p:transition spd="slow">
+    <p:cut/>
+  </p:transition>
+</p:sld>
+</file>
+
+<file path=ppt/slides/slide18.xml><?xml version="1.0" encoding="utf-8"?>
+<p:sld xmlns:a="http://schemas.openxmlformats.org/drawingml/2006/main" xmlns:r="http://schemas.openxmlformats.org/officeDocument/2006/relationships" xmlns:p="http://schemas.openxmlformats.org/presentationml/2006/main">
+  <p:cSld>
+    <p:spTree>
+      <p:nvGrpSpPr>
+        <p:cNvPr id="1" name="Shape 166"/>
+        <p:cNvGrpSpPr/>
+        <p:nvPr/>
+      </p:nvGrpSpPr>
+      <p:grpSpPr>
+        <a:xfrm>
+          <a:off x="0" y="0"/>
+          <a:ext cx="0" cy="0"/>
+          <a:chOff x="0" y="0"/>
+          <a:chExt cx="0" cy="0"/>
+        </a:xfrm>
+      </p:grpSpPr>
+      <p:sp>
+        <p:nvSpPr>
+          <p:cNvPr id="167" name="Shape 167"/>
+          <p:cNvSpPr txBox="1">
+            <a:spLocks noGrp="1"/>
+          </p:cNvSpPr>
+          <p:nvPr>
+            <p:ph type="title"/>
+          </p:nvPr>
+        </p:nvSpPr>
+        <p:spPr>
+          <a:xfrm>
+            <a:off x="487200" y="133350"/>
+            <a:ext cx="8229600" cy="632367"/>
+          </a:xfrm>
+          <a:prstGeom prst="rect">
+            <a:avLst/>
+          </a:prstGeom>
+        </p:spPr>
+        <p:txBody>
+          <a:bodyPr lIns="91425" tIns="91425" rIns="91425" bIns="91425" anchor="b" anchorCtr="0">
+            <a:noAutofit/>
+          </a:bodyPr>
+          <a:lstStyle/>
+          <a:p>
+            <a:pPr lvl="0"/>
+            <a:r>
+              <a:rPr lang="en-US" dirty="0"/>
+              <a:t>Lazy Evaluation</a:t>
+            </a:r>
+            <a:endParaRPr lang="en" dirty="0"/>
+          </a:p>
+        </p:txBody>
+      </p:sp>
+      <p:sp>
+        <p:nvSpPr>
+          <p:cNvPr id="168" name="Shape 168"/>
+          <p:cNvSpPr txBox="1">
+            <a:spLocks noGrp="1"/>
+          </p:cNvSpPr>
+          <p:nvPr>
+            <p:ph type="body" idx="1"/>
+          </p:nvPr>
+        </p:nvSpPr>
+        <p:spPr>
+          <a:xfrm>
+            <a:off x="457200" y="765717"/>
+            <a:ext cx="8229600" cy="4160133"/>
+          </a:xfrm>
+          <a:prstGeom prst="rect">
+            <a:avLst/>
+          </a:prstGeom>
+        </p:spPr>
+        <p:txBody>
+          <a:bodyPr lIns="91425" tIns="91425" rIns="91425" bIns="91425" anchor="t" anchorCtr="0">
+            <a:noAutofit/>
+          </a:bodyPr>
+          <a:lstStyle/>
           <a:p>
             <a:pPr marL="457200" lvl="0" indent="-419100">
               <a:buClr>
@@ -7215,8 +8771,110 @@
               <a:buFont typeface="Arial"/>
               <a:buChar char="●"/>
             </a:pPr>
-            <a:endParaRPr lang="en-US" sz="2400" dirty="0"/>
-          </a:p>
+            <a:r>
+              <a:rPr lang="en-US" sz="2800" dirty="0"/>
+              <a:t>Lazy Evaluation Example</a:t>
+            </a:r>
+            <a:endParaRPr lang="en-US" sz="2000" dirty="0"/>
+          </a:p>
+        </p:txBody>
+      </p:sp>
+    </p:spTree>
+    <p:extLst>
+      <p:ext uri="{BB962C8B-B14F-4D97-AF65-F5344CB8AC3E}">
+        <p14:creationId xmlns:p14="http://schemas.microsoft.com/office/powerpoint/2010/main" val="3130415562"/>
+      </p:ext>
+    </p:extLst>
+  </p:cSld>
+  <p:clrMapOvr>
+    <a:masterClrMapping/>
+  </p:clrMapOvr>
+  <p:transition spd="slow">
+    <p:cut/>
+  </p:transition>
+</p:sld>
+</file>
+
+<file path=ppt/slides/slide19.xml><?xml version="1.0" encoding="utf-8"?>
+<p:sld xmlns:a="http://schemas.openxmlformats.org/drawingml/2006/main" xmlns:r="http://schemas.openxmlformats.org/officeDocument/2006/relationships" xmlns:p="http://schemas.openxmlformats.org/presentationml/2006/main">
+  <p:cSld>
+    <p:spTree>
+      <p:nvGrpSpPr>
+        <p:cNvPr id="1" name="Shape 166"/>
+        <p:cNvGrpSpPr/>
+        <p:nvPr/>
+      </p:nvGrpSpPr>
+      <p:grpSpPr>
+        <a:xfrm>
+          <a:off x="0" y="0"/>
+          <a:ext cx="0" cy="0"/>
+          <a:chOff x="0" y="0"/>
+          <a:chExt cx="0" cy="0"/>
+        </a:xfrm>
+      </p:grpSpPr>
+      <p:sp>
+        <p:nvSpPr>
+          <p:cNvPr id="167" name="Shape 167"/>
+          <p:cNvSpPr txBox="1">
+            <a:spLocks noGrp="1"/>
+          </p:cNvSpPr>
+          <p:nvPr>
+            <p:ph type="title"/>
+          </p:nvPr>
+        </p:nvSpPr>
+        <p:spPr>
+          <a:xfrm>
+            <a:off x="487200" y="133350"/>
+            <a:ext cx="8229600" cy="632367"/>
+          </a:xfrm>
+          <a:prstGeom prst="rect">
+            <a:avLst/>
+          </a:prstGeom>
+        </p:spPr>
+        <p:txBody>
+          <a:bodyPr lIns="91425" tIns="91425" rIns="91425" bIns="91425" anchor="b" anchorCtr="0">
+            <a:noAutofit/>
+          </a:bodyPr>
+          <a:lstStyle/>
+          <a:p>
+            <a:pPr lvl="0" rtl="0">
+              <a:spcBef>
+                <a:spcPts val="0"/>
+              </a:spcBef>
+              <a:buNone/>
+            </a:pPr>
+            <a:r>
+              <a:rPr lang="en-US" dirty="0"/>
+              <a:t>What is not covered</a:t>
+            </a:r>
+            <a:endParaRPr lang="en" dirty="0"/>
+          </a:p>
+        </p:txBody>
+      </p:sp>
+      <p:sp>
+        <p:nvSpPr>
+          <p:cNvPr id="168" name="Shape 168"/>
+          <p:cNvSpPr txBox="1">
+            <a:spLocks noGrp="1"/>
+          </p:cNvSpPr>
+          <p:nvPr>
+            <p:ph type="body" idx="1"/>
+          </p:nvPr>
+        </p:nvSpPr>
+        <p:spPr>
+          <a:xfrm>
+            <a:off x="457200" y="765717"/>
+            <a:ext cx="8229600" cy="4160133"/>
+          </a:xfrm>
+          <a:prstGeom prst="rect">
+            <a:avLst/>
+          </a:prstGeom>
+        </p:spPr>
+        <p:txBody>
+          <a:bodyPr lIns="91425" tIns="91425" rIns="91425" bIns="91425" anchor="t" anchorCtr="0">
+            <a:noAutofit/>
+          </a:bodyPr>
+          <a:lstStyle/>
           <a:p>
             <a:pPr marL="457200" lvl="0" indent="-419100">
               <a:buClr>
@@ -7227,7 +8885,7 @@
             </a:pPr>
             <a:r>
               <a:rPr lang="en-US" sz="2400" dirty="0"/>
-              <a:t>What are characteristics of Pure Function?</a:t>
+              <a:t>Persistent Data Structures</a:t>
             </a:r>
           </a:p>
           <a:p>
@@ -7250,7 +8908,390 @@
             </a:pPr>
             <a:r>
               <a:rPr lang="en-US" sz="2400" dirty="0"/>
+              <a:t>Partial Function</a:t>
+            </a:r>
+          </a:p>
+        </p:txBody>
+      </p:sp>
+    </p:spTree>
+    <p:extLst>
+      <p:ext uri="{BB962C8B-B14F-4D97-AF65-F5344CB8AC3E}">
+        <p14:creationId xmlns:p14="http://schemas.microsoft.com/office/powerpoint/2010/main" val="2328765829"/>
+      </p:ext>
+    </p:extLst>
+  </p:cSld>
+  <p:clrMapOvr>
+    <a:masterClrMapping/>
+  </p:clrMapOvr>
+  <p:transition spd="slow">
+    <p:cut/>
+  </p:transition>
+</p:sld>
+</file>
+
+<file path=ppt/slides/slide2.xml><?xml version="1.0" encoding="utf-8"?>
+<p:sld xmlns:a="http://schemas.openxmlformats.org/drawingml/2006/main" xmlns:r="http://schemas.openxmlformats.org/officeDocument/2006/relationships" xmlns:p="http://schemas.openxmlformats.org/presentationml/2006/main">
+  <p:cSld>
+    <p:spTree>
+      <p:nvGrpSpPr>
+        <p:cNvPr id="1" name="Shape 166"/>
+        <p:cNvGrpSpPr/>
+        <p:nvPr/>
+      </p:nvGrpSpPr>
+      <p:grpSpPr>
+        <a:xfrm>
+          <a:off x="0" y="0"/>
+          <a:ext cx="0" cy="0"/>
+          <a:chOff x="0" y="0"/>
+          <a:chExt cx="0" cy="0"/>
+        </a:xfrm>
+      </p:grpSpPr>
+      <p:sp>
+        <p:nvSpPr>
+          <p:cNvPr id="167" name="Shape 167"/>
+          <p:cNvSpPr txBox="1">
+            <a:spLocks noGrp="1"/>
+          </p:cNvSpPr>
+          <p:nvPr>
+            <p:ph type="title"/>
+          </p:nvPr>
+        </p:nvSpPr>
+        <p:spPr>
+          <a:xfrm>
+            <a:off x="487200" y="133350"/>
+            <a:ext cx="8229600" cy="632367"/>
+          </a:xfrm>
+          <a:prstGeom prst="rect">
+            <a:avLst/>
+          </a:prstGeom>
+        </p:spPr>
+        <p:txBody>
+          <a:bodyPr lIns="91425" tIns="91425" rIns="91425" bIns="91425" anchor="b" anchorCtr="0">
+            <a:noAutofit/>
+          </a:bodyPr>
+          <a:lstStyle/>
+          <a:p>
+            <a:pPr lvl="0" rtl="0">
+              <a:spcBef>
+                <a:spcPts val="0"/>
+              </a:spcBef>
+              <a:buNone/>
+            </a:pPr>
+            <a:r>
+              <a:rPr lang="en-US" dirty="0"/>
+              <a:t>Agenda</a:t>
+            </a:r>
+            <a:endParaRPr lang="en" dirty="0"/>
+          </a:p>
+        </p:txBody>
+      </p:sp>
+      <p:sp>
+        <p:nvSpPr>
+          <p:cNvPr id="168" name="Shape 168"/>
+          <p:cNvSpPr txBox="1">
+            <a:spLocks noGrp="1"/>
+          </p:cNvSpPr>
+          <p:nvPr>
+            <p:ph type="body" idx="1"/>
+          </p:nvPr>
+        </p:nvSpPr>
+        <p:spPr>
+          <a:xfrm>
+            <a:off x="457200" y="765717"/>
+            <a:ext cx="8229600" cy="4160133"/>
+          </a:xfrm>
+          <a:prstGeom prst="rect">
+            <a:avLst/>
+          </a:prstGeom>
+        </p:spPr>
+        <p:txBody>
+          <a:bodyPr lIns="91425" tIns="91425" rIns="91425" bIns="91425" anchor="t" anchorCtr="0">
+            <a:noAutofit/>
+          </a:bodyPr>
+          <a:lstStyle/>
+          <a:p>
+            <a:pPr marL="457200" lvl="0" indent="-419100">
+              <a:buClr>
+                <a:srgbClr val="000000"/>
+              </a:buClr>
+              <a:buFont typeface="Arial"/>
+              <a:buChar char="●"/>
+            </a:pPr>
+            <a:r>
+              <a:rPr lang="en-US" sz="2800" dirty="0"/>
+              <a:t>History of FP</a:t>
+            </a:r>
+          </a:p>
+          <a:p>
+            <a:pPr marL="457200" lvl="0" indent="-419100">
+              <a:buClr>
+                <a:srgbClr val="000000"/>
+              </a:buClr>
+              <a:buFont typeface="Arial"/>
+              <a:buChar char="●"/>
+            </a:pPr>
+            <a:endParaRPr lang="en-US" sz="2800" dirty="0"/>
+          </a:p>
+          <a:p>
+            <a:pPr marL="457200" lvl="0" indent="-419100">
+              <a:buClr>
+                <a:srgbClr val="000000"/>
+              </a:buClr>
+              <a:buFont typeface="Arial"/>
+              <a:buChar char="●"/>
+            </a:pPr>
+            <a:r>
+              <a:rPr lang="en-US" sz="2800" dirty="0"/>
+              <a:t>Introduction to Functional Programming (FP)</a:t>
+            </a:r>
+          </a:p>
+          <a:p>
+            <a:pPr marL="457200" lvl="0" indent="-419100">
+              <a:buClr>
+                <a:srgbClr val="000000"/>
+              </a:buClr>
+              <a:buFont typeface="Arial"/>
+              <a:buChar char="●"/>
+            </a:pPr>
+            <a:endParaRPr lang="en-US" sz="2800" dirty="0"/>
+          </a:p>
+          <a:p>
+            <a:pPr marL="457200" lvl="0" indent="-419100">
+              <a:buClr>
+                <a:srgbClr val="000000"/>
+              </a:buClr>
+              <a:buFont typeface="Arial"/>
+              <a:buChar char="●"/>
+            </a:pPr>
+            <a:r>
+              <a:rPr lang="en-US" sz="2800" dirty="0"/>
+              <a:t>FP + Java 8</a:t>
+            </a:r>
+          </a:p>
+          <a:p>
+            <a:pPr marL="457200" lvl="0" indent="-419100">
+              <a:buClr>
+                <a:srgbClr val="000000"/>
+              </a:buClr>
+              <a:buFont typeface="Arial"/>
+              <a:buChar char="●"/>
+            </a:pPr>
+            <a:endParaRPr lang="en-US" sz="2800" dirty="0"/>
+          </a:p>
+          <a:p>
+            <a:pPr marL="457200" lvl="0" indent="-419100">
+              <a:buClr>
+                <a:srgbClr val="000000"/>
+              </a:buClr>
+              <a:buFont typeface="Arial"/>
+              <a:buChar char="●"/>
+            </a:pPr>
+            <a:r>
+              <a:rPr lang="en-US" sz="2800" dirty="0"/>
+              <a:t>Hands on exercise</a:t>
+            </a:r>
+          </a:p>
+        </p:txBody>
+      </p:sp>
+    </p:spTree>
+    <p:extLst>
+      <p:ext uri="{BB962C8B-B14F-4D97-AF65-F5344CB8AC3E}">
+        <p14:creationId xmlns:p14="http://schemas.microsoft.com/office/powerpoint/2010/main" val="17702805"/>
+      </p:ext>
+    </p:extLst>
+  </p:cSld>
+  <p:clrMapOvr>
+    <a:masterClrMapping/>
+  </p:clrMapOvr>
+  <p:transition spd="slow">
+    <p:cut/>
+  </p:transition>
+</p:sld>
+</file>
+
+<file path=ppt/slides/slide20.xml><?xml version="1.0" encoding="utf-8"?>
+<p:sld xmlns:a="http://schemas.openxmlformats.org/drawingml/2006/main" xmlns:r="http://schemas.openxmlformats.org/officeDocument/2006/relationships" xmlns:p="http://schemas.openxmlformats.org/presentationml/2006/main">
+  <p:cSld>
+    <p:spTree>
+      <p:nvGrpSpPr>
+        <p:cNvPr id="1" name="Shape 166"/>
+        <p:cNvGrpSpPr/>
+        <p:nvPr/>
+      </p:nvGrpSpPr>
+      <p:grpSpPr>
+        <a:xfrm>
+          <a:off x="0" y="0"/>
+          <a:ext cx="0" cy="0"/>
+          <a:chOff x="0" y="0"/>
+          <a:chExt cx="0" cy="0"/>
+        </a:xfrm>
+      </p:grpSpPr>
+      <p:sp>
+        <p:nvSpPr>
+          <p:cNvPr id="167" name="Shape 167"/>
+          <p:cNvSpPr txBox="1">
+            <a:spLocks noGrp="1"/>
+          </p:cNvSpPr>
+          <p:nvPr>
+            <p:ph type="title"/>
+          </p:nvPr>
+        </p:nvSpPr>
+        <p:spPr>
+          <a:xfrm>
+            <a:off x="487200" y="133350"/>
+            <a:ext cx="8229600" cy="632367"/>
+          </a:xfrm>
+          <a:prstGeom prst="rect">
+            <a:avLst/>
+          </a:prstGeom>
+        </p:spPr>
+        <p:txBody>
+          <a:bodyPr lIns="91425" tIns="91425" rIns="91425" bIns="91425" anchor="b" anchorCtr="0">
+            <a:noAutofit/>
+          </a:bodyPr>
+          <a:lstStyle/>
+          <a:p>
+            <a:pPr lvl="0" rtl="0">
+              <a:spcBef>
+                <a:spcPts val="0"/>
+              </a:spcBef>
+              <a:buNone/>
+            </a:pPr>
+            <a:r>
+              <a:rPr lang="en-US" dirty="0"/>
+              <a:t>Quiz</a:t>
+            </a:r>
+            <a:endParaRPr lang="en" dirty="0"/>
+          </a:p>
+        </p:txBody>
+      </p:sp>
+      <p:sp>
+        <p:nvSpPr>
+          <p:cNvPr id="168" name="Shape 168"/>
+          <p:cNvSpPr txBox="1">
+            <a:spLocks noGrp="1"/>
+          </p:cNvSpPr>
+          <p:nvPr>
+            <p:ph type="body" idx="1"/>
+          </p:nvPr>
+        </p:nvSpPr>
+        <p:spPr>
+          <a:xfrm>
+            <a:off x="457200" y="765717"/>
+            <a:ext cx="8229600" cy="4160133"/>
+          </a:xfrm>
+          <a:prstGeom prst="rect">
+            <a:avLst/>
+          </a:prstGeom>
+        </p:spPr>
+        <p:txBody>
+          <a:bodyPr lIns="91425" tIns="91425" rIns="91425" bIns="91425" anchor="t" anchorCtr="0">
+            <a:noAutofit/>
+          </a:bodyPr>
+          <a:lstStyle/>
+          <a:p>
+            <a:pPr marL="457200" lvl="0" indent="-419100">
+              <a:buClr>
+                <a:srgbClr val="000000"/>
+              </a:buClr>
+              <a:buFont typeface="Arial"/>
+              <a:buChar char="●"/>
+            </a:pPr>
+            <a:r>
+              <a:rPr lang="en-US" sz="2400" dirty="0"/>
+              <a:t>Who is creator of LISP?</a:t>
+            </a:r>
+          </a:p>
+          <a:p>
+            <a:pPr marL="457200" lvl="0" indent="-419100">
+              <a:buClr>
+                <a:srgbClr val="000000"/>
+              </a:buClr>
+              <a:buFont typeface="Arial"/>
+              <a:buChar char="●"/>
+            </a:pPr>
+            <a:endParaRPr lang="en-US" sz="2400" dirty="0"/>
+          </a:p>
+          <a:p>
+            <a:pPr marL="457200" lvl="0" indent="-419100">
+              <a:buClr>
+                <a:srgbClr val="000000"/>
+              </a:buClr>
+              <a:buFont typeface="Arial"/>
+              <a:buChar char="●"/>
+            </a:pPr>
+            <a:r>
+              <a:rPr lang="en-US" sz="2400" dirty="0"/>
+              <a:t>Name any three functional programming languages?</a:t>
+            </a:r>
+          </a:p>
+          <a:p>
+            <a:pPr marL="457200" lvl="0" indent="-419100">
+              <a:buClr>
+                <a:srgbClr val="000000"/>
+              </a:buClr>
+              <a:buFont typeface="Arial"/>
+              <a:buChar char="●"/>
+            </a:pPr>
+            <a:endParaRPr lang="en-US" sz="2400" dirty="0"/>
+          </a:p>
+          <a:p>
+            <a:pPr marL="457200" lvl="0" indent="-419100">
+              <a:buClr>
+                <a:srgbClr val="000000"/>
+              </a:buClr>
+              <a:buFont typeface="Arial"/>
+              <a:buChar char="●"/>
+            </a:pPr>
+            <a:r>
+              <a:rPr lang="en-US" sz="2400" dirty="0"/>
+              <a:t>What are characteristics of Pure Function?</a:t>
+            </a:r>
+          </a:p>
+          <a:p>
+            <a:pPr marL="457200" lvl="0" indent="-419100">
+              <a:buClr>
+                <a:srgbClr val="000000"/>
+              </a:buClr>
+              <a:buFont typeface="Arial"/>
+              <a:buChar char="●"/>
+            </a:pPr>
+            <a:endParaRPr lang="en-US" sz="2400" dirty="0"/>
+          </a:p>
+          <a:p>
+            <a:pPr marL="457200" lvl="0" indent="-419100">
+              <a:buClr>
+                <a:srgbClr val="000000"/>
+              </a:buClr>
+              <a:buFont typeface="Arial"/>
+              <a:buChar char="●"/>
+            </a:pPr>
+            <a:r>
+              <a:rPr lang="en-US" sz="2400" dirty="0"/>
               <a:t>What is Referential transparency?</a:t>
+            </a:r>
+          </a:p>
+          <a:p>
+            <a:pPr marL="457200" lvl="0" indent="-419100">
+              <a:buClr>
+                <a:srgbClr val="000000"/>
+              </a:buClr>
+              <a:buFont typeface="Arial"/>
+              <a:buChar char="●"/>
+            </a:pPr>
+            <a:endParaRPr lang="en-US" sz="2400" dirty="0"/>
+          </a:p>
+          <a:p>
+            <a:pPr marL="457200" lvl="0" indent="-419100">
+              <a:buClr>
+                <a:srgbClr val="000000"/>
+              </a:buClr>
+              <a:buFont typeface="Arial"/>
+              <a:buChar char="●"/>
+            </a:pPr>
+            <a:r>
+              <a:rPr lang="en-US" sz="2400" dirty="0"/>
+              <a:t>What is Currying?</a:t>
             </a:r>
           </a:p>
         </p:txBody>
@@ -7520,6 +9561,67 @@
                       </p:childTnLst>
                     </p:cTn>
                   </p:par>
+                  <p:par>
+                    <p:cTn id="23" fill="hold">
+                      <p:stCondLst>
+                        <p:cond delay="indefinite"/>
+                      </p:stCondLst>
+                      <p:childTnLst>
+                        <p:par>
+                          <p:cTn id="24" fill="hold">
+                            <p:stCondLst>
+                              <p:cond delay="0"/>
+                            </p:stCondLst>
+                            <p:childTnLst>
+                              <p:par>
+                                <p:cTn id="25" presetID="10" presetClass="entr" presetSubtype="0" fill="hold" nodeType="clickEffect">
+                                  <p:stCondLst>
+                                    <p:cond delay="0"/>
+                                  </p:stCondLst>
+                                  <p:childTnLst>
+                                    <p:set>
+                                      <p:cBhvr>
+                                        <p:cTn id="26" dur="1" fill="hold">
+                                          <p:stCondLst>
+                                            <p:cond delay="0"/>
+                                          </p:stCondLst>
+                                        </p:cTn>
+                                        <p:tgtEl>
+                                          <p:spTgt spid="168">
+                                            <p:txEl>
+                                              <p:pRg st="8" end="8"/>
+                                            </p:txEl>
+                                          </p:spTgt>
+                                        </p:tgtEl>
+                                        <p:attrNameLst>
+                                          <p:attrName>style.visibility</p:attrName>
+                                        </p:attrNameLst>
+                                      </p:cBhvr>
+                                      <p:to>
+                                        <p:strVal val="visible"/>
+                                      </p:to>
+                                    </p:set>
+                                    <p:animEffect transition="in" filter="fade">
+                                      <p:cBhvr>
+                                        <p:cTn id="27" dur="500"/>
+                                        <p:tgtEl>
+                                          <p:spTgt spid="168">
+                                            <p:txEl>
+                                              <p:pRg st="8" end="8"/>
+                                            </p:txEl>
+                                          </p:spTgt>
+                                        </p:tgtEl>
+                                      </p:cBhvr>
+                                    </p:animEffect>
+                                  </p:childTnLst>
+                                </p:cTn>
+                              </p:par>
+                            </p:childTnLst>
+                          </p:cTn>
+                        </p:par>
+                      </p:childTnLst>
+                    </p:cTn>
+                  </p:par>
                 </p:childTnLst>
               </p:cTn>
               <p:prevCondLst>
@@ -7545,7 +9647,7 @@
 </p:sld>
 </file>
 
-<file path=ppt/slides/slide16.xml><?xml version="1.0" encoding="utf-8"?>
+<file path=ppt/slides/slide21.xml><?xml version="1.0" encoding="utf-8"?>
 <p:sld xmlns:a="http://schemas.openxmlformats.org/drawingml/2006/main" xmlns:r="http://schemas.openxmlformats.org/officeDocument/2006/relationships" xmlns:p="http://schemas.openxmlformats.org/presentationml/2006/main">
   <p:cSld>
     <p:spTree>
@@ -7615,186 +9717,6 @@
     <p:extLst>
       <p:ext uri="{BB962C8B-B14F-4D97-AF65-F5344CB8AC3E}">
         <p14:creationId xmlns:p14="http://schemas.microsoft.com/office/powerpoint/2010/main" val="3094166285"/>
-      </p:ext>
-    </p:extLst>
-  </p:cSld>
-  <p:clrMapOvr>
-    <a:masterClrMapping/>
-  </p:clrMapOvr>
-  <p:transition spd="slow">
-    <p:cut/>
-  </p:transition>
-</p:sld>
-</file>
-
-<file path=ppt/slides/slide2.xml><?xml version="1.0" encoding="utf-8"?>
-<p:sld xmlns:a="http://schemas.openxmlformats.org/drawingml/2006/main" xmlns:r="http://schemas.openxmlformats.org/officeDocument/2006/relationships" xmlns:p="http://schemas.openxmlformats.org/presentationml/2006/main">
-  <p:cSld>
-    <p:spTree>
-      <p:nvGrpSpPr>
-        <p:cNvPr id="1" name="Shape 166"/>
-        <p:cNvGrpSpPr/>
-        <p:nvPr/>
-      </p:nvGrpSpPr>
-      <p:grpSpPr>
-        <a:xfrm>
-          <a:off x="0" y="0"/>
-          <a:ext cx="0" cy="0"/>
-          <a:chOff x="0" y="0"/>
-          <a:chExt cx="0" cy="0"/>
-        </a:xfrm>
-      </p:grpSpPr>
-      <p:sp>
-        <p:nvSpPr>
-          <p:cNvPr id="167" name="Shape 167"/>
-          <p:cNvSpPr txBox="1">
-            <a:spLocks noGrp="1"/>
-          </p:cNvSpPr>
-          <p:nvPr>
-            <p:ph type="title"/>
-          </p:nvPr>
-        </p:nvSpPr>
-        <p:spPr>
-          <a:xfrm>
-            <a:off x="487200" y="133350"/>
-            <a:ext cx="8229600" cy="632367"/>
-          </a:xfrm>
-          <a:prstGeom prst="rect">
-            <a:avLst/>
-          </a:prstGeom>
-        </p:spPr>
-        <p:txBody>
-          <a:bodyPr lIns="91425" tIns="91425" rIns="91425" bIns="91425" anchor="b" anchorCtr="0">
-            <a:noAutofit/>
-          </a:bodyPr>
-          <a:lstStyle/>
-          <a:p>
-            <a:pPr lvl="0" rtl="0">
-              <a:spcBef>
-                <a:spcPts val="0"/>
-              </a:spcBef>
-              <a:buNone/>
-            </a:pPr>
-            <a:r>
-              <a:rPr lang="en-US" dirty="0"/>
-              <a:t>Agenda</a:t>
-            </a:r>
-            <a:endParaRPr lang="en" dirty="0"/>
-          </a:p>
-        </p:txBody>
-      </p:sp>
-      <p:sp>
-        <p:nvSpPr>
-          <p:cNvPr id="168" name="Shape 168"/>
-          <p:cNvSpPr txBox="1">
-            <a:spLocks noGrp="1"/>
-          </p:cNvSpPr>
-          <p:nvPr>
-            <p:ph type="body" idx="1"/>
-          </p:nvPr>
-        </p:nvSpPr>
-        <p:spPr>
-          <a:xfrm>
-            <a:off x="457200" y="765717"/>
-            <a:ext cx="8229600" cy="4160133"/>
-          </a:xfrm>
-          <a:prstGeom prst="rect">
-            <a:avLst/>
-          </a:prstGeom>
-        </p:spPr>
-        <p:txBody>
-          <a:bodyPr lIns="91425" tIns="91425" rIns="91425" bIns="91425" anchor="t" anchorCtr="0">
-            <a:noAutofit/>
-          </a:bodyPr>
-          <a:lstStyle/>
-          <a:p>
-            <a:pPr marL="457200" lvl="0" indent="-419100">
-              <a:buClr>
-                <a:srgbClr val="000000"/>
-              </a:buClr>
-              <a:buFont typeface="Arial"/>
-              <a:buChar char="●"/>
-            </a:pPr>
-            <a:r>
-              <a:rPr lang="en-US" sz="2800" dirty="0"/>
-              <a:t>History of FP</a:t>
-            </a:r>
-          </a:p>
-          <a:p>
-            <a:pPr marL="457200" lvl="0" indent="-419100">
-              <a:buClr>
-                <a:srgbClr val="000000"/>
-              </a:buClr>
-              <a:buFont typeface="Arial"/>
-              <a:buChar char="●"/>
-            </a:pPr>
-            <a:endParaRPr lang="en-US" sz="2800" dirty="0"/>
-          </a:p>
-          <a:p>
-            <a:pPr marL="457200" lvl="0" indent="-419100">
-              <a:buClr>
-                <a:srgbClr val="000000"/>
-              </a:buClr>
-              <a:buFont typeface="Arial"/>
-              <a:buChar char="●"/>
-            </a:pPr>
-            <a:r>
-              <a:rPr lang="en-US" sz="2800" dirty="0"/>
-              <a:t>Introduction to Functional Programming (FP)</a:t>
-            </a:r>
-          </a:p>
-          <a:p>
-            <a:pPr marL="457200" lvl="0" indent="-419100">
-              <a:buClr>
-                <a:srgbClr val="000000"/>
-              </a:buClr>
-              <a:buFont typeface="Arial"/>
-              <a:buChar char="●"/>
-            </a:pPr>
-            <a:endParaRPr lang="en-US" sz="2800" dirty="0"/>
-          </a:p>
-          <a:p>
-            <a:pPr marL="457200" lvl="0" indent="-419100">
-              <a:buClr>
-                <a:srgbClr val="000000"/>
-              </a:buClr>
-              <a:buFont typeface="Arial"/>
-              <a:buChar char="●"/>
-            </a:pPr>
-            <a:r>
-              <a:rPr lang="en-US" sz="2800" dirty="0"/>
-              <a:t>FP + Java 8</a:t>
-            </a:r>
-          </a:p>
-          <a:p>
-            <a:pPr marL="457200" lvl="0" indent="-419100">
-              <a:buClr>
-                <a:srgbClr val="000000"/>
-              </a:buClr>
-              <a:buFont typeface="Arial"/>
-              <a:buChar char="●"/>
-            </a:pPr>
-            <a:endParaRPr lang="en-US" sz="2800" dirty="0"/>
-          </a:p>
-          <a:p>
-            <a:pPr marL="457200" lvl="0" indent="-419100">
-              <a:buClr>
-                <a:srgbClr val="000000"/>
-              </a:buClr>
-              <a:buFont typeface="Arial"/>
-              <a:buChar char="●"/>
-            </a:pPr>
-            <a:r>
-              <a:rPr lang="en-US" sz="2800" dirty="0"/>
-              <a:t>Hands on exercise</a:t>
-            </a:r>
-          </a:p>
-        </p:txBody>
-      </p:sp>
-    </p:spTree>
-    <p:extLst>
-      <p:ext uri="{BB962C8B-B14F-4D97-AF65-F5344CB8AC3E}">
-        <p14:creationId xmlns:p14="http://schemas.microsoft.com/office/powerpoint/2010/main" val="17702805"/>
       </p:ext>
     </p:extLst>
   </p:cSld>
@@ -7875,8 +9797,8 @@
         </p:nvSpPr>
         <p:spPr>
           <a:xfrm>
-            <a:off x="2870400" y="3105149"/>
-            <a:ext cx="5940000" cy="1828801"/>
+            <a:off x="2870400" y="3060001"/>
+            <a:ext cx="5940000" cy="1911614"/>
           </a:xfrm>
           <a:prstGeom prst="rect">
             <a:avLst/>
@@ -7942,7 +9864,7 @@
         <p:spPr>
           <a:xfrm>
             <a:off x="2894400" y="765717"/>
-            <a:ext cx="5941200" cy="2339433"/>
+            <a:ext cx="5941200" cy="2155287"/>
           </a:xfrm>
           <a:prstGeom prst="rect">
             <a:avLst/>
@@ -9171,7 +11093,20 @@
             </a:pPr>
             <a:r>
               <a:rPr lang="en-US" sz="2400" dirty="0"/>
-              <a:t>Multi-threading is not enough and it is also very hard to achieve due to:</a:t>
+              <a:t>Multi-threading?</a:t>
+            </a:r>
+          </a:p>
+          <a:p>
+            <a:pPr marL="457200" lvl="0" indent="-419100">
+              <a:buClr>
+                <a:srgbClr val="000000"/>
+              </a:buClr>
+              <a:buFont typeface="Arial"/>
+              <a:buChar char="●"/>
+            </a:pPr>
+            <a:r>
+              <a:rPr lang="en-US" sz="2400" dirty="0"/>
+              <a:t>It is not enough and is also very hard to achieve due to:</a:t>
             </a:r>
           </a:p>
           <a:p>
@@ -9350,15 +11285,33 @@
                                   </p:childTnLst>
                                 </p:cTn>
                               </p:par>
+                            </p:childTnLst>
+                          </p:cTn>
+                        </p:par>
+                      </p:childTnLst>
+                    </p:cTn>
+                  </p:par>
+                  <p:par>
+                    <p:cTn id="8" fill="hold">
+                      <p:stCondLst>
+                        <p:cond delay="indefinite"/>
+                      </p:stCondLst>
+                      <p:childTnLst>
+                        <p:par>
+                          <p:cTn id="9" fill="hold">
+                            <p:stCondLst>
+                              <p:cond delay="0"/>
+                            </p:stCondLst>
+                            <p:childTnLst>
                               <p:par>
-                                <p:cTn id="8" presetID="10" presetClass="entr" presetSubtype="0" fill="hold" nodeType="withEffect">
+                                <p:cTn id="10" presetID="10" presetClass="entr" presetSubtype="0" fill="hold" nodeType="clickEffect">
                                   <p:stCondLst>
                                     <p:cond delay="0"/>
                                   </p:stCondLst>
                                   <p:childTnLst>
                                     <p:set>
                                       <p:cBhvr>
-                                        <p:cTn id="9" dur="1" fill="hold">
+                                        <p:cTn id="11" dur="1" fill="hold">
                                           <p:stCondLst>
                                             <p:cond delay="0"/>
                                           </p:stCondLst>
@@ -9380,7 +11333,7 @@
                                     </p:set>
                                     <p:animEffect transition="in" filter="fade">
                                       <p:cBhvr>
-                                        <p:cTn id="10" dur="500"/>
+                                        <p:cTn id="12" dur="500"/>
                                         <p:tgtEl>
                                           <p:spTgt spid="168">
                                             <p:txEl>
@@ -9394,14 +11347,14 @@
                                 </p:cTn>
                               </p:par>
                               <p:par>
-                                <p:cTn id="11" presetID="10" presetClass="entr" presetSubtype="0" fill="hold" nodeType="withEffect">
+                                <p:cTn id="13" presetID="10" presetClass="entr" presetSubtype="0" fill="hold" nodeType="withEffect">
                                   <p:stCondLst>
                                     <p:cond delay="0"/>
                                   </p:stCondLst>
                                   <p:childTnLst>
                                     <p:set>
                                       <p:cBhvr>
-                                        <p:cTn id="12" dur="1" fill="hold">
+                                        <p:cTn id="14" dur="1" fill="hold">
                                           <p:stCondLst>
                                             <p:cond delay="0"/>
                                           </p:stCondLst>
@@ -9423,7 +11376,7 @@
                                     </p:set>
                                     <p:animEffect transition="in" filter="fade">
                                       <p:cBhvr>
-                                        <p:cTn id="13" dur="500"/>
+                                        <p:cTn id="15" dur="500"/>
                                         <p:tgtEl>
                                           <p:spTgt spid="168">
                                             <p:txEl>
@@ -9437,14 +11390,14 @@
                                 </p:cTn>
                               </p:par>
                               <p:par>
-                                <p:cTn id="14" presetID="10" presetClass="entr" presetSubtype="0" fill="hold" nodeType="withEffect">
+                                <p:cTn id="16" presetID="10" presetClass="entr" presetSubtype="0" fill="hold" nodeType="withEffect">
                                   <p:stCondLst>
                                     <p:cond delay="0"/>
                                   </p:stCondLst>
                                   <p:childTnLst>
                                     <p:set>
                                       <p:cBhvr>
-                                        <p:cTn id="15" dur="1" fill="hold">
+                                        <p:cTn id="17" dur="1" fill="hold">
                                           <p:stCondLst>
                                             <p:cond delay="0"/>
                                           </p:stCondLst>
@@ -9466,7 +11419,7 @@
                                     </p:set>
                                     <p:animEffect transition="in" filter="fade">
                                       <p:cBhvr>
-                                        <p:cTn id="16" dur="500"/>
+                                        <p:cTn id="18" dur="500"/>
                                         <p:tgtEl>
                                           <p:spTgt spid="168">
                                             <p:txEl>
@@ -9479,26 +11432,8 @@
                                   </p:childTnLst>
                                 </p:cTn>
                               </p:par>
-                            </p:childTnLst>
-                          </p:cTn>
-                        </p:par>
-                      </p:childTnLst>
-                    </p:cTn>
-                  </p:par>
-                  <p:par>
-                    <p:cTn id="17" fill="hold">
-                      <p:stCondLst>
-                        <p:cond delay="indefinite"/>
-                      </p:stCondLst>
-                      <p:childTnLst>
-                        <p:par>
-                          <p:cTn id="18" fill="hold">
-                            <p:stCondLst>
-                              <p:cond delay="0"/>
-                            </p:stCondLst>
-                            <p:childTnLst>
                               <p:par>
-                                <p:cTn id="19" presetID="10" presetClass="entr" presetSubtype="0" fill="hold" nodeType="clickEffect">
+                                <p:cTn id="19" presetID="10" presetClass="entr" presetSubtype="0" fill="hold" nodeType="withEffect">
                                   <p:stCondLst>
                                     <p:cond delay="0"/>
                                   </p:stCondLst>
@@ -9513,7 +11448,7 @@
                                         <p:tgtEl>
                                           <p:spTgt spid="168">
                                             <p:txEl>
-                                              <p:pRg st="5" end="5"/>
+                                              <p:pRg st="4" end="4"/>
                                             </p:txEl>
                                           </p:spTgt>
                                         </p:tgtEl>
@@ -9531,7 +11466,7 @@
                                         <p:tgtEl>
                                           <p:spTgt spid="168">
                                             <p:txEl>
-                                              <p:pRg st="5" end="5"/>
+                                              <p:pRg st="4" end="4"/>
                                             </p:txEl>
                                           </p:spTgt>
                                         </p:tgtEl>
@@ -9574,7 +11509,7 @@
                                         <p:tgtEl>
                                           <p:spTgt spid="168">
                                             <p:txEl>
-                                              <p:pRg st="7" end="7"/>
+                                              <p:pRg st="6" end="6"/>
                                             </p:txEl>
                                           </p:spTgt>
                                         </p:tgtEl>
@@ -9592,7 +11527,7 @@
                                         <p:tgtEl>
                                           <p:spTgt spid="168">
                                             <p:txEl>
-                                              <p:pRg st="7" end="7"/>
+                                              <p:pRg st="6" end="6"/>
                                             </p:txEl>
                                           </p:spTgt>
                                         </p:tgtEl>
@@ -9601,15 +11536,33 @@
                                   </p:childTnLst>
                                 </p:cTn>
                               </p:par>
+                            </p:childTnLst>
+                          </p:cTn>
+                        </p:par>
+                      </p:childTnLst>
+                    </p:cTn>
+                  </p:par>
+                  <p:par>
+                    <p:cTn id="27" fill="hold">
+                      <p:stCondLst>
+                        <p:cond delay="indefinite"/>
+                      </p:stCondLst>
+                      <p:childTnLst>
+                        <p:par>
+                          <p:cTn id="28" fill="hold">
+                            <p:stCondLst>
+                              <p:cond delay="0"/>
+                            </p:stCondLst>
+                            <p:childTnLst>
                               <p:par>
-                                <p:cTn id="27" presetID="10" presetClass="entr" presetSubtype="0" fill="hold" nodeType="withEffect">
+                                <p:cTn id="29" presetID="10" presetClass="entr" presetSubtype="0" fill="hold" nodeType="clickEffect">
                                   <p:stCondLst>
                                     <p:cond delay="0"/>
                                   </p:stCondLst>
                                   <p:childTnLst>
                                     <p:set>
                                       <p:cBhvr>
-                                        <p:cTn id="28" dur="1" fill="hold">
+                                        <p:cTn id="30" dur="1" fill="hold">
                                           <p:stCondLst>
                                             <p:cond delay="0"/>
                                           </p:stCondLst>
@@ -9631,11 +11584,54 @@
                                     </p:set>
                                     <p:animEffect transition="in" filter="fade">
                                       <p:cBhvr>
-                                        <p:cTn id="29" dur="500"/>
+                                        <p:cTn id="31" dur="500"/>
                                         <p:tgtEl>
                                           <p:spTgt spid="168">
                                             <p:txEl>
                                               <p:pRg st="8" end="8"/>
+                                            </p:txEl>
+                                          </p:spTgt>
+                                        </p:tgtEl>
+                                      </p:cBhvr>
+                                    </p:animEffect>
+                                  </p:childTnLst>
+                                </p:cTn>
+                              </p:par>
+                              <p:par>
+                                <p:cTn id="32" presetID="10" presetClass="entr" presetSubtype="0" fill="hold" nodeType="withEffect">
+                                  <p:stCondLst>
+                                    <p:cond delay="0"/>
+                                  </p:stCondLst>
+                                  <p:childTnLst>
+                                    <p:set>
+                                      <p:cBhvr>
+                                        <p:cTn id="33" dur="1" fill="hold">
+                                          <p:stCondLst>
+                                            <p:cond delay="0"/>
+                                          </p:stCondLst>
+                                        </p:cTn>
+                                        <p:tgtEl>
+                                          <p:spTgt spid="168">
+                                            <p:txEl>
+                                              <p:pRg st="9" end="9"/>
+                                            </p:txEl>
+                                          </p:spTgt>
+                                        </p:tgtEl>
+                                        <p:attrNameLst>
+                                          <p:attrName>style.visibility</p:attrName>
+                                        </p:attrNameLst>
+                                      </p:cBhvr>
+                                      <p:to>
+                                        <p:strVal val="visible"/>
+                                      </p:to>
+                                    </p:set>
+                                    <p:animEffect transition="in" filter="fade">
+                                      <p:cBhvr>
+                                        <p:cTn id="34" dur="500"/>
+                                        <p:tgtEl>
+                                          <p:spTgt spid="168">
+                                            <p:txEl>
+                                              <p:pRg st="9" end="9"/>
                                             </p:txEl>
                                           </p:spTgt>
                                         </p:tgtEl>
@@ -9762,7 +11758,7 @@
               </a:buClr>
             </a:pPr>
             <a:r>
-              <a:rPr lang="en-US" sz="2400" dirty="0"/>
+              <a:rPr lang="en-US" sz="2800" dirty="0"/>
               <a:t>Functional programming is:</a:t>
             </a:r>
           </a:p>
@@ -9775,7 +11771,7 @@
               <a:buChar char="•"/>
             </a:pPr>
             <a:r>
-              <a:rPr lang="en-US" sz="2000" dirty="0"/>
+              <a:rPr lang="en-US" sz="2400" dirty="0"/>
               <a:t>A programming paradigm: style of building computer programs</a:t>
             </a:r>
           </a:p>
@@ -9787,38 +11783,48 @@
               <a:buFont typeface="Arial" panose="020B0604020202020204" pitchFamily="34" charset="0"/>
               <a:buChar char="•"/>
             </a:pPr>
+            <a:endParaRPr lang="en-US" sz="2400" dirty="0"/>
+          </a:p>
+          <a:p>
+            <a:pPr marL="381000" lvl="0" indent="-342900">
+              <a:buClr>
+                <a:srgbClr val="000000"/>
+              </a:buClr>
+              <a:buFont typeface="Arial" panose="020B0604020202020204" pitchFamily="34" charset="0"/>
+              <a:buChar char="•"/>
+            </a:pPr>
             <a:r>
-              <a:rPr lang="en-US" sz="2000" dirty="0"/>
+              <a:rPr lang="en-US" sz="2400" dirty="0"/>
               <a:t>It treats computation as the evaluation of </a:t>
             </a:r>
             <a:r>
-              <a:rPr lang="en-US" sz="2000" dirty="0">
+              <a:rPr lang="en-US" sz="2400" dirty="0">
                 <a:hlinkClick r:id="rId3" tooltip="Function (mathematics)"/>
               </a:rPr>
               <a:t>mathematical functions</a:t>
             </a:r>
             <a:r>
-              <a:rPr lang="en-US" sz="2000" dirty="0"/>
+              <a:rPr lang="en-US" sz="2400" dirty="0"/>
               <a:t> and avoids changing-</a:t>
             </a:r>
             <a:r>
-              <a:rPr lang="en-US" sz="2000" dirty="0">
+              <a:rPr lang="en-US" sz="2400" dirty="0">
                 <a:hlinkClick r:id="rId4" tooltip="Program state"/>
               </a:rPr>
               <a:t>state</a:t>
             </a:r>
             <a:r>
-              <a:rPr lang="en-US" sz="2000" dirty="0"/>
+              <a:rPr lang="en-US" sz="2400" dirty="0"/>
               <a:t> and </a:t>
             </a:r>
             <a:r>
-              <a:rPr lang="en-US" sz="2000" dirty="0">
+              <a:rPr lang="en-US" sz="2400" dirty="0">
                 <a:hlinkClick r:id="rId5" tooltip="Immutable object"/>
               </a:rPr>
               <a:t>mutable</a:t>
             </a:r>
             <a:r>
-              <a:rPr lang="en-US" sz="2000" dirty="0"/>
+              <a:rPr lang="en-US" sz="2400" dirty="0"/>
               <a:t> data.</a:t>
             </a:r>
           </a:p>
@@ -9828,7 +11834,7 @@
                 <a:srgbClr val="000000"/>
               </a:buClr>
             </a:pPr>
-            <a:endParaRPr lang="en-US" sz="2400" dirty="0"/>
+            <a:endParaRPr lang="en-US" sz="1800" dirty="0"/>
           </a:p>
           <a:p>
             <a:pPr marL="38100" lvl="0">
@@ -9836,48 +11842,7 @@
                 <a:srgbClr val="000000"/>
               </a:buClr>
             </a:pPr>
-            <a:r>
-              <a:rPr lang="en-US" sz="2400" dirty="0"/>
-              <a:t>It is a </a:t>
-            </a:r>
-            <a:r>
-              <a:rPr lang="en-US" sz="2400" dirty="0">
-                <a:hlinkClick r:id="rId6" tooltip="Declarative programming"/>
-              </a:rPr>
-              <a:t>declarative programming</a:t>
-            </a:r>
-            <a:r>
-              <a:rPr lang="en-US" sz="2400" dirty="0"/>
-              <a:t> paradigm, which means programming is done with </a:t>
-            </a:r>
-            <a:r>
-              <a:rPr lang="en-US" sz="2400" dirty="0">
-                <a:hlinkClick r:id="rId7" tooltip="Expression (computer science)"/>
-              </a:rPr>
-              <a:t>expressions</a:t>
-            </a:r>
-            <a:r>
-              <a:rPr lang="en-US" sz="2400" dirty="0"/>
-              <a:t> or declarations instead of </a:t>
-            </a:r>
-            <a:r>
-              <a:rPr lang="en-US" sz="2400" dirty="0">
-                <a:hlinkClick r:id="rId8" tooltip="Statement (computer science)"/>
-              </a:rPr>
-              <a:t>statements</a:t>
-            </a:r>
-            <a:r>
-              <a:rPr lang="en-US" sz="2400" dirty="0"/>
-              <a:t>.</a:t>
-            </a:r>
-          </a:p>
-          <a:p>
-            <a:pPr marL="38100" lvl="0">
-              <a:buClr>
-                <a:srgbClr val="000000"/>
-              </a:buClr>
-            </a:pPr>
-            <a:endParaRPr lang="en-US" sz="2400" dirty="0"/>
+            <a:endParaRPr lang="en-US" sz="1800" dirty="0"/>
           </a:p>
           <a:p>
             <a:pPr marL="38100" lvl="0">
@@ -9895,7 +11860,7 @@
             </a:r>
             <a:r>
               <a:rPr lang="en-US" sz="1800" dirty="0">
-                <a:hlinkClick r:id="rId9"/>
+                <a:hlinkClick r:id="rId6"/>
               </a:rPr>
               <a:t>https://github.com/yogeshrnaik/cdac/blob/master/Programming-Paradigm/Problem%20Solutions/functional%20programming/path.lsp</a:t>
             </a:r>
@@ -10077,7 +12042,7 @@
                                         <p:tgtEl>
                                           <p:spTgt spid="168">
                                             <p:txEl>
-                                              <p:pRg st="2" end="2"/>
+                                              <p:pRg st="3" end="3"/>
                                             </p:txEl>
                                           </p:spTgt>
                                         </p:tgtEl>
@@ -10095,7 +12060,7 @@
                                         <p:tgtEl>
                                           <p:spTgt spid="168">
                                             <p:txEl>
-                                              <p:pRg st="2" end="2"/>
+                                              <p:pRg st="3" end="3"/>
                                             </p:txEl>
                                           </p:spTgt>
                                         </p:tgtEl>
@@ -10138,7 +12103,7 @@
                                         <p:tgtEl>
                                           <p:spTgt spid="168">
                                             <p:txEl>
-                                              <p:pRg st="4" end="4"/>
+                                              <p:pRg st="6" end="6"/>
                                             </p:txEl>
                                           </p:spTgt>
                                         </p:tgtEl>
@@ -10153,67 +12118,6 @@
                                     <p:animEffect transition="in" filter="fade">
                                       <p:cBhvr>
                                         <p:cTn id="22" dur="500"/>
-                                        <p:tgtEl>
-                                          <p:spTgt spid="168">
-                                            <p:txEl>
-                                              <p:pRg st="4" end="4"/>
-                                            </p:txEl>
-                                          </p:spTgt>
-                                        </p:tgtEl>
-                                      </p:cBhvr>
-                                    </p:animEffect>
-                                  </p:childTnLst>
-                                </p:cTn>
-                              </p:par>
-                            </p:childTnLst>
-                          </p:cTn>
-                        </p:par>
-                      </p:childTnLst>
-                    </p:cTn>
-                  </p:par>
-                  <p:par>
-                    <p:cTn id="23" fill="hold">
-                      <p:stCondLst>
-                        <p:cond delay="indefinite"/>
-                      </p:stCondLst>
-                      <p:childTnLst>
-                        <p:par>
-                          <p:cTn id="24" fill="hold">
-                            <p:stCondLst>
-                              <p:cond delay="0"/>
-                            </p:stCondLst>
-                            <p:childTnLst>
-                              <p:par>
-                                <p:cTn id="25" presetID="10" presetClass="entr" presetSubtype="0" fill="hold" nodeType="clickEffect">
-                                  <p:stCondLst>
-                                    <p:cond delay="0"/>
-                                  </p:stCondLst>
-                                  <p:childTnLst>
-                                    <p:set>
-                                      <p:cBhvr>
-                                        <p:cTn id="26" dur="1" fill="hold">
-                                          <p:stCondLst>
-                                            <p:cond delay="0"/>
-                                          </p:stCondLst>
-                                        </p:cTn>
-                                        <p:tgtEl>
-                                          <p:spTgt spid="168">
-                                            <p:txEl>
-                                              <p:pRg st="6" end="6"/>
-                                            </p:txEl>
-                                          </p:spTgt>
-                                        </p:tgtEl>
-                                        <p:attrNameLst>
-                                          <p:attrName>style.visibility</p:attrName>
-                                        </p:attrNameLst>
-                                      </p:cBhvr>
-                                      <p:to>
-                                        <p:strVal val="visible"/>
-                                      </p:to>
-                                    </p:set>
-                                    <p:animEffect transition="in" filter="fade">
-                                      <p:cBhvr>
-                                        <p:cTn id="27" dur="500"/>
                                         <p:tgtEl>
                                           <p:spTgt spid="168">
                                             <p:txEl>
@@ -10299,6 +12203,1040 @@
           </a:bodyPr>
           <a:lstStyle/>
           <a:p>
+            <a:pPr lvl="0" rtl="0">
+              <a:spcBef>
+                <a:spcPts val="0"/>
+              </a:spcBef>
+              <a:buNone/>
+            </a:pPr>
+            <a:r>
+              <a:rPr lang="en-US" dirty="0"/>
+              <a:t>Introduction to FP</a:t>
+            </a:r>
+            <a:endParaRPr lang="en" dirty="0"/>
+          </a:p>
+        </p:txBody>
+      </p:sp>
+      <p:sp>
+        <p:nvSpPr>
+          <p:cNvPr id="168" name="Shape 168"/>
+          <p:cNvSpPr txBox="1">
+            <a:spLocks noGrp="1"/>
+          </p:cNvSpPr>
+          <p:nvPr>
+            <p:ph type="body" idx="1"/>
+          </p:nvPr>
+        </p:nvSpPr>
+        <p:spPr>
+          <a:xfrm>
+            <a:off x="457200" y="765717"/>
+            <a:ext cx="8229600" cy="1348833"/>
+          </a:xfrm>
+          <a:prstGeom prst="rect">
+            <a:avLst/>
+          </a:prstGeom>
+        </p:spPr>
+        <p:txBody>
+          <a:bodyPr lIns="91425" tIns="91425" rIns="91425" bIns="91425" anchor="t" anchorCtr="0">
+            <a:noAutofit/>
+          </a:bodyPr>
+          <a:lstStyle/>
+          <a:p>
+            <a:pPr marL="38100" lvl="0">
+              <a:buClr>
+                <a:srgbClr val="000000"/>
+              </a:buClr>
+            </a:pPr>
+            <a:r>
+              <a:rPr lang="en-US" sz="2400" dirty="0"/>
+              <a:t>It is a </a:t>
+            </a:r>
+            <a:r>
+              <a:rPr lang="en-US" sz="2400" dirty="0">
+                <a:hlinkClick r:id="rId3" tooltip="Declarative programming"/>
+              </a:rPr>
+              <a:t>declarative programming</a:t>
+            </a:r>
+            <a:r>
+              <a:rPr lang="en-US" sz="2400" dirty="0"/>
+              <a:t> paradigm, which means programming is done with </a:t>
+            </a:r>
+            <a:r>
+              <a:rPr lang="en-US" sz="2400" dirty="0">
+                <a:hlinkClick r:id="rId4" tooltip="Expression (computer science)"/>
+              </a:rPr>
+              <a:t>expressions</a:t>
+            </a:r>
+            <a:r>
+              <a:rPr lang="en-US" sz="2400" dirty="0"/>
+              <a:t> or </a:t>
+            </a:r>
+            <a:r>
+              <a:rPr lang="en-US" sz="2400" dirty="0">
+                <a:hlinkClick r:id="rId4" tooltip="Expression (computer science)"/>
+              </a:rPr>
+              <a:t>declarations</a:t>
+            </a:r>
+            <a:r>
+              <a:rPr lang="en-US" sz="2400" dirty="0"/>
+              <a:t> instead of </a:t>
+            </a:r>
+            <a:r>
+              <a:rPr lang="en-US" sz="2400" dirty="0">
+                <a:hlinkClick r:id="rId5" tooltip="Statement (computer science)"/>
+              </a:rPr>
+              <a:t>statements</a:t>
+            </a:r>
+            <a:r>
+              <a:rPr lang="en-US" sz="2400" dirty="0"/>
+              <a:t>.</a:t>
+            </a:r>
+          </a:p>
+          <a:p>
+            <a:pPr marL="38100" lvl="0">
+              <a:buClr>
+                <a:srgbClr val="000000"/>
+              </a:buClr>
+            </a:pPr>
+            <a:endParaRPr lang="en-US" sz="2000" dirty="0"/>
+          </a:p>
+          <a:p>
+            <a:pPr marL="38100" lvl="0">
+              <a:buClr>
+                <a:srgbClr val="000000"/>
+              </a:buClr>
+            </a:pPr>
+            <a:endParaRPr lang="en-US" sz="2000" dirty="0"/>
+          </a:p>
+          <a:p>
+            <a:pPr marL="38100" lvl="0">
+              <a:buClr>
+                <a:srgbClr val="000000"/>
+              </a:buClr>
+            </a:pPr>
+            <a:endParaRPr lang="en-US" sz="1800" dirty="0"/>
+          </a:p>
+          <a:p>
+            <a:pPr marL="38100" lvl="0">
+              <a:buClr>
+                <a:srgbClr val="000000"/>
+              </a:buClr>
+            </a:pPr>
+            <a:endParaRPr lang="en-US" sz="2000" dirty="0"/>
+          </a:p>
+        </p:txBody>
+      </p:sp>
+      <p:pic>
+        <p:nvPicPr>
+          <p:cNvPr id="4" name="Picture 4" descr="Image result for imperative vs declarative programming">
+            <a:extLst>
+              <a:ext uri="{FF2B5EF4-FFF2-40B4-BE49-F238E27FC236}">
+                <a16:creationId xmlns:a16="http://schemas.microsoft.com/office/drawing/2014/main" id="{1FF09DB6-F219-4022-AB7B-F4F3F3A00CC4}"/>
+              </a:ext>
+            </a:extLst>
+          </p:cNvPr>
+          <p:cNvPicPr>
+            <a:picLocks noChangeAspect="1" noChangeArrowheads="1"/>
+          </p:cNvPicPr>
+          <p:nvPr/>
+        </p:nvPicPr>
+        <p:blipFill>
+          <a:blip r:embed="rId6">
+            <a:extLst>
+              <a:ext uri="{28A0092B-C50C-407E-A947-70E740481C1C}">
+                <a14:useLocalDpi xmlns:a14="http://schemas.microsoft.com/office/drawing/2010/main" val="0"/>
+              </a:ext>
+            </a:extLst>
+          </a:blip>
+          <a:srcRect/>
+          <a:stretch>
+            <a:fillRect/>
+          </a:stretch>
+        </p:blipFill>
+        <p:spPr bwMode="auto">
+          <a:xfrm>
+            <a:off x="4492799" y="2114550"/>
+            <a:ext cx="3797567" cy="1815375"/>
+          </a:xfrm>
+          <a:prstGeom prst="rect">
+            <a:avLst/>
+          </a:prstGeom>
+          <a:noFill/>
+          <a:extLst>
+            <a:ext uri="{909E8E84-426E-40DD-AFC4-6F175D3DCCD1}">
+              <a14:hiddenFill xmlns:a14="http://schemas.microsoft.com/office/drawing/2010/main">
+                <a:solidFill>
+                  <a:srgbClr val="FFFFFF"/>
+                </a:solidFill>
+              </a14:hiddenFill>
+            </a:ext>
+          </a:extLst>
+        </p:spPr>
+      </p:pic>
+      <p:sp>
+        <p:nvSpPr>
+          <p:cNvPr id="5" name="Shape 168">
+            <a:extLst>
+              <a:ext uri="{FF2B5EF4-FFF2-40B4-BE49-F238E27FC236}">
+                <a16:creationId xmlns:a16="http://schemas.microsoft.com/office/drawing/2014/main" id="{FA6B9CFF-7BAC-452B-A9D4-00F738B7FB84}"/>
+              </a:ext>
+            </a:extLst>
+          </p:cNvPr>
+          <p:cNvSpPr txBox="1">
+            <a:spLocks/>
+          </p:cNvSpPr>
+          <p:nvPr/>
+        </p:nvSpPr>
+        <p:spPr>
+          <a:xfrm>
+            <a:off x="4462799" y="4171950"/>
+            <a:ext cx="3886200" cy="883425"/>
+          </a:xfrm>
+          <a:prstGeom prst="rect">
+            <a:avLst/>
+          </a:prstGeom>
+          <a:noFill/>
+          <a:ln>
+            <a:noFill/>
+          </a:ln>
+        </p:spPr>
+        <p:txBody>
+          <a:bodyPr lIns="91425" tIns="91425" rIns="91425" bIns="91425" anchor="t" anchorCtr="0">
+            <a:noAutofit/>
+          </a:bodyPr>
+          <a:lstStyle>
+            <a:defPPr marR="0" algn="l" rtl="0">
+              <a:lnSpc>
+                <a:spcPct val="100000"/>
+              </a:lnSpc>
+              <a:spcBef>
+                <a:spcPts val="0"/>
+              </a:spcBef>
+              <a:spcAft>
+                <a:spcPts val="0"/>
+              </a:spcAft>
+            </a:defPPr>
+            <a:lvl1pPr marR="0" algn="l" rtl="0">
+              <a:lnSpc>
+                <a:spcPct val="100000"/>
+              </a:lnSpc>
+              <a:spcBef>
+                <a:spcPts val="0"/>
+              </a:spcBef>
+              <a:spcAft>
+                <a:spcPts val="0"/>
+              </a:spcAft>
+              <a:buSzPct val="100000"/>
+              <a:buNone/>
+              <a:defRPr sz="3000" b="0" i="0" u="none" strike="noStrike" cap="none" baseline="0">
+                <a:solidFill>
+                  <a:srgbClr val="000000"/>
+                </a:solidFill>
+                <a:latin typeface="Arial"/>
+                <a:ea typeface="Arial"/>
+                <a:cs typeface="Arial"/>
+                <a:sym typeface="Arial"/>
+                <a:rtl val="0"/>
+              </a:defRPr>
+            </a:lvl1pPr>
+            <a:lvl2pPr marR="0" algn="l" rtl="0">
+              <a:lnSpc>
+                <a:spcPct val="100000"/>
+              </a:lnSpc>
+              <a:spcBef>
+                <a:spcPts val="0"/>
+              </a:spcBef>
+              <a:spcAft>
+                <a:spcPts val="0"/>
+              </a:spcAft>
+              <a:buSzPct val="100000"/>
+              <a:buNone/>
+              <a:defRPr sz="2400" b="0" i="0" u="none" strike="noStrike" cap="none" baseline="0">
+                <a:solidFill>
+                  <a:srgbClr val="000000"/>
+                </a:solidFill>
+                <a:latin typeface="Arial"/>
+                <a:ea typeface="Arial"/>
+                <a:cs typeface="Arial"/>
+                <a:sym typeface="Arial"/>
+                <a:rtl val="0"/>
+              </a:defRPr>
+            </a:lvl2pPr>
+            <a:lvl3pPr marR="0" algn="l" rtl="0">
+              <a:lnSpc>
+                <a:spcPct val="100000"/>
+              </a:lnSpc>
+              <a:spcBef>
+                <a:spcPts val="0"/>
+              </a:spcBef>
+              <a:spcAft>
+                <a:spcPts val="0"/>
+              </a:spcAft>
+              <a:buSzPct val="100000"/>
+              <a:buNone/>
+              <a:defRPr sz="2400" b="0" i="0" u="none" strike="noStrike" cap="none" baseline="0">
+                <a:solidFill>
+                  <a:srgbClr val="000000"/>
+                </a:solidFill>
+                <a:latin typeface="Arial"/>
+                <a:ea typeface="Arial"/>
+                <a:cs typeface="Arial"/>
+                <a:sym typeface="Arial"/>
+                <a:rtl val="0"/>
+              </a:defRPr>
+            </a:lvl3pPr>
+            <a:lvl4pPr marR="0" algn="l" rtl="0">
+              <a:lnSpc>
+                <a:spcPct val="100000"/>
+              </a:lnSpc>
+              <a:spcBef>
+                <a:spcPts val="0"/>
+              </a:spcBef>
+              <a:spcAft>
+                <a:spcPts val="0"/>
+              </a:spcAft>
+              <a:buSzPct val="100000"/>
+              <a:buNone/>
+              <a:defRPr sz="1800" b="0" i="0" u="none" strike="noStrike" cap="none" baseline="0">
+                <a:solidFill>
+                  <a:srgbClr val="000000"/>
+                </a:solidFill>
+                <a:latin typeface="Arial"/>
+                <a:ea typeface="Arial"/>
+                <a:cs typeface="Arial"/>
+                <a:sym typeface="Arial"/>
+                <a:rtl val="0"/>
+              </a:defRPr>
+            </a:lvl4pPr>
+            <a:lvl5pPr marR="0" algn="l" rtl="0">
+              <a:lnSpc>
+                <a:spcPct val="100000"/>
+              </a:lnSpc>
+              <a:spcBef>
+                <a:spcPts val="0"/>
+              </a:spcBef>
+              <a:spcAft>
+                <a:spcPts val="0"/>
+              </a:spcAft>
+              <a:buSzPct val="100000"/>
+              <a:buNone/>
+              <a:defRPr sz="1800" b="0" i="0" u="none" strike="noStrike" cap="none" baseline="0">
+                <a:solidFill>
+                  <a:srgbClr val="000000"/>
+                </a:solidFill>
+                <a:latin typeface="Arial"/>
+                <a:ea typeface="Arial"/>
+                <a:cs typeface="Arial"/>
+                <a:sym typeface="Arial"/>
+                <a:rtl val="0"/>
+              </a:defRPr>
+            </a:lvl5pPr>
+            <a:lvl6pPr marR="0" algn="l" rtl="0">
+              <a:lnSpc>
+                <a:spcPct val="100000"/>
+              </a:lnSpc>
+              <a:spcBef>
+                <a:spcPts val="0"/>
+              </a:spcBef>
+              <a:spcAft>
+                <a:spcPts val="0"/>
+              </a:spcAft>
+              <a:buSzPct val="100000"/>
+              <a:buNone/>
+              <a:defRPr sz="1800" b="0" i="0" u="none" strike="noStrike" cap="none" baseline="0">
+                <a:solidFill>
+                  <a:srgbClr val="000000"/>
+                </a:solidFill>
+                <a:latin typeface="Arial"/>
+                <a:ea typeface="Arial"/>
+                <a:cs typeface="Arial"/>
+                <a:sym typeface="Arial"/>
+                <a:rtl val="0"/>
+              </a:defRPr>
+            </a:lvl6pPr>
+            <a:lvl7pPr marR="0" algn="l" rtl="0">
+              <a:lnSpc>
+                <a:spcPct val="100000"/>
+              </a:lnSpc>
+              <a:spcBef>
+                <a:spcPts val="0"/>
+              </a:spcBef>
+              <a:spcAft>
+                <a:spcPts val="0"/>
+              </a:spcAft>
+              <a:buSzPct val="100000"/>
+              <a:buNone/>
+              <a:defRPr sz="1800" b="0" i="0" u="none" strike="noStrike" cap="none" baseline="0">
+                <a:solidFill>
+                  <a:srgbClr val="000000"/>
+                </a:solidFill>
+                <a:latin typeface="Arial"/>
+                <a:ea typeface="Arial"/>
+                <a:cs typeface="Arial"/>
+                <a:sym typeface="Arial"/>
+                <a:rtl val="0"/>
+              </a:defRPr>
+            </a:lvl7pPr>
+            <a:lvl8pPr marR="0" algn="l" rtl="0">
+              <a:lnSpc>
+                <a:spcPct val="100000"/>
+              </a:lnSpc>
+              <a:spcBef>
+                <a:spcPts val="0"/>
+              </a:spcBef>
+              <a:spcAft>
+                <a:spcPts val="0"/>
+              </a:spcAft>
+              <a:buSzPct val="100000"/>
+              <a:buNone/>
+              <a:defRPr sz="1800" b="0" i="0" u="none" strike="noStrike" cap="none" baseline="0">
+                <a:solidFill>
+                  <a:srgbClr val="000000"/>
+                </a:solidFill>
+                <a:latin typeface="Arial"/>
+                <a:ea typeface="Arial"/>
+                <a:cs typeface="Arial"/>
+                <a:sym typeface="Arial"/>
+                <a:rtl val="0"/>
+              </a:defRPr>
+            </a:lvl8pPr>
+            <a:lvl9pPr marR="0" algn="l" rtl="0">
+              <a:lnSpc>
+                <a:spcPct val="100000"/>
+              </a:lnSpc>
+              <a:spcBef>
+                <a:spcPts val="0"/>
+              </a:spcBef>
+              <a:spcAft>
+                <a:spcPts val="0"/>
+              </a:spcAft>
+              <a:buSzPct val="100000"/>
+              <a:buNone/>
+              <a:defRPr sz="1800" b="0" i="0" u="none" strike="noStrike" cap="none" baseline="0">
+                <a:solidFill>
+                  <a:srgbClr val="000000"/>
+                </a:solidFill>
+                <a:latin typeface="Arial"/>
+                <a:ea typeface="Arial"/>
+                <a:cs typeface="Arial"/>
+                <a:sym typeface="Arial"/>
+                <a:rtl val="0"/>
+              </a:defRPr>
+            </a:lvl9pPr>
+          </a:lstStyle>
+          <a:p>
+            <a:pPr marL="38100">
+              <a:buClr>
+                <a:srgbClr val="000000"/>
+              </a:buClr>
+            </a:pPr>
+            <a:r>
+              <a:rPr lang="en-US" sz="2000" dirty="0"/>
+              <a:t>Let us look at some examples of Imperative vs Declarative code</a:t>
+            </a:r>
+          </a:p>
+        </p:txBody>
+      </p:sp>
+      <p:sp>
+        <p:nvSpPr>
+          <p:cNvPr id="6" name="Shape 168">
+            <a:extLst>
+              <a:ext uri="{FF2B5EF4-FFF2-40B4-BE49-F238E27FC236}">
+                <a16:creationId xmlns:a16="http://schemas.microsoft.com/office/drawing/2014/main" id="{F9580C05-E26E-4B48-AA7A-51C86E8AD084}"/>
+              </a:ext>
+            </a:extLst>
+          </p:cNvPr>
+          <p:cNvSpPr txBox="1">
+            <a:spLocks/>
+          </p:cNvSpPr>
+          <p:nvPr/>
+        </p:nvSpPr>
+        <p:spPr>
+          <a:xfrm>
+            <a:off x="304800" y="2051775"/>
+            <a:ext cx="3886200" cy="2882175"/>
+          </a:xfrm>
+          <a:prstGeom prst="rect">
+            <a:avLst/>
+          </a:prstGeom>
+          <a:noFill/>
+          <a:ln>
+            <a:noFill/>
+          </a:ln>
+        </p:spPr>
+        <p:txBody>
+          <a:bodyPr lIns="91425" tIns="91425" rIns="91425" bIns="91425" anchor="t" anchorCtr="0">
+            <a:noAutofit/>
+          </a:bodyPr>
+          <a:lstStyle>
+            <a:defPPr marR="0" algn="l" rtl="0">
+              <a:lnSpc>
+                <a:spcPct val="100000"/>
+              </a:lnSpc>
+              <a:spcBef>
+                <a:spcPts val="0"/>
+              </a:spcBef>
+              <a:spcAft>
+                <a:spcPts val="0"/>
+              </a:spcAft>
+            </a:defPPr>
+            <a:lvl1pPr marR="0" algn="l" rtl="0">
+              <a:lnSpc>
+                <a:spcPct val="100000"/>
+              </a:lnSpc>
+              <a:spcBef>
+                <a:spcPts val="0"/>
+              </a:spcBef>
+              <a:spcAft>
+                <a:spcPts val="0"/>
+              </a:spcAft>
+              <a:buSzPct val="100000"/>
+              <a:buNone/>
+              <a:defRPr sz="3000" b="0" i="0" u="none" strike="noStrike" cap="none" baseline="0">
+                <a:solidFill>
+                  <a:srgbClr val="000000"/>
+                </a:solidFill>
+                <a:latin typeface="Arial"/>
+                <a:ea typeface="Arial"/>
+                <a:cs typeface="Arial"/>
+                <a:sym typeface="Arial"/>
+                <a:rtl val="0"/>
+              </a:defRPr>
+            </a:lvl1pPr>
+            <a:lvl2pPr marR="0" algn="l" rtl="0">
+              <a:lnSpc>
+                <a:spcPct val="100000"/>
+              </a:lnSpc>
+              <a:spcBef>
+                <a:spcPts val="0"/>
+              </a:spcBef>
+              <a:spcAft>
+                <a:spcPts val="0"/>
+              </a:spcAft>
+              <a:buSzPct val="100000"/>
+              <a:buNone/>
+              <a:defRPr sz="2400" b="0" i="0" u="none" strike="noStrike" cap="none" baseline="0">
+                <a:solidFill>
+                  <a:srgbClr val="000000"/>
+                </a:solidFill>
+                <a:latin typeface="Arial"/>
+                <a:ea typeface="Arial"/>
+                <a:cs typeface="Arial"/>
+                <a:sym typeface="Arial"/>
+                <a:rtl val="0"/>
+              </a:defRPr>
+            </a:lvl2pPr>
+            <a:lvl3pPr marR="0" algn="l" rtl="0">
+              <a:lnSpc>
+                <a:spcPct val="100000"/>
+              </a:lnSpc>
+              <a:spcBef>
+                <a:spcPts val="0"/>
+              </a:spcBef>
+              <a:spcAft>
+                <a:spcPts val="0"/>
+              </a:spcAft>
+              <a:buSzPct val="100000"/>
+              <a:buNone/>
+              <a:defRPr sz="2400" b="0" i="0" u="none" strike="noStrike" cap="none" baseline="0">
+                <a:solidFill>
+                  <a:srgbClr val="000000"/>
+                </a:solidFill>
+                <a:latin typeface="Arial"/>
+                <a:ea typeface="Arial"/>
+                <a:cs typeface="Arial"/>
+                <a:sym typeface="Arial"/>
+                <a:rtl val="0"/>
+              </a:defRPr>
+            </a:lvl3pPr>
+            <a:lvl4pPr marR="0" algn="l" rtl="0">
+              <a:lnSpc>
+                <a:spcPct val="100000"/>
+              </a:lnSpc>
+              <a:spcBef>
+                <a:spcPts val="0"/>
+              </a:spcBef>
+              <a:spcAft>
+                <a:spcPts val="0"/>
+              </a:spcAft>
+              <a:buSzPct val="100000"/>
+              <a:buNone/>
+              <a:defRPr sz="1800" b="0" i="0" u="none" strike="noStrike" cap="none" baseline="0">
+                <a:solidFill>
+                  <a:srgbClr val="000000"/>
+                </a:solidFill>
+                <a:latin typeface="Arial"/>
+                <a:ea typeface="Arial"/>
+                <a:cs typeface="Arial"/>
+                <a:sym typeface="Arial"/>
+                <a:rtl val="0"/>
+              </a:defRPr>
+            </a:lvl4pPr>
+            <a:lvl5pPr marR="0" algn="l" rtl="0">
+              <a:lnSpc>
+                <a:spcPct val="100000"/>
+              </a:lnSpc>
+              <a:spcBef>
+                <a:spcPts val="0"/>
+              </a:spcBef>
+              <a:spcAft>
+                <a:spcPts val="0"/>
+              </a:spcAft>
+              <a:buSzPct val="100000"/>
+              <a:buNone/>
+              <a:defRPr sz="1800" b="0" i="0" u="none" strike="noStrike" cap="none" baseline="0">
+                <a:solidFill>
+                  <a:srgbClr val="000000"/>
+                </a:solidFill>
+                <a:latin typeface="Arial"/>
+                <a:ea typeface="Arial"/>
+                <a:cs typeface="Arial"/>
+                <a:sym typeface="Arial"/>
+                <a:rtl val="0"/>
+              </a:defRPr>
+            </a:lvl5pPr>
+            <a:lvl6pPr marR="0" algn="l" rtl="0">
+              <a:lnSpc>
+                <a:spcPct val="100000"/>
+              </a:lnSpc>
+              <a:spcBef>
+                <a:spcPts val="0"/>
+              </a:spcBef>
+              <a:spcAft>
+                <a:spcPts val="0"/>
+              </a:spcAft>
+              <a:buSzPct val="100000"/>
+              <a:buNone/>
+              <a:defRPr sz="1800" b="0" i="0" u="none" strike="noStrike" cap="none" baseline="0">
+                <a:solidFill>
+                  <a:srgbClr val="000000"/>
+                </a:solidFill>
+                <a:latin typeface="Arial"/>
+                <a:ea typeface="Arial"/>
+                <a:cs typeface="Arial"/>
+                <a:sym typeface="Arial"/>
+                <a:rtl val="0"/>
+              </a:defRPr>
+            </a:lvl6pPr>
+            <a:lvl7pPr marR="0" algn="l" rtl="0">
+              <a:lnSpc>
+                <a:spcPct val="100000"/>
+              </a:lnSpc>
+              <a:spcBef>
+                <a:spcPts val="0"/>
+              </a:spcBef>
+              <a:spcAft>
+                <a:spcPts val="0"/>
+              </a:spcAft>
+              <a:buSzPct val="100000"/>
+              <a:buNone/>
+              <a:defRPr sz="1800" b="0" i="0" u="none" strike="noStrike" cap="none" baseline="0">
+                <a:solidFill>
+                  <a:srgbClr val="000000"/>
+                </a:solidFill>
+                <a:latin typeface="Arial"/>
+                <a:ea typeface="Arial"/>
+                <a:cs typeface="Arial"/>
+                <a:sym typeface="Arial"/>
+                <a:rtl val="0"/>
+              </a:defRPr>
+            </a:lvl7pPr>
+            <a:lvl8pPr marR="0" algn="l" rtl="0">
+              <a:lnSpc>
+                <a:spcPct val="100000"/>
+              </a:lnSpc>
+              <a:spcBef>
+                <a:spcPts val="0"/>
+              </a:spcBef>
+              <a:spcAft>
+                <a:spcPts val="0"/>
+              </a:spcAft>
+              <a:buSzPct val="100000"/>
+              <a:buNone/>
+              <a:defRPr sz="1800" b="0" i="0" u="none" strike="noStrike" cap="none" baseline="0">
+                <a:solidFill>
+                  <a:srgbClr val="000000"/>
+                </a:solidFill>
+                <a:latin typeface="Arial"/>
+                <a:ea typeface="Arial"/>
+                <a:cs typeface="Arial"/>
+                <a:sym typeface="Arial"/>
+                <a:rtl val="0"/>
+              </a:defRPr>
+            </a:lvl8pPr>
+            <a:lvl9pPr marR="0" algn="l" rtl="0">
+              <a:lnSpc>
+                <a:spcPct val="100000"/>
+              </a:lnSpc>
+              <a:spcBef>
+                <a:spcPts val="0"/>
+              </a:spcBef>
+              <a:spcAft>
+                <a:spcPts val="0"/>
+              </a:spcAft>
+              <a:buSzPct val="100000"/>
+              <a:buNone/>
+              <a:defRPr sz="1800" b="0" i="0" u="none" strike="noStrike" cap="none" baseline="0">
+                <a:solidFill>
+                  <a:srgbClr val="000000"/>
+                </a:solidFill>
+                <a:latin typeface="Arial"/>
+                <a:ea typeface="Arial"/>
+                <a:cs typeface="Arial"/>
+                <a:sym typeface="Arial"/>
+                <a:rtl val="0"/>
+              </a:defRPr>
+            </a:lvl9pPr>
+          </a:lstStyle>
+          <a:p>
+            <a:pPr marL="381000" lvl="0" indent="-342900">
+              <a:buClr>
+                <a:srgbClr val="000000"/>
+              </a:buClr>
+              <a:buFont typeface="Arial" panose="020B0604020202020204" pitchFamily="34" charset="0"/>
+              <a:buChar char="•"/>
+            </a:pPr>
+            <a:r>
+              <a:rPr lang="en-US" sz="2000" dirty="0"/>
+              <a:t>Statements are </a:t>
+            </a:r>
+            <a:r>
+              <a:rPr lang="en-US" sz="2000" b="1" u="sng" dirty="0"/>
+              <a:t>imperative</a:t>
+            </a:r>
+            <a:r>
+              <a:rPr lang="en-US" sz="2000" dirty="0"/>
+              <a:t>: open file, iterate through collection &amp; check condition for each element,  etc.</a:t>
+            </a:r>
+          </a:p>
+          <a:p>
+            <a:pPr marL="381000" lvl="0" indent="-342900">
+              <a:buClr>
+                <a:srgbClr val="000000"/>
+              </a:buClr>
+              <a:buFont typeface="Arial" panose="020B0604020202020204" pitchFamily="34" charset="0"/>
+              <a:buChar char="•"/>
+            </a:pPr>
+            <a:endParaRPr lang="en-US" sz="2000" dirty="0"/>
+          </a:p>
+          <a:p>
+            <a:pPr marL="381000" lvl="0" indent="-342900">
+              <a:buClr>
+                <a:srgbClr val="000000"/>
+              </a:buClr>
+              <a:buFont typeface="Arial" panose="020B0604020202020204" pitchFamily="34" charset="0"/>
+              <a:buChar char="•"/>
+            </a:pPr>
+            <a:r>
+              <a:rPr lang="en-US" sz="2000" dirty="0"/>
+              <a:t>Expressions are </a:t>
+            </a:r>
+            <a:r>
+              <a:rPr lang="en-US" sz="2000" b="1" u="sng" dirty="0"/>
+              <a:t>declarative</a:t>
+            </a:r>
+            <a:r>
+              <a:rPr lang="en-US" sz="2000" dirty="0"/>
+              <a:t>: give me the contents of this file, filter collection using a condition, etc.</a:t>
+            </a:r>
+          </a:p>
+        </p:txBody>
+      </p:sp>
+    </p:spTree>
+    <p:extLst>
+      <p:ext uri="{BB962C8B-B14F-4D97-AF65-F5344CB8AC3E}">
+        <p14:creationId xmlns:p14="http://schemas.microsoft.com/office/powerpoint/2010/main" val="780235877"/>
+      </p:ext>
+    </p:extLst>
+  </p:cSld>
+  <p:clrMapOvr>
+    <a:masterClrMapping/>
+  </p:clrMapOvr>
+  <p:transition spd="slow">
+    <p:cut/>
+  </p:transition>
+  <p:timing>
+    <p:tnLst>
+      <p:par>
+        <p:cTn id="1" dur="indefinite" restart="never" nodeType="tmRoot">
+          <p:childTnLst>
+            <p:seq concurrent="1" nextAc="seek">
+              <p:cTn id="2" dur="indefinite" nodeType="mainSeq">
+                <p:childTnLst>
+                  <p:par>
+                    <p:cTn id="3" fill="hold">
+                      <p:stCondLst>
+                        <p:cond delay="indefinite"/>
+                      </p:stCondLst>
+                      <p:childTnLst>
+                        <p:par>
+                          <p:cTn id="4" fill="hold">
+                            <p:stCondLst>
+                              <p:cond delay="0"/>
+                            </p:stCondLst>
+                            <p:childTnLst>
+                              <p:par>
+                                <p:cTn id="5" presetID="10" presetClass="entr" presetSubtype="0" fill="hold" grpId="0" nodeType="clickEffect">
+                                  <p:stCondLst>
+                                    <p:cond delay="0"/>
+                                  </p:stCondLst>
+                                  <p:childTnLst>
+                                    <p:set>
+                                      <p:cBhvr>
+                                        <p:cTn id="6" dur="1" fill="hold">
+                                          <p:stCondLst>
+                                            <p:cond delay="0"/>
+                                          </p:stCondLst>
+                                        </p:cTn>
+                                        <p:tgtEl>
+                                          <p:spTgt spid="168">
+                                            <p:txEl>
+                                              <p:pRg st="0" end="0"/>
+                                            </p:txEl>
+                                          </p:spTgt>
+                                        </p:tgtEl>
+                                        <p:attrNameLst>
+                                          <p:attrName>style.visibility</p:attrName>
+                                        </p:attrNameLst>
+                                      </p:cBhvr>
+                                      <p:to>
+                                        <p:strVal val="visible"/>
+                                      </p:to>
+                                    </p:set>
+                                    <p:animEffect transition="in" filter="fade">
+                                      <p:cBhvr>
+                                        <p:cTn id="7" dur="500"/>
+                                        <p:tgtEl>
+                                          <p:spTgt spid="168">
+                                            <p:txEl>
+                                              <p:pRg st="0" end="0"/>
+                                            </p:txEl>
+                                          </p:spTgt>
+                                        </p:tgtEl>
+                                      </p:cBhvr>
+                                    </p:animEffect>
+                                  </p:childTnLst>
+                                </p:cTn>
+                              </p:par>
+                            </p:childTnLst>
+                          </p:cTn>
+                        </p:par>
+                      </p:childTnLst>
+                    </p:cTn>
+                  </p:par>
+                  <p:par>
+                    <p:cTn id="8" fill="hold">
+                      <p:stCondLst>
+                        <p:cond delay="indefinite"/>
+                      </p:stCondLst>
+                      <p:childTnLst>
+                        <p:par>
+                          <p:cTn id="9" fill="hold">
+                            <p:stCondLst>
+                              <p:cond delay="0"/>
+                            </p:stCondLst>
+                            <p:childTnLst>
+                              <p:par>
+                                <p:cTn id="10" presetID="10" presetClass="entr" presetSubtype="0" fill="hold" grpId="0" nodeType="clickEffect">
+                                  <p:stCondLst>
+                                    <p:cond delay="0"/>
+                                  </p:stCondLst>
+                                  <p:childTnLst>
+                                    <p:set>
+                                      <p:cBhvr>
+                                        <p:cTn id="11" dur="1" fill="hold">
+                                          <p:stCondLst>
+                                            <p:cond delay="0"/>
+                                          </p:stCondLst>
+                                        </p:cTn>
+                                        <p:tgtEl>
+                                          <p:spTgt spid="6"/>
+                                        </p:tgtEl>
+                                        <p:attrNameLst>
+                                          <p:attrName>style.visibility</p:attrName>
+                                        </p:attrNameLst>
+                                      </p:cBhvr>
+                                      <p:to>
+                                        <p:strVal val="visible"/>
+                                      </p:to>
+                                    </p:set>
+                                    <p:animEffect transition="in" filter="fade">
+                                      <p:cBhvr>
+                                        <p:cTn id="12" dur="500"/>
+                                        <p:tgtEl>
+                                          <p:spTgt spid="6"/>
+                                        </p:tgtEl>
+                                      </p:cBhvr>
+                                    </p:animEffect>
+                                  </p:childTnLst>
+                                </p:cTn>
+                              </p:par>
+                              <p:par>
+                                <p:cTn id="13" presetID="10" presetClass="entr" presetSubtype="0" fill="hold" nodeType="withEffect">
+                                  <p:stCondLst>
+                                    <p:cond delay="0"/>
+                                  </p:stCondLst>
+                                  <p:childTnLst>
+                                    <p:set>
+                                      <p:cBhvr>
+                                        <p:cTn id="14" dur="1" fill="hold">
+                                          <p:stCondLst>
+                                            <p:cond delay="0"/>
+                                          </p:stCondLst>
+                                        </p:cTn>
+                                        <p:tgtEl>
+                                          <p:spTgt spid="4"/>
+                                        </p:tgtEl>
+                                        <p:attrNameLst>
+                                          <p:attrName>style.visibility</p:attrName>
+                                        </p:attrNameLst>
+                                      </p:cBhvr>
+                                      <p:to>
+                                        <p:strVal val="visible"/>
+                                      </p:to>
+                                    </p:set>
+                                    <p:animEffect transition="in" filter="fade">
+                                      <p:cBhvr>
+                                        <p:cTn id="15" dur="500"/>
+                                        <p:tgtEl>
+                                          <p:spTgt spid="4"/>
+                                        </p:tgtEl>
+                                      </p:cBhvr>
+                                    </p:animEffect>
+                                  </p:childTnLst>
+                                </p:cTn>
+                              </p:par>
+                            </p:childTnLst>
+                          </p:cTn>
+                        </p:par>
+                      </p:childTnLst>
+                    </p:cTn>
+                  </p:par>
+                  <p:par>
+                    <p:cTn id="16" fill="hold">
+                      <p:stCondLst>
+                        <p:cond delay="indefinite"/>
+                      </p:stCondLst>
+                      <p:childTnLst>
+                        <p:par>
+                          <p:cTn id="17" fill="hold">
+                            <p:stCondLst>
+                              <p:cond delay="0"/>
+                            </p:stCondLst>
+                            <p:childTnLst>
+                              <p:par>
+                                <p:cTn id="18" presetID="10" presetClass="entr" presetSubtype="0" fill="hold" grpId="0" nodeType="clickEffect">
+                                  <p:stCondLst>
+                                    <p:cond delay="0"/>
+                                  </p:stCondLst>
+                                  <p:childTnLst>
+                                    <p:set>
+                                      <p:cBhvr>
+                                        <p:cTn id="19" dur="1" fill="hold">
+                                          <p:stCondLst>
+                                            <p:cond delay="0"/>
+                                          </p:stCondLst>
+                                        </p:cTn>
+                                        <p:tgtEl>
+                                          <p:spTgt spid="5"/>
+                                        </p:tgtEl>
+                                        <p:attrNameLst>
+                                          <p:attrName>style.visibility</p:attrName>
+                                        </p:attrNameLst>
+                                      </p:cBhvr>
+                                      <p:to>
+                                        <p:strVal val="visible"/>
+                                      </p:to>
+                                    </p:set>
+                                    <p:animEffect transition="in" filter="fade">
+                                      <p:cBhvr>
+                                        <p:cTn id="20" dur="500"/>
+                                        <p:tgtEl>
+                                          <p:spTgt spid="5"/>
+                                        </p:tgtEl>
+                                      </p:cBhvr>
+                                    </p:animEffect>
+                                  </p:childTnLst>
+                                </p:cTn>
+                              </p:par>
+                            </p:childTnLst>
+                          </p:cTn>
+                        </p:par>
+                      </p:childTnLst>
+                    </p:cTn>
+                  </p:par>
+                </p:childTnLst>
+              </p:cTn>
+              <p:prevCondLst>
+                <p:cond evt="onPrev" delay="0">
+                  <p:tgtEl>
+                    <p:sldTgt/>
+                  </p:tgtEl>
+                </p:cond>
+              </p:prevCondLst>
+              <p:nextCondLst>
+                <p:cond evt="onNext" delay="0">
+                  <p:tgtEl>
+                    <p:sldTgt/>
+                  </p:tgtEl>
+                </p:cond>
+              </p:nextCondLst>
+            </p:seq>
+          </p:childTnLst>
+        </p:cTn>
+      </p:par>
+    </p:tnLst>
+    <p:bldLst>
+      <p:bldP spid="168" grpId="0" build="p"/>
+      <p:bldP spid="5" grpId="0"/>
+      <p:bldP spid="6" grpId="0"/>
+    </p:bldLst>
+  </p:timing>
+</p:sld>
+</file>
+
+<file path=ppt/slides/slide8.xml><?xml version="1.0" encoding="utf-8"?>
+<p:sld xmlns:a="http://schemas.openxmlformats.org/drawingml/2006/main" xmlns:r="http://schemas.openxmlformats.org/officeDocument/2006/relationships" xmlns:p="http://schemas.openxmlformats.org/presentationml/2006/main">
+  <p:cSld>
+    <p:spTree>
+      <p:nvGrpSpPr>
+        <p:cNvPr id="1" name="Shape 166"/>
+        <p:cNvGrpSpPr/>
+        <p:nvPr/>
+      </p:nvGrpSpPr>
+      <p:grpSpPr>
+        <a:xfrm>
+          <a:off x="0" y="0"/>
+          <a:ext cx="0" cy="0"/>
+          <a:chOff x="0" y="0"/>
+          <a:chExt cx="0" cy="0"/>
+        </a:xfrm>
+      </p:grpSpPr>
+      <p:sp>
+        <p:nvSpPr>
+          <p:cNvPr id="167" name="Shape 167"/>
+          <p:cNvSpPr txBox="1">
+            <a:spLocks noGrp="1"/>
+          </p:cNvSpPr>
+          <p:nvPr>
+            <p:ph type="title"/>
+          </p:nvPr>
+        </p:nvSpPr>
+        <p:spPr>
+          <a:xfrm>
+            <a:off x="487200" y="133350"/>
+            <a:ext cx="8229600" cy="632367"/>
+          </a:xfrm>
+          <a:prstGeom prst="rect">
+            <a:avLst/>
+          </a:prstGeom>
+        </p:spPr>
+        <p:txBody>
+          <a:bodyPr lIns="91425" tIns="91425" rIns="91425" bIns="91425" anchor="b" anchorCtr="0">
+            <a:noAutofit/>
+          </a:bodyPr>
+          <a:lstStyle/>
+          <a:p>
             <a:r>
               <a:rPr lang="en-US" dirty="0"/>
               <a:t>Pure Functions</a:t>
@@ -10403,7 +13341,7 @@
             </a:pPr>
             <a:r>
               <a:rPr lang="en-US" sz="2000" dirty="0"/>
-              <a:t>Does not depend on anything other than its input arguments</a:t>
+              <a:t>It does not have any side effects</a:t>
             </a:r>
           </a:p>
           <a:p>
@@ -10841,7 +13779,7 @@
                                         <p:tgtEl>
                                           <p:spTgt spid="168">
                                             <p:txEl>
-                                              <p:charRg st="281" end="302"/>
+                                              <p:pRg st="8" end="8"/>
                                             </p:txEl>
                                           </p:spTgt>
                                         </p:tgtEl>
@@ -10859,7 +13797,7 @@
                                         <p:tgtEl>
                                           <p:spTgt spid="168">
                                             <p:txEl>
-                                              <p:charRg st="281" end="302"/>
+                                              <p:pRg st="8" end="8"/>
                                             </p:txEl>
                                           </p:spTgt>
                                         </p:tgtEl>
@@ -10899,7 +13837,7 @@
 </p:sld>
 </file>
 
-<file path=ppt/slides/slide8.xml><?xml version="1.0" encoding="utf-8"?>
+<file path=ppt/slides/slide9.xml><?xml version="1.0" encoding="utf-8"?>
 <p:sld xmlns:a="http://schemas.openxmlformats.org/drawingml/2006/main" xmlns:r="http://schemas.openxmlformats.org/officeDocument/2006/relationships" xmlns:p="http://schemas.openxmlformats.org/presentationml/2006/main">
   <p:cSld>
     <p:spTree>
@@ -11473,370 +14411,6 @@
                                         <p:cTn id="29" dur="500"/>
                                         <p:tgtEl>
                                           <p:spTgt spid="2"/>
-                                        </p:tgtEl>
-                                      </p:cBhvr>
-                                    </p:animEffect>
-                                  </p:childTnLst>
-                                </p:cTn>
-                              </p:par>
-                            </p:childTnLst>
-                          </p:cTn>
-                        </p:par>
-                      </p:childTnLst>
-                    </p:cTn>
-                  </p:par>
-                </p:childTnLst>
-              </p:cTn>
-              <p:prevCondLst>
-                <p:cond evt="onPrev" delay="0">
-                  <p:tgtEl>
-                    <p:sldTgt/>
-                  </p:tgtEl>
-                </p:cond>
-              </p:prevCondLst>
-              <p:nextCondLst>
-                <p:cond evt="onNext" delay="0">
-                  <p:tgtEl>
-                    <p:sldTgt/>
-                  </p:tgtEl>
-                </p:cond>
-              </p:nextCondLst>
-            </p:seq>
-          </p:childTnLst>
-        </p:cTn>
-      </p:par>
-    </p:tnLst>
-  </p:timing>
-</p:sld>
-</file>
-
-<file path=ppt/slides/slide9.xml><?xml version="1.0" encoding="utf-8"?>
-<p:sld xmlns:a="http://schemas.openxmlformats.org/drawingml/2006/main" xmlns:r="http://schemas.openxmlformats.org/officeDocument/2006/relationships" xmlns:p="http://schemas.openxmlformats.org/presentationml/2006/main">
-  <p:cSld>
-    <p:spTree>
-      <p:nvGrpSpPr>
-        <p:cNvPr id="1" name="Shape 166"/>
-        <p:cNvGrpSpPr/>
-        <p:nvPr/>
-      </p:nvGrpSpPr>
-      <p:grpSpPr>
-        <a:xfrm>
-          <a:off x="0" y="0"/>
-          <a:ext cx="0" cy="0"/>
-          <a:chOff x="0" y="0"/>
-          <a:chExt cx="0" cy="0"/>
-        </a:xfrm>
-      </p:grpSpPr>
-      <p:sp>
-        <p:nvSpPr>
-          <p:cNvPr id="167" name="Shape 167"/>
-          <p:cNvSpPr txBox="1">
-            <a:spLocks noGrp="1"/>
-          </p:cNvSpPr>
-          <p:nvPr>
-            <p:ph type="title"/>
-          </p:nvPr>
-        </p:nvSpPr>
-        <p:spPr>
-          <a:xfrm>
-            <a:off x="487200" y="133350"/>
-            <a:ext cx="8229600" cy="632367"/>
-          </a:xfrm>
-          <a:prstGeom prst="rect">
-            <a:avLst/>
-          </a:prstGeom>
-        </p:spPr>
-        <p:txBody>
-          <a:bodyPr lIns="91425" tIns="91425" rIns="91425" bIns="91425" anchor="b" anchorCtr="0">
-            <a:noAutofit/>
-          </a:bodyPr>
-          <a:lstStyle/>
-          <a:p>
-            <a:r>
-              <a:rPr lang="en-US" dirty="0"/>
-              <a:t>Pure Functions</a:t>
-            </a:r>
-            <a:endParaRPr lang="en" dirty="0"/>
-          </a:p>
-        </p:txBody>
-      </p:sp>
-      <p:sp>
-        <p:nvSpPr>
-          <p:cNvPr id="168" name="Shape 168"/>
-          <p:cNvSpPr txBox="1">
-            <a:spLocks noGrp="1"/>
-          </p:cNvSpPr>
-          <p:nvPr>
-            <p:ph type="body" idx="1"/>
-          </p:nvPr>
-        </p:nvSpPr>
-        <p:spPr>
-          <a:xfrm>
-            <a:off x="457200" y="765717"/>
-            <a:ext cx="8229600" cy="4160133"/>
-          </a:xfrm>
-          <a:prstGeom prst="rect">
-            <a:avLst/>
-          </a:prstGeom>
-        </p:spPr>
-        <p:txBody>
-          <a:bodyPr lIns="91425" tIns="91425" rIns="91425" bIns="91425" anchor="t" anchorCtr="0">
-            <a:noAutofit/>
-          </a:bodyPr>
-          <a:lstStyle/>
-          <a:p>
-            <a:pPr marL="457200" indent="-419100">
-              <a:buClr>
-                <a:srgbClr val="000000"/>
-              </a:buClr>
-              <a:buFont typeface="Arial"/>
-              <a:buChar char="●"/>
-            </a:pPr>
-            <a:r>
-              <a:rPr lang="en-US" sz="2000" dirty="0"/>
-              <a:t>Let us see examples of Pure vs Impure Functions</a:t>
-            </a:r>
-          </a:p>
-          <a:p>
-            <a:pPr marL="457200" indent="-419100">
-              <a:buClr>
-                <a:srgbClr val="000000"/>
-              </a:buClr>
-              <a:buFont typeface="Arial"/>
-              <a:buChar char="●"/>
-            </a:pPr>
-            <a:endParaRPr lang="en-US" sz="2000" dirty="0"/>
-          </a:p>
-          <a:p>
-            <a:pPr marL="457200" indent="-419100">
-              <a:buClr>
-                <a:srgbClr val="000000"/>
-              </a:buClr>
-              <a:buFont typeface="Arial"/>
-              <a:buChar char="●"/>
-            </a:pPr>
-            <a:r>
-              <a:rPr lang="en-US" sz="2000" dirty="0"/>
-              <a:t>Account Deposit example</a:t>
-            </a:r>
-          </a:p>
-          <a:p>
-            <a:pPr marL="457200" indent="-419100">
-              <a:buClr>
-                <a:srgbClr val="000000"/>
-              </a:buClr>
-              <a:buFont typeface="Arial"/>
-              <a:buChar char="●"/>
-            </a:pPr>
-            <a:endParaRPr lang="en-US" sz="2000" dirty="0"/>
-          </a:p>
-          <a:p>
-            <a:pPr marL="457200" indent="-419100">
-              <a:buClr>
-                <a:srgbClr val="000000"/>
-              </a:buClr>
-              <a:buFont typeface="Arial"/>
-              <a:buChar char="●"/>
-            </a:pPr>
-            <a:r>
-              <a:rPr lang="en-US" sz="2000" dirty="0"/>
-              <a:t>Buy Coffee example</a:t>
-            </a:r>
-          </a:p>
-        </p:txBody>
-      </p:sp>
-    </p:spTree>
-    <p:extLst>
-      <p:ext uri="{BB962C8B-B14F-4D97-AF65-F5344CB8AC3E}">
-        <p14:creationId xmlns:p14="http://schemas.microsoft.com/office/powerpoint/2010/main" val="970858060"/>
-      </p:ext>
-    </p:extLst>
-  </p:cSld>
-  <p:clrMapOvr>
-    <a:masterClrMapping/>
-  </p:clrMapOvr>
-  <p:transition spd="slow">
-    <p:cut/>
-  </p:transition>
-  <p:timing>
-    <p:tnLst>
-      <p:par>
-        <p:cTn id="1" dur="indefinite" restart="never" nodeType="tmRoot">
-          <p:childTnLst>
-            <p:seq concurrent="1" nextAc="seek">
-              <p:cTn id="2" dur="indefinite" nodeType="mainSeq">
-                <p:childTnLst>
-                  <p:par>
-                    <p:cTn id="3" fill="hold">
-                      <p:stCondLst>
-                        <p:cond delay="indefinite"/>
-                      </p:stCondLst>
-                      <p:childTnLst>
-                        <p:par>
-                          <p:cTn id="4" fill="hold">
-                            <p:stCondLst>
-                              <p:cond delay="0"/>
-                            </p:stCondLst>
-                            <p:childTnLst>
-                              <p:par>
-                                <p:cTn id="5" presetID="10" presetClass="entr" presetSubtype="0" fill="hold" nodeType="clickEffect">
-                                  <p:stCondLst>
-                                    <p:cond delay="0"/>
-                                  </p:stCondLst>
-                                  <p:childTnLst>
-                                    <p:set>
-                                      <p:cBhvr>
-                                        <p:cTn id="6" dur="1" fill="hold">
-                                          <p:stCondLst>
-                                            <p:cond delay="0"/>
-                                          </p:stCondLst>
-                                        </p:cTn>
-                                        <p:tgtEl>
-                                          <p:spTgt spid="168">
-                                            <p:txEl>
-                                              <p:pRg st="0" end="0"/>
-                                            </p:txEl>
-                                          </p:spTgt>
-                                        </p:tgtEl>
-                                        <p:attrNameLst>
-                                          <p:attrName>style.visibility</p:attrName>
-                                        </p:attrNameLst>
-                                      </p:cBhvr>
-                                      <p:to>
-                                        <p:strVal val="visible"/>
-                                      </p:to>
-                                    </p:set>
-                                    <p:animEffect transition="in" filter="fade">
-                                      <p:cBhvr>
-                                        <p:cTn id="7" dur="500"/>
-                                        <p:tgtEl>
-                                          <p:spTgt spid="168">
-                                            <p:txEl>
-                                              <p:pRg st="0" end="0"/>
-                                            </p:txEl>
-                                          </p:spTgt>
-                                        </p:tgtEl>
-                                      </p:cBhvr>
-                                    </p:animEffect>
-                                  </p:childTnLst>
-                                </p:cTn>
-                              </p:par>
-                            </p:childTnLst>
-                          </p:cTn>
-                        </p:par>
-                      </p:childTnLst>
-                    </p:cTn>
-                  </p:par>
-                  <p:par>
-                    <p:cTn id="8" fill="hold">
-                      <p:stCondLst>
-                        <p:cond delay="indefinite"/>
-                      </p:stCondLst>
-                      <p:childTnLst>
-                        <p:par>
-                          <p:cTn id="9" fill="hold">
-                            <p:stCondLst>
-                              <p:cond delay="0"/>
-                            </p:stCondLst>
-                            <p:childTnLst>
-                              <p:par>
-                                <p:cTn id="10" presetID="10" presetClass="entr" presetSubtype="0" fill="hold" nodeType="clickEffect">
-                                  <p:stCondLst>
-                                    <p:cond delay="0"/>
-                                  </p:stCondLst>
-                                  <p:childTnLst>
-                                    <p:set>
-                                      <p:cBhvr>
-                                        <p:cTn id="11" dur="1" fill="hold">
-                                          <p:stCondLst>
-                                            <p:cond delay="0"/>
-                                          </p:stCondLst>
-                                        </p:cTn>
-                                        <p:tgtEl>
-                                          <p:spTgt spid="168">
-                                            <p:txEl>
-                                              <p:pRg st="2" end="2"/>
-                                            </p:txEl>
-                                          </p:spTgt>
-                                        </p:tgtEl>
-                                        <p:attrNameLst>
-                                          <p:attrName>style.visibility</p:attrName>
-                                        </p:attrNameLst>
-                                      </p:cBhvr>
-                                      <p:to>
-                                        <p:strVal val="visible"/>
-                                      </p:to>
-                                    </p:set>
-                                    <p:animEffect transition="in" filter="fade">
-                                      <p:cBhvr>
-                                        <p:cTn id="12" dur="500"/>
-                                        <p:tgtEl>
-                                          <p:spTgt spid="168">
-                                            <p:txEl>
-                                              <p:pRg st="2" end="2"/>
-                                            </p:txEl>
-                                          </p:spTgt>
-                                        </p:tgtEl>
-                                      </p:cBhvr>
-                                    </p:animEffect>
-                                  </p:childTnLst>
-                                </p:cTn>
-                              </p:par>
-                            </p:childTnLst>
-                          </p:cTn>
-                        </p:par>
-                      </p:childTnLst>
-                    </p:cTn>
-                  </p:par>
-                  <p:par>
-                    <p:cTn id="13" fill="hold">
-                      <p:stCondLst>
-                        <p:cond delay="indefinite"/>
-                      </p:stCondLst>
-                      <p:childTnLst>
-                        <p:par>
-                          <p:cTn id="14" fill="hold">
-                            <p:stCondLst>
-                              <p:cond delay="0"/>
-                            </p:stCondLst>
-                            <p:childTnLst>
-                              <p:par>
-                                <p:cTn id="15" presetID="10" presetClass="entr" presetSubtype="0" fill="hold" nodeType="clickEffect">
-                                  <p:stCondLst>
-                                    <p:cond delay="0"/>
-                                  </p:stCondLst>
-                                  <p:childTnLst>
-                                    <p:set>
-                                      <p:cBhvr>
-                                        <p:cTn id="16" dur="1" fill="hold">
-                                          <p:stCondLst>
-                                            <p:cond delay="0"/>
-                                          </p:stCondLst>
-                                        </p:cTn>
-                                        <p:tgtEl>
-                                          <p:spTgt spid="168">
-                                            <p:txEl>
-                                              <p:pRg st="4" end="4"/>
-                                            </p:txEl>
-                                          </p:spTgt>
-                                        </p:tgtEl>
-                                        <p:attrNameLst>
-                                          <p:attrName>style.visibility</p:attrName>
-                                        </p:attrNameLst>
-                                      </p:cBhvr>
-                                      <p:to>
-                                        <p:strVal val="visible"/>
-                                      </p:to>
-                                    </p:set>
-                                    <p:animEffect transition="in" filter="fade">
-                                      <p:cBhvr>
-                                        <p:cTn id="17" dur="500"/>
-                                        <p:tgtEl>
-                                          <p:spTgt spid="168">
-                                            <p:txEl>
-                                              <p:pRg st="4" end="4"/>
-                                            </p:txEl>
-                                          </p:spTgt>
                                         </p:tgtEl>
                                       </p:cBhvr>
                                     </p:animEffect>

--- a/Functional Programming with Java 8.pptx
+++ b/Functional Programming with Java 8.pptx
@@ -6940,72 +6940,6 @@
                       </p:childTnLst>
                     </p:cTn>
                   </p:par>
-                  <p:par>
-                    <p:cTn id="33" fill="hold">
-                      <p:stCondLst>
-                        <p:cond delay="indefinite"/>
-                      </p:stCondLst>
-                      <p:childTnLst>
-                        <p:par>
-                          <p:cTn id="34" fill="hold">
-                            <p:stCondLst>
-                              <p:cond delay="0"/>
-                            </p:stCondLst>
-                            <p:childTnLst>
-                              <p:par>
-                                <p:cTn id="35" presetID="10" presetClass="entr" presetSubtype="0" fill="hold" grpId="0" nodeType="clickEffect" nodePh="1">
-                                  <p:stCondLst>
-                                    <p:cond delay="0"/>
-                                  </p:stCondLst>
-                                  <p:endCondLst>
-                                    <p:cond evt="begin" delay="0">
-                                      <p:tn val="35"/>
-                                    </p:cond>
-                                  </p:endCondLst>
-                                  <p:childTnLst>
-                                    <p:set>
-                                      <p:cBhvr>
-                                        <p:cTn id="36" dur="1" fill="hold">
-                                          <p:stCondLst>
-                                            <p:cond delay="0"/>
-                                          </p:stCondLst>
-                                        </p:cTn>
-                                        <p:tgtEl>
-                                          <p:spTgt spid="7">
-                                            <p:txEl>
-                                              <p:pRg st="0" end="0"/>
-                                            </p:txEl>
-                                          </p:spTgt>
-                                        </p:tgtEl>
-                                        <p:attrNameLst>
-                                          <p:attrName>style.visibility</p:attrName>
-                                        </p:attrNameLst>
-                                      </p:cBhvr>
-                                      <p:to>
-                                        <p:strVal val="visible"/>
-                                      </p:to>
-                                    </p:set>
-                                    <p:animEffect transition="in" filter="fade">
-                                      <p:cBhvr>
-                                        <p:cTn id="37" dur="500"/>
-                                        <p:tgtEl>
-                                          <p:spTgt spid="7">
-                                            <p:txEl>
-                                              <p:pRg st="0" end="0"/>
-                                            </p:txEl>
-                                          </p:spTgt>
-                                        </p:tgtEl>
-                                      </p:cBhvr>
-                                    </p:animEffect>
-                                  </p:childTnLst>
-                                </p:cTn>
-                              </p:par>
-                            </p:childTnLst>
-                          </p:cTn>
-                        </p:par>
-                      </p:childTnLst>
-                    </p:cTn>
-                  </p:par>
                 </p:childTnLst>
               </p:cTn>
               <p:prevCondLst>
@@ -7029,7 +6963,6 @@
     </p:tnLst>
     <p:bldLst>
       <p:bldP spid="168" grpId="0" build="p"/>
-      <p:bldP spid="7" grpId="0" build="p"/>
     </p:bldLst>
   </p:timing>
 </p:sld>
@@ -8845,7 +8778,7 @@
             </a:pPr>
             <a:r>
               <a:rPr lang="en-US" dirty="0"/>
-              <a:t>What is not covered</a:t>
+              <a:t>Partial Function</a:t>
             </a:r>
             <a:endParaRPr lang="en" dirty="0"/>
           </a:p>
@@ -8885,30 +8818,7 @@
             </a:pPr>
             <a:r>
               <a:rPr lang="en-US" sz="2400" dirty="0"/>
-              <a:t>Persistent Data Structures</a:t>
-            </a:r>
-          </a:p>
-          <a:p>
-            <a:pPr marL="457200" lvl="0" indent="-419100">
-              <a:buClr>
-                <a:srgbClr val="000000"/>
-              </a:buClr>
-              <a:buFont typeface="Arial"/>
-              <a:buChar char="●"/>
-            </a:pPr>
-            <a:endParaRPr lang="en-US" sz="2400" dirty="0"/>
-          </a:p>
-          <a:p>
-            <a:pPr marL="457200" lvl="0" indent="-419100">
-              <a:buClr>
-                <a:srgbClr val="000000"/>
-              </a:buClr>
-              <a:buFont typeface="Arial"/>
-              <a:buChar char="●"/>
-            </a:pPr>
-            <a:r>
-              <a:rPr lang="en-US" sz="2400" dirty="0"/>
-              <a:t>Partial Function</a:t>
+              <a:t>Partial Function Example</a:t>
             </a:r>
           </a:p>
         </p:txBody>

--- a/Functional Programming with Java 8.pptx
+++ b/Functional Programming with Java 8.pptx
@@ -5086,7 +5086,7 @@
         </p:nvSpPr>
         <p:spPr>
           <a:xfrm>
-            <a:off x="718200" y="1352550"/>
+            <a:off x="699600" y="361950"/>
             <a:ext cx="7772400" cy="1617056"/>
           </a:xfrm>
           <a:prstGeom prst="rect">
@@ -5132,7 +5132,7 @@
         </p:nvSpPr>
         <p:spPr>
           <a:xfrm>
-            <a:off x="685800" y="3486150"/>
+            <a:off x="699000" y="3867150"/>
             <a:ext cx="7772400" cy="784737"/>
           </a:xfrm>
           <a:prstGeom prst="rect">
@@ -5158,6 +5158,53 @@
           </a:p>
         </p:txBody>
       </p:sp>
+      <p:pic>
+        <p:nvPicPr>
+          <p:cNvPr id="4" name="Picture 4" descr="https://encrypted-tbn0.gstatic.com/images?q=tbn:ANd9GcSJ5Xky2n6xjn5vQ5BzzSvvw3Tq8dCvrI5S3ca-PfGmfBH0P9nOpg">
+            <a:extLst>
+              <a:ext uri="{FF2B5EF4-FFF2-40B4-BE49-F238E27FC236}">
+                <a16:creationId xmlns:a16="http://schemas.microsoft.com/office/drawing/2014/main" id="{E0206C56-CC02-461A-A790-D09FBF059CF2}"/>
+              </a:ext>
+            </a:extLst>
+          </p:cNvPr>
+          <p:cNvPicPr>
+            <a:picLocks noChangeAspect="1" noChangeArrowheads="1"/>
+          </p:cNvPicPr>
+          <p:nvPr/>
+        </p:nvPicPr>
+        <p:blipFill>
+          <a:blip r:embed="rId3">
+            <a:extLst>
+              <a:ext uri="{28A0092B-C50C-407E-A947-70E740481C1C}">
+                <a14:useLocalDpi xmlns:a14="http://schemas.microsoft.com/office/drawing/2010/main" val="0"/>
+              </a:ext>
+            </a:extLst>
+          </a:blip>
+          <a:srcRect/>
+          <a:stretch>
+            <a:fillRect/>
+          </a:stretch>
+        </p:blipFill>
+        <p:spPr bwMode="auto">
+          <a:xfrm>
+            <a:off x="2895600" y="2114550"/>
+            <a:ext cx="3152775" cy="1447800"/>
+          </a:xfrm>
+          <a:prstGeom prst="rect">
+            <a:avLst/>
+          </a:prstGeom>
+          <a:noFill/>
+          <a:extLst>
+            <a:ext uri="{909E8E84-426E-40DD-AFC4-6F175D3DCCD1}">
+              <a14:hiddenFill xmlns:a14="http://schemas.microsoft.com/office/drawing/2010/main">
+                <a:solidFill>
+                  <a:srgbClr val="FFFFFF"/>
+                </a:solidFill>
+              </a14:hiddenFill>
+            </a:ext>
+          </a:extLst>
+        </p:spPr>
+      </p:pic>
     </p:spTree>
   </p:cSld>
   <p:clrMapOvr>

--- a/Functional Programming with Java 8.pptx
+++ b/Functional Programming with Java 8.pptx
@@ -5,7 +5,7 @@
     <p:sldMasterId id="2147483654" r:id="rId1"/>
   </p:sldMasterIdLst>
   <p:notesMasterIdLst>
-    <p:notesMasterId r:id="rId23"/>
+    <p:notesMasterId r:id="rId25"/>
   </p:notesMasterIdLst>
   <p:sldIdLst>
     <p:sldId id="256" r:id="rId2"/>
@@ -25,10 +25,12 @@
     <p:sldId id="325" r:id="rId16"/>
     <p:sldId id="328" r:id="rId17"/>
     <p:sldId id="330" r:id="rId18"/>
-    <p:sldId id="331" r:id="rId19"/>
-    <p:sldId id="320" r:id="rId20"/>
-    <p:sldId id="316" r:id="rId21"/>
-    <p:sldId id="300" r:id="rId22"/>
+    <p:sldId id="333" r:id="rId19"/>
+    <p:sldId id="331" r:id="rId20"/>
+    <p:sldId id="320" r:id="rId21"/>
+    <p:sldId id="316" r:id="rId22"/>
+    <p:sldId id="300" r:id="rId23"/>
+    <p:sldId id="332" r:id="rId24"/>
   </p:sldIdLst>
   <p:sldSz cx="9144000" cy="5143500" type="screen16x9"/>
   <p:notesSz cx="6858000" cy="9144000"/>
@@ -1678,7 +1680,7 @@
     </p:spTree>
     <p:extLst>
       <p:ext uri="{BB962C8B-B14F-4D97-AF65-F5344CB8AC3E}">
-        <p14:creationId xmlns:p14="http://schemas.microsoft.com/office/powerpoint/2010/main" val="738340183"/>
+        <p14:creationId xmlns:p14="http://schemas.microsoft.com/office/powerpoint/2010/main" val="3877583998"/>
       </p:ext>
     </p:extLst>
   </p:cSld>
@@ -1794,7 +1796,7 @@
     </p:spTree>
     <p:extLst>
       <p:ext uri="{BB962C8B-B14F-4D97-AF65-F5344CB8AC3E}">
-        <p14:creationId xmlns:p14="http://schemas.microsoft.com/office/powerpoint/2010/main" val="2544434027"/>
+        <p14:creationId xmlns:p14="http://schemas.microsoft.com/office/powerpoint/2010/main" val="738340183"/>
       </p:ext>
     </p:extLst>
   </p:cSld>
@@ -2026,6 +2028,122 @@
     </p:spTree>
     <p:extLst>
       <p:ext uri="{BB962C8B-B14F-4D97-AF65-F5344CB8AC3E}">
+        <p14:creationId xmlns:p14="http://schemas.microsoft.com/office/powerpoint/2010/main" val="2544434027"/>
+      </p:ext>
+    </p:extLst>
+  </p:cSld>
+  <p:clrMapOvr>
+    <a:masterClrMapping/>
+  </p:clrMapOvr>
+</p:notes>
+</file>
+
+<file path=ppt/notesSlides/notesSlide21.xml><?xml version="1.0" encoding="utf-8"?>
+<p:notes xmlns:a="http://schemas.openxmlformats.org/drawingml/2006/main" xmlns:r="http://schemas.openxmlformats.org/officeDocument/2006/relationships" xmlns:p="http://schemas.openxmlformats.org/presentationml/2006/main" showMasterSp="0" showMasterPhAnim="0">
+  <p:cSld>
+    <p:spTree>
+      <p:nvGrpSpPr>
+        <p:cNvPr id="1" name="Shape 169"/>
+        <p:cNvGrpSpPr/>
+        <p:nvPr/>
+      </p:nvGrpSpPr>
+      <p:grpSpPr>
+        <a:xfrm>
+          <a:off x="0" y="0"/>
+          <a:ext cx="0" cy="0"/>
+          <a:chOff x="0" y="0"/>
+          <a:chExt cx="0" cy="0"/>
+        </a:xfrm>
+      </p:grpSpPr>
+      <p:sp>
+        <p:nvSpPr>
+          <p:cNvPr id="170" name="Shape 170"/>
+          <p:cNvSpPr>
+            <a:spLocks noGrp="1" noRot="1" noChangeAspect="1"/>
+          </p:cNvSpPr>
+          <p:nvPr>
+            <p:ph type="sldImg" idx="2"/>
+          </p:nvPr>
+        </p:nvSpPr>
+        <p:spPr>
+          <a:xfrm>
+            <a:off x="381000" y="685800"/>
+            <a:ext cx="6096000" cy="3429000"/>
+          </a:xfrm>
+          <a:custGeom>
+            <a:avLst/>
+            <a:gdLst/>
+            <a:ahLst/>
+            <a:cxnLst/>
+            <a:rect l="0" t="0" r="0" b="0"/>
+            <a:pathLst>
+              <a:path w="120000" h="120000" extrusionOk="0">
+                <a:moveTo>
+                  <a:pt x="0" y="0"/>
+                </a:moveTo>
+                <a:lnTo>
+                  <a:pt x="120000" y="0"/>
+                </a:lnTo>
+                <a:lnTo>
+                  <a:pt x="120000" y="120000"/>
+                </a:lnTo>
+                <a:lnTo>
+                  <a:pt x="0" y="120000"/>
+                </a:lnTo>
+                <a:close/>
+              </a:path>
+            </a:pathLst>
+          </a:custGeom>
+          <a:noFill/>
+          <a:ln w="9525" cap="flat" cmpd="sng">
+            <a:solidFill>
+              <a:srgbClr val="000000"/>
+            </a:solidFill>
+            <a:prstDash val="solid"/>
+            <a:round/>
+            <a:headEnd type="none" w="med" len="med"/>
+            <a:tailEnd type="none" w="med" len="med"/>
+          </a:ln>
+        </p:spPr>
+      </p:sp>
+      <p:sp>
+        <p:nvSpPr>
+          <p:cNvPr id="171" name="Shape 171"/>
+          <p:cNvSpPr txBox="1">
+            <a:spLocks noGrp="1"/>
+          </p:cNvSpPr>
+          <p:nvPr>
+            <p:ph type="body" idx="1"/>
+          </p:nvPr>
+        </p:nvSpPr>
+        <p:spPr>
+          <a:xfrm>
+            <a:off x="685800" y="4343400"/>
+            <a:ext cx="5486399" cy="4114800"/>
+          </a:xfrm>
+          <a:prstGeom prst="rect">
+            <a:avLst/>
+          </a:prstGeom>
+        </p:spPr>
+        <p:txBody>
+          <a:bodyPr lIns="91425" tIns="91425" rIns="91425" bIns="91425" anchor="t" anchorCtr="0">
+            <a:noAutofit/>
+          </a:bodyPr>
+          <a:lstStyle/>
+          <a:p>
+            <a:pPr>
+              <a:spcBef>
+                <a:spcPts val="0"/>
+              </a:spcBef>
+              <a:buNone/>
+            </a:pPr>
+            <a:endParaRPr/>
+          </a:p>
+        </p:txBody>
+      </p:sp>
+    </p:spTree>
+    <p:extLst>
+      <p:ext uri="{BB962C8B-B14F-4D97-AF65-F5344CB8AC3E}">
         <p14:creationId xmlns:p14="http://schemas.microsoft.com/office/powerpoint/2010/main" val="1491293710"/>
       </p:ext>
     </p:extLst>
@@ -2036,7 +2154,7 @@
 </p:notes>
 </file>
 
-<file path=ppt/notesSlides/notesSlide21.xml><?xml version="1.0" encoding="utf-8"?>
+<file path=ppt/notesSlides/notesSlide22.xml><?xml version="1.0" encoding="utf-8"?>
 <p:notes xmlns:a="http://schemas.openxmlformats.org/drawingml/2006/main" xmlns:r="http://schemas.openxmlformats.org/officeDocument/2006/relationships" xmlns:p="http://schemas.openxmlformats.org/presentationml/2006/main" showMasterSp="0" showMasterPhAnim="0">
   <p:cSld>
     <p:spTree>
@@ -2143,6 +2261,122 @@
     <p:extLst>
       <p:ext uri="{BB962C8B-B14F-4D97-AF65-F5344CB8AC3E}">
         <p14:creationId xmlns:p14="http://schemas.microsoft.com/office/powerpoint/2010/main" val="711016244"/>
+      </p:ext>
+    </p:extLst>
+  </p:cSld>
+  <p:clrMapOvr>
+    <a:masterClrMapping/>
+  </p:clrMapOvr>
+</p:notes>
+</file>
+
+<file path=ppt/notesSlides/notesSlide23.xml><?xml version="1.0" encoding="utf-8"?>
+<p:notes xmlns:a="http://schemas.openxmlformats.org/drawingml/2006/main" xmlns:r="http://schemas.openxmlformats.org/officeDocument/2006/relationships" xmlns:p="http://schemas.openxmlformats.org/presentationml/2006/main" showMasterSp="0" showMasterPhAnim="0">
+  <p:cSld>
+    <p:spTree>
+      <p:nvGrpSpPr>
+        <p:cNvPr id="1" name="Shape 187"/>
+        <p:cNvGrpSpPr/>
+        <p:nvPr/>
+      </p:nvGrpSpPr>
+      <p:grpSpPr>
+        <a:xfrm>
+          <a:off x="0" y="0"/>
+          <a:ext cx="0" cy="0"/>
+          <a:chOff x="0" y="0"/>
+          <a:chExt cx="0" cy="0"/>
+        </a:xfrm>
+      </p:grpSpPr>
+      <p:sp>
+        <p:nvSpPr>
+          <p:cNvPr id="188" name="Shape 188"/>
+          <p:cNvSpPr>
+            <a:spLocks noGrp="1" noRot="1" noChangeAspect="1"/>
+          </p:cNvSpPr>
+          <p:nvPr>
+            <p:ph type="sldImg" idx="2"/>
+          </p:nvPr>
+        </p:nvSpPr>
+        <p:spPr>
+          <a:xfrm>
+            <a:off x="381000" y="685800"/>
+            <a:ext cx="6096000" cy="3429000"/>
+          </a:xfrm>
+          <a:custGeom>
+            <a:avLst/>
+            <a:gdLst/>
+            <a:ahLst/>
+            <a:cxnLst/>
+            <a:rect l="0" t="0" r="0" b="0"/>
+            <a:pathLst>
+              <a:path w="120000" h="120000" extrusionOk="0">
+                <a:moveTo>
+                  <a:pt x="0" y="0"/>
+                </a:moveTo>
+                <a:lnTo>
+                  <a:pt x="120000" y="0"/>
+                </a:lnTo>
+                <a:lnTo>
+                  <a:pt x="120000" y="120000"/>
+                </a:lnTo>
+                <a:lnTo>
+                  <a:pt x="0" y="120000"/>
+                </a:lnTo>
+                <a:close/>
+              </a:path>
+            </a:pathLst>
+          </a:custGeom>
+          <a:noFill/>
+          <a:ln w="9525" cap="flat" cmpd="sng">
+            <a:solidFill>
+              <a:srgbClr val="000000"/>
+            </a:solidFill>
+            <a:prstDash val="solid"/>
+            <a:round/>
+            <a:headEnd type="none" w="med" len="med"/>
+            <a:tailEnd type="none" w="med" len="med"/>
+          </a:ln>
+        </p:spPr>
+      </p:sp>
+      <p:sp>
+        <p:nvSpPr>
+          <p:cNvPr id="189" name="Shape 189"/>
+          <p:cNvSpPr txBox="1">
+            <a:spLocks noGrp="1"/>
+          </p:cNvSpPr>
+          <p:nvPr>
+            <p:ph type="body" idx="1"/>
+          </p:nvPr>
+        </p:nvSpPr>
+        <p:spPr>
+          <a:xfrm>
+            <a:off x="685800" y="4343400"/>
+            <a:ext cx="5486399" cy="4114800"/>
+          </a:xfrm>
+          <a:prstGeom prst="rect">
+            <a:avLst/>
+          </a:prstGeom>
+        </p:spPr>
+        <p:txBody>
+          <a:bodyPr lIns="91425" tIns="91425" rIns="91425" bIns="91425" anchor="t" anchorCtr="0">
+            <a:noAutofit/>
+          </a:bodyPr>
+          <a:lstStyle/>
+          <a:p>
+            <a:pPr>
+              <a:spcBef>
+                <a:spcPts val="0"/>
+              </a:spcBef>
+              <a:buNone/>
+            </a:pPr>
+            <a:endParaRPr/>
+          </a:p>
+        </p:txBody>
+      </p:sp>
+    </p:spTree>
+    <p:extLst>
+      <p:ext uri="{BB962C8B-B14F-4D97-AF65-F5344CB8AC3E}">
+        <p14:creationId xmlns:p14="http://schemas.microsoft.com/office/powerpoint/2010/main" val="925692508"/>
       </p:ext>
     </p:extLst>
   </p:cSld>
@@ -5625,7 +5859,7 @@
             <a:pPr lvl="0"/>
             <a:r>
               <a:rPr lang="en-US" dirty="0"/>
-              <a:t>Referential Transparency (TR)</a:t>
+              <a:t>Referential Transparency (RT)</a:t>
             </a:r>
             <a:endParaRPr lang="en" dirty="0"/>
           </a:p>
@@ -5644,7 +5878,7 @@
         <p:spPr>
           <a:xfrm>
             <a:off x="457200" y="765717"/>
-            <a:ext cx="8229600" cy="4160133"/>
+            <a:ext cx="8534400" cy="1044033"/>
           </a:xfrm>
           <a:prstGeom prst="rect">
             <a:avLst/>
@@ -5656,28 +5890,316 @@
           </a:bodyPr>
           <a:lstStyle/>
           <a:p>
-            <a:pPr marL="457200" indent="-419100">
+            <a:pPr marL="38100">
               <a:buClr>
                 <a:srgbClr val="000000"/>
               </a:buClr>
-              <a:buFont typeface="Arial"/>
-              <a:buChar char="●"/>
             </a:pPr>
             <a:r>
               <a:rPr lang="en-US" sz="2000" dirty="0"/>
-              <a:t>An expression e is referentially transparent if for all programs p, every occurrence of e in p can be replaced with the result of evaluating e without changing the meaning of p</a:t>
+              <a:t>An expression e is referentially transparent if for all programs p, every occurrence of e in p, can be replaced with the result of evaluating e, without changing the meaning of p</a:t>
             </a:r>
           </a:p>
-          <a:p>
-            <a:pPr marL="457200" indent="-419100">
-              <a:buClr>
-                <a:srgbClr val="000000"/>
-              </a:buClr>
-              <a:buFont typeface="Arial"/>
-              <a:buChar char="●"/>
-            </a:pPr>
-            <a:endParaRPr lang="en-US" sz="2000" dirty="0"/>
-          </a:p>
+        </p:txBody>
+      </p:sp>
+      <p:pic>
+        <p:nvPicPr>
+          <p:cNvPr id="5124" name="Picture 4" descr="Image result for referential transparency + funny image">
+            <a:extLst>
+              <a:ext uri="{FF2B5EF4-FFF2-40B4-BE49-F238E27FC236}">
+                <a16:creationId xmlns:a16="http://schemas.microsoft.com/office/drawing/2014/main" id="{C5D84328-2217-4A92-8CD8-A62BA544E17B}"/>
+              </a:ext>
+            </a:extLst>
+          </p:cNvPr>
+          <p:cNvPicPr>
+            <a:picLocks noChangeAspect="1" noChangeArrowheads="1"/>
+          </p:cNvPicPr>
+          <p:nvPr/>
+        </p:nvPicPr>
+        <p:blipFill>
+          <a:blip r:embed="rId3">
+            <a:extLst>
+              <a:ext uri="{28A0092B-C50C-407E-A947-70E740481C1C}">
+                <a14:useLocalDpi xmlns:a14="http://schemas.microsoft.com/office/drawing/2010/main" val="0"/>
+              </a:ext>
+            </a:extLst>
+          </a:blip>
+          <a:srcRect/>
+          <a:stretch>
+            <a:fillRect/>
+          </a:stretch>
+        </p:blipFill>
+        <p:spPr bwMode="auto">
+          <a:xfrm>
+            <a:off x="414304" y="1962150"/>
+            <a:ext cx="4170969" cy="3124200"/>
+          </a:xfrm>
+          <a:prstGeom prst="rect">
+            <a:avLst/>
+          </a:prstGeom>
+          <a:noFill/>
+          <a:extLst>
+            <a:ext uri="{909E8E84-426E-40DD-AFC4-6F175D3DCCD1}">
+              <a14:hiddenFill xmlns:a14="http://schemas.microsoft.com/office/drawing/2010/main">
+                <a:solidFill>
+                  <a:srgbClr val="FFFFFF"/>
+                </a:solidFill>
+              </a14:hiddenFill>
+            </a:ext>
+          </a:extLst>
+        </p:spPr>
+      </p:pic>
+      <p:sp>
+        <p:nvSpPr>
+          <p:cNvPr id="6" name="Shape 168">
+            <a:extLst>
+              <a:ext uri="{FF2B5EF4-FFF2-40B4-BE49-F238E27FC236}">
+                <a16:creationId xmlns:a16="http://schemas.microsoft.com/office/drawing/2014/main" id="{0234AF81-F970-4526-807D-119425A7F272}"/>
+              </a:ext>
+            </a:extLst>
+          </p:cNvPr>
+          <p:cNvSpPr txBox="1">
+            <a:spLocks/>
+          </p:cNvSpPr>
+          <p:nvPr/>
+        </p:nvSpPr>
+        <p:spPr>
+          <a:xfrm>
+            <a:off x="4648200" y="1962150"/>
+            <a:ext cx="4495800" cy="3124200"/>
+          </a:xfrm>
+          <a:prstGeom prst="rect">
+            <a:avLst/>
+          </a:prstGeom>
+          <a:noFill/>
+          <a:ln>
+            <a:noFill/>
+          </a:ln>
+        </p:spPr>
+        <p:txBody>
+          <a:bodyPr lIns="91425" tIns="91425" rIns="91425" bIns="91425" anchor="t" anchorCtr="0">
+            <a:noAutofit/>
+          </a:bodyPr>
+          <a:lstStyle>
+            <a:defPPr marR="0" algn="l" rtl="0">
+              <a:lnSpc>
+                <a:spcPct val="100000"/>
+              </a:lnSpc>
+              <a:spcBef>
+                <a:spcPts val="0"/>
+              </a:spcBef>
+              <a:spcAft>
+                <a:spcPts val="0"/>
+              </a:spcAft>
+            </a:defPPr>
+            <a:lvl1pPr marR="0" algn="l" rtl="0">
+              <a:lnSpc>
+                <a:spcPct val="100000"/>
+              </a:lnSpc>
+              <a:spcBef>
+                <a:spcPts val="0"/>
+              </a:spcBef>
+              <a:spcAft>
+                <a:spcPts val="0"/>
+              </a:spcAft>
+              <a:buSzPct val="100000"/>
+              <a:buNone/>
+              <a:defRPr sz="3000" b="0" i="0" u="none" strike="noStrike" cap="none" baseline="0">
+                <a:solidFill>
+                  <a:srgbClr val="000000"/>
+                </a:solidFill>
+                <a:latin typeface="Arial"/>
+                <a:ea typeface="Arial"/>
+                <a:cs typeface="Arial"/>
+                <a:sym typeface="Arial"/>
+                <a:rtl val="0"/>
+              </a:defRPr>
+            </a:lvl1pPr>
+            <a:lvl2pPr marR="0" algn="l" rtl="0">
+              <a:lnSpc>
+                <a:spcPct val="100000"/>
+              </a:lnSpc>
+              <a:spcBef>
+                <a:spcPts val="0"/>
+              </a:spcBef>
+              <a:spcAft>
+                <a:spcPts val="0"/>
+              </a:spcAft>
+              <a:buSzPct val="100000"/>
+              <a:buNone/>
+              <a:defRPr sz="2400" b="0" i="0" u="none" strike="noStrike" cap="none" baseline="0">
+                <a:solidFill>
+                  <a:srgbClr val="000000"/>
+                </a:solidFill>
+                <a:latin typeface="Arial"/>
+                <a:ea typeface="Arial"/>
+                <a:cs typeface="Arial"/>
+                <a:sym typeface="Arial"/>
+                <a:rtl val="0"/>
+              </a:defRPr>
+            </a:lvl2pPr>
+            <a:lvl3pPr marR="0" algn="l" rtl="0">
+              <a:lnSpc>
+                <a:spcPct val="100000"/>
+              </a:lnSpc>
+              <a:spcBef>
+                <a:spcPts val="0"/>
+              </a:spcBef>
+              <a:spcAft>
+                <a:spcPts val="0"/>
+              </a:spcAft>
+              <a:buSzPct val="100000"/>
+              <a:buNone/>
+              <a:defRPr sz="2400" b="0" i="0" u="none" strike="noStrike" cap="none" baseline="0">
+                <a:solidFill>
+                  <a:srgbClr val="000000"/>
+                </a:solidFill>
+                <a:latin typeface="Arial"/>
+                <a:ea typeface="Arial"/>
+                <a:cs typeface="Arial"/>
+                <a:sym typeface="Arial"/>
+                <a:rtl val="0"/>
+              </a:defRPr>
+            </a:lvl3pPr>
+            <a:lvl4pPr marR="0" algn="l" rtl="0">
+              <a:lnSpc>
+                <a:spcPct val="100000"/>
+              </a:lnSpc>
+              <a:spcBef>
+                <a:spcPts val="0"/>
+              </a:spcBef>
+              <a:spcAft>
+                <a:spcPts val="0"/>
+              </a:spcAft>
+              <a:buSzPct val="100000"/>
+              <a:buNone/>
+              <a:defRPr sz="1800" b="0" i="0" u="none" strike="noStrike" cap="none" baseline="0">
+                <a:solidFill>
+                  <a:srgbClr val="000000"/>
+                </a:solidFill>
+                <a:latin typeface="Arial"/>
+                <a:ea typeface="Arial"/>
+                <a:cs typeface="Arial"/>
+                <a:sym typeface="Arial"/>
+                <a:rtl val="0"/>
+              </a:defRPr>
+            </a:lvl4pPr>
+            <a:lvl5pPr marR="0" algn="l" rtl="0">
+              <a:lnSpc>
+                <a:spcPct val="100000"/>
+              </a:lnSpc>
+              <a:spcBef>
+                <a:spcPts val="0"/>
+              </a:spcBef>
+              <a:spcAft>
+                <a:spcPts val="0"/>
+              </a:spcAft>
+              <a:buSzPct val="100000"/>
+              <a:buNone/>
+              <a:defRPr sz="1800" b="0" i="0" u="none" strike="noStrike" cap="none" baseline="0">
+                <a:solidFill>
+                  <a:srgbClr val="000000"/>
+                </a:solidFill>
+                <a:latin typeface="Arial"/>
+                <a:ea typeface="Arial"/>
+                <a:cs typeface="Arial"/>
+                <a:sym typeface="Arial"/>
+                <a:rtl val="0"/>
+              </a:defRPr>
+            </a:lvl5pPr>
+            <a:lvl6pPr marR="0" algn="l" rtl="0">
+              <a:lnSpc>
+                <a:spcPct val="100000"/>
+              </a:lnSpc>
+              <a:spcBef>
+                <a:spcPts val="0"/>
+              </a:spcBef>
+              <a:spcAft>
+                <a:spcPts val="0"/>
+              </a:spcAft>
+              <a:buSzPct val="100000"/>
+              <a:buNone/>
+              <a:defRPr sz="1800" b="0" i="0" u="none" strike="noStrike" cap="none" baseline="0">
+                <a:solidFill>
+                  <a:srgbClr val="000000"/>
+                </a:solidFill>
+                <a:latin typeface="Arial"/>
+                <a:ea typeface="Arial"/>
+                <a:cs typeface="Arial"/>
+                <a:sym typeface="Arial"/>
+                <a:rtl val="0"/>
+              </a:defRPr>
+            </a:lvl6pPr>
+            <a:lvl7pPr marR="0" algn="l" rtl="0">
+              <a:lnSpc>
+                <a:spcPct val="100000"/>
+              </a:lnSpc>
+              <a:spcBef>
+                <a:spcPts val="0"/>
+              </a:spcBef>
+              <a:spcAft>
+                <a:spcPts val="0"/>
+              </a:spcAft>
+              <a:buSzPct val="100000"/>
+              <a:buNone/>
+              <a:defRPr sz="1800" b="0" i="0" u="none" strike="noStrike" cap="none" baseline="0">
+                <a:solidFill>
+                  <a:srgbClr val="000000"/>
+                </a:solidFill>
+                <a:latin typeface="Arial"/>
+                <a:ea typeface="Arial"/>
+                <a:cs typeface="Arial"/>
+                <a:sym typeface="Arial"/>
+                <a:rtl val="0"/>
+              </a:defRPr>
+            </a:lvl7pPr>
+            <a:lvl8pPr marR="0" algn="l" rtl="0">
+              <a:lnSpc>
+                <a:spcPct val="100000"/>
+              </a:lnSpc>
+              <a:spcBef>
+                <a:spcPts val="0"/>
+              </a:spcBef>
+              <a:spcAft>
+                <a:spcPts val="0"/>
+              </a:spcAft>
+              <a:buSzPct val="100000"/>
+              <a:buNone/>
+              <a:defRPr sz="1800" b="0" i="0" u="none" strike="noStrike" cap="none" baseline="0">
+                <a:solidFill>
+                  <a:srgbClr val="000000"/>
+                </a:solidFill>
+                <a:latin typeface="Arial"/>
+                <a:ea typeface="Arial"/>
+                <a:cs typeface="Arial"/>
+                <a:sym typeface="Arial"/>
+                <a:rtl val="0"/>
+              </a:defRPr>
+            </a:lvl8pPr>
+            <a:lvl9pPr marR="0" algn="l" rtl="0">
+              <a:lnSpc>
+                <a:spcPct val="100000"/>
+              </a:lnSpc>
+              <a:spcBef>
+                <a:spcPts val="0"/>
+              </a:spcBef>
+              <a:spcAft>
+                <a:spcPts val="0"/>
+              </a:spcAft>
+              <a:buSzPct val="100000"/>
+              <a:buNone/>
+              <a:defRPr sz="1800" b="0" i="0" u="none" strike="noStrike" cap="none" baseline="0">
+                <a:solidFill>
+                  <a:srgbClr val="000000"/>
+                </a:solidFill>
+                <a:latin typeface="Arial"/>
+                <a:ea typeface="Arial"/>
+                <a:cs typeface="Arial"/>
+                <a:sym typeface="Arial"/>
+                <a:rtl val="0"/>
+              </a:defRPr>
+            </a:lvl9pPr>
+          </a:lstStyle>
           <a:p>
             <a:pPr marL="457200" indent="-419100">
               <a:buClr>
@@ -5862,11 +6384,7 @@
                                           </p:stCondLst>
                                         </p:cTn>
                                         <p:tgtEl>
-                                          <p:spTgt spid="168">
-                                            <p:txEl>
-                                              <p:pRg st="2" end="2"/>
-                                            </p:txEl>
-                                          </p:spTgt>
+                                          <p:spTgt spid="5124"/>
                                         </p:tgtEl>
                                         <p:attrNameLst>
                                           <p:attrName>style.visibility</p:attrName>
@@ -5880,11 +6398,7 @@
                                       <p:cBhvr>
                                         <p:cTn id="12" dur="500"/>
                                         <p:tgtEl>
-                                          <p:spTgt spid="168">
-                                            <p:txEl>
-                                              <p:pRg st="2" end="2"/>
-                                            </p:txEl>
-                                          </p:spTgt>
+                                          <p:spTgt spid="5124"/>
                                         </p:tgtEl>
                                       </p:cBhvr>
                                     </p:animEffect>
@@ -5923,9 +6437,9 @@
                                           </p:stCondLst>
                                         </p:cTn>
                                         <p:tgtEl>
-                                          <p:spTgt spid="168">
+                                          <p:spTgt spid="6">
                                             <p:txEl>
-                                              <p:pRg st="4" end="4"/>
+                                              <p:pRg st="0" end="0"/>
                                             </p:txEl>
                                           </p:spTgt>
                                         </p:tgtEl>
@@ -5941,9 +6455,9 @@
                                       <p:cBhvr>
                                         <p:cTn id="17" dur="500"/>
                                         <p:tgtEl>
-                                          <p:spTgt spid="168">
+                                          <p:spTgt spid="6">
                                             <p:txEl>
-                                              <p:pRg st="4" end="4"/>
+                                              <p:pRg st="0" end="0"/>
                                             </p:txEl>
                                           </p:spTgt>
                                         </p:tgtEl>
@@ -5984,9 +6498,9 @@
                                           </p:stCondLst>
                                         </p:cTn>
                                         <p:tgtEl>
-                                          <p:spTgt spid="168">
+                                          <p:spTgt spid="6">
                                             <p:txEl>
-                                              <p:pRg st="6" end="6"/>
+                                              <p:pRg st="2" end="2"/>
                                             </p:txEl>
                                           </p:spTgt>
                                         </p:tgtEl>
@@ -6002,9 +6516,9 @@
                                       <p:cBhvr>
                                         <p:cTn id="22" dur="500"/>
                                         <p:tgtEl>
-                                          <p:spTgt spid="168">
+                                          <p:spTgt spid="6">
                                             <p:txEl>
-                                              <p:pRg st="6" end="6"/>
+                                              <p:pRg st="2" end="2"/>
                                             </p:txEl>
                                           </p:spTgt>
                                         </p:tgtEl>
@@ -6045,9 +6559,9 @@
                                           </p:stCondLst>
                                         </p:cTn>
                                         <p:tgtEl>
-                                          <p:spTgt spid="168">
+                                          <p:spTgt spid="6">
                                             <p:txEl>
-                                              <p:pRg st="7" end="7"/>
+                                              <p:pRg st="4" end="4"/>
                                             </p:txEl>
                                           </p:spTgt>
                                         </p:tgtEl>
@@ -6063,9 +6577,52 @@
                                       <p:cBhvr>
                                         <p:cTn id="27" dur="500"/>
                                         <p:tgtEl>
-                                          <p:spTgt spid="168">
+                                          <p:spTgt spid="6">
                                             <p:txEl>
-                                              <p:pRg st="7" end="7"/>
+                                              <p:pRg st="4" end="4"/>
+                                            </p:txEl>
+                                          </p:spTgt>
+                                        </p:tgtEl>
+                                      </p:cBhvr>
+                                    </p:animEffect>
+                                  </p:childTnLst>
+                                </p:cTn>
+                              </p:par>
+                              <p:par>
+                                <p:cTn id="28" presetID="10" presetClass="entr" presetSubtype="0" fill="hold" nodeType="withEffect">
+                                  <p:stCondLst>
+                                    <p:cond delay="0"/>
+                                  </p:stCondLst>
+                                  <p:childTnLst>
+                                    <p:set>
+                                      <p:cBhvr>
+                                        <p:cTn id="29" dur="1" fill="hold">
+                                          <p:stCondLst>
+                                            <p:cond delay="0"/>
+                                          </p:stCondLst>
+                                        </p:cTn>
+                                        <p:tgtEl>
+                                          <p:spTgt spid="6">
+                                            <p:txEl>
+                                              <p:pRg st="5" end="5"/>
+                                            </p:txEl>
+                                          </p:spTgt>
+                                        </p:tgtEl>
+                                        <p:attrNameLst>
+                                          <p:attrName>style.visibility</p:attrName>
+                                        </p:attrNameLst>
+                                      </p:cBhvr>
+                                      <p:to>
+                                        <p:strVal val="visible"/>
+                                      </p:to>
+                                    </p:set>
+                                    <p:animEffect transition="in" filter="fade">
+                                      <p:cBhvr>
+                                        <p:cTn id="30" dur="500"/>
+                                        <p:tgtEl>
+                                          <p:spTgt spid="6">
+                                            <p:txEl>
+                                              <p:pRg st="5" end="5"/>
                                             </p:txEl>
                                           </p:spTgt>
                                         </p:tgtEl>
@@ -6135,7 +6692,7 @@
         <p:spPr>
           <a:xfrm>
             <a:off x="487200" y="133350"/>
-            <a:ext cx="8229600" cy="632367"/>
+            <a:ext cx="8586674" cy="632367"/>
           </a:xfrm>
           <a:prstGeom prst="rect">
             <a:avLst/>
@@ -6150,7 +6707,7 @@
             <a:pPr lvl="0"/>
             <a:r>
               <a:rPr lang="en-US" dirty="0"/>
-              <a:t>Higher Order Functions</a:t>
+              <a:t>First class Citizens + Higher Order</a:t>
             </a:r>
             <a:endParaRPr lang="en" dirty="0"/>
           </a:p>
@@ -6169,7 +6726,7 @@
         <p:spPr>
           <a:xfrm>
             <a:off x="457200" y="765717"/>
-            <a:ext cx="8229600" cy="4160133"/>
+            <a:ext cx="5257800" cy="1425033"/>
           </a:xfrm>
           <a:prstGeom prst="rect">
             <a:avLst/>
@@ -6219,16 +6776,614 @@
               <a:t>We can pass function around as data or variables</a:t>
             </a:r>
           </a:p>
+        </p:txBody>
+      </p:sp>
+      <p:sp>
+        <p:nvSpPr>
+          <p:cNvPr id="7" name="Shape 168">
+            <a:extLst>
+              <a:ext uri="{FF2B5EF4-FFF2-40B4-BE49-F238E27FC236}">
+                <a16:creationId xmlns:a16="http://schemas.microsoft.com/office/drawing/2014/main" id="{AC445C15-FB77-43AD-90EF-E91F3562317C}"/>
+              </a:ext>
+            </a:extLst>
+          </p:cNvPr>
+          <p:cNvSpPr txBox="1">
+            <a:spLocks/>
+          </p:cNvSpPr>
+          <p:nvPr/>
+        </p:nvSpPr>
+        <p:spPr>
+          <a:xfrm>
+            <a:off x="4495800" y="3486150"/>
+            <a:ext cx="3962400" cy="1143000"/>
+          </a:xfrm>
+          <a:prstGeom prst="rect">
+            <a:avLst/>
+          </a:prstGeom>
+          <a:noFill/>
+          <a:ln>
+            <a:noFill/>
+          </a:ln>
+        </p:spPr>
+        <p:txBody>
+          <a:bodyPr lIns="91425" tIns="91425" rIns="91425" bIns="91425" anchor="t" anchorCtr="0">
+            <a:noAutofit/>
+          </a:bodyPr>
+          <a:lstStyle>
+            <a:defPPr marR="0" algn="l" rtl="0">
+              <a:lnSpc>
+                <a:spcPct val="100000"/>
+              </a:lnSpc>
+              <a:spcBef>
+                <a:spcPts val="0"/>
+              </a:spcBef>
+              <a:spcAft>
+                <a:spcPts val="0"/>
+              </a:spcAft>
+            </a:defPPr>
+            <a:lvl1pPr marR="0" algn="l" rtl="0">
+              <a:lnSpc>
+                <a:spcPct val="100000"/>
+              </a:lnSpc>
+              <a:spcBef>
+                <a:spcPts val="0"/>
+              </a:spcBef>
+              <a:spcAft>
+                <a:spcPts val="0"/>
+              </a:spcAft>
+              <a:buSzPct val="100000"/>
+              <a:buNone/>
+              <a:defRPr sz="3000" b="0" i="0" u="none" strike="noStrike" cap="none" baseline="0">
+                <a:solidFill>
+                  <a:srgbClr val="000000"/>
+                </a:solidFill>
+                <a:latin typeface="Arial"/>
+                <a:ea typeface="Arial"/>
+                <a:cs typeface="Arial"/>
+                <a:sym typeface="Arial"/>
+                <a:rtl val="0"/>
+              </a:defRPr>
+            </a:lvl1pPr>
+            <a:lvl2pPr marR="0" algn="l" rtl="0">
+              <a:lnSpc>
+                <a:spcPct val="100000"/>
+              </a:lnSpc>
+              <a:spcBef>
+                <a:spcPts val="0"/>
+              </a:spcBef>
+              <a:spcAft>
+                <a:spcPts val="0"/>
+              </a:spcAft>
+              <a:buSzPct val="100000"/>
+              <a:buNone/>
+              <a:defRPr sz="2400" b="0" i="0" u="none" strike="noStrike" cap="none" baseline="0">
+                <a:solidFill>
+                  <a:srgbClr val="000000"/>
+                </a:solidFill>
+                <a:latin typeface="Arial"/>
+                <a:ea typeface="Arial"/>
+                <a:cs typeface="Arial"/>
+                <a:sym typeface="Arial"/>
+                <a:rtl val="0"/>
+              </a:defRPr>
+            </a:lvl2pPr>
+            <a:lvl3pPr marR="0" algn="l" rtl="0">
+              <a:lnSpc>
+                <a:spcPct val="100000"/>
+              </a:lnSpc>
+              <a:spcBef>
+                <a:spcPts val="0"/>
+              </a:spcBef>
+              <a:spcAft>
+                <a:spcPts val="0"/>
+              </a:spcAft>
+              <a:buSzPct val="100000"/>
+              <a:buNone/>
+              <a:defRPr sz="2400" b="0" i="0" u="none" strike="noStrike" cap="none" baseline="0">
+                <a:solidFill>
+                  <a:srgbClr val="000000"/>
+                </a:solidFill>
+                <a:latin typeface="Arial"/>
+                <a:ea typeface="Arial"/>
+                <a:cs typeface="Arial"/>
+                <a:sym typeface="Arial"/>
+                <a:rtl val="0"/>
+              </a:defRPr>
+            </a:lvl3pPr>
+            <a:lvl4pPr marR="0" algn="l" rtl="0">
+              <a:lnSpc>
+                <a:spcPct val="100000"/>
+              </a:lnSpc>
+              <a:spcBef>
+                <a:spcPts val="0"/>
+              </a:spcBef>
+              <a:spcAft>
+                <a:spcPts val="0"/>
+              </a:spcAft>
+              <a:buSzPct val="100000"/>
+              <a:buNone/>
+              <a:defRPr sz="1800" b="0" i="0" u="none" strike="noStrike" cap="none" baseline="0">
+                <a:solidFill>
+                  <a:srgbClr val="000000"/>
+                </a:solidFill>
+                <a:latin typeface="Arial"/>
+                <a:ea typeface="Arial"/>
+                <a:cs typeface="Arial"/>
+                <a:sym typeface="Arial"/>
+                <a:rtl val="0"/>
+              </a:defRPr>
+            </a:lvl4pPr>
+            <a:lvl5pPr marR="0" algn="l" rtl="0">
+              <a:lnSpc>
+                <a:spcPct val="100000"/>
+              </a:lnSpc>
+              <a:spcBef>
+                <a:spcPts val="0"/>
+              </a:spcBef>
+              <a:spcAft>
+                <a:spcPts val="0"/>
+              </a:spcAft>
+              <a:buSzPct val="100000"/>
+              <a:buNone/>
+              <a:defRPr sz="1800" b="0" i="0" u="none" strike="noStrike" cap="none" baseline="0">
+                <a:solidFill>
+                  <a:srgbClr val="000000"/>
+                </a:solidFill>
+                <a:latin typeface="Arial"/>
+                <a:ea typeface="Arial"/>
+                <a:cs typeface="Arial"/>
+                <a:sym typeface="Arial"/>
+                <a:rtl val="0"/>
+              </a:defRPr>
+            </a:lvl5pPr>
+            <a:lvl6pPr marR="0" algn="l" rtl="0">
+              <a:lnSpc>
+                <a:spcPct val="100000"/>
+              </a:lnSpc>
+              <a:spcBef>
+                <a:spcPts val="0"/>
+              </a:spcBef>
+              <a:spcAft>
+                <a:spcPts val="0"/>
+              </a:spcAft>
+              <a:buSzPct val="100000"/>
+              <a:buNone/>
+              <a:defRPr sz="1800" b="0" i="0" u="none" strike="noStrike" cap="none" baseline="0">
+                <a:solidFill>
+                  <a:srgbClr val="000000"/>
+                </a:solidFill>
+                <a:latin typeface="Arial"/>
+                <a:ea typeface="Arial"/>
+                <a:cs typeface="Arial"/>
+                <a:sym typeface="Arial"/>
+                <a:rtl val="0"/>
+              </a:defRPr>
+            </a:lvl6pPr>
+            <a:lvl7pPr marR="0" algn="l" rtl="0">
+              <a:lnSpc>
+                <a:spcPct val="100000"/>
+              </a:lnSpc>
+              <a:spcBef>
+                <a:spcPts val="0"/>
+              </a:spcBef>
+              <a:spcAft>
+                <a:spcPts val="0"/>
+              </a:spcAft>
+              <a:buSzPct val="100000"/>
+              <a:buNone/>
+              <a:defRPr sz="1800" b="0" i="0" u="none" strike="noStrike" cap="none" baseline="0">
+                <a:solidFill>
+                  <a:srgbClr val="000000"/>
+                </a:solidFill>
+                <a:latin typeface="Arial"/>
+                <a:ea typeface="Arial"/>
+                <a:cs typeface="Arial"/>
+                <a:sym typeface="Arial"/>
+                <a:rtl val="0"/>
+              </a:defRPr>
+            </a:lvl7pPr>
+            <a:lvl8pPr marR="0" algn="l" rtl="0">
+              <a:lnSpc>
+                <a:spcPct val="100000"/>
+              </a:lnSpc>
+              <a:spcBef>
+                <a:spcPts val="0"/>
+              </a:spcBef>
+              <a:spcAft>
+                <a:spcPts val="0"/>
+              </a:spcAft>
+              <a:buSzPct val="100000"/>
+              <a:buNone/>
+              <a:defRPr sz="1800" b="0" i="0" u="none" strike="noStrike" cap="none" baseline="0">
+                <a:solidFill>
+                  <a:srgbClr val="000000"/>
+                </a:solidFill>
+                <a:latin typeface="Arial"/>
+                <a:ea typeface="Arial"/>
+                <a:cs typeface="Arial"/>
+                <a:sym typeface="Arial"/>
+                <a:rtl val="0"/>
+              </a:defRPr>
+            </a:lvl8pPr>
+            <a:lvl9pPr marR="0" algn="l" rtl="0">
+              <a:lnSpc>
+                <a:spcPct val="100000"/>
+              </a:lnSpc>
+              <a:spcBef>
+                <a:spcPts val="0"/>
+              </a:spcBef>
+              <a:spcAft>
+                <a:spcPts val="0"/>
+              </a:spcAft>
+              <a:buSzPct val="100000"/>
+              <a:buNone/>
+              <a:defRPr sz="1800" b="0" i="0" u="none" strike="noStrike" cap="none" baseline="0">
+                <a:solidFill>
+                  <a:srgbClr val="000000"/>
+                </a:solidFill>
+                <a:latin typeface="Arial"/>
+                <a:ea typeface="Arial"/>
+                <a:cs typeface="Arial"/>
+                <a:sym typeface="Arial"/>
+                <a:rtl val="0"/>
+              </a:defRPr>
+            </a:lvl9pPr>
+          </a:lstStyle>
           <a:p>
-            <a:pPr marL="627063" lvl="1" indent="-339725">
+            <a:pPr marL="287338" lvl="1">
               <a:buClr>
                 <a:srgbClr val="000000"/>
               </a:buClr>
-              <a:buFont typeface="Courier New" panose="02070309020205020404" pitchFamily="49" charset="0"/>
-              <a:buChar char="o"/>
             </a:pPr>
-            <a:endParaRPr lang="en-US" sz="1800" dirty="0"/>
+            <a:endParaRPr lang="en-US" sz="1600" dirty="0"/>
           </a:p>
+        </p:txBody>
+      </p:sp>
+      <p:pic>
+        <p:nvPicPr>
+          <p:cNvPr id="7170" name="Picture 2" descr="Image result for functions as first class citizens">
+            <a:extLst>
+              <a:ext uri="{FF2B5EF4-FFF2-40B4-BE49-F238E27FC236}">
+                <a16:creationId xmlns:a16="http://schemas.microsoft.com/office/drawing/2014/main" id="{FB44516A-D675-4691-AD4E-3EAA9A7ACF7E}"/>
+              </a:ext>
+            </a:extLst>
+          </p:cNvPr>
+          <p:cNvPicPr>
+            <a:picLocks noChangeAspect="1" noChangeArrowheads="1"/>
+          </p:cNvPicPr>
+          <p:nvPr/>
+        </p:nvPicPr>
+        <p:blipFill>
+          <a:blip r:embed="rId3">
+            <a:extLst>
+              <a:ext uri="{28A0092B-C50C-407E-A947-70E740481C1C}">
+                <a14:useLocalDpi xmlns:a14="http://schemas.microsoft.com/office/drawing/2010/main" val="0"/>
+              </a:ext>
+            </a:extLst>
+          </a:blip>
+          <a:srcRect/>
+          <a:stretch>
+            <a:fillRect/>
+          </a:stretch>
+        </p:blipFill>
+        <p:spPr bwMode="auto">
+          <a:xfrm>
+            <a:off x="6145989" y="2977606"/>
+            <a:ext cx="2927885" cy="2156027"/>
+          </a:xfrm>
+          <a:prstGeom prst="rect">
+            <a:avLst/>
+          </a:prstGeom>
+          <a:noFill/>
+          <a:extLst>
+            <a:ext uri="{909E8E84-426E-40DD-AFC4-6F175D3DCCD1}">
+              <a14:hiddenFill xmlns:a14="http://schemas.microsoft.com/office/drawing/2010/main">
+                <a:solidFill>
+                  <a:srgbClr val="FFFFFF"/>
+                </a:solidFill>
+              </a14:hiddenFill>
+            </a:ext>
+          </a:extLst>
+        </p:spPr>
+      </p:pic>
+      <p:pic>
+        <p:nvPicPr>
+          <p:cNvPr id="7172" name="Picture 4" descr="Related image">
+            <a:extLst>
+              <a:ext uri="{FF2B5EF4-FFF2-40B4-BE49-F238E27FC236}">
+                <a16:creationId xmlns:a16="http://schemas.microsoft.com/office/drawing/2014/main" id="{A8CD4E51-11E2-4B8A-93B2-050480579094}"/>
+              </a:ext>
+            </a:extLst>
+          </p:cNvPr>
+          <p:cNvPicPr>
+            <a:picLocks noChangeAspect="1" noChangeArrowheads="1"/>
+          </p:cNvPicPr>
+          <p:nvPr/>
+        </p:nvPicPr>
+        <p:blipFill>
+          <a:blip r:embed="rId4">
+            <a:extLst>
+              <a:ext uri="{28A0092B-C50C-407E-A947-70E740481C1C}">
+                <a14:useLocalDpi xmlns:a14="http://schemas.microsoft.com/office/drawing/2010/main" val="0"/>
+              </a:ext>
+            </a:extLst>
+          </a:blip>
+          <a:srcRect/>
+          <a:stretch>
+            <a:fillRect/>
+          </a:stretch>
+        </p:blipFill>
+        <p:spPr bwMode="auto">
+          <a:xfrm>
+            <a:off x="6148825" y="811430"/>
+            <a:ext cx="2925049" cy="2193787"/>
+          </a:xfrm>
+          <a:prstGeom prst="rect">
+            <a:avLst/>
+          </a:prstGeom>
+          <a:noFill/>
+          <a:extLst>
+            <a:ext uri="{909E8E84-426E-40DD-AFC4-6F175D3DCCD1}">
+              <a14:hiddenFill xmlns:a14="http://schemas.microsoft.com/office/drawing/2010/main">
+                <a:solidFill>
+                  <a:srgbClr val="FFFFFF"/>
+                </a:solidFill>
+              </a14:hiddenFill>
+            </a:ext>
+          </a:extLst>
+        </p:spPr>
+      </p:pic>
+      <p:sp>
+        <p:nvSpPr>
+          <p:cNvPr id="8" name="Shape 168">
+            <a:extLst>
+              <a:ext uri="{FF2B5EF4-FFF2-40B4-BE49-F238E27FC236}">
+                <a16:creationId xmlns:a16="http://schemas.microsoft.com/office/drawing/2014/main" id="{9DA8D541-3C74-43DC-8B32-BD4A51406150}"/>
+              </a:ext>
+            </a:extLst>
+          </p:cNvPr>
+          <p:cNvSpPr txBox="1">
+            <a:spLocks/>
+          </p:cNvSpPr>
+          <p:nvPr/>
+        </p:nvSpPr>
+        <p:spPr>
+          <a:xfrm>
+            <a:off x="381000" y="2220301"/>
+            <a:ext cx="5257800" cy="1723050"/>
+          </a:xfrm>
+          <a:prstGeom prst="rect">
+            <a:avLst/>
+          </a:prstGeom>
+          <a:noFill/>
+          <a:ln>
+            <a:noFill/>
+          </a:ln>
+        </p:spPr>
+        <p:txBody>
+          <a:bodyPr lIns="91425" tIns="91425" rIns="91425" bIns="91425" anchor="t" anchorCtr="0">
+            <a:noAutofit/>
+          </a:bodyPr>
+          <a:lstStyle>
+            <a:defPPr marR="0" algn="l" rtl="0">
+              <a:lnSpc>
+                <a:spcPct val="100000"/>
+              </a:lnSpc>
+              <a:spcBef>
+                <a:spcPts val="0"/>
+              </a:spcBef>
+              <a:spcAft>
+                <a:spcPts val="0"/>
+              </a:spcAft>
+            </a:defPPr>
+            <a:lvl1pPr marR="0" algn="l" rtl="0">
+              <a:lnSpc>
+                <a:spcPct val="100000"/>
+              </a:lnSpc>
+              <a:spcBef>
+                <a:spcPts val="0"/>
+              </a:spcBef>
+              <a:spcAft>
+                <a:spcPts val="0"/>
+              </a:spcAft>
+              <a:buSzPct val="100000"/>
+              <a:buNone/>
+              <a:defRPr sz="3000" b="0" i="0" u="none" strike="noStrike" cap="none" baseline="0">
+                <a:solidFill>
+                  <a:srgbClr val="000000"/>
+                </a:solidFill>
+                <a:latin typeface="Arial"/>
+                <a:ea typeface="Arial"/>
+                <a:cs typeface="Arial"/>
+                <a:sym typeface="Arial"/>
+                <a:rtl val="0"/>
+              </a:defRPr>
+            </a:lvl1pPr>
+            <a:lvl2pPr marR="0" algn="l" rtl="0">
+              <a:lnSpc>
+                <a:spcPct val="100000"/>
+              </a:lnSpc>
+              <a:spcBef>
+                <a:spcPts val="0"/>
+              </a:spcBef>
+              <a:spcAft>
+                <a:spcPts val="0"/>
+              </a:spcAft>
+              <a:buSzPct val="100000"/>
+              <a:buNone/>
+              <a:defRPr sz="2400" b="0" i="0" u="none" strike="noStrike" cap="none" baseline="0">
+                <a:solidFill>
+                  <a:srgbClr val="000000"/>
+                </a:solidFill>
+                <a:latin typeface="Arial"/>
+                <a:ea typeface="Arial"/>
+                <a:cs typeface="Arial"/>
+                <a:sym typeface="Arial"/>
+                <a:rtl val="0"/>
+              </a:defRPr>
+            </a:lvl2pPr>
+            <a:lvl3pPr marR="0" algn="l" rtl="0">
+              <a:lnSpc>
+                <a:spcPct val="100000"/>
+              </a:lnSpc>
+              <a:spcBef>
+                <a:spcPts val="0"/>
+              </a:spcBef>
+              <a:spcAft>
+                <a:spcPts val="0"/>
+              </a:spcAft>
+              <a:buSzPct val="100000"/>
+              <a:buNone/>
+              <a:defRPr sz="2400" b="0" i="0" u="none" strike="noStrike" cap="none" baseline="0">
+                <a:solidFill>
+                  <a:srgbClr val="000000"/>
+                </a:solidFill>
+                <a:latin typeface="Arial"/>
+                <a:ea typeface="Arial"/>
+                <a:cs typeface="Arial"/>
+                <a:sym typeface="Arial"/>
+                <a:rtl val="0"/>
+              </a:defRPr>
+            </a:lvl3pPr>
+            <a:lvl4pPr marR="0" algn="l" rtl="0">
+              <a:lnSpc>
+                <a:spcPct val="100000"/>
+              </a:lnSpc>
+              <a:spcBef>
+                <a:spcPts val="0"/>
+              </a:spcBef>
+              <a:spcAft>
+                <a:spcPts val="0"/>
+              </a:spcAft>
+              <a:buSzPct val="100000"/>
+              <a:buNone/>
+              <a:defRPr sz="1800" b="0" i="0" u="none" strike="noStrike" cap="none" baseline="0">
+                <a:solidFill>
+                  <a:srgbClr val="000000"/>
+                </a:solidFill>
+                <a:latin typeface="Arial"/>
+                <a:ea typeface="Arial"/>
+                <a:cs typeface="Arial"/>
+                <a:sym typeface="Arial"/>
+                <a:rtl val="0"/>
+              </a:defRPr>
+            </a:lvl4pPr>
+            <a:lvl5pPr marR="0" algn="l" rtl="0">
+              <a:lnSpc>
+                <a:spcPct val="100000"/>
+              </a:lnSpc>
+              <a:spcBef>
+                <a:spcPts val="0"/>
+              </a:spcBef>
+              <a:spcAft>
+                <a:spcPts val="0"/>
+              </a:spcAft>
+              <a:buSzPct val="100000"/>
+              <a:buNone/>
+              <a:defRPr sz="1800" b="0" i="0" u="none" strike="noStrike" cap="none" baseline="0">
+                <a:solidFill>
+                  <a:srgbClr val="000000"/>
+                </a:solidFill>
+                <a:latin typeface="Arial"/>
+                <a:ea typeface="Arial"/>
+                <a:cs typeface="Arial"/>
+                <a:sym typeface="Arial"/>
+                <a:rtl val="0"/>
+              </a:defRPr>
+            </a:lvl5pPr>
+            <a:lvl6pPr marR="0" algn="l" rtl="0">
+              <a:lnSpc>
+                <a:spcPct val="100000"/>
+              </a:lnSpc>
+              <a:spcBef>
+                <a:spcPts val="0"/>
+              </a:spcBef>
+              <a:spcAft>
+                <a:spcPts val="0"/>
+              </a:spcAft>
+              <a:buSzPct val="100000"/>
+              <a:buNone/>
+              <a:defRPr sz="1800" b="0" i="0" u="none" strike="noStrike" cap="none" baseline="0">
+                <a:solidFill>
+                  <a:srgbClr val="000000"/>
+                </a:solidFill>
+                <a:latin typeface="Arial"/>
+                <a:ea typeface="Arial"/>
+                <a:cs typeface="Arial"/>
+                <a:sym typeface="Arial"/>
+                <a:rtl val="0"/>
+              </a:defRPr>
+            </a:lvl6pPr>
+            <a:lvl7pPr marR="0" algn="l" rtl="0">
+              <a:lnSpc>
+                <a:spcPct val="100000"/>
+              </a:lnSpc>
+              <a:spcBef>
+                <a:spcPts val="0"/>
+              </a:spcBef>
+              <a:spcAft>
+                <a:spcPts val="0"/>
+              </a:spcAft>
+              <a:buSzPct val="100000"/>
+              <a:buNone/>
+              <a:defRPr sz="1800" b="0" i="0" u="none" strike="noStrike" cap="none" baseline="0">
+                <a:solidFill>
+                  <a:srgbClr val="000000"/>
+                </a:solidFill>
+                <a:latin typeface="Arial"/>
+                <a:ea typeface="Arial"/>
+                <a:cs typeface="Arial"/>
+                <a:sym typeface="Arial"/>
+                <a:rtl val="0"/>
+              </a:defRPr>
+            </a:lvl7pPr>
+            <a:lvl8pPr marR="0" algn="l" rtl="0">
+              <a:lnSpc>
+                <a:spcPct val="100000"/>
+              </a:lnSpc>
+              <a:spcBef>
+                <a:spcPts val="0"/>
+              </a:spcBef>
+              <a:spcAft>
+                <a:spcPts val="0"/>
+              </a:spcAft>
+              <a:buSzPct val="100000"/>
+              <a:buNone/>
+              <a:defRPr sz="1800" b="0" i="0" u="none" strike="noStrike" cap="none" baseline="0">
+                <a:solidFill>
+                  <a:srgbClr val="000000"/>
+                </a:solidFill>
+                <a:latin typeface="Arial"/>
+                <a:ea typeface="Arial"/>
+                <a:cs typeface="Arial"/>
+                <a:sym typeface="Arial"/>
+                <a:rtl val="0"/>
+              </a:defRPr>
+            </a:lvl8pPr>
+            <a:lvl9pPr marR="0" algn="l" rtl="0">
+              <a:lnSpc>
+                <a:spcPct val="100000"/>
+              </a:lnSpc>
+              <a:spcBef>
+                <a:spcPts val="0"/>
+              </a:spcBef>
+              <a:spcAft>
+                <a:spcPts val="0"/>
+              </a:spcAft>
+              <a:buSzPct val="100000"/>
+              <a:buNone/>
+              <a:defRPr sz="1800" b="0" i="0" u="none" strike="noStrike" cap="none" baseline="0">
+                <a:solidFill>
+                  <a:srgbClr val="000000"/>
+                </a:solidFill>
+                <a:latin typeface="Arial"/>
+                <a:ea typeface="Arial"/>
+                <a:cs typeface="Arial"/>
+                <a:sym typeface="Arial"/>
+                <a:rtl val="0"/>
+              </a:defRPr>
+            </a:lvl9pPr>
+          </a:lstStyle>
           <a:p>
             <a:pPr marL="457200" indent="-419100">
               <a:buClr>
@@ -6281,38 +7436,14 @@
               <a:t>Function that create another function</a:t>
             </a:r>
           </a:p>
-          <a:p>
-            <a:pPr marL="627063" lvl="1" indent="-339725">
-              <a:buClr>
-                <a:srgbClr val="000000"/>
-              </a:buClr>
-              <a:buFont typeface="Courier New" panose="02070309020205020404" pitchFamily="49" charset="0"/>
-              <a:buChar char="o"/>
-            </a:pPr>
-            <a:endParaRPr lang="en-US" sz="1800" dirty="0"/>
-          </a:p>
-          <a:p>
-            <a:pPr marL="457200" indent="-419100">
-              <a:buClr>
-                <a:srgbClr val="000000"/>
-              </a:buClr>
-              <a:buFont typeface="Arial"/>
-              <a:buChar char="●"/>
-            </a:pPr>
-            <a:r>
-              <a:rPr lang="en-US" sz="2400" dirty="0"/>
-              <a:t>Let us look at some examples of Higher order functions</a:t>
-            </a:r>
-            <a:endParaRPr lang="en-US" sz="1800" dirty="0"/>
-          </a:p>
         </p:txBody>
       </p:sp>
       <p:sp>
         <p:nvSpPr>
-          <p:cNvPr id="7" name="Shape 168">
+          <p:cNvPr id="9" name="Shape 168">
             <a:extLst>
               <a:ext uri="{FF2B5EF4-FFF2-40B4-BE49-F238E27FC236}">
-                <a16:creationId xmlns:a16="http://schemas.microsoft.com/office/drawing/2014/main" id="{AC445C15-FB77-43AD-90EF-E91F3562317C}"/>
+                <a16:creationId xmlns:a16="http://schemas.microsoft.com/office/drawing/2014/main" id="{B9A7F1ED-2DA7-456E-BB22-3493FF0F25FD}"/>
               </a:ext>
             </a:extLst>
           </p:cNvPr>
@@ -6323,8 +7454,8 @@
         </p:nvSpPr>
         <p:spPr>
           <a:xfrm>
-            <a:off x="4495800" y="3486150"/>
-            <a:ext cx="3962400" cy="1143000"/>
+            <a:off x="368400" y="3943900"/>
+            <a:ext cx="5257800" cy="1066250"/>
           </a:xfrm>
           <a:prstGeom prst="rect">
             <a:avLst/>
@@ -6559,12 +7690,18 @@
             </a:lvl9pPr>
           </a:lstStyle>
           <a:p>
-            <a:pPr marL="287338" lvl="1">
+            <a:pPr marL="457200" indent="-419100">
               <a:buClr>
                 <a:srgbClr val="000000"/>
               </a:buClr>
+              <a:buFont typeface="Arial"/>
+              <a:buChar char="●"/>
             </a:pPr>
-            <a:endParaRPr lang="en-US" sz="1600" dirty="0"/>
+            <a:r>
+              <a:rPr lang="en-US" sz="2400" dirty="0"/>
+              <a:t>Let us look at some examples of Higher order functions</a:t>
+            </a:r>
+            <a:endParaRPr lang="en-US" sz="1800" dirty="0"/>
           </a:p>
         </p:txBody>
       </p:sp>
@@ -6730,43 +7867,21 @@
                                   </p:childTnLst>
                                 </p:cTn>
                               </p:par>
-                            </p:childTnLst>
-                          </p:cTn>
-                        </p:par>
-                      </p:childTnLst>
-                    </p:cTn>
-                  </p:par>
-                  <p:par>
-                    <p:cTn id="14" fill="hold">
-                      <p:stCondLst>
-                        <p:cond delay="indefinite"/>
-                      </p:stCondLst>
-                      <p:childTnLst>
-                        <p:par>
-                          <p:cTn id="15" fill="hold">
-                            <p:stCondLst>
-                              <p:cond delay="0"/>
-                            </p:stCondLst>
-                            <p:childTnLst>
                               <p:par>
-                                <p:cTn id="16" presetID="10" presetClass="entr" presetSubtype="0" fill="hold" grpId="0" nodeType="clickEffect">
+                                <p:cTn id="14" presetID="10" presetClass="entr" presetSubtype="0" fill="hold" nodeType="withEffect">
                                   <p:stCondLst>
                                     <p:cond delay="0"/>
                                   </p:stCondLst>
                                   <p:childTnLst>
                                     <p:set>
                                       <p:cBhvr>
-                                        <p:cTn id="17" dur="1" fill="hold">
+                                        <p:cTn id="15" dur="1" fill="hold">
                                           <p:stCondLst>
                                             <p:cond delay="0"/>
                                           </p:stCondLst>
                                         </p:cTn>
                                         <p:tgtEl>
-                                          <p:spTgt spid="168">
-                                            <p:txEl>
-                                              <p:pRg st="4" end="4"/>
-                                            </p:txEl>
-                                          </p:spTgt>
+                                          <p:spTgt spid="7172"/>
                                         </p:tgtEl>
                                         <p:attrNameLst>
                                           <p:attrName>style.visibility</p:attrName>
@@ -6778,21 +7893,35 @@
                                     </p:set>
                                     <p:animEffect transition="in" filter="fade">
                                       <p:cBhvr>
-                                        <p:cTn id="18" dur="500"/>
+                                        <p:cTn id="16" dur="500"/>
                                         <p:tgtEl>
-                                          <p:spTgt spid="168">
-                                            <p:txEl>
-                                              <p:pRg st="4" end="4"/>
-                                            </p:txEl>
-                                          </p:spTgt>
+                                          <p:spTgt spid="7172"/>
                                         </p:tgtEl>
                                       </p:cBhvr>
                                     </p:animEffect>
                                   </p:childTnLst>
                                 </p:cTn>
                               </p:par>
+                            </p:childTnLst>
+                          </p:cTn>
+                        </p:par>
+                      </p:childTnLst>
+                    </p:cTn>
+                  </p:par>
+                  <p:par>
+                    <p:cTn id="17" fill="hold">
+                      <p:stCondLst>
+                        <p:cond delay="indefinite"/>
+                      </p:stCondLst>
+                      <p:childTnLst>
+                        <p:par>
+                          <p:cTn id="18" fill="hold">
+                            <p:stCondLst>
+                              <p:cond delay="0"/>
+                            </p:stCondLst>
+                            <p:childTnLst>
                               <p:par>
-                                <p:cTn id="19" presetID="10" presetClass="entr" presetSubtype="0" fill="hold" grpId="0" nodeType="withEffect">
+                                <p:cTn id="19" presetID="10" presetClass="entr" presetSubtype="0" fill="hold" grpId="0" nodeType="clickEffect">
                                   <p:stCondLst>
                                     <p:cond delay="0"/>
                                   </p:stCondLst>
@@ -6805,11 +7934,7 @@
                                           </p:stCondLst>
                                         </p:cTn>
                                         <p:tgtEl>
-                                          <p:spTgt spid="168">
-                                            <p:txEl>
-                                              <p:pRg st="5" end="5"/>
-                                            </p:txEl>
-                                          </p:spTgt>
+                                          <p:spTgt spid="8"/>
                                         </p:tgtEl>
                                         <p:attrNameLst>
                                           <p:attrName>style.visibility</p:attrName>
@@ -6823,11 +7948,7 @@
                                       <p:cBhvr>
                                         <p:cTn id="21" dur="500"/>
                                         <p:tgtEl>
-                                          <p:spTgt spid="168">
-                                            <p:txEl>
-                                              <p:pRg st="5" end="5"/>
-                                            </p:txEl>
-                                          </p:spTgt>
+                                          <p:spTgt spid="8"/>
                                         </p:tgtEl>
                                       </p:cBhvr>
                                     </p:animEffect>
@@ -6835,7 +7956,7 @@
                                 </p:cTn>
                               </p:par>
                               <p:par>
-                                <p:cTn id="22" presetID="10" presetClass="entr" presetSubtype="0" fill="hold" grpId="0" nodeType="withEffect">
+                                <p:cTn id="22" presetID="10" presetClass="entr" presetSubtype="0" fill="hold" nodeType="withEffect">
                                   <p:stCondLst>
                                     <p:cond delay="0"/>
                                   </p:stCondLst>
@@ -6848,11 +7969,7 @@
                                           </p:stCondLst>
                                         </p:cTn>
                                         <p:tgtEl>
-                                          <p:spTgt spid="168">
-                                            <p:txEl>
-                                              <p:pRg st="6" end="6"/>
-                                            </p:txEl>
-                                          </p:spTgt>
+                                          <p:spTgt spid="7170"/>
                                         </p:tgtEl>
                                         <p:attrNameLst>
                                           <p:attrName>style.visibility</p:attrName>
@@ -6866,54 +7983,7 @@
                                       <p:cBhvr>
                                         <p:cTn id="24" dur="500"/>
                                         <p:tgtEl>
-                                          <p:spTgt spid="168">
-                                            <p:txEl>
-                                              <p:pRg st="6" end="6"/>
-                                            </p:txEl>
-                                          </p:spTgt>
-                                        </p:tgtEl>
-                                      </p:cBhvr>
-                                    </p:animEffect>
-                                  </p:childTnLst>
-                                </p:cTn>
-                              </p:par>
-                              <p:par>
-                                <p:cTn id="25" presetID="10" presetClass="entr" presetSubtype="0" fill="hold" grpId="0" nodeType="withEffect">
-                                  <p:stCondLst>
-                                    <p:cond delay="0"/>
-                                  </p:stCondLst>
-                                  <p:childTnLst>
-                                    <p:set>
-                                      <p:cBhvr>
-                                        <p:cTn id="26" dur="1" fill="hold">
-                                          <p:stCondLst>
-                                            <p:cond delay="0"/>
-                                          </p:stCondLst>
-                                        </p:cTn>
-                                        <p:tgtEl>
-                                          <p:spTgt spid="168">
-                                            <p:txEl>
-                                              <p:pRg st="7" end="7"/>
-                                            </p:txEl>
-                                          </p:spTgt>
-                                        </p:tgtEl>
-                                        <p:attrNameLst>
-                                          <p:attrName>style.visibility</p:attrName>
-                                        </p:attrNameLst>
-                                      </p:cBhvr>
-                                      <p:to>
-                                        <p:strVal val="visible"/>
-                                      </p:to>
-                                    </p:set>
-                                    <p:animEffect transition="in" filter="fade">
-                                      <p:cBhvr>
-                                        <p:cTn id="27" dur="500"/>
-                                        <p:tgtEl>
-                                          <p:spTgt spid="168">
-                                            <p:txEl>
-                                              <p:pRg st="7" end="7"/>
-                                            </p:txEl>
-                                          </p:spTgt>
+                                          <p:spTgt spid="7170"/>
                                         </p:tgtEl>
                                       </p:cBhvr>
                                     </p:animEffect>
@@ -6927,36 +7997,32 @@
                     </p:cTn>
                   </p:par>
                   <p:par>
-                    <p:cTn id="28" fill="hold">
+                    <p:cTn id="25" fill="hold">
                       <p:stCondLst>
                         <p:cond delay="indefinite"/>
                       </p:stCondLst>
                       <p:childTnLst>
                         <p:par>
-                          <p:cTn id="29" fill="hold">
+                          <p:cTn id="26" fill="hold">
                             <p:stCondLst>
                               <p:cond delay="0"/>
                             </p:stCondLst>
                             <p:childTnLst>
                               <p:par>
-                                <p:cTn id="30" presetID="10" presetClass="entr" presetSubtype="0" fill="hold" grpId="0" nodeType="clickEffect">
+                                <p:cTn id="27" presetID="10" presetClass="entr" presetSubtype="0" fill="hold" grpId="0" nodeType="clickEffect">
                                   <p:stCondLst>
                                     <p:cond delay="0"/>
                                   </p:stCondLst>
                                   <p:childTnLst>
                                     <p:set>
                                       <p:cBhvr>
-                                        <p:cTn id="31" dur="1" fill="hold">
+                                        <p:cTn id="28" dur="1" fill="hold">
                                           <p:stCondLst>
                                             <p:cond delay="0"/>
                                           </p:stCondLst>
                                         </p:cTn>
                                         <p:tgtEl>
-                                          <p:spTgt spid="168">
-                                            <p:txEl>
-                                              <p:pRg st="9" end="9"/>
-                                            </p:txEl>
-                                          </p:spTgt>
+                                          <p:spTgt spid="9"/>
                                         </p:tgtEl>
                                         <p:attrNameLst>
                                           <p:attrName>style.visibility</p:attrName>
@@ -6968,13 +8034,9 @@
                                     </p:set>
                                     <p:animEffect transition="in" filter="fade">
                                       <p:cBhvr>
-                                        <p:cTn id="32" dur="500"/>
+                                        <p:cTn id="29" dur="500"/>
                                         <p:tgtEl>
-                                          <p:spTgt spid="168">
-                                            <p:txEl>
-                                              <p:pRg st="9" end="9"/>
-                                            </p:txEl>
-                                          </p:spTgt>
+                                          <p:spTgt spid="9"/>
                                         </p:tgtEl>
                                       </p:cBhvr>
                                     </p:animEffect>
@@ -7010,6 +8072,8 @@
     </p:tnLst>
     <p:bldLst>
       <p:bldP spid="168" grpId="0" build="p"/>
+      <p:bldP spid="8" grpId="0"/>
+      <p:bldP spid="9" grpId="0"/>
     </p:bldLst>
   </p:timing>
 </p:sld>
@@ -7079,7 +8143,7 @@
         <p:spPr>
           <a:xfrm>
             <a:off x="457200" y="765717"/>
-            <a:ext cx="8229600" cy="4160133"/>
+            <a:ext cx="8534400" cy="4160133"/>
           </a:xfrm>
           <a:prstGeom prst="rect">
             <a:avLst/>
@@ -7146,11 +8210,58 @@
             </a:pPr>
             <a:r>
               <a:rPr lang="en-US" sz="2400" dirty="0"/>
-              <a:t>Prime Number Example with Stream</a:t>
+              <a:t>Prime Number Example</a:t>
             </a:r>
           </a:p>
         </p:txBody>
       </p:sp>
+      <p:pic>
+        <p:nvPicPr>
+          <p:cNvPr id="9218" name="Picture 2" descr="Image result for stream in java 8">
+            <a:extLst>
+              <a:ext uri="{FF2B5EF4-FFF2-40B4-BE49-F238E27FC236}">
+                <a16:creationId xmlns:a16="http://schemas.microsoft.com/office/drawing/2014/main" id="{C077E125-FB23-49FA-BAAE-59AF7A207105}"/>
+              </a:ext>
+            </a:extLst>
+          </p:cNvPr>
+          <p:cNvPicPr>
+            <a:picLocks noChangeAspect="1" noChangeArrowheads="1"/>
+          </p:cNvPicPr>
+          <p:nvPr/>
+        </p:nvPicPr>
+        <p:blipFill>
+          <a:blip r:embed="rId3">
+            <a:extLst>
+              <a:ext uri="{28A0092B-C50C-407E-A947-70E740481C1C}">
+                <a14:useLocalDpi xmlns:a14="http://schemas.microsoft.com/office/drawing/2010/main" val="0"/>
+              </a:ext>
+            </a:extLst>
+          </a:blip>
+          <a:srcRect/>
+          <a:stretch>
+            <a:fillRect/>
+          </a:stretch>
+        </p:blipFill>
+        <p:spPr bwMode="auto">
+          <a:xfrm>
+            <a:off x="4953000" y="2495550"/>
+            <a:ext cx="3860564" cy="1981200"/>
+          </a:xfrm>
+          <a:prstGeom prst="rect">
+            <a:avLst/>
+          </a:prstGeom>
+          <a:noFill/>
+          <a:extLst>
+            <a:ext uri="{909E8E84-426E-40DD-AFC4-6F175D3DCCD1}">
+              <a14:hiddenFill xmlns:a14="http://schemas.microsoft.com/office/drawing/2010/main">
+                <a:solidFill>
+                  <a:srgbClr val="FFFFFF"/>
+                </a:solidFill>
+              </a14:hiddenFill>
+            </a:ext>
+          </a:extLst>
+        </p:spPr>
+      </p:pic>
     </p:spTree>
     <p:extLst>
       <p:ext uri="{BB962C8B-B14F-4D97-AF65-F5344CB8AC3E}">
@@ -7447,7 +8558,7 @@
         <p:spPr>
           <a:xfrm>
             <a:off x="457200" y="765717"/>
-            <a:ext cx="8229600" cy="4160133"/>
+            <a:ext cx="5334000" cy="1501233"/>
           </a:xfrm>
           <a:prstGeom prst="rect">
             <a:avLst/>
@@ -7494,16 +8605,306 @@
               <a:t>Everything must have a “type”</a:t>
             </a:r>
           </a:p>
-          <a:p>
-            <a:pPr marL="457200" lvl="0" indent="-419100">
-              <a:buClr>
-                <a:srgbClr val="000000"/>
-              </a:buClr>
-              <a:buFont typeface="Arial"/>
-              <a:buChar char="●"/>
-            </a:pPr>
-            <a:endParaRPr lang="en-US" sz="2400" dirty="0"/>
-          </a:p>
+        </p:txBody>
+      </p:sp>
+      <p:pic>
+        <p:nvPicPr>
+          <p:cNvPr id="10242" name="Picture 2" descr="Related image">
+            <a:extLst>
+              <a:ext uri="{FF2B5EF4-FFF2-40B4-BE49-F238E27FC236}">
+                <a16:creationId xmlns:a16="http://schemas.microsoft.com/office/drawing/2014/main" id="{487E3A14-4814-4A3D-81EF-BCE68C7B7C6A}"/>
+              </a:ext>
+            </a:extLst>
+          </p:cNvPr>
+          <p:cNvPicPr>
+            <a:picLocks noChangeAspect="1" noChangeArrowheads="1"/>
+          </p:cNvPicPr>
+          <p:nvPr/>
+        </p:nvPicPr>
+        <p:blipFill>
+          <a:blip r:embed="rId3">
+            <a:extLst>
+              <a:ext uri="{28A0092B-C50C-407E-A947-70E740481C1C}">
+                <a14:useLocalDpi xmlns:a14="http://schemas.microsoft.com/office/drawing/2010/main" val="0"/>
+              </a:ext>
+            </a:extLst>
+          </a:blip>
+          <a:srcRect/>
+          <a:stretch>
+            <a:fillRect/>
+          </a:stretch>
+        </p:blipFill>
+        <p:spPr bwMode="auto">
+          <a:xfrm>
+            <a:off x="5943600" y="765717"/>
+            <a:ext cx="3057525" cy="3990975"/>
+          </a:xfrm>
+          <a:prstGeom prst="rect">
+            <a:avLst/>
+          </a:prstGeom>
+          <a:noFill/>
+          <a:extLst>
+            <a:ext uri="{909E8E84-426E-40DD-AFC4-6F175D3DCCD1}">
+              <a14:hiddenFill xmlns:a14="http://schemas.microsoft.com/office/drawing/2010/main">
+                <a:solidFill>
+                  <a:srgbClr val="FFFFFF"/>
+                </a:solidFill>
+              </a14:hiddenFill>
+            </a:ext>
+          </a:extLst>
+        </p:spPr>
+      </p:pic>
+      <p:sp>
+        <p:nvSpPr>
+          <p:cNvPr id="5" name="Shape 168">
+            <a:extLst>
+              <a:ext uri="{FF2B5EF4-FFF2-40B4-BE49-F238E27FC236}">
+                <a16:creationId xmlns:a16="http://schemas.microsoft.com/office/drawing/2014/main" id="{7522EF9C-DF5F-45BB-8E41-F0A888149617}"/>
+              </a:ext>
+            </a:extLst>
+          </p:cNvPr>
+          <p:cNvSpPr txBox="1">
+            <a:spLocks/>
+          </p:cNvSpPr>
+          <p:nvPr/>
+        </p:nvSpPr>
+        <p:spPr>
+          <a:xfrm>
+            <a:off x="427200" y="2495550"/>
+            <a:ext cx="5334000" cy="2209800"/>
+          </a:xfrm>
+          <a:prstGeom prst="rect">
+            <a:avLst/>
+          </a:prstGeom>
+          <a:noFill/>
+          <a:ln>
+            <a:noFill/>
+          </a:ln>
+        </p:spPr>
+        <p:txBody>
+          <a:bodyPr lIns="91425" tIns="91425" rIns="91425" bIns="91425" anchor="t" anchorCtr="0">
+            <a:noAutofit/>
+          </a:bodyPr>
+          <a:lstStyle>
+            <a:defPPr marR="0" algn="l" rtl="0">
+              <a:lnSpc>
+                <a:spcPct val="100000"/>
+              </a:lnSpc>
+              <a:spcBef>
+                <a:spcPts val="0"/>
+              </a:spcBef>
+              <a:spcAft>
+                <a:spcPts val="0"/>
+              </a:spcAft>
+            </a:defPPr>
+            <a:lvl1pPr marR="0" algn="l" rtl="0">
+              <a:lnSpc>
+                <a:spcPct val="100000"/>
+              </a:lnSpc>
+              <a:spcBef>
+                <a:spcPts val="0"/>
+              </a:spcBef>
+              <a:spcAft>
+                <a:spcPts val="0"/>
+              </a:spcAft>
+              <a:buSzPct val="100000"/>
+              <a:buNone/>
+              <a:defRPr sz="3000" b="0" i="0" u="none" strike="noStrike" cap="none" baseline="0">
+                <a:solidFill>
+                  <a:srgbClr val="000000"/>
+                </a:solidFill>
+                <a:latin typeface="Arial"/>
+                <a:ea typeface="Arial"/>
+                <a:cs typeface="Arial"/>
+                <a:sym typeface="Arial"/>
+                <a:rtl val="0"/>
+              </a:defRPr>
+            </a:lvl1pPr>
+            <a:lvl2pPr marR="0" algn="l" rtl="0">
+              <a:lnSpc>
+                <a:spcPct val="100000"/>
+              </a:lnSpc>
+              <a:spcBef>
+                <a:spcPts val="0"/>
+              </a:spcBef>
+              <a:spcAft>
+                <a:spcPts val="0"/>
+              </a:spcAft>
+              <a:buSzPct val="100000"/>
+              <a:buNone/>
+              <a:defRPr sz="2400" b="0" i="0" u="none" strike="noStrike" cap="none" baseline="0">
+                <a:solidFill>
+                  <a:srgbClr val="000000"/>
+                </a:solidFill>
+                <a:latin typeface="Arial"/>
+                <a:ea typeface="Arial"/>
+                <a:cs typeface="Arial"/>
+                <a:sym typeface="Arial"/>
+                <a:rtl val="0"/>
+              </a:defRPr>
+            </a:lvl2pPr>
+            <a:lvl3pPr marR="0" algn="l" rtl="0">
+              <a:lnSpc>
+                <a:spcPct val="100000"/>
+              </a:lnSpc>
+              <a:spcBef>
+                <a:spcPts val="0"/>
+              </a:spcBef>
+              <a:spcAft>
+                <a:spcPts val="0"/>
+              </a:spcAft>
+              <a:buSzPct val="100000"/>
+              <a:buNone/>
+              <a:defRPr sz="2400" b="0" i="0" u="none" strike="noStrike" cap="none" baseline="0">
+                <a:solidFill>
+                  <a:srgbClr val="000000"/>
+                </a:solidFill>
+                <a:latin typeface="Arial"/>
+                <a:ea typeface="Arial"/>
+                <a:cs typeface="Arial"/>
+                <a:sym typeface="Arial"/>
+                <a:rtl val="0"/>
+              </a:defRPr>
+            </a:lvl3pPr>
+            <a:lvl4pPr marR="0" algn="l" rtl="0">
+              <a:lnSpc>
+                <a:spcPct val="100000"/>
+              </a:lnSpc>
+              <a:spcBef>
+                <a:spcPts val="0"/>
+              </a:spcBef>
+              <a:spcAft>
+                <a:spcPts val="0"/>
+              </a:spcAft>
+              <a:buSzPct val="100000"/>
+              <a:buNone/>
+              <a:defRPr sz="1800" b="0" i="0" u="none" strike="noStrike" cap="none" baseline="0">
+                <a:solidFill>
+                  <a:srgbClr val="000000"/>
+                </a:solidFill>
+                <a:latin typeface="Arial"/>
+                <a:ea typeface="Arial"/>
+                <a:cs typeface="Arial"/>
+                <a:sym typeface="Arial"/>
+                <a:rtl val="0"/>
+              </a:defRPr>
+            </a:lvl4pPr>
+            <a:lvl5pPr marR="0" algn="l" rtl="0">
+              <a:lnSpc>
+                <a:spcPct val="100000"/>
+              </a:lnSpc>
+              <a:spcBef>
+                <a:spcPts val="0"/>
+              </a:spcBef>
+              <a:spcAft>
+                <a:spcPts val="0"/>
+              </a:spcAft>
+              <a:buSzPct val="100000"/>
+              <a:buNone/>
+              <a:defRPr sz="1800" b="0" i="0" u="none" strike="noStrike" cap="none" baseline="0">
+                <a:solidFill>
+                  <a:srgbClr val="000000"/>
+                </a:solidFill>
+                <a:latin typeface="Arial"/>
+                <a:ea typeface="Arial"/>
+                <a:cs typeface="Arial"/>
+                <a:sym typeface="Arial"/>
+                <a:rtl val="0"/>
+              </a:defRPr>
+            </a:lvl5pPr>
+            <a:lvl6pPr marR="0" algn="l" rtl="0">
+              <a:lnSpc>
+                <a:spcPct val="100000"/>
+              </a:lnSpc>
+              <a:spcBef>
+                <a:spcPts val="0"/>
+              </a:spcBef>
+              <a:spcAft>
+                <a:spcPts val="0"/>
+              </a:spcAft>
+              <a:buSzPct val="100000"/>
+              <a:buNone/>
+              <a:defRPr sz="1800" b="0" i="0" u="none" strike="noStrike" cap="none" baseline="0">
+                <a:solidFill>
+                  <a:srgbClr val="000000"/>
+                </a:solidFill>
+                <a:latin typeface="Arial"/>
+                <a:ea typeface="Arial"/>
+                <a:cs typeface="Arial"/>
+                <a:sym typeface="Arial"/>
+                <a:rtl val="0"/>
+              </a:defRPr>
+            </a:lvl6pPr>
+            <a:lvl7pPr marR="0" algn="l" rtl="0">
+              <a:lnSpc>
+                <a:spcPct val="100000"/>
+              </a:lnSpc>
+              <a:spcBef>
+                <a:spcPts val="0"/>
+              </a:spcBef>
+              <a:spcAft>
+                <a:spcPts val="0"/>
+              </a:spcAft>
+              <a:buSzPct val="100000"/>
+              <a:buNone/>
+              <a:defRPr sz="1800" b="0" i="0" u="none" strike="noStrike" cap="none" baseline="0">
+                <a:solidFill>
+                  <a:srgbClr val="000000"/>
+                </a:solidFill>
+                <a:latin typeface="Arial"/>
+                <a:ea typeface="Arial"/>
+                <a:cs typeface="Arial"/>
+                <a:sym typeface="Arial"/>
+                <a:rtl val="0"/>
+              </a:defRPr>
+            </a:lvl7pPr>
+            <a:lvl8pPr marR="0" algn="l" rtl="0">
+              <a:lnSpc>
+                <a:spcPct val="100000"/>
+              </a:lnSpc>
+              <a:spcBef>
+                <a:spcPts val="0"/>
+              </a:spcBef>
+              <a:spcAft>
+                <a:spcPts val="0"/>
+              </a:spcAft>
+              <a:buSzPct val="100000"/>
+              <a:buNone/>
+              <a:defRPr sz="1800" b="0" i="0" u="none" strike="noStrike" cap="none" baseline="0">
+                <a:solidFill>
+                  <a:srgbClr val="000000"/>
+                </a:solidFill>
+                <a:latin typeface="Arial"/>
+                <a:ea typeface="Arial"/>
+                <a:cs typeface="Arial"/>
+                <a:sym typeface="Arial"/>
+                <a:rtl val="0"/>
+              </a:defRPr>
+            </a:lvl8pPr>
+            <a:lvl9pPr marR="0" algn="l" rtl="0">
+              <a:lnSpc>
+                <a:spcPct val="100000"/>
+              </a:lnSpc>
+              <a:spcBef>
+                <a:spcPts val="0"/>
+              </a:spcBef>
+              <a:spcAft>
+                <a:spcPts val="0"/>
+              </a:spcAft>
+              <a:buSzPct val="100000"/>
+              <a:buNone/>
+              <a:defRPr sz="1800" b="0" i="0" u="none" strike="noStrike" cap="none" baseline="0">
+                <a:solidFill>
+                  <a:srgbClr val="000000"/>
+                </a:solidFill>
+                <a:latin typeface="Arial"/>
+                <a:ea typeface="Arial"/>
+                <a:cs typeface="Arial"/>
+                <a:sym typeface="Arial"/>
+                <a:rtl val="0"/>
+              </a:defRPr>
+            </a:lvl9pPr>
+          </a:lstStyle>
           <a:p>
             <a:pPr marL="457200" indent="-419100">
               <a:buClr>
@@ -7526,19 +8927,19 @@
               <a:buChar char="o"/>
             </a:pPr>
             <a:r>
-              <a:rPr lang="en-US" sz="1800" dirty="0" err="1"/>
+              <a:rPr lang="en-US" sz="2000" dirty="0" err="1"/>
               <a:t>num</a:t>
             </a:r>
             <a:r>
-              <a:rPr lang="en-US" sz="1800" dirty="0"/>
+              <a:rPr lang="en-US" sz="2000" dirty="0"/>
               <a:t> -&gt; </a:t>
             </a:r>
             <a:r>
-              <a:rPr lang="en-US" sz="1800" dirty="0" err="1"/>
+              <a:rPr lang="en-US" sz="2000" dirty="0" err="1"/>
               <a:t>num</a:t>
             </a:r>
             <a:r>
-              <a:rPr lang="en-US" sz="1800" dirty="0"/>
+              <a:rPr lang="en-US" sz="2000" dirty="0"/>
               <a:t> *2</a:t>
             </a:r>
           </a:p>
@@ -7551,19 +8952,19 @@
               <a:buChar char="o"/>
             </a:pPr>
             <a:r>
-              <a:rPr lang="en-US" sz="1800" dirty="0" err="1"/>
+              <a:rPr lang="en-US" sz="2000" dirty="0" err="1"/>
               <a:t>lang</a:t>
             </a:r>
             <a:r>
-              <a:rPr lang="en-US" sz="1800" dirty="0"/>
+              <a:rPr lang="en-US" sz="2000" dirty="0"/>
               <a:t> -&gt; </a:t>
             </a:r>
             <a:r>
-              <a:rPr lang="en-US" sz="1800" dirty="0" err="1"/>
+              <a:rPr lang="en-US" sz="2000" dirty="0" err="1"/>
               <a:t>lang.startsWith</a:t>
             </a:r>
             <a:r>
-              <a:rPr lang="en-US" sz="1800" dirty="0"/>
+              <a:rPr lang="en-US" sz="2000" dirty="0"/>
               <a:t>(“java”)</a:t>
             </a:r>
           </a:p>
@@ -7576,7 +8977,7 @@
               <a:buChar char="o"/>
             </a:pPr>
             <a:r>
-              <a:rPr lang="en-US" sz="1800" dirty="0"/>
+              <a:rPr lang="en-US" sz="2000" dirty="0"/>
               <a:t>(num1, num2) -&gt; num1 + num2</a:t>
             </a:r>
           </a:p>
@@ -7719,43 +9120,21 @@
                                   </p:childTnLst>
                                 </p:cTn>
                               </p:par>
-                            </p:childTnLst>
-                          </p:cTn>
-                        </p:par>
-                      </p:childTnLst>
-                    </p:cTn>
-                  </p:par>
-                  <p:par>
-                    <p:cTn id="13" fill="hold">
-                      <p:stCondLst>
-                        <p:cond delay="indefinite"/>
-                      </p:stCondLst>
-                      <p:childTnLst>
-                        <p:par>
-                          <p:cTn id="14" fill="hold">
-                            <p:stCondLst>
-                              <p:cond delay="0"/>
-                            </p:stCondLst>
-                            <p:childTnLst>
                               <p:par>
-                                <p:cTn id="15" presetID="10" presetClass="entr" presetSubtype="0" fill="hold" grpId="0" nodeType="clickEffect">
+                                <p:cTn id="13" presetID="10" presetClass="entr" presetSubtype="0" fill="hold" nodeType="withEffect">
                                   <p:stCondLst>
                                     <p:cond delay="0"/>
                                   </p:stCondLst>
                                   <p:childTnLst>
                                     <p:set>
                                       <p:cBhvr>
-                                        <p:cTn id="16" dur="1" fill="hold">
+                                        <p:cTn id="14" dur="1" fill="hold">
                                           <p:stCondLst>
                                             <p:cond delay="0"/>
                                           </p:stCondLst>
                                         </p:cTn>
                                         <p:tgtEl>
-                                          <p:spTgt spid="168">
-                                            <p:txEl>
-                                              <p:pRg st="4" end="4"/>
-                                            </p:txEl>
-                                          </p:spTgt>
+                                          <p:spTgt spid="10242"/>
                                         </p:tgtEl>
                                         <p:attrNameLst>
                                           <p:attrName>style.visibility</p:attrName>
@@ -7767,21 +9146,35 @@
                                     </p:set>
                                     <p:animEffect transition="in" filter="fade">
                                       <p:cBhvr>
-                                        <p:cTn id="17" dur="500"/>
+                                        <p:cTn id="15" dur="500"/>
                                         <p:tgtEl>
-                                          <p:spTgt spid="168">
-                                            <p:txEl>
-                                              <p:pRg st="4" end="4"/>
-                                            </p:txEl>
-                                          </p:spTgt>
+                                          <p:spTgt spid="10242"/>
                                         </p:tgtEl>
                                       </p:cBhvr>
                                     </p:animEffect>
                                   </p:childTnLst>
                                 </p:cTn>
                               </p:par>
+                            </p:childTnLst>
+                          </p:cTn>
+                        </p:par>
+                      </p:childTnLst>
+                    </p:cTn>
+                  </p:par>
+                  <p:par>
+                    <p:cTn id="16" fill="hold">
+                      <p:stCondLst>
+                        <p:cond delay="indefinite"/>
+                      </p:stCondLst>
+                      <p:childTnLst>
+                        <p:par>
+                          <p:cTn id="17" fill="hold">
+                            <p:stCondLst>
+                              <p:cond delay="0"/>
+                            </p:stCondLst>
+                            <p:childTnLst>
                               <p:par>
-                                <p:cTn id="18" presetID="10" presetClass="entr" presetSubtype="0" fill="hold" grpId="0" nodeType="withEffect">
+                                <p:cTn id="18" presetID="10" presetClass="entr" presetSubtype="0" fill="hold" grpId="0" nodeType="clickEffect">
                                   <p:stCondLst>
                                     <p:cond delay="0"/>
                                   </p:stCondLst>
@@ -7794,11 +9187,7 @@
                                           </p:stCondLst>
                                         </p:cTn>
                                         <p:tgtEl>
-                                          <p:spTgt spid="168">
-                                            <p:txEl>
-                                              <p:pRg st="5" end="5"/>
-                                            </p:txEl>
-                                          </p:spTgt>
+                                          <p:spTgt spid="5"/>
                                         </p:tgtEl>
                                         <p:attrNameLst>
                                           <p:attrName>style.visibility</p:attrName>
@@ -7812,97 +9201,7 @@
                                       <p:cBhvr>
                                         <p:cTn id="20" dur="500"/>
                                         <p:tgtEl>
-                                          <p:spTgt spid="168">
-                                            <p:txEl>
-                                              <p:pRg st="5" end="5"/>
-                                            </p:txEl>
-                                          </p:spTgt>
-                                        </p:tgtEl>
-                                      </p:cBhvr>
-                                    </p:animEffect>
-                                  </p:childTnLst>
-                                </p:cTn>
-                              </p:par>
-                              <p:par>
-                                <p:cTn id="21" presetID="10" presetClass="entr" presetSubtype="0" fill="hold" grpId="0" nodeType="withEffect">
-                                  <p:stCondLst>
-                                    <p:cond delay="0"/>
-                                  </p:stCondLst>
-                                  <p:childTnLst>
-                                    <p:set>
-                                      <p:cBhvr>
-                                        <p:cTn id="22" dur="1" fill="hold">
-                                          <p:stCondLst>
-                                            <p:cond delay="0"/>
-                                          </p:stCondLst>
-                                        </p:cTn>
-                                        <p:tgtEl>
-                                          <p:spTgt spid="168">
-                                            <p:txEl>
-                                              <p:pRg st="6" end="6"/>
-                                            </p:txEl>
-                                          </p:spTgt>
-                                        </p:tgtEl>
-                                        <p:attrNameLst>
-                                          <p:attrName>style.visibility</p:attrName>
-                                        </p:attrNameLst>
-                                      </p:cBhvr>
-                                      <p:to>
-                                        <p:strVal val="visible"/>
-                                      </p:to>
-                                    </p:set>
-                                    <p:animEffect transition="in" filter="fade">
-                                      <p:cBhvr>
-                                        <p:cTn id="23" dur="500"/>
-                                        <p:tgtEl>
-                                          <p:spTgt spid="168">
-                                            <p:txEl>
-                                              <p:pRg st="6" end="6"/>
-                                            </p:txEl>
-                                          </p:spTgt>
-                                        </p:tgtEl>
-                                      </p:cBhvr>
-                                    </p:animEffect>
-                                  </p:childTnLst>
-                                </p:cTn>
-                              </p:par>
-                              <p:par>
-                                <p:cTn id="24" presetID="10" presetClass="entr" presetSubtype="0" fill="hold" grpId="0" nodeType="withEffect">
-                                  <p:stCondLst>
-                                    <p:cond delay="0"/>
-                                  </p:stCondLst>
-                                  <p:childTnLst>
-                                    <p:set>
-                                      <p:cBhvr>
-                                        <p:cTn id="25" dur="1" fill="hold">
-                                          <p:stCondLst>
-                                            <p:cond delay="0"/>
-                                          </p:stCondLst>
-                                        </p:cTn>
-                                        <p:tgtEl>
-                                          <p:spTgt spid="168">
-                                            <p:txEl>
-                                              <p:pRg st="7" end="7"/>
-                                            </p:txEl>
-                                          </p:spTgt>
-                                        </p:tgtEl>
-                                        <p:attrNameLst>
-                                          <p:attrName>style.visibility</p:attrName>
-                                        </p:attrNameLst>
-                                      </p:cBhvr>
-                                      <p:to>
-                                        <p:strVal val="visible"/>
-                                      </p:to>
-                                    </p:set>
-                                    <p:animEffect transition="in" filter="fade">
-                                      <p:cBhvr>
-                                        <p:cTn id="26" dur="500"/>
-                                        <p:tgtEl>
-                                          <p:spTgt spid="168">
-                                            <p:txEl>
-                                              <p:pRg st="7" end="7"/>
-                                            </p:txEl>
-                                          </p:spTgt>
+                                          <p:spTgt spid="5"/>
                                         </p:tgtEl>
                                       </p:cBhvr>
                                     </p:animEffect>
@@ -7938,6 +9237,7 @@
     </p:tnLst>
     <p:bldLst>
       <p:bldP spid="168" grpId="0" build="p"/>
+      <p:bldP spid="5" grpId="0"/>
     </p:bldLst>
   </p:timing>
 </p:sld>
@@ -8006,8 +9306,8 @@
         </p:nvSpPr>
         <p:spPr>
           <a:xfrm>
-            <a:off x="457200" y="765717"/>
-            <a:ext cx="8229600" cy="4160133"/>
+            <a:off x="4114800" y="765717"/>
+            <a:ext cx="4876800" cy="4160133"/>
           </a:xfrm>
           <a:prstGeom prst="rect">
             <a:avLst/>
@@ -8065,6 +9365,53 @@
           </a:p>
         </p:txBody>
       </p:sp>
+      <p:pic>
+        <p:nvPicPr>
+          <p:cNvPr id="11268" name="Picture 4" descr="Image result for optional in java 8 + funny">
+            <a:extLst>
+              <a:ext uri="{FF2B5EF4-FFF2-40B4-BE49-F238E27FC236}">
+                <a16:creationId xmlns:a16="http://schemas.microsoft.com/office/drawing/2014/main" id="{1B598796-8362-4A74-AAC7-D6CB36EB3B34}"/>
+              </a:ext>
+            </a:extLst>
+          </p:cNvPr>
+          <p:cNvPicPr>
+            <a:picLocks noChangeAspect="1" noChangeArrowheads="1"/>
+          </p:cNvPicPr>
+          <p:nvPr/>
+        </p:nvPicPr>
+        <p:blipFill>
+          <a:blip r:embed="rId3">
+            <a:extLst>
+              <a:ext uri="{28A0092B-C50C-407E-A947-70E740481C1C}">
+                <a14:useLocalDpi xmlns:a14="http://schemas.microsoft.com/office/drawing/2010/main" val="0"/>
+              </a:ext>
+            </a:extLst>
+          </a:blip>
+          <a:srcRect/>
+          <a:stretch>
+            <a:fillRect/>
+          </a:stretch>
+        </p:blipFill>
+        <p:spPr bwMode="auto">
+          <a:xfrm>
+            <a:off x="762000" y="971550"/>
+            <a:ext cx="3224585" cy="3657600"/>
+          </a:xfrm>
+          <a:prstGeom prst="rect">
+            <a:avLst/>
+          </a:prstGeom>
+          <a:noFill/>
+          <a:extLst>
+            <a:ext uri="{909E8E84-426E-40DD-AFC4-6F175D3DCCD1}">
+              <a14:hiddenFill xmlns:a14="http://schemas.microsoft.com/office/drawing/2010/main">
+                <a:solidFill>
+                  <a:srgbClr val="FFFFFF"/>
+                </a:solidFill>
+              </a14:hiddenFill>
+            </a:ext>
+          </a:extLst>
+        </p:spPr>
+      </p:pic>
     </p:spTree>
     <p:extLst>
       <p:ext uri="{BB962C8B-B14F-4D97-AF65-F5344CB8AC3E}">
@@ -8281,7 +9628,7 @@
             <a:pPr lvl="0"/>
             <a:r>
               <a:rPr lang="en-US" dirty="0"/>
-              <a:t>Exception handling with Try</a:t>
+              <a:t>Exception handling functional way</a:t>
             </a:r>
             <a:endParaRPr lang="en" dirty="0"/>
           </a:p>
@@ -8299,8 +9646,8 @@
         </p:nvSpPr>
         <p:spPr>
           <a:xfrm>
-            <a:off x="457200" y="765717"/>
-            <a:ext cx="8229600" cy="4160133"/>
+            <a:off x="487200" y="3216495"/>
+            <a:ext cx="8229600" cy="1220646"/>
           </a:xfrm>
           <a:prstGeom prst="rect">
             <a:avLst/>
@@ -8321,7 +9668,7 @@
             </a:pPr>
             <a:r>
               <a:rPr lang="en-US" sz="2400" dirty="0"/>
-              <a:t>The purpose of the class is to provide a type-level solution for representing exception values instead of (playing!) </a:t>
+              <a:t>The purpose of the Try class is to provide a type-level solution for representing exception values instead of (playing!) </a:t>
             </a:r>
             <a:r>
               <a:rPr lang="en-US" sz="2400" i="1" u="sng" dirty="0"/>
@@ -8340,18 +9687,291 @@
               <a:t>.</a:t>
             </a:r>
           </a:p>
+        </p:txBody>
+      </p:sp>
+      <p:pic>
+        <p:nvPicPr>
+          <p:cNvPr id="2" name="Picture 1">
+            <a:extLst>
+              <a:ext uri="{FF2B5EF4-FFF2-40B4-BE49-F238E27FC236}">
+                <a16:creationId xmlns:a16="http://schemas.microsoft.com/office/drawing/2014/main" id="{391424F3-C062-4806-BCE4-7C4B946C8770}"/>
+              </a:ext>
+            </a:extLst>
+          </p:cNvPr>
+          <p:cNvPicPr>
+            <a:picLocks noChangeAspect="1"/>
+          </p:cNvPicPr>
+          <p:nvPr/>
+        </p:nvPicPr>
+        <p:blipFill>
+          <a:blip r:embed="rId3"/>
+          <a:stretch>
+            <a:fillRect/>
+          </a:stretch>
+        </p:blipFill>
+        <p:spPr>
+          <a:xfrm>
+            <a:off x="5029200" y="862200"/>
+            <a:ext cx="3209925" cy="952500"/>
+          </a:xfrm>
+          <a:prstGeom prst="rect">
+            <a:avLst/>
+          </a:prstGeom>
+        </p:spPr>
+      </p:pic>
+      <p:sp>
+        <p:nvSpPr>
+          <p:cNvPr id="5" name="Shape 168">
+            <a:extLst>
+              <a:ext uri="{FF2B5EF4-FFF2-40B4-BE49-F238E27FC236}">
+                <a16:creationId xmlns:a16="http://schemas.microsoft.com/office/drawing/2014/main" id="{2002AAEE-D243-4E3C-AD57-DABE46F01798}"/>
+              </a:ext>
+            </a:extLst>
+          </p:cNvPr>
+          <p:cNvSpPr txBox="1">
+            <a:spLocks/>
+          </p:cNvSpPr>
+          <p:nvPr/>
+        </p:nvSpPr>
+        <p:spPr>
+          <a:xfrm>
+            <a:off x="487200" y="4476750"/>
+            <a:ext cx="8229600" cy="595200"/>
+          </a:xfrm>
+          <a:prstGeom prst="rect">
+            <a:avLst/>
+          </a:prstGeom>
+          <a:noFill/>
+          <a:ln>
+            <a:noFill/>
+          </a:ln>
+        </p:spPr>
+        <p:txBody>
+          <a:bodyPr lIns="91425" tIns="91425" rIns="91425" bIns="91425" anchor="t" anchorCtr="0">
+            <a:noAutofit/>
+          </a:bodyPr>
+          <a:lstStyle>
+            <a:defPPr marR="0" algn="l" rtl="0">
+              <a:lnSpc>
+                <a:spcPct val="100000"/>
+              </a:lnSpc>
+              <a:spcBef>
+                <a:spcPts val="0"/>
+              </a:spcBef>
+              <a:spcAft>
+                <a:spcPts val="0"/>
+              </a:spcAft>
+            </a:defPPr>
+            <a:lvl1pPr marR="0" algn="l" rtl="0">
+              <a:lnSpc>
+                <a:spcPct val="100000"/>
+              </a:lnSpc>
+              <a:spcBef>
+                <a:spcPts val="0"/>
+              </a:spcBef>
+              <a:spcAft>
+                <a:spcPts val="0"/>
+              </a:spcAft>
+              <a:buSzPct val="100000"/>
+              <a:buNone/>
+              <a:defRPr sz="3000" b="0" i="0" u="none" strike="noStrike" cap="none" baseline="0">
+                <a:solidFill>
+                  <a:srgbClr val="000000"/>
+                </a:solidFill>
+                <a:latin typeface="Arial"/>
+                <a:ea typeface="Arial"/>
+                <a:cs typeface="Arial"/>
+                <a:sym typeface="Arial"/>
+                <a:rtl val="0"/>
+              </a:defRPr>
+            </a:lvl1pPr>
+            <a:lvl2pPr marR="0" algn="l" rtl="0">
+              <a:lnSpc>
+                <a:spcPct val="100000"/>
+              </a:lnSpc>
+              <a:spcBef>
+                <a:spcPts val="0"/>
+              </a:spcBef>
+              <a:spcAft>
+                <a:spcPts val="0"/>
+              </a:spcAft>
+              <a:buSzPct val="100000"/>
+              <a:buNone/>
+              <a:defRPr sz="2400" b="0" i="0" u="none" strike="noStrike" cap="none" baseline="0">
+                <a:solidFill>
+                  <a:srgbClr val="000000"/>
+                </a:solidFill>
+                <a:latin typeface="Arial"/>
+                <a:ea typeface="Arial"/>
+                <a:cs typeface="Arial"/>
+                <a:sym typeface="Arial"/>
+                <a:rtl val="0"/>
+              </a:defRPr>
+            </a:lvl2pPr>
+            <a:lvl3pPr marR="0" algn="l" rtl="0">
+              <a:lnSpc>
+                <a:spcPct val="100000"/>
+              </a:lnSpc>
+              <a:spcBef>
+                <a:spcPts val="0"/>
+              </a:spcBef>
+              <a:spcAft>
+                <a:spcPts val="0"/>
+              </a:spcAft>
+              <a:buSzPct val="100000"/>
+              <a:buNone/>
+              <a:defRPr sz="2400" b="0" i="0" u="none" strike="noStrike" cap="none" baseline="0">
+                <a:solidFill>
+                  <a:srgbClr val="000000"/>
+                </a:solidFill>
+                <a:latin typeface="Arial"/>
+                <a:ea typeface="Arial"/>
+                <a:cs typeface="Arial"/>
+                <a:sym typeface="Arial"/>
+                <a:rtl val="0"/>
+              </a:defRPr>
+            </a:lvl3pPr>
+            <a:lvl4pPr marR="0" algn="l" rtl="0">
+              <a:lnSpc>
+                <a:spcPct val="100000"/>
+              </a:lnSpc>
+              <a:spcBef>
+                <a:spcPts val="0"/>
+              </a:spcBef>
+              <a:spcAft>
+                <a:spcPts val="0"/>
+              </a:spcAft>
+              <a:buSzPct val="100000"/>
+              <a:buNone/>
+              <a:defRPr sz="1800" b="0" i="0" u="none" strike="noStrike" cap="none" baseline="0">
+                <a:solidFill>
+                  <a:srgbClr val="000000"/>
+                </a:solidFill>
+                <a:latin typeface="Arial"/>
+                <a:ea typeface="Arial"/>
+                <a:cs typeface="Arial"/>
+                <a:sym typeface="Arial"/>
+                <a:rtl val="0"/>
+              </a:defRPr>
+            </a:lvl4pPr>
+            <a:lvl5pPr marR="0" algn="l" rtl="0">
+              <a:lnSpc>
+                <a:spcPct val="100000"/>
+              </a:lnSpc>
+              <a:spcBef>
+                <a:spcPts val="0"/>
+              </a:spcBef>
+              <a:spcAft>
+                <a:spcPts val="0"/>
+              </a:spcAft>
+              <a:buSzPct val="100000"/>
+              <a:buNone/>
+              <a:defRPr sz="1800" b="0" i="0" u="none" strike="noStrike" cap="none" baseline="0">
+                <a:solidFill>
+                  <a:srgbClr val="000000"/>
+                </a:solidFill>
+                <a:latin typeface="Arial"/>
+                <a:ea typeface="Arial"/>
+                <a:cs typeface="Arial"/>
+                <a:sym typeface="Arial"/>
+                <a:rtl val="0"/>
+              </a:defRPr>
+            </a:lvl5pPr>
+            <a:lvl6pPr marR="0" algn="l" rtl="0">
+              <a:lnSpc>
+                <a:spcPct val="100000"/>
+              </a:lnSpc>
+              <a:spcBef>
+                <a:spcPts val="0"/>
+              </a:spcBef>
+              <a:spcAft>
+                <a:spcPts val="0"/>
+              </a:spcAft>
+              <a:buSzPct val="100000"/>
+              <a:buNone/>
+              <a:defRPr sz="1800" b="0" i="0" u="none" strike="noStrike" cap="none" baseline="0">
+                <a:solidFill>
+                  <a:srgbClr val="000000"/>
+                </a:solidFill>
+                <a:latin typeface="Arial"/>
+                <a:ea typeface="Arial"/>
+                <a:cs typeface="Arial"/>
+                <a:sym typeface="Arial"/>
+                <a:rtl val="0"/>
+              </a:defRPr>
+            </a:lvl6pPr>
+            <a:lvl7pPr marR="0" algn="l" rtl="0">
+              <a:lnSpc>
+                <a:spcPct val="100000"/>
+              </a:lnSpc>
+              <a:spcBef>
+                <a:spcPts val="0"/>
+              </a:spcBef>
+              <a:spcAft>
+                <a:spcPts val="0"/>
+              </a:spcAft>
+              <a:buSzPct val="100000"/>
+              <a:buNone/>
+              <a:defRPr sz="1800" b="0" i="0" u="none" strike="noStrike" cap="none" baseline="0">
+                <a:solidFill>
+                  <a:srgbClr val="000000"/>
+                </a:solidFill>
+                <a:latin typeface="Arial"/>
+                <a:ea typeface="Arial"/>
+                <a:cs typeface="Arial"/>
+                <a:sym typeface="Arial"/>
+                <a:rtl val="0"/>
+              </a:defRPr>
+            </a:lvl7pPr>
+            <a:lvl8pPr marR="0" algn="l" rtl="0">
+              <a:lnSpc>
+                <a:spcPct val="100000"/>
+              </a:lnSpc>
+              <a:spcBef>
+                <a:spcPts val="0"/>
+              </a:spcBef>
+              <a:spcAft>
+                <a:spcPts val="0"/>
+              </a:spcAft>
+              <a:buSzPct val="100000"/>
+              <a:buNone/>
+              <a:defRPr sz="1800" b="0" i="0" u="none" strike="noStrike" cap="none" baseline="0">
+                <a:solidFill>
+                  <a:srgbClr val="000000"/>
+                </a:solidFill>
+                <a:latin typeface="Arial"/>
+                <a:ea typeface="Arial"/>
+                <a:cs typeface="Arial"/>
+                <a:sym typeface="Arial"/>
+                <a:rtl val="0"/>
+              </a:defRPr>
+            </a:lvl8pPr>
+            <a:lvl9pPr marR="0" algn="l" rtl="0">
+              <a:lnSpc>
+                <a:spcPct val="100000"/>
+              </a:lnSpc>
+              <a:spcBef>
+                <a:spcPts val="0"/>
+              </a:spcBef>
+              <a:spcAft>
+                <a:spcPts val="0"/>
+              </a:spcAft>
+              <a:buSzPct val="100000"/>
+              <a:buNone/>
+              <a:defRPr sz="1800" b="0" i="0" u="none" strike="noStrike" cap="none" baseline="0">
+                <a:solidFill>
+                  <a:srgbClr val="000000"/>
+                </a:solidFill>
+                <a:latin typeface="Arial"/>
+                <a:ea typeface="Arial"/>
+                <a:cs typeface="Arial"/>
+                <a:sym typeface="Arial"/>
+                <a:rtl val="0"/>
+              </a:defRPr>
+            </a:lvl9pPr>
+          </a:lstStyle>
           <a:p>
-            <a:pPr marL="457200" lvl="0" indent="-419100">
-              <a:buClr>
-                <a:srgbClr val="000000"/>
-              </a:buClr>
-              <a:buFont typeface="Arial"/>
-              <a:buChar char="●"/>
-            </a:pPr>
-            <a:endParaRPr lang="en-US" sz="2400" dirty="0"/>
-          </a:p>
-          <a:p>
-            <a:pPr marL="457200" lvl="0" indent="-419100">
+            <a:pPr marL="457200" indent="-419100">
               <a:buClr>
                 <a:srgbClr val="000000"/>
               </a:buClr>
@@ -8366,6 +9986,36 @@
           </a:p>
         </p:txBody>
       </p:sp>
+      <p:pic>
+        <p:nvPicPr>
+          <p:cNvPr id="3" name="Picture 2">
+            <a:extLst>
+              <a:ext uri="{FF2B5EF4-FFF2-40B4-BE49-F238E27FC236}">
+                <a16:creationId xmlns:a16="http://schemas.microsoft.com/office/drawing/2014/main" id="{04AC65EF-9E30-4267-8463-D509D2F380A5}"/>
+              </a:ext>
+            </a:extLst>
+          </p:cNvPr>
+          <p:cNvPicPr>
+            <a:picLocks noChangeAspect="1"/>
+          </p:cNvPicPr>
+          <p:nvPr/>
+        </p:nvPicPr>
+        <p:blipFill>
+          <a:blip r:embed="rId4"/>
+          <a:stretch>
+            <a:fillRect/>
+          </a:stretch>
+        </p:blipFill>
+        <p:spPr>
+          <a:xfrm>
+            <a:off x="838200" y="845820"/>
+            <a:ext cx="3301272" cy="2121507"/>
+          </a:xfrm>
+          <a:prstGeom prst="rect">
+            <a:avLst/>
+          </a:prstGeom>
+        </p:spPr>
+      </p:pic>
     </p:spTree>
     <p:extLst>
       <p:ext uri="{BB962C8B-B14F-4D97-AF65-F5344CB8AC3E}">
@@ -8400,7 +10050,7 @@
                             </p:stCondLst>
                             <p:childTnLst>
                               <p:par>
-                                <p:cTn id="5" presetID="10" presetClass="entr" presetSubtype="0" fill="hold" grpId="0" nodeType="clickEffect">
+                                <p:cTn id="5" presetID="10" presetClass="entr" presetSubtype="0" fill="hold" nodeType="clickEffect">
                                   <p:stCondLst>
                                     <p:cond delay="0"/>
                                   </p:stCondLst>
@@ -8413,11 +10063,7 @@
                                           </p:stCondLst>
                                         </p:cTn>
                                         <p:tgtEl>
-                                          <p:spTgt spid="168">
-                                            <p:txEl>
-                                              <p:pRg st="0" end="0"/>
-                                            </p:txEl>
-                                          </p:spTgt>
+                                          <p:spTgt spid="3"/>
                                         </p:tgtEl>
                                         <p:attrNameLst>
                                           <p:attrName>style.visibility</p:attrName>
@@ -8431,11 +10077,7 @@
                                       <p:cBhvr>
                                         <p:cTn id="7" dur="500"/>
                                         <p:tgtEl>
-                                          <p:spTgt spid="168">
-                                            <p:txEl>
-                                              <p:pRg st="0" end="0"/>
-                                            </p:txEl>
-                                          </p:spTgt>
+                                          <p:spTgt spid="3"/>
                                         </p:tgtEl>
                                       </p:cBhvr>
                                     </p:animEffect>
@@ -8461,7 +10103,7 @@
                             </p:stCondLst>
                             <p:childTnLst>
                               <p:par>
-                                <p:cTn id="10" presetID="10" presetClass="entr" presetSubtype="0" fill="hold" grpId="0" nodeType="clickEffect">
+                                <p:cTn id="10" presetID="10" presetClass="entr" presetSubtype="0" fill="hold" nodeType="clickEffect">
                                   <p:stCondLst>
                                     <p:cond delay="0"/>
                                   </p:stCondLst>
@@ -8474,9 +10116,62 @@
                                           </p:stCondLst>
                                         </p:cTn>
                                         <p:tgtEl>
+                                          <p:spTgt spid="2"/>
+                                        </p:tgtEl>
+                                        <p:attrNameLst>
+                                          <p:attrName>style.visibility</p:attrName>
+                                        </p:attrNameLst>
+                                      </p:cBhvr>
+                                      <p:to>
+                                        <p:strVal val="visible"/>
+                                      </p:to>
+                                    </p:set>
+                                    <p:animEffect transition="in" filter="fade">
+                                      <p:cBhvr>
+                                        <p:cTn id="12" dur="500"/>
+                                        <p:tgtEl>
+                                          <p:spTgt spid="2"/>
+                                        </p:tgtEl>
+                                      </p:cBhvr>
+                                    </p:animEffect>
+                                  </p:childTnLst>
+                                </p:cTn>
+                              </p:par>
+                            </p:childTnLst>
+                          </p:cTn>
+                        </p:par>
+                      </p:childTnLst>
+                    </p:cTn>
+                  </p:par>
+                  <p:par>
+                    <p:cTn id="13" fill="hold">
+                      <p:stCondLst>
+                        <p:cond delay="indefinite"/>
+                      </p:stCondLst>
+                      <p:childTnLst>
+                        <p:par>
+                          <p:cTn id="14" fill="hold">
+                            <p:stCondLst>
+                              <p:cond delay="0"/>
+                            </p:stCondLst>
+                            <p:childTnLst>
+                              <p:par>
+                                <p:cTn id="15" presetID="10" presetClass="entr" presetSubtype="0" fill="hold" grpId="0" nodeType="clickEffect">
+                                  <p:stCondLst>
+                                    <p:cond delay="0"/>
+                                  </p:stCondLst>
+                                  <p:childTnLst>
+                                    <p:set>
+                                      <p:cBhvr>
+                                        <p:cTn id="16" dur="1" fill="hold">
+                                          <p:stCondLst>
+                                            <p:cond delay="0"/>
+                                          </p:stCondLst>
+                                        </p:cTn>
+                                        <p:tgtEl>
                                           <p:spTgt spid="168">
                                             <p:txEl>
-                                              <p:pRg st="2" end="2"/>
+                                              <p:pRg st="0" end="0"/>
                                             </p:txEl>
                                           </p:spTgt>
                                         </p:tgtEl>
@@ -8490,13 +10185,66 @@
                                     </p:set>
                                     <p:animEffect transition="in" filter="fade">
                                       <p:cBhvr>
-                                        <p:cTn id="12" dur="500"/>
+                                        <p:cTn id="17" dur="500"/>
                                         <p:tgtEl>
                                           <p:spTgt spid="168">
                                             <p:txEl>
-                                              <p:pRg st="2" end="2"/>
+                                              <p:pRg st="0" end="0"/>
                                             </p:txEl>
                                           </p:spTgt>
+                                        </p:tgtEl>
+                                      </p:cBhvr>
+                                    </p:animEffect>
+                                  </p:childTnLst>
+                                </p:cTn>
+                              </p:par>
+                            </p:childTnLst>
+                          </p:cTn>
+                        </p:par>
+                      </p:childTnLst>
+                    </p:cTn>
+                  </p:par>
+                  <p:par>
+                    <p:cTn id="18" fill="hold">
+                      <p:stCondLst>
+                        <p:cond delay="indefinite"/>
+                      </p:stCondLst>
+                      <p:childTnLst>
+                        <p:par>
+                          <p:cTn id="19" fill="hold">
+                            <p:stCondLst>
+                              <p:cond delay="0"/>
+                            </p:stCondLst>
+                            <p:childTnLst>
+                              <p:par>
+                                <p:cTn id="20" presetID="10" presetClass="entr" presetSubtype="0" fill="hold" grpId="0" nodeType="clickEffect">
+                                  <p:stCondLst>
+                                    <p:cond delay="0"/>
+                                  </p:stCondLst>
+                                  <p:childTnLst>
+                                    <p:set>
+                                      <p:cBhvr>
+                                        <p:cTn id="21" dur="1" fill="hold">
+                                          <p:stCondLst>
+                                            <p:cond delay="0"/>
+                                          </p:stCondLst>
+                                        </p:cTn>
+                                        <p:tgtEl>
+                                          <p:spTgt spid="5"/>
+                                        </p:tgtEl>
+                                        <p:attrNameLst>
+                                          <p:attrName>style.visibility</p:attrName>
+                                        </p:attrNameLst>
+                                      </p:cBhvr>
+                                      <p:to>
+                                        <p:strVal val="visible"/>
+                                      </p:to>
+                                    </p:set>
+                                    <p:animEffect transition="in" filter="fade">
+                                      <p:cBhvr>
+                                        <p:cTn id="22" dur="500"/>
+                                        <p:tgtEl>
+                                          <p:spTgt spid="5"/>
                                         </p:tgtEl>
                                       </p:cBhvr>
                                     </p:animEffect>
@@ -8532,6 +10280,7 @@
     </p:tnLst>
     <p:bldLst>
       <p:bldP spid="168" grpId="0" build="p"/>
+      <p:bldP spid="5" grpId="0"/>
     </p:bldLst>
   </p:timing>
 </p:sld>
@@ -8582,7 +10331,121 @@
             <a:pPr lvl="0"/>
             <a:r>
               <a:rPr lang="en-US" dirty="0"/>
-              <a:t>Function Composition &amp; Currying</a:t>
+              <a:t>Function Composition</a:t>
+            </a:r>
+            <a:endParaRPr lang="en" dirty="0"/>
+          </a:p>
+        </p:txBody>
+      </p:sp>
+      <p:pic>
+        <p:nvPicPr>
+          <p:cNvPr id="13316" name="Picture 4" descr="Image result for function composition in functional programming">
+            <a:extLst>
+              <a:ext uri="{FF2B5EF4-FFF2-40B4-BE49-F238E27FC236}">
+                <a16:creationId xmlns:a16="http://schemas.microsoft.com/office/drawing/2014/main" id="{8A6AB4C6-D77A-442D-B23E-0BDA77210E15}"/>
+              </a:ext>
+            </a:extLst>
+          </p:cNvPr>
+          <p:cNvPicPr>
+            <a:picLocks noChangeAspect="1" noChangeArrowheads="1"/>
+          </p:cNvPicPr>
+          <p:nvPr/>
+        </p:nvPicPr>
+        <p:blipFill>
+          <a:blip r:embed="rId3">
+            <a:extLst>
+              <a:ext uri="{28A0092B-C50C-407E-A947-70E740481C1C}">
+                <a14:useLocalDpi xmlns:a14="http://schemas.microsoft.com/office/drawing/2010/main" val="0"/>
+              </a:ext>
+            </a:extLst>
+          </a:blip>
+          <a:srcRect/>
+          <a:stretch>
+            <a:fillRect/>
+          </a:stretch>
+        </p:blipFill>
+        <p:spPr bwMode="auto">
+          <a:xfrm>
+            <a:off x="609600" y="765716"/>
+            <a:ext cx="3962400" cy="4220307"/>
+          </a:xfrm>
+          <a:prstGeom prst="rect">
+            <a:avLst/>
+          </a:prstGeom>
+          <a:noFill/>
+          <a:extLst>
+            <a:ext uri="{909E8E84-426E-40DD-AFC4-6F175D3DCCD1}">
+              <a14:hiddenFill xmlns:a14="http://schemas.microsoft.com/office/drawing/2010/main">
+                <a:solidFill>
+                  <a:srgbClr val="FFFFFF"/>
+                </a:solidFill>
+              </a14:hiddenFill>
+            </a:ext>
+          </a:extLst>
+        </p:spPr>
+      </p:pic>
+    </p:spTree>
+    <p:extLst>
+      <p:ext uri="{BB962C8B-B14F-4D97-AF65-F5344CB8AC3E}">
+        <p14:creationId xmlns:p14="http://schemas.microsoft.com/office/powerpoint/2010/main" val="1243314361"/>
+      </p:ext>
+    </p:extLst>
+  </p:cSld>
+  <p:clrMapOvr>
+    <a:masterClrMapping/>
+  </p:clrMapOvr>
+  <p:transition spd="slow">
+    <p:cut/>
+  </p:transition>
+</p:sld>
+</file>
+
+<file path=ppt/slides/slide18.xml><?xml version="1.0" encoding="utf-8"?>
+<p:sld xmlns:a="http://schemas.openxmlformats.org/drawingml/2006/main" xmlns:r="http://schemas.openxmlformats.org/officeDocument/2006/relationships" xmlns:p="http://schemas.openxmlformats.org/presentationml/2006/main">
+  <p:cSld>
+    <p:spTree>
+      <p:nvGrpSpPr>
+        <p:cNvPr id="1" name="Shape 166"/>
+        <p:cNvGrpSpPr/>
+        <p:nvPr/>
+      </p:nvGrpSpPr>
+      <p:grpSpPr>
+        <a:xfrm>
+          <a:off x="0" y="0"/>
+          <a:ext cx="0" cy="0"/>
+          <a:chOff x="0" y="0"/>
+          <a:chExt cx="0" cy="0"/>
+        </a:xfrm>
+      </p:grpSpPr>
+      <p:sp>
+        <p:nvSpPr>
+          <p:cNvPr id="167" name="Shape 167"/>
+          <p:cNvSpPr txBox="1">
+            <a:spLocks noGrp="1"/>
+          </p:cNvSpPr>
+          <p:nvPr>
+            <p:ph type="title"/>
+          </p:nvPr>
+        </p:nvSpPr>
+        <p:spPr>
+          <a:xfrm>
+            <a:off x="487200" y="133350"/>
+            <a:ext cx="8229600" cy="632367"/>
+          </a:xfrm>
+          <a:prstGeom prst="rect">
+            <a:avLst/>
+          </a:prstGeom>
+        </p:spPr>
+        <p:txBody>
+          <a:bodyPr lIns="91425" tIns="91425" rIns="91425" bIns="91425" anchor="b" anchorCtr="0">
+            <a:noAutofit/>
+          </a:bodyPr>
+          <a:lstStyle/>
+          <a:p>
+            <a:pPr lvl="0"/>
+            <a:r>
+              <a:rPr lang="en-US" dirty="0"/>
+              <a:t>Function Currying</a:t>
             </a:r>
             <a:endParaRPr lang="en" dirty="0"/>
           </a:p>
@@ -8601,7 +10464,7 @@
         <p:spPr>
           <a:xfrm>
             <a:off x="457200" y="765717"/>
-            <a:ext cx="8229600" cy="4160133"/>
+            <a:ext cx="4191000" cy="4168233"/>
           </a:xfrm>
           <a:prstGeom prst="rect">
             <a:avLst/>
@@ -8621,10 +10484,13 @@
               <a:buChar char="●"/>
             </a:pPr>
             <a:r>
-              <a:rPr lang="en-US" sz="2800" dirty="0" err="1"/>
-              <a:t>FunctionCompositionExample</a:t>
+              <a:rPr lang="en-US" sz="2400" b="1" dirty="0"/>
+              <a:t>Currying</a:t>
             </a:r>
-            <a:endParaRPr lang="en-US" sz="2800" dirty="0"/>
+            <a:r>
+              <a:rPr lang="en-US" sz="2400" dirty="0"/>
+              <a:t> is the technique to break down a function that takes multiple arguments into a series of functions that take part of the arguments</a:t>
+            </a:r>
           </a:p>
           <a:p>
             <a:pPr marL="457200" lvl="0" indent="-419100">
@@ -8634,7 +10500,7 @@
               <a:buFont typeface="Arial"/>
               <a:buChar char="●"/>
             </a:pPr>
-            <a:endParaRPr lang="en-US" sz="2800" dirty="0"/>
+            <a:endParaRPr lang="en-US" sz="2400" dirty="0"/>
           </a:p>
           <a:p>
             <a:pPr marL="457200" lvl="0" indent="-419100">
@@ -8644,18 +10510,61 @@
               <a:buFont typeface="Arial"/>
               <a:buChar char="●"/>
             </a:pPr>
-            <a:r>
-              <a:rPr lang="en-US" sz="2800" dirty="0" err="1"/>
-              <a:t>CurryingExample</a:t>
-            </a:r>
-            <a:endParaRPr lang="en-US" sz="2000" dirty="0"/>
+            <a:endParaRPr lang="en-US" sz="1600" dirty="0"/>
           </a:p>
         </p:txBody>
       </p:sp>
+      <p:pic>
+        <p:nvPicPr>
+          <p:cNvPr id="13314" name="Picture 2" descr="Image result for currying in functional programming">
+            <a:extLst>
+              <a:ext uri="{FF2B5EF4-FFF2-40B4-BE49-F238E27FC236}">
+                <a16:creationId xmlns:a16="http://schemas.microsoft.com/office/drawing/2014/main" id="{9531F34E-D85E-4476-B8AA-C8ECCFE5E963}"/>
+              </a:ext>
+            </a:extLst>
+          </p:cNvPr>
+          <p:cNvPicPr>
+            <a:picLocks noChangeAspect="1" noChangeArrowheads="1"/>
+          </p:cNvPicPr>
+          <p:nvPr/>
+        </p:nvPicPr>
+        <p:blipFill>
+          <a:blip r:embed="rId3">
+            <a:extLst>
+              <a:ext uri="{28A0092B-C50C-407E-A947-70E740481C1C}">
+                <a14:useLocalDpi xmlns:a14="http://schemas.microsoft.com/office/drawing/2010/main" val="0"/>
+              </a:ext>
+            </a:extLst>
+          </a:blip>
+          <a:srcRect/>
+          <a:stretch>
+            <a:fillRect/>
+          </a:stretch>
+        </p:blipFill>
+        <p:spPr bwMode="auto">
+          <a:xfrm>
+            <a:off x="4783670" y="640244"/>
+            <a:ext cx="4342930" cy="4369906"/>
+          </a:xfrm>
+          <a:prstGeom prst="rect">
+            <a:avLst/>
+          </a:prstGeom>
+          <a:noFill/>
+          <a:extLst>
+            <a:ext uri="{909E8E84-426E-40DD-AFC4-6F175D3DCCD1}">
+              <a14:hiddenFill xmlns:a14="http://schemas.microsoft.com/office/drawing/2010/main">
+                <a:solidFill>
+                  <a:srgbClr val="FFFFFF"/>
+                </a:solidFill>
+              </a14:hiddenFill>
+            </a:ext>
+          </a:extLst>
+        </p:spPr>
+      </p:pic>
     </p:spTree>
     <p:extLst>
       <p:ext uri="{BB962C8B-B14F-4D97-AF65-F5344CB8AC3E}">
-        <p14:creationId xmlns:p14="http://schemas.microsoft.com/office/powerpoint/2010/main" val="1243314361"/>
+        <p14:creationId xmlns:p14="http://schemas.microsoft.com/office/powerpoint/2010/main" val="2976273573"/>
       </p:ext>
     </p:extLst>
   </p:cSld>
@@ -8668,7 +10577,7 @@
 </p:sld>
 </file>
 
-<file path=ppt/slides/slide18.xml><?xml version="1.0" encoding="utf-8"?>
+<file path=ppt/slides/slide19.xml><?xml version="1.0" encoding="utf-8"?>
 <p:sld xmlns:a="http://schemas.openxmlformats.org/drawingml/2006/main" xmlns:r="http://schemas.openxmlformats.org/officeDocument/2006/relationships" xmlns:p="http://schemas.openxmlformats.org/presentationml/2006/main">
   <p:cSld>
     <p:spTree>
@@ -8753,127 +10662,63 @@
             </a:pPr>
             <a:r>
               <a:rPr lang="en-US" sz="2800" dirty="0"/>
-              <a:t>Lazy Evaluation Example</a:t>
+              <a:t>Lazy evaluation is an evaluation strategy which delays the evaluation of expression until its value is needed.</a:t>
             </a:r>
             <a:endParaRPr lang="en-US" sz="2000" dirty="0"/>
           </a:p>
         </p:txBody>
       </p:sp>
+      <p:pic>
+        <p:nvPicPr>
+          <p:cNvPr id="14344" name="Picture 8" descr="Image result for lazy evaluation + funny">
+            <a:extLst>
+              <a:ext uri="{FF2B5EF4-FFF2-40B4-BE49-F238E27FC236}">
+                <a16:creationId xmlns:a16="http://schemas.microsoft.com/office/drawing/2014/main" id="{4701076D-B8CD-4ACA-97DB-296F321F20B9}"/>
+              </a:ext>
+            </a:extLst>
+          </p:cNvPr>
+          <p:cNvPicPr>
+            <a:picLocks noChangeAspect="1" noChangeArrowheads="1"/>
+          </p:cNvPicPr>
+          <p:nvPr/>
+        </p:nvPicPr>
+        <p:blipFill>
+          <a:blip r:embed="rId3">
+            <a:extLst>
+              <a:ext uri="{28A0092B-C50C-407E-A947-70E740481C1C}">
+                <a14:useLocalDpi xmlns:a14="http://schemas.microsoft.com/office/drawing/2010/main" val="0"/>
+              </a:ext>
+            </a:extLst>
+          </a:blip>
+          <a:srcRect/>
+          <a:stretch>
+            <a:fillRect/>
+          </a:stretch>
+        </p:blipFill>
+        <p:spPr bwMode="auto">
+          <a:xfrm>
+            <a:off x="4038600" y="1859100"/>
+            <a:ext cx="4114800" cy="3086100"/>
+          </a:xfrm>
+          <a:prstGeom prst="rect">
+            <a:avLst/>
+          </a:prstGeom>
+          <a:noFill/>
+          <a:extLst>
+            <a:ext uri="{909E8E84-426E-40DD-AFC4-6F175D3DCCD1}">
+              <a14:hiddenFill xmlns:a14="http://schemas.microsoft.com/office/drawing/2010/main">
+                <a:solidFill>
+                  <a:srgbClr val="FFFFFF"/>
+                </a:solidFill>
+              </a14:hiddenFill>
+            </a:ext>
+          </a:extLst>
+        </p:spPr>
+      </p:pic>
     </p:spTree>
     <p:extLst>
       <p:ext uri="{BB962C8B-B14F-4D97-AF65-F5344CB8AC3E}">
         <p14:creationId xmlns:p14="http://schemas.microsoft.com/office/powerpoint/2010/main" val="3130415562"/>
-      </p:ext>
-    </p:extLst>
-  </p:cSld>
-  <p:clrMapOvr>
-    <a:masterClrMapping/>
-  </p:clrMapOvr>
-  <p:transition spd="slow">
-    <p:cut/>
-  </p:transition>
-</p:sld>
-</file>
-
-<file path=ppt/slides/slide19.xml><?xml version="1.0" encoding="utf-8"?>
-<p:sld xmlns:a="http://schemas.openxmlformats.org/drawingml/2006/main" xmlns:r="http://schemas.openxmlformats.org/officeDocument/2006/relationships" xmlns:p="http://schemas.openxmlformats.org/presentationml/2006/main">
-  <p:cSld>
-    <p:spTree>
-      <p:nvGrpSpPr>
-        <p:cNvPr id="1" name="Shape 166"/>
-        <p:cNvGrpSpPr/>
-        <p:nvPr/>
-      </p:nvGrpSpPr>
-      <p:grpSpPr>
-        <a:xfrm>
-          <a:off x="0" y="0"/>
-          <a:ext cx="0" cy="0"/>
-          <a:chOff x="0" y="0"/>
-          <a:chExt cx="0" cy="0"/>
-        </a:xfrm>
-      </p:grpSpPr>
-      <p:sp>
-        <p:nvSpPr>
-          <p:cNvPr id="167" name="Shape 167"/>
-          <p:cNvSpPr txBox="1">
-            <a:spLocks noGrp="1"/>
-          </p:cNvSpPr>
-          <p:nvPr>
-            <p:ph type="title"/>
-          </p:nvPr>
-        </p:nvSpPr>
-        <p:spPr>
-          <a:xfrm>
-            <a:off x="487200" y="133350"/>
-            <a:ext cx="8229600" cy="632367"/>
-          </a:xfrm>
-          <a:prstGeom prst="rect">
-            <a:avLst/>
-          </a:prstGeom>
-        </p:spPr>
-        <p:txBody>
-          <a:bodyPr lIns="91425" tIns="91425" rIns="91425" bIns="91425" anchor="b" anchorCtr="0">
-            <a:noAutofit/>
-          </a:bodyPr>
-          <a:lstStyle/>
-          <a:p>
-            <a:pPr lvl="0" rtl="0">
-              <a:spcBef>
-                <a:spcPts val="0"/>
-              </a:spcBef>
-              <a:buNone/>
-            </a:pPr>
-            <a:r>
-              <a:rPr lang="en-US" dirty="0"/>
-              <a:t>Partial Function</a:t>
-            </a:r>
-            <a:endParaRPr lang="en" dirty="0"/>
-          </a:p>
-        </p:txBody>
-      </p:sp>
-      <p:sp>
-        <p:nvSpPr>
-          <p:cNvPr id="168" name="Shape 168"/>
-          <p:cNvSpPr txBox="1">
-            <a:spLocks noGrp="1"/>
-          </p:cNvSpPr>
-          <p:nvPr>
-            <p:ph type="body" idx="1"/>
-          </p:nvPr>
-        </p:nvSpPr>
-        <p:spPr>
-          <a:xfrm>
-            <a:off x="457200" y="765717"/>
-            <a:ext cx="8229600" cy="4160133"/>
-          </a:xfrm>
-          <a:prstGeom prst="rect">
-            <a:avLst/>
-          </a:prstGeom>
-        </p:spPr>
-        <p:txBody>
-          <a:bodyPr lIns="91425" tIns="91425" rIns="91425" bIns="91425" anchor="t" anchorCtr="0">
-            <a:noAutofit/>
-          </a:bodyPr>
-          <a:lstStyle/>
-          <a:p>
-            <a:pPr marL="457200" lvl="0" indent="-419100">
-              <a:buClr>
-                <a:srgbClr val="000000"/>
-              </a:buClr>
-              <a:buFont typeface="Arial"/>
-              <a:buChar char="●"/>
-            </a:pPr>
-            <a:r>
-              <a:rPr lang="en-US" sz="2400" dirty="0"/>
-              <a:t>Partial Function Example</a:t>
-            </a:r>
-          </a:p>
-        </p:txBody>
-      </p:sp>
-    </p:spTree>
-    <p:extLst>
-      <p:ext uri="{BB962C8B-B14F-4D97-AF65-F5344CB8AC3E}">
-        <p14:creationId xmlns:p14="http://schemas.microsoft.com/office/powerpoint/2010/main" val="2328765829"/>
       </p:ext>
     </p:extLst>
   </p:cSld>
@@ -9067,6 +10912,117 @@
 </file>
 
 <file path=ppt/slides/slide20.xml><?xml version="1.0" encoding="utf-8"?>
+<p:sld xmlns:a="http://schemas.openxmlformats.org/drawingml/2006/main" xmlns:r="http://schemas.openxmlformats.org/officeDocument/2006/relationships" xmlns:p="http://schemas.openxmlformats.org/presentationml/2006/main">
+  <p:cSld>
+    <p:spTree>
+      <p:nvGrpSpPr>
+        <p:cNvPr id="1" name="Shape 166"/>
+        <p:cNvGrpSpPr/>
+        <p:nvPr/>
+      </p:nvGrpSpPr>
+      <p:grpSpPr>
+        <a:xfrm>
+          <a:off x="0" y="0"/>
+          <a:ext cx="0" cy="0"/>
+          <a:chOff x="0" y="0"/>
+          <a:chExt cx="0" cy="0"/>
+        </a:xfrm>
+      </p:grpSpPr>
+      <p:sp>
+        <p:nvSpPr>
+          <p:cNvPr id="167" name="Shape 167"/>
+          <p:cNvSpPr txBox="1">
+            <a:spLocks noGrp="1"/>
+          </p:cNvSpPr>
+          <p:nvPr>
+            <p:ph type="title"/>
+          </p:nvPr>
+        </p:nvSpPr>
+        <p:spPr>
+          <a:xfrm>
+            <a:off x="487200" y="133350"/>
+            <a:ext cx="8229600" cy="632367"/>
+          </a:xfrm>
+          <a:prstGeom prst="rect">
+            <a:avLst/>
+          </a:prstGeom>
+        </p:spPr>
+        <p:txBody>
+          <a:bodyPr lIns="91425" tIns="91425" rIns="91425" bIns="91425" anchor="b" anchorCtr="0">
+            <a:noAutofit/>
+          </a:bodyPr>
+          <a:lstStyle/>
+          <a:p>
+            <a:pPr lvl="0" rtl="0">
+              <a:spcBef>
+                <a:spcPts val="0"/>
+              </a:spcBef>
+              <a:buNone/>
+            </a:pPr>
+            <a:r>
+              <a:rPr lang="en-US" dirty="0"/>
+              <a:t>Partial Function</a:t>
+            </a:r>
+            <a:endParaRPr lang="en" dirty="0"/>
+          </a:p>
+        </p:txBody>
+      </p:sp>
+      <p:sp>
+        <p:nvSpPr>
+          <p:cNvPr id="168" name="Shape 168"/>
+          <p:cNvSpPr txBox="1">
+            <a:spLocks noGrp="1"/>
+          </p:cNvSpPr>
+          <p:nvPr>
+            <p:ph type="body" idx="1"/>
+          </p:nvPr>
+        </p:nvSpPr>
+        <p:spPr>
+          <a:xfrm>
+            <a:off x="457200" y="765717"/>
+            <a:ext cx="8229600" cy="4160133"/>
+          </a:xfrm>
+          <a:prstGeom prst="rect">
+            <a:avLst/>
+          </a:prstGeom>
+        </p:spPr>
+        <p:txBody>
+          <a:bodyPr lIns="91425" tIns="91425" rIns="91425" bIns="91425" anchor="t" anchorCtr="0">
+            <a:noAutofit/>
+          </a:bodyPr>
+          <a:lstStyle/>
+          <a:p>
+            <a:pPr marL="457200" lvl="0" indent="-419100">
+              <a:buClr>
+                <a:srgbClr val="000000"/>
+              </a:buClr>
+              <a:buFont typeface="Arial"/>
+              <a:buChar char="●"/>
+            </a:pPr>
+            <a:r>
+              <a:rPr lang="en-US" sz="2400" dirty="0"/>
+              <a:t>Partial Function Example</a:t>
+            </a:r>
+          </a:p>
+        </p:txBody>
+      </p:sp>
+    </p:spTree>
+    <p:extLst>
+      <p:ext uri="{BB962C8B-B14F-4D97-AF65-F5344CB8AC3E}">
+        <p14:creationId xmlns:p14="http://schemas.microsoft.com/office/powerpoint/2010/main" val="2328765829"/>
+      </p:ext>
+    </p:extLst>
+  </p:cSld>
+  <p:clrMapOvr>
+    <a:masterClrMapping/>
+  </p:clrMapOvr>
+  <p:transition spd="slow">
+    <p:cut/>
+  </p:transition>
+</p:sld>
+</file>
+
+<file path=ppt/slides/slide21.xml><?xml version="1.0" encoding="utf-8"?>
 <p:sld xmlns:a="http://schemas.openxmlformats.org/drawingml/2006/main" xmlns:r="http://schemas.openxmlformats.org/officeDocument/2006/relationships" xmlns:p="http://schemas.openxmlformats.org/presentationml/2006/main">
   <p:cSld>
     <p:spTree>
@@ -9604,7 +11560,7 @@
 </p:sld>
 </file>
 
-<file path=ppt/slides/slide21.xml><?xml version="1.0" encoding="utf-8"?>
+<file path=ppt/slides/slide22.xml><?xml version="1.0" encoding="utf-8"?>
 <p:sld xmlns:a="http://schemas.openxmlformats.org/drawingml/2006/main" xmlns:r="http://schemas.openxmlformats.org/officeDocument/2006/relationships" xmlns:p="http://schemas.openxmlformats.org/presentationml/2006/main">
   <p:cSld>
     <p:spTree>
@@ -9656,12 +11612,74 @@
               <a:rPr lang="en-US" dirty="0"/>
               <a:t>Feedback &amp; Questions?</a:t>
             </a:r>
-            <a:br>
-              <a:rPr lang="en-US" dirty="0"/>
-            </a:br>
-            <a:br>
-              <a:rPr lang="en-US" dirty="0"/>
-            </a:br>
+            <a:endParaRPr lang="en" dirty="0"/>
+          </a:p>
+        </p:txBody>
+      </p:sp>
+    </p:spTree>
+    <p:extLst>
+      <p:ext uri="{BB962C8B-B14F-4D97-AF65-F5344CB8AC3E}">
+        <p14:creationId xmlns:p14="http://schemas.microsoft.com/office/powerpoint/2010/main" val="3094166285"/>
+      </p:ext>
+    </p:extLst>
+  </p:cSld>
+  <p:clrMapOvr>
+    <a:masterClrMapping/>
+  </p:clrMapOvr>
+  <p:transition spd="slow">
+    <p:cut/>
+  </p:transition>
+</p:sld>
+</file>
+
+<file path=ppt/slides/slide23.xml><?xml version="1.0" encoding="utf-8"?>
+<p:sld xmlns:a="http://schemas.openxmlformats.org/drawingml/2006/main" xmlns:r="http://schemas.openxmlformats.org/officeDocument/2006/relationships" xmlns:p="http://schemas.openxmlformats.org/presentationml/2006/main">
+  <p:cSld>
+    <p:spTree>
+      <p:nvGrpSpPr>
+        <p:cNvPr id="1" name="Shape 184"/>
+        <p:cNvGrpSpPr/>
+        <p:nvPr/>
+      </p:nvGrpSpPr>
+      <p:grpSpPr>
+        <a:xfrm>
+          <a:off x="0" y="0"/>
+          <a:ext cx="0" cy="0"/>
+          <a:chOff x="0" y="0"/>
+          <a:chExt cx="0" cy="0"/>
+        </a:xfrm>
+      </p:grpSpPr>
+      <p:sp>
+        <p:nvSpPr>
+          <p:cNvPr id="185" name="Shape 185"/>
+          <p:cNvSpPr txBox="1">
+            <a:spLocks noGrp="1"/>
+          </p:cNvSpPr>
+          <p:nvPr>
+            <p:ph type="title"/>
+          </p:nvPr>
+        </p:nvSpPr>
+        <p:spPr>
+          <a:xfrm>
+            <a:off x="457200" y="4171950"/>
+            <a:ext cx="8229600" cy="762000"/>
+          </a:xfrm>
+          <a:prstGeom prst="rect">
+            <a:avLst/>
+          </a:prstGeom>
+        </p:spPr>
+        <p:txBody>
+          <a:bodyPr lIns="91425" tIns="91425" rIns="91425" bIns="91425" anchor="ctr" anchorCtr="1">
+            <a:noAutofit/>
+          </a:bodyPr>
+          <a:lstStyle/>
+          <a:p>
+            <a:pPr algn="ctr">
+              <a:spcBef>
+                <a:spcPts val="0"/>
+              </a:spcBef>
+              <a:buNone/>
+            </a:pPr>
             <a:r>
               <a:rPr lang="en-US" dirty="0"/>
               <a:t>Let’s code!</a:t>
@@ -9670,10 +11688,57 @@
           </a:p>
         </p:txBody>
       </p:sp>
+      <p:pic>
+        <p:nvPicPr>
+          <p:cNvPr id="6146" name="Picture 2" descr="Image result for pure functional programming  + funny image">
+            <a:extLst>
+              <a:ext uri="{FF2B5EF4-FFF2-40B4-BE49-F238E27FC236}">
+                <a16:creationId xmlns:a16="http://schemas.microsoft.com/office/drawing/2014/main" id="{20D0E598-D2D1-49C7-AF70-B53D95392CE0}"/>
+              </a:ext>
+            </a:extLst>
+          </p:cNvPr>
+          <p:cNvPicPr>
+            <a:picLocks noChangeAspect="1" noChangeArrowheads="1"/>
+          </p:cNvPicPr>
+          <p:nvPr/>
+        </p:nvPicPr>
+        <p:blipFill>
+          <a:blip r:embed="rId3">
+            <a:extLst>
+              <a:ext uri="{28A0092B-C50C-407E-A947-70E740481C1C}">
+                <a14:useLocalDpi xmlns:a14="http://schemas.microsoft.com/office/drawing/2010/main" val="0"/>
+              </a:ext>
+            </a:extLst>
+          </a:blip>
+          <a:srcRect/>
+          <a:stretch>
+            <a:fillRect/>
+          </a:stretch>
+        </p:blipFill>
+        <p:spPr bwMode="auto">
+          <a:xfrm>
+            <a:off x="2667000" y="392700"/>
+            <a:ext cx="3693398" cy="3626850"/>
+          </a:xfrm>
+          <a:prstGeom prst="rect">
+            <a:avLst/>
+          </a:prstGeom>
+          <a:noFill/>
+          <a:extLst>
+            <a:ext uri="{909E8E84-426E-40DD-AFC4-6F175D3DCCD1}">
+              <a14:hiddenFill xmlns:a14="http://schemas.microsoft.com/office/drawing/2010/main">
+                <a:solidFill>
+                  <a:srgbClr val="FFFFFF"/>
+                </a:solidFill>
+              </a14:hiddenFill>
+            </a:ext>
+          </a:extLst>
+        </p:spPr>
+      </p:pic>
     </p:spTree>
     <p:extLst>
       <p:ext uri="{BB962C8B-B14F-4D97-AF65-F5344CB8AC3E}">
-        <p14:creationId xmlns:p14="http://schemas.microsoft.com/office/powerpoint/2010/main" val="3094166285"/>
+        <p14:creationId xmlns:p14="http://schemas.microsoft.com/office/powerpoint/2010/main" val="2721718747"/>
       </p:ext>
     </p:extLst>
   </p:cSld>
@@ -11166,6 +13231,53 @@
           </a:p>
         </p:txBody>
       </p:sp>
+      <p:pic>
+        <p:nvPicPr>
+          <p:cNvPr id="1026" name="Picture 2" descr="https://encrypted-tbn0.gstatic.com/images?q=tbn:ANd9GcQnP_Y8nsyxkZtSLbCESNlLz-MUaKG0wcVWss7sSw7xgzf_HvxeMw">
+            <a:extLst>
+              <a:ext uri="{FF2B5EF4-FFF2-40B4-BE49-F238E27FC236}">
+                <a16:creationId xmlns:a16="http://schemas.microsoft.com/office/drawing/2014/main" id="{A7F8916E-5D30-4713-9584-0CA7746375F5}"/>
+              </a:ext>
+            </a:extLst>
+          </p:cNvPr>
+          <p:cNvPicPr>
+            <a:picLocks noChangeAspect="1" noChangeArrowheads="1"/>
+          </p:cNvPicPr>
+          <p:nvPr/>
+        </p:nvPicPr>
+        <p:blipFill>
+          <a:blip r:embed="rId3">
+            <a:extLst>
+              <a:ext uri="{28A0092B-C50C-407E-A947-70E740481C1C}">
+                <a14:useLocalDpi xmlns:a14="http://schemas.microsoft.com/office/drawing/2010/main" val="0"/>
+              </a:ext>
+            </a:extLst>
+          </a:blip>
+          <a:srcRect/>
+          <a:stretch>
+            <a:fillRect/>
+          </a:stretch>
+        </p:blipFill>
+        <p:spPr bwMode="auto">
+          <a:xfrm>
+            <a:off x="6400800" y="2114550"/>
+            <a:ext cx="2451739" cy="1309723"/>
+          </a:xfrm>
+          <a:prstGeom prst="rect">
+            <a:avLst/>
+          </a:prstGeom>
+          <a:noFill/>
+          <a:extLst>
+            <a:ext uri="{909E8E84-426E-40DD-AFC4-6F175D3DCCD1}">
+              <a14:hiddenFill xmlns:a14="http://schemas.microsoft.com/office/drawing/2010/main">
+                <a:solidFill>
+                  <a:srgbClr val="FFFFFF"/>
+                </a:solidFill>
+              </a14:hiddenFill>
+            </a:ext>
+          </a:extLst>
+        </p:spPr>
+      </p:pic>
     </p:spTree>
     <p:extLst>
       <p:ext uri="{BB962C8B-B14F-4D97-AF65-F5344CB8AC3E}">
@@ -11697,7 +13809,7 @@
         <p:spPr>
           <a:xfrm>
             <a:off x="457200" y="765717"/>
-            <a:ext cx="8229600" cy="4160133"/>
+            <a:ext cx="8229600" cy="1348833"/>
           </a:xfrm>
           <a:prstGeom prst="rect">
             <a:avLst/>
@@ -11716,7 +13828,7 @@
             </a:pPr>
             <a:r>
               <a:rPr lang="en-US" sz="2800" dirty="0"/>
-              <a:t>Functional programming is:</a:t>
+              <a:t>Functional programming is </a:t>
             </a:r>
           </a:p>
           <a:p>
@@ -11732,18 +13844,302 @@
               <a:t>A programming paradigm: style of building computer programs</a:t>
             </a:r>
           </a:p>
+        </p:txBody>
+      </p:sp>
+      <p:pic>
+        <p:nvPicPr>
+          <p:cNvPr id="2" name="Picture 1">
+            <a:extLst>
+              <a:ext uri="{FF2B5EF4-FFF2-40B4-BE49-F238E27FC236}">
+                <a16:creationId xmlns:a16="http://schemas.microsoft.com/office/drawing/2014/main" id="{38524ABD-DDA7-4E07-AE03-9ADFEFE3DDE3}"/>
+              </a:ext>
+            </a:extLst>
+          </p:cNvPr>
+          <p:cNvPicPr>
+            <a:picLocks noChangeAspect="1"/>
+          </p:cNvPicPr>
+          <p:nvPr/>
+        </p:nvPicPr>
+        <p:blipFill>
+          <a:blip r:embed="rId3"/>
+          <a:stretch>
+            <a:fillRect/>
+          </a:stretch>
+        </p:blipFill>
+        <p:spPr>
+          <a:xfrm>
+            <a:off x="5334000" y="75775"/>
+            <a:ext cx="3412800" cy="952925"/>
+          </a:xfrm>
+          <a:prstGeom prst="rect">
+            <a:avLst/>
+          </a:prstGeom>
+        </p:spPr>
+      </p:pic>
+      <p:sp>
+        <p:nvSpPr>
+          <p:cNvPr id="7" name="Shape 168">
+            <a:extLst>
+              <a:ext uri="{FF2B5EF4-FFF2-40B4-BE49-F238E27FC236}">
+                <a16:creationId xmlns:a16="http://schemas.microsoft.com/office/drawing/2014/main" id="{B4AEFA86-EE14-4257-8DF5-7BBBCF7F0E8D}"/>
+              </a:ext>
+            </a:extLst>
+          </p:cNvPr>
+          <p:cNvSpPr txBox="1">
+            <a:spLocks/>
+          </p:cNvSpPr>
+          <p:nvPr/>
+        </p:nvSpPr>
+        <p:spPr>
+          <a:xfrm>
+            <a:off x="487200" y="2343150"/>
+            <a:ext cx="8229600" cy="1524000"/>
+          </a:xfrm>
+          <a:prstGeom prst="rect">
+            <a:avLst/>
+          </a:prstGeom>
+          <a:noFill/>
+          <a:ln>
+            <a:noFill/>
+          </a:ln>
+        </p:spPr>
+        <p:txBody>
+          <a:bodyPr lIns="91425" tIns="91425" rIns="91425" bIns="91425" anchor="t" anchorCtr="0">
+            <a:noAutofit/>
+          </a:bodyPr>
+          <a:lstStyle>
+            <a:defPPr marR="0" algn="l" rtl="0">
+              <a:lnSpc>
+                <a:spcPct val="100000"/>
+              </a:lnSpc>
+              <a:spcBef>
+                <a:spcPts val="0"/>
+              </a:spcBef>
+              <a:spcAft>
+                <a:spcPts val="0"/>
+              </a:spcAft>
+            </a:defPPr>
+            <a:lvl1pPr marR="0" algn="l" rtl="0">
+              <a:lnSpc>
+                <a:spcPct val="100000"/>
+              </a:lnSpc>
+              <a:spcBef>
+                <a:spcPts val="0"/>
+              </a:spcBef>
+              <a:spcAft>
+                <a:spcPts val="0"/>
+              </a:spcAft>
+              <a:buSzPct val="100000"/>
+              <a:buNone/>
+              <a:defRPr sz="3000" b="0" i="0" u="none" strike="noStrike" cap="none" baseline="0">
+                <a:solidFill>
+                  <a:srgbClr val="000000"/>
+                </a:solidFill>
+                <a:latin typeface="Arial"/>
+                <a:ea typeface="Arial"/>
+                <a:cs typeface="Arial"/>
+                <a:sym typeface="Arial"/>
+                <a:rtl val="0"/>
+              </a:defRPr>
+            </a:lvl1pPr>
+            <a:lvl2pPr marR="0" algn="l" rtl="0">
+              <a:lnSpc>
+                <a:spcPct val="100000"/>
+              </a:lnSpc>
+              <a:spcBef>
+                <a:spcPts val="0"/>
+              </a:spcBef>
+              <a:spcAft>
+                <a:spcPts val="0"/>
+              </a:spcAft>
+              <a:buSzPct val="100000"/>
+              <a:buNone/>
+              <a:defRPr sz="2400" b="0" i="0" u="none" strike="noStrike" cap="none" baseline="0">
+                <a:solidFill>
+                  <a:srgbClr val="000000"/>
+                </a:solidFill>
+                <a:latin typeface="Arial"/>
+                <a:ea typeface="Arial"/>
+                <a:cs typeface="Arial"/>
+                <a:sym typeface="Arial"/>
+                <a:rtl val="0"/>
+              </a:defRPr>
+            </a:lvl2pPr>
+            <a:lvl3pPr marR="0" algn="l" rtl="0">
+              <a:lnSpc>
+                <a:spcPct val="100000"/>
+              </a:lnSpc>
+              <a:spcBef>
+                <a:spcPts val="0"/>
+              </a:spcBef>
+              <a:spcAft>
+                <a:spcPts val="0"/>
+              </a:spcAft>
+              <a:buSzPct val="100000"/>
+              <a:buNone/>
+              <a:defRPr sz="2400" b="0" i="0" u="none" strike="noStrike" cap="none" baseline="0">
+                <a:solidFill>
+                  <a:srgbClr val="000000"/>
+                </a:solidFill>
+                <a:latin typeface="Arial"/>
+                <a:ea typeface="Arial"/>
+                <a:cs typeface="Arial"/>
+                <a:sym typeface="Arial"/>
+                <a:rtl val="0"/>
+              </a:defRPr>
+            </a:lvl3pPr>
+            <a:lvl4pPr marR="0" algn="l" rtl="0">
+              <a:lnSpc>
+                <a:spcPct val="100000"/>
+              </a:lnSpc>
+              <a:spcBef>
+                <a:spcPts val="0"/>
+              </a:spcBef>
+              <a:spcAft>
+                <a:spcPts val="0"/>
+              </a:spcAft>
+              <a:buSzPct val="100000"/>
+              <a:buNone/>
+              <a:defRPr sz="1800" b="0" i="0" u="none" strike="noStrike" cap="none" baseline="0">
+                <a:solidFill>
+                  <a:srgbClr val="000000"/>
+                </a:solidFill>
+                <a:latin typeface="Arial"/>
+                <a:ea typeface="Arial"/>
+                <a:cs typeface="Arial"/>
+                <a:sym typeface="Arial"/>
+                <a:rtl val="0"/>
+              </a:defRPr>
+            </a:lvl4pPr>
+            <a:lvl5pPr marR="0" algn="l" rtl="0">
+              <a:lnSpc>
+                <a:spcPct val="100000"/>
+              </a:lnSpc>
+              <a:spcBef>
+                <a:spcPts val="0"/>
+              </a:spcBef>
+              <a:spcAft>
+                <a:spcPts val="0"/>
+              </a:spcAft>
+              <a:buSzPct val="100000"/>
+              <a:buNone/>
+              <a:defRPr sz="1800" b="0" i="0" u="none" strike="noStrike" cap="none" baseline="0">
+                <a:solidFill>
+                  <a:srgbClr val="000000"/>
+                </a:solidFill>
+                <a:latin typeface="Arial"/>
+                <a:ea typeface="Arial"/>
+                <a:cs typeface="Arial"/>
+                <a:sym typeface="Arial"/>
+                <a:rtl val="0"/>
+              </a:defRPr>
+            </a:lvl5pPr>
+            <a:lvl6pPr marR="0" algn="l" rtl="0">
+              <a:lnSpc>
+                <a:spcPct val="100000"/>
+              </a:lnSpc>
+              <a:spcBef>
+                <a:spcPts val="0"/>
+              </a:spcBef>
+              <a:spcAft>
+                <a:spcPts val="0"/>
+              </a:spcAft>
+              <a:buSzPct val="100000"/>
+              <a:buNone/>
+              <a:defRPr sz="1800" b="0" i="0" u="none" strike="noStrike" cap="none" baseline="0">
+                <a:solidFill>
+                  <a:srgbClr val="000000"/>
+                </a:solidFill>
+                <a:latin typeface="Arial"/>
+                <a:ea typeface="Arial"/>
+                <a:cs typeface="Arial"/>
+                <a:sym typeface="Arial"/>
+                <a:rtl val="0"/>
+              </a:defRPr>
+            </a:lvl6pPr>
+            <a:lvl7pPr marR="0" algn="l" rtl="0">
+              <a:lnSpc>
+                <a:spcPct val="100000"/>
+              </a:lnSpc>
+              <a:spcBef>
+                <a:spcPts val="0"/>
+              </a:spcBef>
+              <a:spcAft>
+                <a:spcPts val="0"/>
+              </a:spcAft>
+              <a:buSzPct val="100000"/>
+              <a:buNone/>
+              <a:defRPr sz="1800" b="0" i="0" u="none" strike="noStrike" cap="none" baseline="0">
+                <a:solidFill>
+                  <a:srgbClr val="000000"/>
+                </a:solidFill>
+                <a:latin typeface="Arial"/>
+                <a:ea typeface="Arial"/>
+                <a:cs typeface="Arial"/>
+                <a:sym typeface="Arial"/>
+                <a:rtl val="0"/>
+              </a:defRPr>
+            </a:lvl7pPr>
+            <a:lvl8pPr marR="0" algn="l" rtl="0">
+              <a:lnSpc>
+                <a:spcPct val="100000"/>
+              </a:lnSpc>
+              <a:spcBef>
+                <a:spcPts val="0"/>
+              </a:spcBef>
+              <a:spcAft>
+                <a:spcPts val="0"/>
+              </a:spcAft>
+              <a:buSzPct val="100000"/>
+              <a:buNone/>
+              <a:defRPr sz="1800" b="0" i="0" u="none" strike="noStrike" cap="none" baseline="0">
+                <a:solidFill>
+                  <a:srgbClr val="000000"/>
+                </a:solidFill>
+                <a:latin typeface="Arial"/>
+                <a:ea typeface="Arial"/>
+                <a:cs typeface="Arial"/>
+                <a:sym typeface="Arial"/>
+                <a:rtl val="0"/>
+              </a:defRPr>
+            </a:lvl8pPr>
+            <a:lvl9pPr marR="0" algn="l" rtl="0">
+              <a:lnSpc>
+                <a:spcPct val="100000"/>
+              </a:lnSpc>
+              <a:spcBef>
+                <a:spcPts val="0"/>
+              </a:spcBef>
+              <a:spcAft>
+                <a:spcPts val="0"/>
+              </a:spcAft>
+              <a:buSzPct val="100000"/>
+              <a:buNone/>
+              <a:defRPr sz="1800" b="0" i="0" u="none" strike="noStrike" cap="none" baseline="0">
+                <a:solidFill>
+                  <a:srgbClr val="000000"/>
+                </a:solidFill>
+                <a:latin typeface="Arial"/>
+                <a:ea typeface="Arial"/>
+                <a:cs typeface="Arial"/>
+                <a:sym typeface="Arial"/>
+                <a:rtl val="0"/>
+              </a:defRPr>
+            </a:lvl9pPr>
+          </a:lstStyle>
           <a:p>
-            <a:pPr marL="381000" lvl="0" indent="-342900">
+            <a:pPr marL="38100">
               <a:buClr>
                 <a:srgbClr val="000000"/>
               </a:buClr>
-              <a:buFont typeface="Arial" panose="020B0604020202020204" pitchFamily="34" charset="0"/>
-              <a:buChar char="•"/>
             </a:pPr>
-            <a:endParaRPr lang="en-US" sz="2400" dirty="0"/>
+            <a:r>
+              <a:rPr lang="en-US" sz="2800" dirty="0"/>
+              <a:t>It treats computation as:</a:t>
+            </a:r>
           </a:p>
           <a:p>
-            <a:pPr marL="381000" lvl="0" indent="-342900">
+            <a:pPr marL="381000" indent="-342900">
               <a:buClr>
                 <a:srgbClr val="000000"/>
               </a:buClr>
@@ -11752,31 +14148,44 @@
             </a:pPr>
             <a:r>
               <a:rPr lang="en-US" sz="2400" dirty="0"/>
-              <a:t>It treats computation as the evaluation of </a:t>
+              <a:t>the evaluation of </a:t>
             </a:r>
             <a:r>
               <a:rPr lang="en-US" sz="2400" dirty="0">
-                <a:hlinkClick r:id="rId3" tooltip="Function (mathematics)"/>
+                <a:hlinkClick r:id="rId4" tooltip="Function (mathematics)"/>
               </a:rPr>
               <a:t>mathematical functions</a:t>
             </a:r>
             <a:r>
               <a:rPr lang="en-US" sz="2400" dirty="0"/>
-              <a:t> and avoids changing-</a:t>
+              <a:t> and </a:t>
+            </a:r>
+          </a:p>
+          <a:p>
+            <a:pPr marL="381000" indent="-342900">
+              <a:buClr>
+                <a:srgbClr val="000000"/>
+              </a:buClr>
+              <a:buFont typeface="Arial" panose="020B0604020202020204" pitchFamily="34" charset="0"/>
+              <a:buChar char="•"/>
+            </a:pPr>
+            <a:r>
+              <a:rPr lang="en-US" sz="2400" dirty="0"/>
+              <a:t>avoids changing-</a:t>
             </a:r>
             <a:r>
               <a:rPr lang="en-US" sz="2400" dirty="0">
-                <a:hlinkClick r:id="rId4" tooltip="Program state"/>
+                <a:hlinkClick r:id="rId5" tooltip="Program state"/>
               </a:rPr>
               <a:t>state</a:t>
             </a:r>
             <a:r>
               <a:rPr lang="en-US" sz="2400" dirty="0"/>
-              <a:t> and </a:t>
+              <a:t> and </a:t>
             </a:r>
             <a:r>
               <a:rPr lang="en-US" sz="2400" dirty="0">
-                <a:hlinkClick r:id="rId5" tooltip="Immutable object"/>
+                <a:hlinkClick r:id="rId6" tooltip="Immutable object"/>
               </a:rPr>
               <a:t>mutable</a:t>
             </a:r>
@@ -11785,24 +14194,261 @@
               <a:t> data.</a:t>
             </a:r>
           </a:p>
+        </p:txBody>
+      </p:sp>
+      <p:sp>
+        <p:nvSpPr>
+          <p:cNvPr id="8" name="Shape 168">
+            <a:extLst>
+              <a:ext uri="{FF2B5EF4-FFF2-40B4-BE49-F238E27FC236}">
+                <a16:creationId xmlns:a16="http://schemas.microsoft.com/office/drawing/2014/main" id="{5A504264-3084-4481-9D9A-C84DD5AB2EDB}"/>
+              </a:ext>
+            </a:extLst>
+          </p:cNvPr>
+          <p:cNvSpPr txBox="1">
+            <a:spLocks/>
+          </p:cNvSpPr>
+          <p:nvPr/>
+        </p:nvSpPr>
+        <p:spPr>
+          <a:xfrm>
+            <a:off x="457200" y="4019550"/>
+            <a:ext cx="8229600" cy="834483"/>
+          </a:xfrm>
+          <a:prstGeom prst="rect">
+            <a:avLst/>
+          </a:prstGeom>
+          <a:noFill/>
+          <a:ln>
+            <a:noFill/>
+          </a:ln>
+        </p:spPr>
+        <p:txBody>
+          <a:bodyPr lIns="91425" tIns="91425" rIns="91425" bIns="91425" anchor="t" anchorCtr="0">
+            <a:noAutofit/>
+          </a:bodyPr>
+          <a:lstStyle>
+            <a:defPPr marR="0" algn="l" rtl="0">
+              <a:lnSpc>
+                <a:spcPct val="100000"/>
+              </a:lnSpc>
+              <a:spcBef>
+                <a:spcPts val="0"/>
+              </a:spcBef>
+              <a:spcAft>
+                <a:spcPts val="0"/>
+              </a:spcAft>
+            </a:defPPr>
+            <a:lvl1pPr marR="0" algn="l" rtl="0">
+              <a:lnSpc>
+                <a:spcPct val="100000"/>
+              </a:lnSpc>
+              <a:spcBef>
+                <a:spcPts val="0"/>
+              </a:spcBef>
+              <a:spcAft>
+                <a:spcPts val="0"/>
+              </a:spcAft>
+              <a:buSzPct val="100000"/>
+              <a:buNone/>
+              <a:defRPr sz="3000" b="0" i="0" u="none" strike="noStrike" cap="none" baseline="0">
+                <a:solidFill>
+                  <a:srgbClr val="000000"/>
+                </a:solidFill>
+                <a:latin typeface="Arial"/>
+                <a:ea typeface="Arial"/>
+                <a:cs typeface="Arial"/>
+                <a:sym typeface="Arial"/>
+                <a:rtl val="0"/>
+              </a:defRPr>
+            </a:lvl1pPr>
+            <a:lvl2pPr marR="0" algn="l" rtl="0">
+              <a:lnSpc>
+                <a:spcPct val="100000"/>
+              </a:lnSpc>
+              <a:spcBef>
+                <a:spcPts val="0"/>
+              </a:spcBef>
+              <a:spcAft>
+                <a:spcPts val="0"/>
+              </a:spcAft>
+              <a:buSzPct val="100000"/>
+              <a:buNone/>
+              <a:defRPr sz="2400" b="0" i="0" u="none" strike="noStrike" cap="none" baseline="0">
+                <a:solidFill>
+                  <a:srgbClr val="000000"/>
+                </a:solidFill>
+                <a:latin typeface="Arial"/>
+                <a:ea typeface="Arial"/>
+                <a:cs typeface="Arial"/>
+                <a:sym typeface="Arial"/>
+                <a:rtl val="0"/>
+              </a:defRPr>
+            </a:lvl2pPr>
+            <a:lvl3pPr marR="0" algn="l" rtl="0">
+              <a:lnSpc>
+                <a:spcPct val="100000"/>
+              </a:lnSpc>
+              <a:spcBef>
+                <a:spcPts val="0"/>
+              </a:spcBef>
+              <a:spcAft>
+                <a:spcPts val="0"/>
+              </a:spcAft>
+              <a:buSzPct val="100000"/>
+              <a:buNone/>
+              <a:defRPr sz="2400" b="0" i="0" u="none" strike="noStrike" cap="none" baseline="0">
+                <a:solidFill>
+                  <a:srgbClr val="000000"/>
+                </a:solidFill>
+                <a:latin typeface="Arial"/>
+                <a:ea typeface="Arial"/>
+                <a:cs typeface="Arial"/>
+                <a:sym typeface="Arial"/>
+                <a:rtl val="0"/>
+              </a:defRPr>
+            </a:lvl3pPr>
+            <a:lvl4pPr marR="0" algn="l" rtl="0">
+              <a:lnSpc>
+                <a:spcPct val="100000"/>
+              </a:lnSpc>
+              <a:spcBef>
+                <a:spcPts val="0"/>
+              </a:spcBef>
+              <a:spcAft>
+                <a:spcPts val="0"/>
+              </a:spcAft>
+              <a:buSzPct val="100000"/>
+              <a:buNone/>
+              <a:defRPr sz="1800" b="0" i="0" u="none" strike="noStrike" cap="none" baseline="0">
+                <a:solidFill>
+                  <a:srgbClr val="000000"/>
+                </a:solidFill>
+                <a:latin typeface="Arial"/>
+                <a:ea typeface="Arial"/>
+                <a:cs typeface="Arial"/>
+                <a:sym typeface="Arial"/>
+                <a:rtl val="0"/>
+              </a:defRPr>
+            </a:lvl4pPr>
+            <a:lvl5pPr marR="0" algn="l" rtl="0">
+              <a:lnSpc>
+                <a:spcPct val="100000"/>
+              </a:lnSpc>
+              <a:spcBef>
+                <a:spcPts val="0"/>
+              </a:spcBef>
+              <a:spcAft>
+                <a:spcPts val="0"/>
+              </a:spcAft>
+              <a:buSzPct val="100000"/>
+              <a:buNone/>
+              <a:defRPr sz="1800" b="0" i="0" u="none" strike="noStrike" cap="none" baseline="0">
+                <a:solidFill>
+                  <a:srgbClr val="000000"/>
+                </a:solidFill>
+                <a:latin typeface="Arial"/>
+                <a:ea typeface="Arial"/>
+                <a:cs typeface="Arial"/>
+                <a:sym typeface="Arial"/>
+                <a:rtl val="0"/>
+              </a:defRPr>
+            </a:lvl5pPr>
+            <a:lvl6pPr marR="0" algn="l" rtl="0">
+              <a:lnSpc>
+                <a:spcPct val="100000"/>
+              </a:lnSpc>
+              <a:spcBef>
+                <a:spcPts val="0"/>
+              </a:spcBef>
+              <a:spcAft>
+                <a:spcPts val="0"/>
+              </a:spcAft>
+              <a:buSzPct val="100000"/>
+              <a:buNone/>
+              <a:defRPr sz="1800" b="0" i="0" u="none" strike="noStrike" cap="none" baseline="0">
+                <a:solidFill>
+                  <a:srgbClr val="000000"/>
+                </a:solidFill>
+                <a:latin typeface="Arial"/>
+                <a:ea typeface="Arial"/>
+                <a:cs typeface="Arial"/>
+                <a:sym typeface="Arial"/>
+                <a:rtl val="0"/>
+              </a:defRPr>
+            </a:lvl6pPr>
+            <a:lvl7pPr marR="0" algn="l" rtl="0">
+              <a:lnSpc>
+                <a:spcPct val="100000"/>
+              </a:lnSpc>
+              <a:spcBef>
+                <a:spcPts val="0"/>
+              </a:spcBef>
+              <a:spcAft>
+                <a:spcPts val="0"/>
+              </a:spcAft>
+              <a:buSzPct val="100000"/>
+              <a:buNone/>
+              <a:defRPr sz="1800" b="0" i="0" u="none" strike="noStrike" cap="none" baseline="0">
+                <a:solidFill>
+                  <a:srgbClr val="000000"/>
+                </a:solidFill>
+                <a:latin typeface="Arial"/>
+                <a:ea typeface="Arial"/>
+                <a:cs typeface="Arial"/>
+                <a:sym typeface="Arial"/>
+                <a:rtl val="0"/>
+              </a:defRPr>
+            </a:lvl7pPr>
+            <a:lvl8pPr marR="0" algn="l" rtl="0">
+              <a:lnSpc>
+                <a:spcPct val="100000"/>
+              </a:lnSpc>
+              <a:spcBef>
+                <a:spcPts val="0"/>
+              </a:spcBef>
+              <a:spcAft>
+                <a:spcPts val="0"/>
+              </a:spcAft>
+              <a:buSzPct val="100000"/>
+              <a:buNone/>
+              <a:defRPr sz="1800" b="0" i="0" u="none" strike="noStrike" cap="none" baseline="0">
+                <a:solidFill>
+                  <a:srgbClr val="000000"/>
+                </a:solidFill>
+                <a:latin typeface="Arial"/>
+                <a:ea typeface="Arial"/>
+                <a:cs typeface="Arial"/>
+                <a:sym typeface="Arial"/>
+                <a:rtl val="0"/>
+              </a:defRPr>
+            </a:lvl8pPr>
+            <a:lvl9pPr marR="0" algn="l" rtl="0">
+              <a:lnSpc>
+                <a:spcPct val="100000"/>
+              </a:lnSpc>
+              <a:spcBef>
+                <a:spcPts val="0"/>
+              </a:spcBef>
+              <a:spcAft>
+                <a:spcPts val="0"/>
+              </a:spcAft>
+              <a:buSzPct val="100000"/>
+              <a:buNone/>
+              <a:defRPr sz="1800" b="0" i="0" u="none" strike="noStrike" cap="none" baseline="0">
+                <a:solidFill>
+                  <a:srgbClr val="000000"/>
+                </a:solidFill>
+                <a:latin typeface="Arial"/>
+                <a:ea typeface="Arial"/>
+                <a:cs typeface="Arial"/>
+                <a:sym typeface="Arial"/>
+                <a:rtl val="0"/>
+              </a:defRPr>
+            </a:lvl9pPr>
+          </a:lstStyle>
           <a:p>
-            <a:pPr marL="38100" lvl="0">
-              <a:buClr>
-                <a:srgbClr val="000000"/>
-              </a:buClr>
-            </a:pPr>
-            <a:endParaRPr lang="en-US" sz="1800" dirty="0"/>
-          </a:p>
-          <a:p>
-            <a:pPr marL="38100" lvl="0">
-              <a:buClr>
-                <a:srgbClr val="000000"/>
-              </a:buClr>
-            </a:pPr>
-            <a:endParaRPr lang="en-US" sz="1800" dirty="0"/>
-          </a:p>
-          <a:p>
-            <a:pPr marL="38100" lvl="0">
+            <a:pPr marL="38100">
               <a:buClr>
                 <a:srgbClr val="000000"/>
               </a:buClr>
@@ -11817,7 +14463,7 @@
             </a:r>
             <a:r>
               <a:rPr lang="en-US" sz="1800" dirty="0">
-                <a:hlinkClick r:id="rId6"/>
+                <a:hlinkClick r:id="rId7"/>
               </a:rPr>
               <a:t>https://github.com/yogeshrnaik/cdac/blob/master/Programming-Paradigm/Problem%20Solutions/functional%20programming/path.lsp</a:t>
             </a:r>
@@ -11862,7 +14508,7 @@
                             </p:stCondLst>
                             <p:childTnLst>
                               <p:par>
-                                <p:cTn id="5" presetID="10" presetClass="entr" presetSubtype="0" fill="hold" nodeType="clickEffect">
+                                <p:cTn id="5" presetID="10" presetClass="entr" presetSubtype="0" fill="hold" grpId="0" nodeType="clickEffect">
                                   <p:stCondLst>
                                     <p:cond delay="0"/>
                                   </p:stCondLst>
@@ -11923,7 +14569,7 @@
                             </p:stCondLst>
                             <p:childTnLst>
                               <p:par>
-                                <p:cTn id="10" presetID="10" presetClass="entr" presetSubtype="0" fill="hold" nodeType="clickEffect">
+                                <p:cTn id="10" presetID="10" presetClass="entr" presetSubtype="0" fill="hold" grpId="0" nodeType="clickEffect">
                                   <p:stCondLst>
                                     <p:cond delay="0"/>
                                   </p:stCondLst>
@@ -11984,7 +14630,7 @@
                             </p:stCondLst>
                             <p:childTnLst>
                               <p:par>
-                                <p:cTn id="15" presetID="10" presetClass="entr" presetSubtype="0" fill="hold" nodeType="clickEffect">
+                                <p:cTn id="15" presetID="10" presetClass="entr" presetSubtype="0" fill="hold" grpId="0" nodeType="clickEffect">
                                   <p:stCondLst>
                                     <p:cond delay="0"/>
                                   </p:stCondLst>
@@ -11997,11 +14643,7 @@
                                           </p:stCondLst>
                                         </p:cTn>
                                         <p:tgtEl>
-                                          <p:spTgt spid="168">
-                                            <p:txEl>
-                                              <p:pRg st="3" end="3"/>
-                                            </p:txEl>
-                                          </p:spTgt>
+                                          <p:spTgt spid="7"/>
                                         </p:tgtEl>
                                         <p:attrNameLst>
                                           <p:attrName>style.visibility</p:attrName>
@@ -12015,11 +14657,42 @@
                                       <p:cBhvr>
                                         <p:cTn id="17" dur="500"/>
                                         <p:tgtEl>
-                                          <p:spTgt spid="168">
-                                            <p:txEl>
-                                              <p:pRg st="3" end="3"/>
-                                            </p:txEl>
-                                          </p:spTgt>
+                                          <p:spTgt spid="7"/>
+                                        </p:tgtEl>
+                                      </p:cBhvr>
+                                    </p:animEffect>
+                                  </p:childTnLst>
+                                </p:cTn>
+                              </p:par>
+                              <p:par>
+                                <p:cTn id="18" presetID="10" presetClass="entr" presetSubtype="0" fill="hold" nodeType="withEffect">
+                                  <p:stCondLst>
+                                    <p:cond delay="0"/>
+                                  </p:stCondLst>
+                                  <p:childTnLst>
+                                    <p:set>
+                                      <p:cBhvr>
+                                        <p:cTn id="19" dur="1" fill="hold">
+                                          <p:stCondLst>
+                                            <p:cond delay="0"/>
+                                          </p:stCondLst>
+                                        </p:cTn>
+                                        <p:tgtEl>
+                                          <p:spTgt spid="2"/>
+                                        </p:tgtEl>
+                                        <p:attrNameLst>
+                                          <p:attrName>style.visibility</p:attrName>
+                                        </p:attrNameLst>
+                                      </p:cBhvr>
+                                      <p:to>
+                                        <p:strVal val="visible"/>
+                                      </p:to>
+                                    </p:set>
+                                    <p:animEffect transition="in" filter="fade">
+                                      <p:cBhvr>
+                                        <p:cTn id="20" dur="500"/>
+                                        <p:tgtEl>
+                                          <p:spTgt spid="2"/>
                                         </p:tgtEl>
                                       </p:cBhvr>
                                     </p:animEffect>
@@ -12033,36 +14706,32 @@
                     </p:cTn>
                   </p:par>
                   <p:par>
-                    <p:cTn id="18" fill="hold">
+                    <p:cTn id="21" fill="hold">
                       <p:stCondLst>
                         <p:cond delay="indefinite"/>
                       </p:stCondLst>
                       <p:childTnLst>
                         <p:par>
-                          <p:cTn id="19" fill="hold">
+                          <p:cTn id="22" fill="hold">
                             <p:stCondLst>
                               <p:cond delay="0"/>
                             </p:stCondLst>
                             <p:childTnLst>
                               <p:par>
-                                <p:cTn id="20" presetID="10" presetClass="entr" presetSubtype="0" fill="hold" nodeType="clickEffect">
+                                <p:cTn id="23" presetID="10" presetClass="entr" presetSubtype="0" fill="hold" grpId="0" nodeType="clickEffect">
                                   <p:stCondLst>
                                     <p:cond delay="0"/>
                                   </p:stCondLst>
                                   <p:childTnLst>
                                     <p:set>
                                       <p:cBhvr>
-                                        <p:cTn id="21" dur="1" fill="hold">
+                                        <p:cTn id="24" dur="1" fill="hold">
                                           <p:stCondLst>
                                             <p:cond delay="0"/>
                                           </p:stCondLst>
                                         </p:cTn>
                                         <p:tgtEl>
-                                          <p:spTgt spid="168">
-                                            <p:txEl>
-                                              <p:pRg st="6" end="6"/>
-                                            </p:txEl>
-                                          </p:spTgt>
+                                          <p:spTgt spid="8"/>
                                         </p:tgtEl>
                                         <p:attrNameLst>
                                           <p:attrName>style.visibility</p:attrName>
@@ -12074,13 +14743,9 @@
                                     </p:set>
                                     <p:animEffect transition="in" filter="fade">
                                       <p:cBhvr>
-                                        <p:cTn id="22" dur="500"/>
+                                        <p:cTn id="25" dur="500"/>
                                         <p:tgtEl>
-                                          <p:spTgt spid="168">
-                                            <p:txEl>
-                                              <p:pRg st="6" end="6"/>
-                                            </p:txEl>
-                                          </p:spTgt>
+                                          <p:spTgt spid="8"/>
                                         </p:tgtEl>
                                       </p:cBhvr>
                                     </p:animEffect>
@@ -12114,6 +14779,11 @@
         </p:cTn>
       </p:par>
     </p:tnLst>
+    <p:bldLst>
+      <p:bldP spid="168" grpId="0" build="p"/>
+      <p:bldP spid="7" grpId="0"/>
+      <p:bldP spid="8" grpId="0"/>
+    </p:bldLst>
   </p:timing>
 </p:sld>
 </file>
@@ -12186,7 +14856,7 @@
         </p:nvSpPr>
         <p:spPr>
           <a:xfrm>
-            <a:off x="457200" y="765717"/>
+            <a:off x="427200" y="764068"/>
             <a:ext cx="8229600" cy="1348833"/>
           </a:xfrm>
           <a:prstGeom prst="rect">
@@ -12249,38 +14919,6 @@
               <a:t>.</a:t>
             </a:r>
           </a:p>
-          <a:p>
-            <a:pPr marL="38100" lvl="0">
-              <a:buClr>
-                <a:srgbClr val="000000"/>
-              </a:buClr>
-            </a:pPr>
-            <a:endParaRPr lang="en-US" sz="2000" dirty="0"/>
-          </a:p>
-          <a:p>
-            <a:pPr marL="38100" lvl="0">
-              <a:buClr>
-                <a:srgbClr val="000000"/>
-              </a:buClr>
-            </a:pPr>
-            <a:endParaRPr lang="en-US" sz="2000" dirty="0"/>
-          </a:p>
-          <a:p>
-            <a:pPr marL="38100" lvl="0">
-              <a:buClr>
-                <a:srgbClr val="000000"/>
-              </a:buClr>
-            </a:pPr>
-            <a:endParaRPr lang="en-US" sz="1800" dirty="0"/>
-          </a:p>
-          <a:p>
-            <a:pPr marL="38100" lvl="0">
-              <a:buClr>
-                <a:srgbClr val="000000"/>
-              </a:buClr>
-            </a:pPr>
-            <a:endParaRPr lang="en-US" sz="2000" dirty="0"/>
-          </a:p>
         </p:txBody>
       </p:sp>
       <p:pic>
@@ -12312,8 +14950,8 @@
         </p:blipFill>
         <p:spPr bwMode="auto">
           <a:xfrm>
-            <a:off x="4492799" y="2114550"/>
-            <a:ext cx="3797567" cy="1815375"/>
+            <a:off x="490917" y="3255479"/>
+            <a:ext cx="3896772" cy="1862798"/>
           </a:xfrm>
           <a:prstGeom prst="rect">
             <a:avLst/>
@@ -12346,7 +14984,7 @@
         </p:nvSpPr>
         <p:spPr>
           <a:xfrm>
-            <a:off x="4462799" y="4171950"/>
+            <a:off x="5029200" y="-7899"/>
             <a:ext cx="3886200" cy="883425"/>
           </a:xfrm>
           <a:prstGeom prst="rect">
@@ -12610,8 +15248,8 @@
         </p:nvSpPr>
         <p:spPr>
           <a:xfrm>
-            <a:off x="304800" y="2051775"/>
-            <a:ext cx="3886200" cy="2882175"/>
+            <a:off x="367200" y="2127720"/>
+            <a:ext cx="4449600" cy="1083554"/>
           </a:xfrm>
           <a:prstGeom prst="rect">
             <a:avLst/>
@@ -12863,19 +15501,309 @@
             </a:r>
             <a:r>
               <a:rPr lang="en-US" sz="2000" dirty="0"/>
-              <a:t>: open file, iterate through collection &amp; check condition for each element,  etc.</a:t>
+              <a:t>: open file, iterate collection &amp; check condition for each element,  etc.</a:t>
             </a:r>
           </a:p>
-          <a:p>
-            <a:pPr marL="381000" lvl="0" indent="-342900">
-              <a:buClr>
-                <a:srgbClr val="000000"/>
-              </a:buClr>
-              <a:buFont typeface="Arial" panose="020B0604020202020204" pitchFamily="34" charset="0"/>
-              <a:buChar char="•"/>
-            </a:pPr>
-            <a:endParaRPr lang="en-US" sz="2000" dirty="0"/>
-          </a:p>
+        </p:txBody>
+      </p:sp>
+      <p:pic>
+        <p:nvPicPr>
+          <p:cNvPr id="4100" name="Picture 4" descr="Image result for declarative programming  + funny image">
+            <a:extLst>
+              <a:ext uri="{FF2B5EF4-FFF2-40B4-BE49-F238E27FC236}">
+                <a16:creationId xmlns:a16="http://schemas.microsoft.com/office/drawing/2014/main" id="{B6CF73D7-98DF-4BFC-8C13-3E264BCE3A76}"/>
+              </a:ext>
+            </a:extLst>
+          </p:cNvPr>
+          <p:cNvPicPr>
+            <a:picLocks noChangeAspect="1" noChangeArrowheads="1"/>
+          </p:cNvPicPr>
+          <p:nvPr/>
+        </p:nvPicPr>
+        <p:blipFill>
+          <a:blip r:embed="rId7">
+            <a:extLst>
+              <a:ext uri="{28A0092B-C50C-407E-A947-70E740481C1C}">
+                <a14:useLocalDpi xmlns:a14="http://schemas.microsoft.com/office/drawing/2010/main" val="0"/>
+              </a:ext>
+            </a:extLst>
+          </a:blip>
+          <a:srcRect/>
+          <a:stretch>
+            <a:fillRect/>
+          </a:stretch>
+        </p:blipFill>
+        <p:spPr bwMode="auto">
+          <a:xfrm>
+            <a:off x="5075400" y="3116823"/>
+            <a:ext cx="3840000" cy="1983333"/>
+          </a:xfrm>
+          <a:prstGeom prst="rect">
+            <a:avLst/>
+          </a:prstGeom>
+          <a:noFill/>
+          <a:extLst>
+            <a:ext uri="{909E8E84-426E-40DD-AFC4-6F175D3DCCD1}">
+              <a14:hiddenFill xmlns:a14="http://schemas.microsoft.com/office/drawing/2010/main">
+                <a:solidFill>
+                  <a:srgbClr val="FFFFFF"/>
+                </a:solidFill>
+              </a14:hiddenFill>
+            </a:ext>
+          </a:extLst>
+        </p:spPr>
+      </p:pic>
+      <p:sp>
+        <p:nvSpPr>
+          <p:cNvPr id="9" name="Shape 168">
+            <a:extLst>
+              <a:ext uri="{FF2B5EF4-FFF2-40B4-BE49-F238E27FC236}">
+                <a16:creationId xmlns:a16="http://schemas.microsoft.com/office/drawing/2014/main" id="{E2CA3BCA-325A-42EA-B767-539442BF232C}"/>
+              </a:ext>
+            </a:extLst>
+          </p:cNvPr>
+          <p:cNvSpPr txBox="1">
+            <a:spLocks/>
+          </p:cNvSpPr>
+          <p:nvPr/>
+        </p:nvSpPr>
+        <p:spPr>
+          <a:xfrm>
+            <a:off x="4724400" y="2109511"/>
+            <a:ext cx="4419600" cy="1053375"/>
+          </a:xfrm>
+          <a:prstGeom prst="rect">
+            <a:avLst/>
+          </a:prstGeom>
+          <a:noFill/>
+          <a:ln>
+            <a:noFill/>
+          </a:ln>
+        </p:spPr>
+        <p:txBody>
+          <a:bodyPr lIns="91425" tIns="91425" rIns="91425" bIns="91425" anchor="t" anchorCtr="0">
+            <a:noAutofit/>
+          </a:bodyPr>
+          <a:lstStyle>
+            <a:defPPr marR="0" algn="l" rtl="0">
+              <a:lnSpc>
+                <a:spcPct val="100000"/>
+              </a:lnSpc>
+              <a:spcBef>
+                <a:spcPts val="0"/>
+              </a:spcBef>
+              <a:spcAft>
+                <a:spcPts val="0"/>
+              </a:spcAft>
+            </a:defPPr>
+            <a:lvl1pPr marR="0" algn="l" rtl="0">
+              <a:lnSpc>
+                <a:spcPct val="100000"/>
+              </a:lnSpc>
+              <a:spcBef>
+                <a:spcPts val="0"/>
+              </a:spcBef>
+              <a:spcAft>
+                <a:spcPts val="0"/>
+              </a:spcAft>
+              <a:buSzPct val="100000"/>
+              <a:buNone/>
+              <a:defRPr sz="3000" b="0" i="0" u="none" strike="noStrike" cap="none" baseline="0">
+                <a:solidFill>
+                  <a:srgbClr val="000000"/>
+                </a:solidFill>
+                <a:latin typeface="Arial"/>
+                <a:ea typeface="Arial"/>
+                <a:cs typeface="Arial"/>
+                <a:sym typeface="Arial"/>
+                <a:rtl val="0"/>
+              </a:defRPr>
+            </a:lvl1pPr>
+            <a:lvl2pPr marR="0" algn="l" rtl="0">
+              <a:lnSpc>
+                <a:spcPct val="100000"/>
+              </a:lnSpc>
+              <a:spcBef>
+                <a:spcPts val="0"/>
+              </a:spcBef>
+              <a:spcAft>
+                <a:spcPts val="0"/>
+              </a:spcAft>
+              <a:buSzPct val="100000"/>
+              <a:buNone/>
+              <a:defRPr sz="2400" b="0" i="0" u="none" strike="noStrike" cap="none" baseline="0">
+                <a:solidFill>
+                  <a:srgbClr val="000000"/>
+                </a:solidFill>
+                <a:latin typeface="Arial"/>
+                <a:ea typeface="Arial"/>
+                <a:cs typeface="Arial"/>
+                <a:sym typeface="Arial"/>
+                <a:rtl val="0"/>
+              </a:defRPr>
+            </a:lvl2pPr>
+            <a:lvl3pPr marR="0" algn="l" rtl="0">
+              <a:lnSpc>
+                <a:spcPct val="100000"/>
+              </a:lnSpc>
+              <a:spcBef>
+                <a:spcPts val="0"/>
+              </a:spcBef>
+              <a:spcAft>
+                <a:spcPts val="0"/>
+              </a:spcAft>
+              <a:buSzPct val="100000"/>
+              <a:buNone/>
+              <a:defRPr sz="2400" b="0" i="0" u="none" strike="noStrike" cap="none" baseline="0">
+                <a:solidFill>
+                  <a:srgbClr val="000000"/>
+                </a:solidFill>
+                <a:latin typeface="Arial"/>
+                <a:ea typeface="Arial"/>
+                <a:cs typeface="Arial"/>
+                <a:sym typeface="Arial"/>
+                <a:rtl val="0"/>
+              </a:defRPr>
+            </a:lvl3pPr>
+            <a:lvl4pPr marR="0" algn="l" rtl="0">
+              <a:lnSpc>
+                <a:spcPct val="100000"/>
+              </a:lnSpc>
+              <a:spcBef>
+                <a:spcPts val="0"/>
+              </a:spcBef>
+              <a:spcAft>
+                <a:spcPts val="0"/>
+              </a:spcAft>
+              <a:buSzPct val="100000"/>
+              <a:buNone/>
+              <a:defRPr sz="1800" b="0" i="0" u="none" strike="noStrike" cap="none" baseline="0">
+                <a:solidFill>
+                  <a:srgbClr val="000000"/>
+                </a:solidFill>
+                <a:latin typeface="Arial"/>
+                <a:ea typeface="Arial"/>
+                <a:cs typeface="Arial"/>
+                <a:sym typeface="Arial"/>
+                <a:rtl val="0"/>
+              </a:defRPr>
+            </a:lvl4pPr>
+            <a:lvl5pPr marR="0" algn="l" rtl="0">
+              <a:lnSpc>
+                <a:spcPct val="100000"/>
+              </a:lnSpc>
+              <a:spcBef>
+                <a:spcPts val="0"/>
+              </a:spcBef>
+              <a:spcAft>
+                <a:spcPts val="0"/>
+              </a:spcAft>
+              <a:buSzPct val="100000"/>
+              <a:buNone/>
+              <a:defRPr sz="1800" b="0" i="0" u="none" strike="noStrike" cap="none" baseline="0">
+                <a:solidFill>
+                  <a:srgbClr val="000000"/>
+                </a:solidFill>
+                <a:latin typeface="Arial"/>
+                <a:ea typeface="Arial"/>
+                <a:cs typeface="Arial"/>
+                <a:sym typeface="Arial"/>
+                <a:rtl val="0"/>
+              </a:defRPr>
+            </a:lvl5pPr>
+            <a:lvl6pPr marR="0" algn="l" rtl="0">
+              <a:lnSpc>
+                <a:spcPct val="100000"/>
+              </a:lnSpc>
+              <a:spcBef>
+                <a:spcPts val="0"/>
+              </a:spcBef>
+              <a:spcAft>
+                <a:spcPts val="0"/>
+              </a:spcAft>
+              <a:buSzPct val="100000"/>
+              <a:buNone/>
+              <a:defRPr sz="1800" b="0" i="0" u="none" strike="noStrike" cap="none" baseline="0">
+                <a:solidFill>
+                  <a:srgbClr val="000000"/>
+                </a:solidFill>
+                <a:latin typeface="Arial"/>
+                <a:ea typeface="Arial"/>
+                <a:cs typeface="Arial"/>
+                <a:sym typeface="Arial"/>
+                <a:rtl val="0"/>
+              </a:defRPr>
+            </a:lvl6pPr>
+            <a:lvl7pPr marR="0" algn="l" rtl="0">
+              <a:lnSpc>
+                <a:spcPct val="100000"/>
+              </a:lnSpc>
+              <a:spcBef>
+                <a:spcPts val="0"/>
+              </a:spcBef>
+              <a:spcAft>
+                <a:spcPts val="0"/>
+              </a:spcAft>
+              <a:buSzPct val="100000"/>
+              <a:buNone/>
+              <a:defRPr sz="1800" b="0" i="0" u="none" strike="noStrike" cap="none" baseline="0">
+                <a:solidFill>
+                  <a:srgbClr val="000000"/>
+                </a:solidFill>
+                <a:latin typeface="Arial"/>
+                <a:ea typeface="Arial"/>
+                <a:cs typeface="Arial"/>
+                <a:sym typeface="Arial"/>
+                <a:rtl val="0"/>
+              </a:defRPr>
+            </a:lvl7pPr>
+            <a:lvl8pPr marR="0" algn="l" rtl="0">
+              <a:lnSpc>
+                <a:spcPct val="100000"/>
+              </a:lnSpc>
+              <a:spcBef>
+                <a:spcPts val="0"/>
+              </a:spcBef>
+              <a:spcAft>
+                <a:spcPts val="0"/>
+              </a:spcAft>
+              <a:buSzPct val="100000"/>
+              <a:buNone/>
+              <a:defRPr sz="1800" b="0" i="0" u="none" strike="noStrike" cap="none" baseline="0">
+                <a:solidFill>
+                  <a:srgbClr val="000000"/>
+                </a:solidFill>
+                <a:latin typeface="Arial"/>
+                <a:ea typeface="Arial"/>
+                <a:cs typeface="Arial"/>
+                <a:sym typeface="Arial"/>
+                <a:rtl val="0"/>
+              </a:defRPr>
+            </a:lvl8pPr>
+            <a:lvl9pPr marR="0" algn="l" rtl="0">
+              <a:lnSpc>
+                <a:spcPct val="100000"/>
+              </a:lnSpc>
+              <a:spcBef>
+                <a:spcPts val="0"/>
+              </a:spcBef>
+              <a:spcAft>
+                <a:spcPts val="0"/>
+              </a:spcAft>
+              <a:buSzPct val="100000"/>
+              <a:buNone/>
+              <a:defRPr sz="1800" b="0" i="0" u="none" strike="noStrike" cap="none" baseline="0">
+                <a:solidFill>
+                  <a:srgbClr val="000000"/>
+                </a:solidFill>
+                <a:latin typeface="Arial"/>
+                <a:ea typeface="Arial"/>
+                <a:cs typeface="Arial"/>
+                <a:sym typeface="Arial"/>
+                <a:rtl val="0"/>
+              </a:defRPr>
+            </a:lvl9pPr>
+          </a:lstStyle>
           <a:p>
             <a:pPr marL="381000" lvl="0" indent="-342900">
               <a:buClr>
@@ -13029,7 +15957,7 @@
                                 </p:cTn>
                               </p:par>
                               <p:par>
-                                <p:cTn id="13" presetID="10" presetClass="entr" presetSubtype="0" fill="hold" nodeType="withEffect">
+                                <p:cTn id="13" presetID="10" presetClass="entr" presetSubtype="0" fill="hold" grpId="0" nodeType="withEffect">
                                   <p:stCondLst>
                                     <p:cond delay="0"/>
                                   </p:stCondLst>
@@ -13042,7 +15970,7 @@
                                           </p:stCondLst>
                                         </p:cTn>
                                         <p:tgtEl>
-                                          <p:spTgt spid="4"/>
+                                          <p:spTgt spid="9"/>
                                         </p:tgtEl>
                                         <p:attrNameLst>
                                           <p:attrName>style.visibility</p:attrName>
@@ -13056,7 +15984,7 @@
                                       <p:cBhvr>
                                         <p:cTn id="15" dur="500"/>
                                         <p:tgtEl>
-                                          <p:spTgt spid="4"/>
+                                          <p:spTgt spid="9"/>
                                         </p:tgtEl>
                                       </p:cBhvr>
                                     </p:animEffect>
@@ -13082,7 +16010,7 @@
                             </p:stCondLst>
                             <p:childTnLst>
                               <p:par>
-                                <p:cTn id="18" presetID="10" presetClass="entr" presetSubtype="0" fill="hold" grpId="0" nodeType="clickEffect">
+                                <p:cTn id="18" presetID="10" presetClass="entr" presetSubtype="0" fill="hold" nodeType="clickEffect">
                                   <p:stCondLst>
                                     <p:cond delay="0"/>
                                   </p:stCondLst>
@@ -13090,6 +16018,94 @@
                                     <p:set>
                                       <p:cBhvr>
                                         <p:cTn id="19" dur="1" fill="hold">
+                                          <p:stCondLst>
+                                            <p:cond delay="0"/>
+                                          </p:stCondLst>
+                                        </p:cTn>
+                                        <p:tgtEl>
+                                          <p:spTgt spid="4"/>
+                                        </p:tgtEl>
+                                        <p:attrNameLst>
+                                          <p:attrName>style.visibility</p:attrName>
+                                        </p:attrNameLst>
+                                      </p:cBhvr>
+                                      <p:to>
+                                        <p:strVal val="visible"/>
+                                      </p:to>
+                                    </p:set>
+                                    <p:animEffect transition="in" filter="fade">
+                                      <p:cBhvr>
+                                        <p:cTn id="20" dur="500"/>
+                                        <p:tgtEl>
+                                          <p:spTgt spid="4"/>
+                                        </p:tgtEl>
+                                      </p:cBhvr>
+                                    </p:animEffect>
+                                  </p:childTnLst>
+                                </p:cTn>
+                              </p:par>
+                              <p:par>
+                                <p:cTn id="21" presetID="10" presetClass="entr" presetSubtype="0" fill="hold" nodeType="withEffect">
+                                  <p:stCondLst>
+                                    <p:cond delay="0"/>
+                                  </p:stCondLst>
+                                  <p:childTnLst>
+                                    <p:set>
+                                      <p:cBhvr>
+                                        <p:cTn id="22" dur="1" fill="hold">
+                                          <p:stCondLst>
+                                            <p:cond delay="0"/>
+                                          </p:stCondLst>
+                                        </p:cTn>
+                                        <p:tgtEl>
+                                          <p:spTgt spid="4100"/>
+                                        </p:tgtEl>
+                                        <p:attrNameLst>
+                                          <p:attrName>style.visibility</p:attrName>
+                                        </p:attrNameLst>
+                                      </p:cBhvr>
+                                      <p:to>
+                                        <p:strVal val="visible"/>
+                                      </p:to>
+                                    </p:set>
+                                    <p:animEffect transition="in" filter="fade">
+                                      <p:cBhvr>
+                                        <p:cTn id="23" dur="500"/>
+                                        <p:tgtEl>
+                                          <p:spTgt spid="4100"/>
+                                        </p:tgtEl>
+                                      </p:cBhvr>
+                                    </p:animEffect>
+                                  </p:childTnLst>
+                                </p:cTn>
+                              </p:par>
+                            </p:childTnLst>
+                          </p:cTn>
+                        </p:par>
+                      </p:childTnLst>
+                    </p:cTn>
+                  </p:par>
+                  <p:par>
+                    <p:cTn id="24" fill="hold">
+                      <p:stCondLst>
+                        <p:cond delay="indefinite"/>
+                      </p:stCondLst>
+                      <p:childTnLst>
+                        <p:par>
+                          <p:cTn id="25" fill="hold">
+                            <p:stCondLst>
+                              <p:cond delay="0"/>
+                            </p:stCondLst>
+                            <p:childTnLst>
+                              <p:par>
+                                <p:cTn id="26" presetID="10" presetClass="entr" presetSubtype="0" fill="hold" grpId="0" nodeType="clickEffect">
+                                  <p:stCondLst>
+                                    <p:cond delay="0"/>
+                                  </p:stCondLst>
+                                  <p:childTnLst>
+                                    <p:set>
+                                      <p:cBhvr>
+                                        <p:cTn id="27" dur="1" fill="hold">
                                           <p:stCondLst>
                                             <p:cond delay="0"/>
                                           </p:stCondLst>
@@ -13107,7 +16123,7 @@
                                     </p:set>
                                     <p:animEffect transition="in" filter="fade">
                                       <p:cBhvr>
-                                        <p:cTn id="20" dur="500"/>
+                                        <p:cTn id="28" dur="500"/>
                                         <p:tgtEl>
                                           <p:spTgt spid="5"/>
                                         </p:tgtEl>
@@ -13147,6 +16163,7 @@
       <p:bldP spid="168" grpId="0" build="p"/>
       <p:bldP spid="5" grpId="0"/>
       <p:bldP spid="6" grpId="0"/>
+      <p:bldP spid="9" grpId="0"/>
     </p:bldLst>
   </p:timing>
 </p:sld>
@@ -13215,7 +16232,7 @@
         <p:spPr>
           <a:xfrm>
             <a:off x="457200" y="765717"/>
-            <a:ext cx="8229600" cy="4160133"/>
+            <a:ext cx="8534400" cy="891633"/>
           </a:xfrm>
           <a:prstGeom prst="rect">
             <a:avLst/>
@@ -13227,6 +16244,333 @@
           </a:bodyPr>
           <a:lstStyle/>
           <a:p>
+            <a:pPr marL="38100">
+              <a:buClr>
+                <a:srgbClr val="000000"/>
+              </a:buClr>
+            </a:pPr>
+            <a:r>
+              <a:rPr lang="en-US" sz="2400" dirty="0"/>
+              <a:t>FP is all about programming with “</a:t>
+            </a:r>
+            <a:r>
+              <a:rPr lang="en-US" sz="2400" b="1" i="1" u="sng" dirty="0"/>
+              <a:t>pure functions</a:t>
+            </a:r>
+            <a:r>
+              <a:rPr lang="en-US" sz="2400" dirty="0"/>
+              <a:t>” and “</a:t>
+            </a:r>
+            <a:r>
+              <a:rPr lang="en-US" sz="2400" i="1" dirty="0"/>
+              <a:t>functions</a:t>
+            </a:r>
+            <a:r>
+              <a:rPr lang="en-US" sz="2400" dirty="0"/>
+              <a:t>”</a:t>
+            </a:r>
+          </a:p>
+        </p:txBody>
+      </p:sp>
+      <p:pic>
+        <p:nvPicPr>
+          <p:cNvPr id="3074" name="Picture 2" descr="Image result for pure functions + programming  + funny image">
+            <a:extLst>
+              <a:ext uri="{FF2B5EF4-FFF2-40B4-BE49-F238E27FC236}">
+                <a16:creationId xmlns:a16="http://schemas.microsoft.com/office/drawing/2014/main" id="{0E717450-3B60-49E1-A4DA-80E5A2FD6709}"/>
+              </a:ext>
+            </a:extLst>
+          </p:cNvPr>
+          <p:cNvPicPr>
+            <a:picLocks noChangeAspect="1" noChangeArrowheads="1"/>
+          </p:cNvPicPr>
+          <p:nvPr/>
+        </p:nvPicPr>
+        <p:blipFill>
+          <a:blip r:embed="rId3">
+            <a:extLst>
+              <a:ext uri="{28A0092B-C50C-407E-A947-70E740481C1C}">
+                <a14:useLocalDpi xmlns:a14="http://schemas.microsoft.com/office/drawing/2010/main" val="0"/>
+              </a:ext>
+            </a:extLst>
+          </a:blip>
+          <a:srcRect/>
+          <a:stretch>
+            <a:fillRect/>
+          </a:stretch>
+        </p:blipFill>
+        <p:spPr bwMode="auto">
+          <a:xfrm>
+            <a:off x="609600" y="1659900"/>
+            <a:ext cx="3153449" cy="3200400"/>
+          </a:xfrm>
+          <a:prstGeom prst="rect">
+            <a:avLst/>
+          </a:prstGeom>
+          <a:noFill/>
+          <a:extLst>
+            <a:ext uri="{909E8E84-426E-40DD-AFC4-6F175D3DCCD1}">
+              <a14:hiddenFill xmlns:a14="http://schemas.microsoft.com/office/drawing/2010/main">
+                <a:solidFill>
+                  <a:srgbClr val="FFFFFF"/>
+                </a:solidFill>
+              </a14:hiddenFill>
+            </a:ext>
+          </a:extLst>
+        </p:spPr>
+      </p:pic>
+      <p:sp>
+        <p:nvSpPr>
+          <p:cNvPr id="6" name="Shape 168">
+            <a:extLst>
+              <a:ext uri="{FF2B5EF4-FFF2-40B4-BE49-F238E27FC236}">
+                <a16:creationId xmlns:a16="http://schemas.microsoft.com/office/drawing/2014/main" id="{2BF23A90-5D88-4C93-9487-DD4DE2CCC84C}"/>
+              </a:ext>
+            </a:extLst>
+          </p:cNvPr>
+          <p:cNvSpPr txBox="1">
+            <a:spLocks/>
+          </p:cNvSpPr>
+          <p:nvPr/>
+        </p:nvSpPr>
+        <p:spPr>
+          <a:xfrm>
+            <a:off x="3839249" y="1733550"/>
+            <a:ext cx="5152351" cy="3409950"/>
+          </a:xfrm>
+          <a:prstGeom prst="rect">
+            <a:avLst/>
+          </a:prstGeom>
+          <a:noFill/>
+          <a:ln>
+            <a:noFill/>
+          </a:ln>
+        </p:spPr>
+        <p:txBody>
+          <a:bodyPr lIns="91425" tIns="91425" rIns="91425" bIns="91425" anchor="t" anchorCtr="0">
+            <a:noAutofit/>
+          </a:bodyPr>
+          <a:lstStyle>
+            <a:defPPr marR="0" algn="l" rtl="0">
+              <a:lnSpc>
+                <a:spcPct val="100000"/>
+              </a:lnSpc>
+              <a:spcBef>
+                <a:spcPts val="0"/>
+              </a:spcBef>
+              <a:spcAft>
+                <a:spcPts val="0"/>
+              </a:spcAft>
+            </a:defPPr>
+            <a:lvl1pPr marR="0" algn="l" rtl="0">
+              <a:lnSpc>
+                <a:spcPct val="100000"/>
+              </a:lnSpc>
+              <a:spcBef>
+                <a:spcPts val="0"/>
+              </a:spcBef>
+              <a:spcAft>
+                <a:spcPts val="0"/>
+              </a:spcAft>
+              <a:buSzPct val="100000"/>
+              <a:buNone/>
+              <a:defRPr sz="3000" b="0" i="0" u="none" strike="noStrike" cap="none" baseline="0">
+                <a:solidFill>
+                  <a:srgbClr val="000000"/>
+                </a:solidFill>
+                <a:latin typeface="Arial"/>
+                <a:ea typeface="Arial"/>
+                <a:cs typeface="Arial"/>
+                <a:sym typeface="Arial"/>
+                <a:rtl val="0"/>
+              </a:defRPr>
+            </a:lvl1pPr>
+            <a:lvl2pPr marR="0" algn="l" rtl="0">
+              <a:lnSpc>
+                <a:spcPct val="100000"/>
+              </a:lnSpc>
+              <a:spcBef>
+                <a:spcPts val="0"/>
+              </a:spcBef>
+              <a:spcAft>
+                <a:spcPts val="0"/>
+              </a:spcAft>
+              <a:buSzPct val="100000"/>
+              <a:buNone/>
+              <a:defRPr sz="2400" b="0" i="0" u="none" strike="noStrike" cap="none" baseline="0">
+                <a:solidFill>
+                  <a:srgbClr val="000000"/>
+                </a:solidFill>
+                <a:latin typeface="Arial"/>
+                <a:ea typeface="Arial"/>
+                <a:cs typeface="Arial"/>
+                <a:sym typeface="Arial"/>
+                <a:rtl val="0"/>
+              </a:defRPr>
+            </a:lvl2pPr>
+            <a:lvl3pPr marR="0" algn="l" rtl="0">
+              <a:lnSpc>
+                <a:spcPct val="100000"/>
+              </a:lnSpc>
+              <a:spcBef>
+                <a:spcPts val="0"/>
+              </a:spcBef>
+              <a:spcAft>
+                <a:spcPts val="0"/>
+              </a:spcAft>
+              <a:buSzPct val="100000"/>
+              <a:buNone/>
+              <a:defRPr sz="2400" b="0" i="0" u="none" strike="noStrike" cap="none" baseline="0">
+                <a:solidFill>
+                  <a:srgbClr val="000000"/>
+                </a:solidFill>
+                <a:latin typeface="Arial"/>
+                <a:ea typeface="Arial"/>
+                <a:cs typeface="Arial"/>
+                <a:sym typeface="Arial"/>
+                <a:rtl val="0"/>
+              </a:defRPr>
+            </a:lvl3pPr>
+            <a:lvl4pPr marR="0" algn="l" rtl="0">
+              <a:lnSpc>
+                <a:spcPct val="100000"/>
+              </a:lnSpc>
+              <a:spcBef>
+                <a:spcPts val="0"/>
+              </a:spcBef>
+              <a:spcAft>
+                <a:spcPts val="0"/>
+              </a:spcAft>
+              <a:buSzPct val="100000"/>
+              <a:buNone/>
+              <a:defRPr sz="1800" b="0" i="0" u="none" strike="noStrike" cap="none" baseline="0">
+                <a:solidFill>
+                  <a:srgbClr val="000000"/>
+                </a:solidFill>
+                <a:latin typeface="Arial"/>
+                <a:ea typeface="Arial"/>
+                <a:cs typeface="Arial"/>
+                <a:sym typeface="Arial"/>
+                <a:rtl val="0"/>
+              </a:defRPr>
+            </a:lvl4pPr>
+            <a:lvl5pPr marR="0" algn="l" rtl="0">
+              <a:lnSpc>
+                <a:spcPct val="100000"/>
+              </a:lnSpc>
+              <a:spcBef>
+                <a:spcPts val="0"/>
+              </a:spcBef>
+              <a:spcAft>
+                <a:spcPts val="0"/>
+              </a:spcAft>
+              <a:buSzPct val="100000"/>
+              <a:buNone/>
+              <a:defRPr sz="1800" b="0" i="0" u="none" strike="noStrike" cap="none" baseline="0">
+                <a:solidFill>
+                  <a:srgbClr val="000000"/>
+                </a:solidFill>
+                <a:latin typeface="Arial"/>
+                <a:ea typeface="Arial"/>
+                <a:cs typeface="Arial"/>
+                <a:sym typeface="Arial"/>
+                <a:rtl val="0"/>
+              </a:defRPr>
+            </a:lvl5pPr>
+            <a:lvl6pPr marR="0" algn="l" rtl="0">
+              <a:lnSpc>
+                <a:spcPct val="100000"/>
+              </a:lnSpc>
+              <a:spcBef>
+                <a:spcPts val="0"/>
+              </a:spcBef>
+              <a:spcAft>
+                <a:spcPts val="0"/>
+              </a:spcAft>
+              <a:buSzPct val="100000"/>
+              <a:buNone/>
+              <a:defRPr sz="1800" b="0" i="0" u="none" strike="noStrike" cap="none" baseline="0">
+                <a:solidFill>
+                  <a:srgbClr val="000000"/>
+                </a:solidFill>
+                <a:latin typeface="Arial"/>
+                <a:ea typeface="Arial"/>
+                <a:cs typeface="Arial"/>
+                <a:sym typeface="Arial"/>
+                <a:rtl val="0"/>
+              </a:defRPr>
+            </a:lvl6pPr>
+            <a:lvl7pPr marR="0" algn="l" rtl="0">
+              <a:lnSpc>
+                <a:spcPct val="100000"/>
+              </a:lnSpc>
+              <a:spcBef>
+                <a:spcPts val="0"/>
+              </a:spcBef>
+              <a:spcAft>
+                <a:spcPts val="0"/>
+              </a:spcAft>
+              <a:buSzPct val="100000"/>
+              <a:buNone/>
+              <a:defRPr sz="1800" b="0" i="0" u="none" strike="noStrike" cap="none" baseline="0">
+                <a:solidFill>
+                  <a:srgbClr val="000000"/>
+                </a:solidFill>
+                <a:latin typeface="Arial"/>
+                <a:ea typeface="Arial"/>
+                <a:cs typeface="Arial"/>
+                <a:sym typeface="Arial"/>
+                <a:rtl val="0"/>
+              </a:defRPr>
+            </a:lvl7pPr>
+            <a:lvl8pPr marR="0" algn="l" rtl="0">
+              <a:lnSpc>
+                <a:spcPct val="100000"/>
+              </a:lnSpc>
+              <a:spcBef>
+                <a:spcPts val="0"/>
+              </a:spcBef>
+              <a:spcAft>
+                <a:spcPts val="0"/>
+              </a:spcAft>
+              <a:buSzPct val="100000"/>
+              <a:buNone/>
+              <a:defRPr sz="1800" b="0" i="0" u="none" strike="noStrike" cap="none" baseline="0">
+                <a:solidFill>
+                  <a:srgbClr val="000000"/>
+                </a:solidFill>
+                <a:latin typeface="Arial"/>
+                <a:ea typeface="Arial"/>
+                <a:cs typeface="Arial"/>
+                <a:sym typeface="Arial"/>
+                <a:rtl val="0"/>
+              </a:defRPr>
+            </a:lvl8pPr>
+            <a:lvl9pPr marR="0" algn="l" rtl="0">
+              <a:lnSpc>
+                <a:spcPct val="100000"/>
+              </a:lnSpc>
+              <a:spcBef>
+                <a:spcPts val="0"/>
+              </a:spcBef>
+              <a:spcAft>
+                <a:spcPts val="0"/>
+              </a:spcAft>
+              <a:buSzPct val="100000"/>
+              <a:buNone/>
+              <a:defRPr sz="1800" b="0" i="0" u="none" strike="noStrike" cap="none" baseline="0">
+                <a:solidFill>
+                  <a:srgbClr val="000000"/>
+                </a:solidFill>
+                <a:latin typeface="Arial"/>
+                <a:ea typeface="Arial"/>
+                <a:cs typeface="Arial"/>
+                <a:sym typeface="Arial"/>
+                <a:rtl val="0"/>
+              </a:defRPr>
+            </a:lvl9pPr>
+          </a:lstStyle>
+          <a:p>
             <a:pPr marL="457200" indent="-419100">
               <a:buClr>
                 <a:srgbClr val="000000"/>
@@ -13236,18 +16580,8 @@
             </a:pPr>
             <a:r>
               <a:rPr lang="en-US" sz="2400" dirty="0"/>
-              <a:t>FP is all about programming with “pure functions” and “functions”</a:t>
+              <a:t>Output of Pure function depends only on Input parameters</a:t>
             </a:r>
-          </a:p>
-          <a:p>
-            <a:pPr marL="457200" indent="-419100">
-              <a:buClr>
-                <a:srgbClr val="000000"/>
-              </a:buClr>
-              <a:buFont typeface="Arial"/>
-              <a:buChar char="●"/>
-            </a:pPr>
-            <a:endParaRPr lang="en-US" sz="2400" dirty="0"/>
           </a:p>
           <a:p>
             <a:pPr marL="457200" indent="-419100">
@@ -13259,8 +16593,29 @@
             </a:pPr>
             <a:r>
               <a:rPr lang="en-US" sz="2400" dirty="0"/>
-              <a:t>What is a Pure function?</a:t>
+              <a:t>Given the same input, it always returns the same value</a:t>
             </a:r>
+          </a:p>
+          <a:p>
+            <a:pPr marL="457200" indent="-419100">
+              <a:buClr>
+                <a:srgbClr val="000000"/>
+              </a:buClr>
+              <a:buFont typeface="Arial"/>
+              <a:buChar char="●"/>
+            </a:pPr>
+            <a:r>
+              <a:rPr lang="en-US" sz="2400" dirty="0"/>
+              <a:t>It does not have any side effects</a:t>
+            </a:r>
+          </a:p>
+          <a:p>
+            <a:pPr marL="403225">
+              <a:buClr>
+                <a:srgbClr val="000000"/>
+              </a:buClr>
+            </a:pPr>
+            <a:endParaRPr lang="en-US" sz="2400" dirty="0"/>
           </a:p>
           <a:p>
             <a:pPr marL="746125" indent="-342900">
@@ -13271,56 +16626,7 @@
               <a:buChar char="o"/>
             </a:pPr>
             <a:r>
-              <a:rPr lang="en-US" sz="2000" dirty="0"/>
-              <a:t>Output of Pure function depends only on Input parameters</a:t>
-            </a:r>
-          </a:p>
-          <a:p>
-            <a:pPr marL="746125" indent="-342900">
-              <a:buClr>
-                <a:srgbClr val="000000"/>
-              </a:buClr>
-              <a:buFont typeface="Courier New" panose="02070309020205020404" pitchFamily="49" charset="0"/>
-              <a:buChar char="o"/>
-            </a:pPr>
-            <a:r>
-              <a:rPr lang="en-US" sz="2000" dirty="0"/>
-              <a:t>Given the same input, it always returns the same value</a:t>
-            </a:r>
-          </a:p>
-          <a:p>
-            <a:pPr marL="746125" indent="-342900">
-              <a:buClr>
-                <a:srgbClr val="000000"/>
-              </a:buClr>
-              <a:buFont typeface="Courier New" panose="02070309020205020404" pitchFamily="49" charset="0"/>
-              <a:buChar char="o"/>
-            </a:pPr>
-            <a:r>
-              <a:rPr lang="en-US" sz="2000" dirty="0"/>
-              <a:t>It does not have any side effects</a:t>
-            </a:r>
-          </a:p>
-          <a:p>
-            <a:pPr marL="746125" indent="-342900">
-              <a:buClr>
-                <a:srgbClr val="000000"/>
-              </a:buClr>
-              <a:buFont typeface="Courier New" panose="02070309020205020404" pitchFamily="49" charset="0"/>
-              <a:buChar char="o"/>
-            </a:pPr>
-            <a:endParaRPr lang="en-US" sz="2000" dirty="0"/>
-          </a:p>
-          <a:p>
-            <a:pPr marL="746125" indent="-342900">
-              <a:buClr>
-                <a:srgbClr val="000000"/>
-              </a:buClr>
-              <a:buFont typeface="Courier New" panose="02070309020205020404" pitchFamily="49" charset="0"/>
-              <a:buChar char="o"/>
-            </a:pPr>
-            <a:r>
-              <a:rPr lang="en-US" sz="2000" dirty="0"/>
+              <a:rPr lang="en-US" sz="2400" dirty="0"/>
               <a:t>f(x) = 2 * x + 1</a:t>
             </a:r>
           </a:p>
@@ -13333,7 +16639,7 @@
               <a:buChar char="o"/>
             </a:pPr>
             <a:r>
-              <a:rPr lang="en-US" sz="2000" dirty="0"/>
+              <a:rPr lang="en-US" sz="2400" dirty="0"/>
               <a:t>f(2) = 2 * 2 + 1 = 5</a:t>
             </a:r>
           </a:p>
@@ -13447,11 +16753,7 @@
                                           </p:stCondLst>
                                         </p:cTn>
                                         <p:tgtEl>
-                                          <p:spTgt spid="168">
-                                            <p:txEl>
-                                              <p:pRg st="2" end="2"/>
-                                            </p:txEl>
-                                          </p:spTgt>
+                                          <p:spTgt spid="3074"/>
                                         </p:tgtEl>
                                         <p:attrNameLst>
                                           <p:attrName>style.visibility</p:attrName>
@@ -13465,11 +16767,7 @@
                                       <p:cBhvr>
                                         <p:cTn id="12" dur="500"/>
                                         <p:tgtEl>
-                                          <p:spTgt spid="168">
-                                            <p:txEl>
-                                              <p:pRg st="2" end="2"/>
-                                            </p:txEl>
-                                          </p:spTgt>
+                                          <p:spTgt spid="3074"/>
                                         </p:tgtEl>
                                       </p:cBhvr>
                                     </p:animEffect>
@@ -13508,9 +16806,9 @@
                                           </p:stCondLst>
                                         </p:cTn>
                                         <p:tgtEl>
-                                          <p:spTgt spid="168">
+                                          <p:spTgt spid="6">
                                             <p:txEl>
-                                              <p:pRg st="3" end="3"/>
+                                              <p:pRg st="0" end="0"/>
                                             </p:txEl>
                                           </p:spTgt>
                                         </p:tgtEl>
@@ -13526,9 +16824,9 @@
                                       <p:cBhvr>
                                         <p:cTn id="17" dur="500"/>
                                         <p:tgtEl>
-                                          <p:spTgt spid="168">
+                                          <p:spTgt spid="6">
                                             <p:txEl>
-                                              <p:pRg st="3" end="3"/>
+                                              <p:pRg st="0" end="0"/>
                                             </p:txEl>
                                           </p:spTgt>
                                         </p:tgtEl>
@@ -13569,9 +16867,9 @@
                                           </p:stCondLst>
                                         </p:cTn>
                                         <p:tgtEl>
-                                          <p:spTgt spid="168">
+                                          <p:spTgt spid="6">
                                             <p:txEl>
-                                              <p:pRg st="4" end="4"/>
+                                              <p:pRg st="1" end="1"/>
                                             </p:txEl>
                                           </p:spTgt>
                                         </p:tgtEl>
@@ -13587,9 +16885,9 @@
                                       <p:cBhvr>
                                         <p:cTn id="22" dur="500"/>
                                         <p:tgtEl>
-                                          <p:spTgt spid="168">
+                                          <p:spTgt spid="6">
                                             <p:txEl>
-                                              <p:pRg st="4" end="4"/>
+                                              <p:pRg st="1" end="1"/>
                                             </p:txEl>
                                           </p:spTgt>
                                         </p:tgtEl>
@@ -13630,9 +16928,9 @@
                                           </p:stCondLst>
                                         </p:cTn>
                                         <p:tgtEl>
-                                          <p:spTgt spid="168">
+                                          <p:spTgt spid="6">
                                             <p:txEl>
-                                              <p:pRg st="5" end="5"/>
+                                              <p:pRg st="2" end="2"/>
                                             </p:txEl>
                                           </p:spTgt>
                                         </p:tgtEl>
@@ -13648,9 +16946,9 @@
                                       <p:cBhvr>
                                         <p:cTn id="27" dur="500"/>
                                         <p:tgtEl>
-                                          <p:spTgt spid="168">
+                                          <p:spTgt spid="6">
                                             <p:txEl>
-                                              <p:pRg st="5" end="5"/>
+                                              <p:pRg st="2" end="2"/>
                                             </p:txEl>
                                           </p:spTgt>
                                         </p:tgtEl>
@@ -13691,9 +16989,9 @@
                                           </p:stCondLst>
                                         </p:cTn>
                                         <p:tgtEl>
-                                          <p:spTgt spid="168">
+                                          <p:spTgt spid="6">
                                             <p:txEl>
-                                              <p:pRg st="7" end="7"/>
+                                              <p:pRg st="4" end="4"/>
                                             </p:txEl>
                                           </p:spTgt>
                                         </p:tgtEl>
@@ -13709,9 +17007,9 @@
                                       <p:cBhvr>
                                         <p:cTn id="32" dur="500"/>
                                         <p:tgtEl>
-                                          <p:spTgt spid="168">
+                                          <p:spTgt spid="6">
                                             <p:txEl>
-                                              <p:pRg st="7" end="7"/>
+                                              <p:pRg st="4" end="4"/>
                                             </p:txEl>
                                           </p:spTgt>
                                         </p:tgtEl>
@@ -13734,9 +17032,9 @@
                                           </p:stCondLst>
                                         </p:cTn>
                                         <p:tgtEl>
-                                          <p:spTgt spid="168">
+                                          <p:spTgt spid="6">
                                             <p:txEl>
-                                              <p:pRg st="8" end="8"/>
+                                              <p:pRg st="5" end="5"/>
                                             </p:txEl>
                                           </p:spTgt>
                                         </p:tgtEl>
@@ -13752,9 +17050,9 @@
                                       <p:cBhvr>
                                         <p:cTn id="35" dur="500"/>
                                         <p:tgtEl>
-                                          <p:spTgt spid="168">
+                                          <p:spTgt spid="6">
                                             <p:txEl>
-                                              <p:pRg st="8" end="8"/>
+                                              <p:pRg st="5" end="5"/>
                                             </p:txEl>
                                           </p:spTgt>
                                         </p:tgtEl>
@@ -13857,7 +17155,7 @@
         <p:spPr>
           <a:xfrm>
             <a:off x="457200" y="765717"/>
-            <a:ext cx="8229600" cy="4160133"/>
+            <a:ext cx="8229600" cy="1729833"/>
           </a:xfrm>
           <a:prstGeom prst="rect">
             <a:avLst/>
@@ -13972,8 +17270,8 @@
         </p:blipFill>
         <p:spPr bwMode="auto">
           <a:xfrm>
-            <a:off x="838200" y="2495550"/>
-            <a:ext cx="2667000" cy="2064640"/>
+            <a:off x="515078" y="2495550"/>
+            <a:ext cx="3322800" cy="2572323"/>
           </a:xfrm>
           <a:prstGeom prst="rect">
             <a:avLst/>
@@ -14013,7 +17311,7 @@
         <p:spPr>
           <a:xfrm>
             <a:off x="4290262" y="2495550"/>
-            <a:ext cx="3571875" cy="2009775"/>
+            <a:ext cx="4548938" cy="2559536"/>
           </a:xfrm>
           <a:prstGeom prst="rect">
             <a:avLst/>

--- a/Functional Programming with Java 8.pptx
+++ b/Functional Programming with Java 8.pptx
@@ -5366,7 +5366,7 @@
         </p:nvSpPr>
         <p:spPr>
           <a:xfrm>
-            <a:off x="699000" y="3867150"/>
+            <a:off x="699600" y="4095750"/>
             <a:ext cx="7772400" cy="784737"/>
           </a:xfrm>
           <a:prstGeom prst="rect">
@@ -5421,8 +5421,8 @@
         </p:blipFill>
         <p:spPr bwMode="auto">
           <a:xfrm>
-            <a:off x="2895600" y="2114550"/>
-            <a:ext cx="3152775" cy="1447800"/>
+            <a:off x="2514600" y="2016356"/>
+            <a:ext cx="4314324" cy="1981200"/>
           </a:xfrm>
           <a:prstGeom prst="rect">
             <a:avLst/>
@@ -5585,6 +5585,36 @@
           </a:p>
         </p:txBody>
       </p:sp>
+      <p:pic>
+        <p:nvPicPr>
+          <p:cNvPr id="2" name="Picture 1">
+            <a:extLst>
+              <a:ext uri="{FF2B5EF4-FFF2-40B4-BE49-F238E27FC236}">
+                <a16:creationId xmlns:a16="http://schemas.microsoft.com/office/drawing/2014/main" id="{C74FA0DA-D59B-48ED-BE64-5A06601FAA22}"/>
+              </a:ext>
+            </a:extLst>
+          </p:cNvPr>
+          <p:cNvPicPr>
+            <a:picLocks noChangeAspect="1"/>
+          </p:cNvPicPr>
+          <p:nvPr/>
+        </p:nvPicPr>
+        <p:blipFill>
+          <a:blip r:embed="rId3"/>
+          <a:stretch>
+            <a:fillRect/>
+          </a:stretch>
+        </p:blipFill>
+        <p:spPr>
+          <a:xfrm>
+            <a:off x="4826100" y="1225594"/>
+            <a:ext cx="4332300" cy="3917906"/>
+          </a:xfrm>
+          <a:prstGeom prst="rect">
+            <a:avLst/>
+          </a:prstGeom>
+        </p:spPr>
+      </p:pic>
     </p:spTree>
     <p:extLst>
       <p:ext uri="{BB962C8B-B14F-4D97-AF65-F5344CB8AC3E}">
@@ -7068,55 +7098,8 @@
         </p:blipFill>
         <p:spPr bwMode="auto">
           <a:xfrm>
-            <a:off x="6145989" y="2977606"/>
-            <a:ext cx="2927885" cy="2156027"/>
-          </a:xfrm>
-          <a:prstGeom prst="rect">
-            <a:avLst/>
-          </a:prstGeom>
-          <a:noFill/>
-          <a:extLst>
-            <a:ext uri="{909E8E84-426E-40DD-AFC4-6F175D3DCCD1}">
-              <a14:hiddenFill xmlns:a14="http://schemas.microsoft.com/office/drawing/2010/main">
-                <a:solidFill>
-                  <a:srgbClr val="FFFFFF"/>
-                </a:solidFill>
-              </a14:hiddenFill>
-            </a:ext>
-          </a:extLst>
-        </p:spPr>
-      </p:pic>
-      <p:pic>
-        <p:nvPicPr>
-          <p:cNvPr id="7172" name="Picture 4" descr="Related image">
-            <a:extLst>
-              <a:ext uri="{FF2B5EF4-FFF2-40B4-BE49-F238E27FC236}">
-                <a16:creationId xmlns:a16="http://schemas.microsoft.com/office/drawing/2014/main" id="{A8CD4E51-11E2-4B8A-93B2-050480579094}"/>
-              </a:ext>
-            </a:extLst>
-          </p:cNvPr>
-          <p:cNvPicPr>
-            <a:picLocks noChangeAspect="1" noChangeArrowheads="1"/>
-          </p:cNvPicPr>
-          <p:nvPr/>
-        </p:nvPicPr>
-        <p:blipFill>
-          <a:blip r:embed="rId4">
-            <a:extLst>
-              <a:ext uri="{28A0092B-C50C-407E-A947-70E740481C1C}">
-                <a14:useLocalDpi xmlns:a14="http://schemas.microsoft.com/office/drawing/2010/main" val="0"/>
-              </a:ext>
-            </a:extLst>
-          </a:blip>
-          <a:srcRect/>
-          <a:stretch>
-            <a:fillRect/>
-          </a:stretch>
-        </p:blipFill>
-        <p:spPr bwMode="auto">
-          <a:xfrm>
-            <a:off x="6148825" y="811430"/>
-            <a:ext cx="2925049" cy="2193787"/>
+            <a:off x="6355913" y="732308"/>
+            <a:ext cx="2635686" cy="1940858"/>
           </a:xfrm>
           <a:prstGeom prst="rect">
             <a:avLst/>
@@ -7705,6 +7688,53 @@
           </a:p>
         </p:txBody>
       </p:sp>
+      <p:pic>
+        <p:nvPicPr>
+          <p:cNvPr id="3074" name="Picture 2" descr="Related image">
+            <a:extLst>
+              <a:ext uri="{FF2B5EF4-FFF2-40B4-BE49-F238E27FC236}">
+                <a16:creationId xmlns:a16="http://schemas.microsoft.com/office/drawing/2014/main" id="{0FC81373-6605-4099-9902-621AB9115C7F}"/>
+              </a:ext>
+            </a:extLst>
+          </p:cNvPr>
+          <p:cNvPicPr>
+            <a:picLocks noChangeAspect="1" noChangeArrowheads="1"/>
+          </p:cNvPicPr>
+          <p:nvPr/>
+        </p:nvPicPr>
+        <p:blipFill>
+          <a:blip r:embed="rId4">
+            <a:extLst>
+              <a:ext uri="{28A0092B-C50C-407E-A947-70E740481C1C}">
+                <a14:useLocalDpi xmlns:a14="http://schemas.microsoft.com/office/drawing/2010/main" val="0"/>
+              </a:ext>
+            </a:extLst>
+          </a:blip>
+          <a:srcRect/>
+          <a:stretch>
+            <a:fillRect/>
+          </a:stretch>
+        </p:blipFill>
+        <p:spPr bwMode="auto">
+          <a:xfrm>
+            <a:off x="6203514" y="2673166"/>
+            <a:ext cx="2940485" cy="2446483"/>
+          </a:xfrm>
+          <a:prstGeom prst="rect">
+            <a:avLst/>
+          </a:prstGeom>
+          <a:noFill/>
+          <a:extLst>
+            <a:ext uri="{909E8E84-426E-40DD-AFC4-6F175D3DCCD1}">
+              <a14:hiddenFill xmlns:a14="http://schemas.microsoft.com/office/drawing/2010/main">
+                <a:solidFill>
+                  <a:srgbClr val="FFFFFF"/>
+                </a:solidFill>
+              </a14:hiddenFill>
+            </a:ext>
+          </a:extLst>
+        </p:spPr>
+      </p:pic>
     </p:spTree>
     <p:extLst>
       <p:ext uri="{BB962C8B-B14F-4D97-AF65-F5344CB8AC3E}">
@@ -7881,7 +7911,7 @@
                                           </p:stCondLst>
                                         </p:cTn>
                                         <p:tgtEl>
-                                          <p:spTgt spid="7172"/>
+                                          <p:spTgt spid="7170"/>
                                         </p:tgtEl>
                                         <p:attrNameLst>
                                           <p:attrName>style.visibility</p:attrName>
@@ -7895,7 +7925,7 @@
                                       <p:cBhvr>
                                         <p:cTn id="16" dur="500"/>
                                         <p:tgtEl>
-                                          <p:spTgt spid="7172"/>
+                                          <p:spTgt spid="7170"/>
                                         </p:tgtEl>
                                       </p:cBhvr>
                                     </p:animEffect>
@@ -7969,7 +7999,7 @@
                                           </p:stCondLst>
                                         </p:cTn>
                                         <p:tgtEl>
-                                          <p:spTgt spid="7170"/>
+                                          <p:spTgt spid="3074"/>
                                         </p:tgtEl>
                                         <p:attrNameLst>
                                           <p:attrName>style.visibility</p:attrName>
@@ -7983,7 +8013,7 @@
                                       <p:cBhvr>
                                         <p:cTn id="24" dur="500"/>
                                         <p:tgtEl>
-                                          <p:spTgt spid="7170"/>
+                                          <p:spTgt spid="3074"/>
                                         </p:tgtEl>
                                       </p:cBhvr>
                                     </p:animEffect>
@@ -8143,7 +8173,7 @@
         <p:spPr>
           <a:xfrm>
             <a:off x="457200" y="765717"/>
-            <a:ext cx="8534400" cy="4160133"/>
+            <a:ext cx="4114800" cy="2720433"/>
           </a:xfrm>
           <a:prstGeom prst="rect">
             <a:avLst/>
@@ -8190,29 +8220,6 @@
               <a:t>Streams are Lazily evaluated</a:t>
             </a:r>
           </a:p>
-          <a:p>
-            <a:pPr marL="457200" lvl="0" indent="-419100">
-              <a:buClr>
-                <a:srgbClr val="000000"/>
-              </a:buClr>
-              <a:buFont typeface="Arial"/>
-              <a:buChar char="●"/>
-            </a:pPr>
-            <a:endParaRPr lang="en-US" sz="2400" dirty="0"/>
-          </a:p>
-          <a:p>
-            <a:pPr marL="457200" lvl="0" indent="-419100">
-              <a:buClr>
-                <a:srgbClr val="000000"/>
-              </a:buClr>
-              <a:buFont typeface="Arial"/>
-              <a:buChar char="●"/>
-            </a:pPr>
-            <a:r>
-              <a:rPr lang="en-US" sz="2400" dirty="0"/>
-              <a:t>Prime Number Example</a:t>
-            </a:r>
-          </a:p>
         </p:txBody>
       </p:sp>
       <p:pic>
@@ -8244,8 +8251,8 @@
         </p:blipFill>
         <p:spPr bwMode="auto">
           <a:xfrm>
-            <a:off x="4953000" y="2495550"/>
-            <a:ext cx="3860564" cy="1981200"/>
+            <a:off x="5209800" y="133350"/>
+            <a:ext cx="3505200" cy="1798831"/>
           </a:xfrm>
           <a:prstGeom prst="rect">
             <a:avLst/>
@@ -8262,6 +8269,319 @@
           </a:extLst>
         </p:spPr>
       </p:pic>
+      <p:pic>
+        <p:nvPicPr>
+          <p:cNvPr id="4098" name="Picture 2" descr="Related image">
+            <a:extLst>
+              <a:ext uri="{FF2B5EF4-FFF2-40B4-BE49-F238E27FC236}">
+                <a16:creationId xmlns:a16="http://schemas.microsoft.com/office/drawing/2014/main" id="{10419265-8C16-4E84-A1B6-AD5C2FC23D5F}"/>
+              </a:ext>
+            </a:extLst>
+          </p:cNvPr>
+          <p:cNvPicPr>
+            <a:picLocks noChangeAspect="1" noChangeArrowheads="1"/>
+          </p:cNvPicPr>
+          <p:nvPr/>
+        </p:nvPicPr>
+        <p:blipFill>
+          <a:blip r:embed="rId4">
+            <a:extLst>
+              <a:ext uri="{28A0092B-C50C-407E-A947-70E740481C1C}">
+                <a14:useLocalDpi xmlns:a14="http://schemas.microsoft.com/office/drawing/2010/main" val="0"/>
+              </a:ext>
+            </a:extLst>
+          </a:blip>
+          <a:srcRect/>
+          <a:stretch>
+            <a:fillRect/>
+          </a:stretch>
+        </p:blipFill>
+        <p:spPr bwMode="auto">
+          <a:xfrm>
+            <a:off x="5473582" y="2017432"/>
+            <a:ext cx="2908418" cy="2908418"/>
+          </a:xfrm>
+          <a:prstGeom prst="rect">
+            <a:avLst/>
+          </a:prstGeom>
+          <a:noFill/>
+          <a:extLst>
+            <a:ext uri="{909E8E84-426E-40DD-AFC4-6F175D3DCCD1}">
+              <a14:hiddenFill xmlns:a14="http://schemas.microsoft.com/office/drawing/2010/main">
+                <a:solidFill>
+                  <a:srgbClr val="FFFFFF"/>
+                </a:solidFill>
+              </a14:hiddenFill>
+            </a:ext>
+          </a:extLst>
+        </p:spPr>
+      </p:pic>
+      <p:sp>
+        <p:nvSpPr>
+          <p:cNvPr id="6" name="Shape 168">
+            <a:extLst>
+              <a:ext uri="{FF2B5EF4-FFF2-40B4-BE49-F238E27FC236}">
+                <a16:creationId xmlns:a16="http://schemas.microsoft.com/office/drawing/2014/main" id="{EB5E0CD4-5AD5-4679-86E6-56B4D3AD082B}"/>
+              </a:ext>
+            </a:extLst>
+          </p:cNvPr>
+          <p:cNvSpPr txBox="1">
+            <a:spLocks/>
+          </p:cNvSpPr>
+          <p:nvPr/>
+        </p:nvSpPr>
+        <p:spPr>
+          <a:xfrm>
+            <a:off x="487200" y="3794433"/>
+            <a:ext cx="4114800" cy="648167"/>
+          </a:xfrm>
+          <a:prstGeom prst="rect">
+            <a:avLst/>
+          </a:prstGeom>
+          <a:noFill/>
+          <a:ln>
+            <a:noFill/>
+          </a:ln>
+        </p:spPr>
+        <p:txBody>
+          <a:bodyPr lIns="91425" tIns="91425" rIns="91425" bIns="91425" anchor="t" anchorCtr="0">
+            <a:noAutofit/>
+          </a:bodyPr>
+          <a:lstStyle>
+            <a:defPPr marR="0" algn="l" rtl="0">
+              <a:lnSpc>
+                <a:spcPct val="100000"/>
+              </a:lnSpc>
+              <a:spcBef>
+                <a:spcPts val="0"/>
+              </a:spcBef>
+              <a:spcAft>
+                <a:spcPts val="0"/>
+              </a:spcAft>
+            </a:defPPr>
+            <a:lvl1pPr marR="0" algn="l" rtl="0">
+              <a:lnSpc>
+                <a:spcPct val="100000"/>
+              </a:lnSpc>
+              <a:spcBef>
+                <a:spcPts val="0"/>
+              </a:spcBef>
+              <a:spcAft>
+                <a:spcPts val="0"/>
+              </a:spcAft>
+              <a:buSzPct val="100000"/>
+              <a:buNone/>
+              <a:defRPr sz="3000" b="0" i="0" u="none" strike="noStrike" cap="none" baseline="0">
+                <a:solidFill>
+                  <a:srgbClr val="000000"/>
+                </a:solidFill>
+                <a:latin typeface="Arial"/>
+                <a:ea typeface="Arial"/>
+                <a:cs typeface="Arial"/>
+                <a:sym typeface="Arial"/>
+                <a:rtl val="0"/>
+              </a:defRPr>
+            </a:lvl1pPr>
+            <a:lvl2pPr marR="0" algn="l" rtl="0">
+              <a:lnSpc>
+                <a:spcPct val="100000"/>
+              </a:lnSpc>
+              <a:spcBef>
+                <a:spcPts val="0"/>
+              </a:spcBef>
+              <a:spcAft>
+                <a:spcPts val="0"/>
+              </a:spcAft>
+              <a:buSzPct val="100000"/>
+              <a:buNone/>
+              <a:defRPr sz="2400" b="0" i="0" u="none" strike="noStrike" cap="none" baseline="0">
+                <a:solidFill>
+                  <a:srgbClr val="000000"/>
+                </a:solidFill>
+                <a:latin typeface="Arial"/>
+                <a:ea typeface="Arial"/>
+                <a:cs typeface="Arial"/>
+                <a:sym typeface="Arial"/>
+                <a:rtl val="0"/>
+              </a:defRPr>
+            </a:lvl2pPr>
+            <a:lvl3pPr marR="0" algn="l" rtl="0">
+              <a:lnSpc>
+                <a:spcPct val="100000"/>
+              </a:lnSpc>
+              <a:spcBef>
+                <a:spcPts val="0"/>
+              </a:spcBef>
+              <a:spcAft>
+                <a:spcPts val="0"/>
+              </a:spcAft>
+              <a:buSzPct val="100000"/>
+              <a:buNone/>
+              <a:defRPr sz="2400" b="0" i="0" u="none" strike="noStrike" cap="none" baseline="0">
+                <a:solidFill>
+                  <a:srgbClr val="000000"/>
+                </a:solidFill>
+                <a:latin typeface="Arial"/>
+                <a:ea typeface="Arial"/>
+                <a:cs typeface="Arial"/>
+                <a:sym typeface="Arial"/>
+                <a:rtl val="0"/>
+              </a:defRPr>
+            </a:lvl3pPr>
+            <a:lvl4pPr marR="0" algn="l" rtl="0">
+              <a:lnSpc>
+                <a:spcPct val="100000"/>
+              </a:lnSpc>
+              <a:spcBef>
+                <a:spcPts val="0"/>
+              </a:spcBef>
+              <a:spcAft>
+                <a:spcPts val="0"/>
+              </a:spcAft>
+              <a:buSzPct val="100000"/>
+              <a:buNone/>
+              <a:defRPr sz="1800" b="0" i="0" u="none" strike="noStrike" cap="none" baseline="0">
+                <a:solidFill>
+                  <a:srgbClr val="000000"/>
+                </a:solidFill>
+                <a:latin typeface="Arial"/>
+                <a:ea typeface="Arial"/>
+                <a:cs typeface="Arial"/>
+                <a:sym typeface="Arial"/>
+                <a:rtl val="0"/>
+              </a:defRPr>
+            </a:lvl4pPr>
+            <a:lvl5pPr marR="0" algn="l" rtl="0">
+              <a:lnSpc>
+                <a:spcPct val="100000"/>
+              </a:lnSpc>
+              <a:spcBef>
+                <a:spcPts val="0"/>
+              </a:spcBef>
+              <a:spcAft>
+                <a:spcPts val="0"/>
+              </a:spcAft>
+              <a:buSzPct val="100000"/>
+              <a:buNone/>
+              <a:defRPr sz="1800" b="0" i="0" u="none" strike="noStrike" cap="none" baseline="0">
+                <a:solidFill>
+                  <a:srgbClr val="000000"/>
+                </a:solidFill>
+                <a:latin typeface="Arial"/>
+                <a:ea typeface="Arial"/>
+                <a:cs typeface="Arial"/>
+                <a:sym typeface="Arial"/>
+                <a:rtl val="0"/>
+              </a:defRPr>
+            </a:lvl5pPr>
+            <a:lvl6pPr marR="0" algn="l" rtl="0">
+              <a:lnSpc>
+                <a:spcPct val="100000"/>
+              </a:lnSpc>
+              <a:spcBef>
+                <a:spcPts val="0"/>
+              </a:spcBef>
+              <a:spcAft>
+                <a:spcPts val="0"/>
+              </a:spcAft>
+              <a:buSzPct val="100000"/>
+              <a:buNone/>
+              <a:defRPr sz="1800" b="0" i="0" u="none" strike="noStrike" cap="none" baseline="0">
+                <a:solidFill>
+                  <a:srgbClr val="000000"/>
+                </a:solidFill>
+                <a:latin typeface="Arial"/>
+                <a:ea typeface="Arial"/>
+                <a:cs typeface="Arial"/>
+                <a:sym typeface="Arial"/>
+                <a:rtl val="0"/>
+              </a:defRPr>
+            </a:lvl6pPr>
+            <a:lvl7pPr marR="0" algn="l" rtl="0">
+              <a:lnSpc>
+                <a:spcPct val="100000"/>
+              </a:lnSpc>
+              <a:spcBef>
+                <a:spcPts val="0"/>
+              </a:spcBef>
+              <a:spcAft>
+                <a:spcPts val="0"/>
+              </a:spcAft>
+              <a:buSzPct val="100000"/>
+              <a:buNone/>
+              <a:defRPr sz="1800" b="0" i="0" u="none" strike="noStrike" cap="none" baseline="0">
+                <a:solidFill>
+                  <a:srgbClr val="000000"/>
+                </a:solidFill>
+                <a:latin typeface="Arial"/>
+                <a:ea typeface="Arial"/>
+                <a:cs typeface="Arial"/>
+                <a:sym typeface="Arial"/>
+                <a:rtl val="0"/>
+              </a:defRPr>
+            </a:lvl7pPr>
+            <a:lvl8pPr marR="0" algn="l" rtl="0">
+              <a:lnSpc>
+                <a:spcPct val="100000"/>
+              </a:lnSpc>
+              <a:spcBef>
+                <a:spcPts val="0"/>
+              </a:spcBef>
+              <a:spcAft>
+                <a:spcPts val="0"/>
+              </a:spcAft>
+              <a:buSzPct val="100000"/>
+              <a:buNone/>
+              <a:defRPr sz="1800" b="0" i="0" u="none" strike="noStrike" cap="none" baseline="0">
+                <a:solidFill>
+                  <a:srgbClr val="000000"/>
+                </a:solidFill>
+                <a:latin typeface="Arial"/>
+                <a:ea typeface="Arial"/>
+                <a:cs typeface="Arial"/>
+                <a:sym typeface="Arial"/>
+                <a:rtl val="0"/>
+              </a:defRPr>
+            </a:lvl8pPr>
+            <a:lvl9pPr marR="0" algn="l" rtl="0">
+              <a:lnSpc>
+                <a:spcPct val="100000"/>
+              </a:lnSpc>
+              <a:spcBef>
+                <a:spcPts val="0"/>
+              </a:spcBef>
+              <a:spcAft>
+                <a:spcPts val="0"/>
+              </a:spcAft>
+              <a:buSzPct val="100000"/>
+              <a:buNone/>
+              <a:defRPr sz="1800" b="0" i="0" u="none" strike="noStrike" cap="none" baseline="0">
+                <a:solidFill>
+                  <a:srgbClr val="000000"/>
+                </a:solidFill>
+                <a:latin typeface="Arial"/>
+                <a:ea typeface="Arial"/>
+                <a:cs typeface="Arial"/>
+                <a:sym typeface="Arial"/>
+                <a:rtl val="0"/>
+              </a:defRPr>
+            </a:lvl9pPr>
+          </a:lstStyle>
+          <a:p>
+            <a:pPr marL="457200" indent="-419100">
+              <a:buClr>
+                <a:srgbClr val="000000"/>
+              </a:buClr>
+              <a:buFont typeface="Arial"/>
+              <a:buChar char="●"/>
+            </a:pPr>
+            <a:r>
+              <a:rPr lang="en-US" sz="2400" dirty="0"/>
+              <a:t>Prime Number Example</a:t>
+            </a:r>
+          </a:p>
+        </p:txBody>
+      </p:sp>
     </p:spTree>
     <p:extLst>
       <p:ext uri="{BB962C8B-B14F-4D97-AF65-F5344CB8AC3E}">
@@ -8418,7 +8738,7 @@
                             </p:stCondLst>
                             <p:childTnLst>
                               <p:par>
-                                <p:cTn id="15" presetID="10" presetClass="entr" presetSubtype="0" fill="hold" grpId="0" nodeType="clickEffect">
+                                <p:cTn id="15" presetID="10" presetClass="entr" presetSubtype="0" fill="hold" nodeType="clickEffect">
                                   <p:stCondLst>
                                     <p:cond delay="0"/>
                                   </p:stCondLst>
@@ -8431,11 +8751,7 @@
                                           </p:stCondLst>
                                         </p:cTn>
                                         <p:tgtEl>
-                                          <p:spTgt spid="168">
-                                            <p:txEl>
-                                              <p:pRg st="4" end="4"/>
-                                            </p:txEl>
-                                          </p:spTgt>
+                                          <p:spTgt spid="4098"/>
                                         </p:tgtEl>
                                         <p:attrNameLst>
                                           <p:attrName>style.visibility</p:attrName>
@@ -8449,11 +8765,42 @@
                                       <p:cBhvr>
                                         <p:cTn id="17" dur="500"/>
                                         <p:tgtEl>
-                                          <p:spTgt spid="168">
-                                            <p:txEl>
-                                              <p:pRg st="4" end="4"/>
-                                            </p:txEl>
-                                          </p:spTgt>
+                                          <p:spTgt spid="4098"/>
+                                        </p:tgtEl>
+                                      </p:cBhvr>
+                                    </p:animEffect>
+                                  </p:childTnLst>
+                                </p:cTn>
+                              </p:par>
+                              <p:par>
+                                <p:cTn id="18" presetID="10" presetClass="entr" presetSubtype="0" fill="hold" grpId="0" nodeType="withEffect">
+                                  <p:stCondLst>
+                                    <p:cond delay="0"/>
+                                  </p:stCondLst>
+                                  <p:childTnLst>
+                                    <p:set>
+                                      <p:cBhvr>
+                                        <p:cTn id="19" dur="1" fill="hold">
+                                          <p:stCondLst>
+                                            <p:cond delay="0"/>
+                                          </p:stCondLst>
+                                        </p:cTn>
+                                        <p:tgtEl>
+                                          <p:spTgt spid="6"/>
+                                        </p:tgtEl>
+                                        <p:attrNameLst>
+                                          <p:attrName>style.visibility</p:attrName>
+                                        </p:attrNameLst>
+                                      </p:cBhvr>
+                                      <p:to>
+                                        <p:strVal val="visible"/>
+                                      </p:to>
+                                    </p:set>
+                                    <p:animEffect transition="in" filter="fade">
+                                      <p:cBhvr>
+                                        <p:cTn id="20" dur="500"/>
+                                        <p:tgtEl>
+                                          <p:spTgt spid="6"/>
                                         </p:tgtEl>
                                       </p:cBhvr>
                                     </p:animEffect>
@@ -8489,6 +8836,7 @@
     </p:tnLst>
     <p:bldLst>
       <p:bldP spid="168" grpId="0" build="p"/>
+      <p:bldP spid="6" grpId="0"/>
     </p:bldLst>
   </p:timing>
 </p:sld>
@@ -8579,7 +8927,7 @@
             </a:pPr>
             <a:r>
               <a:rPr lang="en-US" sz="2400" dirty="0"/>
-              <a:t>Java is statically type language.</a:t>
+              <a:t>Java is statically typed language.</a:t>
             </a:r>
           </a:p>
           <a:p>
@@ -10800,7 +11148,7 @@
         <p:spPr>
           <a:xfrm>
             <a:off x="457200" y="765717"/>
-            <a:ext cx="8229600" cy="4160133"/>
+            <a:ext cx="3962400" cy="4160133"/>
           </a:xfrm>
           <a:prstGeom prst="rect">
             <a:avLst/>
@@ -10844,7 +11192,7 @@
             </a:pPr>
             <a:r>
               <a:rPr lang="en-US" sz="2800" dirty="0"/>
-              <a:t>Introduction to Functional Programming (FP)</a:t>
+              <a:t>Introduction to FP</a:t>
             </a:r>
           </a:p>
           <a:p>
@@ -10895,6 +11243,53 @@
           </a:p>
         </p:txBody>
       </p:sp>
+      <p:pic>
+        <p:nvPicPr>
+          <p:cNvPr id="2050" name="Picture 2" descr="Image result for pure functional programming  + funny image">
+            <a:extLst>
+              <a:ext uri="{FF2B5EF4-FFF2-40B4-BE49-F238E27FC236}">
+                <a16:creationId xmlns:a16="http://schemas.microsoft.com/office/drawing/2014/main" id="{7DA51FA5-44FD-42BE-B4F2-7D7431F64977}"/>
+              </a:ext>
+            </a:extLst>
+          </p:cNvPr>
+          <p:cNvPicPr>
+            <a:picLocks noChangeAspect="1" noChangeArrowheads="1"/>
+          </p:cNvPicPr>
+          <p:nvPr/>
+        </p:nvPicPr>
+        <p:blipFill>
+          <a:blip r:embed="rId3">
+            <a:extLst>
+              <a:ext uri="{28A0092B-C50C-407E-A947-70E740481C1C}">
+                <a14:useLocalDpi xmlns:a14="http://schemas.microsoft.com/office/drawing/2010/main" val="0"/>
+              </a:ext>
+            </a:extLst>
+          </a:blip>
+          <a:srcRect/>
+          <a:stretch>
+            <a:fillRect/>
+          </a:stretch>
+        </p:blipFill>
+        <p:spPr bwMode="auto">
+          <a:xfrm>
+            <a:off x="4419600" y="514350"/>
+            <a:ext cx="4191000" cy="4191000"/>
+          </a:xfrm>
+          <a:prstGeom prst="rect">
+            <a:avLst/>
+          </a:prstGeom>
+          <a:noFill/>
+          <a:extLst>
+            <a:ext uri="{909E8E84-426E-40DD-AFC4-6F175D3DCCD1}">
+              <a14:hiddenFill xmlns:a14="http://schemas.microsoft.com/office/drawing/2010/main">
+                <a:solidFill>
+                  <a:srgbClr val="FFFFFF"/>
+                </a:solidFill>
+              </a14:hiddenFill>
+            </a:ext>
+          </a:extLst>
+        </p:spPr>
+      </p:pic>
     </p:spTree>
     <p:extLst>
       <p:ext uri="{BB962C8B-B14F-4D97-AF65-F5344CB8AC3E}">
@@ -11589,8 +11984,8 @@
         </p:nvSpPr>
         <p:spPr>
           <a:xfrm>
-            <a:off x="381000" y="361950"/>
-            <a:ext cx="8229600" cy="4343400"/>
+            <a:off x="457200" y="4324350"/>
+            <a:ext cx="8229600" cy="533400"/>
           </a:xfrm>
           <a:prstGeom prst="rect">
             <a:avLst/>
@@ -11616,6 +12011,53 @@
           </a:p>
         </p:txBody>
       </p:sp>
+      <p:pic>
+        <p:nvPicPr>
+          <p:cNvPr id="1026" name="Picture 2" descr="Image result for pure functional programming  + funny image">
+            <a:extLst>
+              <a:ext uri="{FF2B5EF4-FFF2-40B4-BE49-F238E27FC236}">
+                <a16:creationId xmlns:a16="http://schemas.microsoft.com/office/drawing/2014/main" id="{51C8F2BF-4FD0-445F-A756-0AE76E5D9218}"/>
+              </a:ext>
+            </a:extLst>
+          </p:cNvPr>
+          <p:cNvPicPr>
+            <a:picLocks noChangeAspect="1" noChangeArrowheads="1"/>
+          </p:cNvPicPr>
+          <p:nvPr/>
+        </p:nvPicPr>
+        <p:blipFill>
+          <a:blip r:embed="rId3">
+            <a:extLst>
+              <a:ext uri="{28A0092B-C50C-407E-A947-70E740481C1C}">
+                <a14:useLocalDpi xmlns:a14="http://schemas.microsoft.com/office/drawing/2010/main" val="0"/>
+              </a:ext>
+            </a:extLst>
+          </a:blip>
+          <a:srcRect/>
+          <a:stretch>
+            <a:fillRect/>
+          </a:stretch>
+        </p:blipFill>
+        <p:spPr bwMode="auto">
+          <a:xfrm>
+            <a:off x="2743200" y="133349"/>
+            <a:ext cx="3505200" cy="4164593"/>
+          </a:xfrm>
+          <a:prstGeom prst="rect">
+            <a:avLst/>
+          </a:prstGeom>
+          <a:noFill/>
+          <a:extLst>
+            <a:ext uri="{909E8E84-426E-40DD-AFC4-6F175D3DCCD1}">
+              <a14:hiddenFill xmlns:a14="http://schemas.microsoft.com/office/drawing/2010/main">
+                <a:solidFill>
+                  <a:srgbClr val="FFFFFF"/>
+                </a:solidFill>
+              </a14:hiddenFill>
+            </a:ext>
+          </a:extLst>
+        </p:spPr>
+      </p:pic>
     </p:spTree>
     <p:extLst>
       <p:ext uri="{BB962C8B-B14F-4D97-AF65-F5344CB8AC3E}">

--- a/Functional Programming with Java 8.pptx
+++ b/Functional Programming with Java 8.pptx
@@ -3520,6 +3520,18 @@
   <p:clrMapOvr>
     <a:masterClrMapping/>
   </p:clrMapOvr>
+  <mc:AlternateContent xmlns:mc="http://schemas.openxmlformats.org/markup-compatibility/2006">
+    <mc:Choice xmlns:p14="http://schemas.microsoft.com/office/powerpoint/2010/main" Requires="p14">
+      <p:transition spd="slow" p14:dur="1500">
+        <p:random/>
+      </p:transition>
+    </mc:Choice>
+    <mc:Fallback>
+      <p:transition spd="slow">
+        <p:random/>
+      </p:transition>
+    </mc:Fallback>
+  </mc:AlternateContent>
 </p:sldLayout>
 </file>
 
@@ -3756,6 +3768,18 @@
   <p:clrMapOvr>
     <a:masterClrMapping/>
   </p:clrMapOvr>
+  <mc:AlternateContent xmlns:mc="http://schemas.openxmlformats.org/markup-compatibility/2006">
+    <mc:Choice xmlns:p14="http://schemas.microsoft.com/office/powerpoint/2010/main" Requires="p14">
+      <p:transition spd="slow" p14:dur="1500">
+        <p:random/>
+      </p:transition>
+    </mc:Choice>
+    <mc:Fallback>
+      <p:transition spd="slow">
+        <p:random/>
+      </p:transition>
+    </mc:Fallback>
+  </mc:AlternateContent>
 </p:sldLayout>
 </file>
 
@@ -4074,6 +4098,18 @@
   <p:clrMapOvr>
     <a:masterClrMapping/>
   </p:clrMapOvr>
+  <mc:AlternateContent xmlns:mc="http://schemas.openxmlformats.org/markup-compatibility/2006">
+    <mc:Choice xmlns:p14="http://schemas.microsoft.com/office/powerpoint/2010/main" Requires="p14">
+      <p:transition spd="slow" p14:dur="1500">
+        <p:random/>
+      </p:transition>
+    </mc:Choice>
+    <mc:Fallback>
+      <p:transition spd="slow">
+        <p:random/>
+      </p:transition>
+    </mc:Fallback>
+  </mc:AlternateContent>
 </p:sldLayout>
 </file>
 
@@ -4228,6 +4264,18 @@
   <p:clrMapOvr>
     <a:masterClrMapping/>
   </p:clrMapOvr>
+  <mc:AlternateContent xmlns:mc="http://schemas.openxmlformats.org/markup-compatibility/2006">
+    <mc:Choice xmlns:p14="http://schemas.microsoft.com/office/powerpoint/2010/main" Requires="p14">
+      <p:transition spd="slow" p14:dur="1500">
+        <p:random/>
+      </p:transition>
+    </mc:Choice>
+    <mc:Fallback>
+      <p:transition spd="slow">
+        <p:random/>
+      </p:transition>
+    </mc:Fallback>
+  </mc:AlternateContent>
 </p:sldLayout>
 </file>
 
@@ -4343,6 +4391,18 @@
   <p:clrMapOvr>
     <a:masterClrMapping/>
   </p:clrMapOvr>
+  <mc:AlternateContent xmlns:mc="http://schemas.openxmlformats.org/markup-compatibility/2006">
+    <mc:Choice xmlns:p14="http://schemas.microsoft.com/office/powerpoint/2010/main" Requires="p14">
+      <p:transition spd="slow" p14:dur="1500">
+        <p:random/>
+      </p:transition>
+    </mc:Choice>
+    <mc:Fallback>
+      <p:transition spd="slow">
+        <p:random/>
+      </p:transition>
+    </mc:Fallback>
+  </mc:AlternateContent>
 </p:sldLayout>
 </file>
 
@@ -4415,6 +4475,18 @@
   <p:clrMapOvr>
     <a:masterClrMapping/>
   </p:clrMapOvr>
+  <mc:AlternateContent xmlns:mc="http://schemas.openxmlformats.org/markup-compatibility/2006">
+    <mc:Choice xmlns:p14="http://schemas.microsoft.com/office/powerpoint/2010/main" Requires="p14">
+      <p:transition spd="slow" p14:dur="1500">
+        <p:random/>
+      </p:transition>
+    </mc:Choice>
+    <mc:Fallback>
+      <p:transition spd="slow">
+        <p:random/>
+      </p:transition>
+    </mc:Fallback>
+  </mc:AlternateContent>
 </p:sldLayout>
 </file>
 
@@ -4785,6 +4857,18 @@
     <p:sldLayoutId id="2147483652" r:id="rId5"/>
     <p:sldLayoutId id="2147483653" r:id="rId6"/>
   </p:sldLayoutIdLst>
+  <mc:AlternateContent xmlns:mc="http://schemas.openxmlformats.org/markup-compatibility/2006">
+    <mc:Choice xmlns:p14="http://schemas.microsoft.com/office/powerpoint/2010/main" Requires="p14">
+      <p:transition spd="slow" p14:dur="1500">
+        <p:random/>
+      </p:transition>
+    </mc:Choice>
+    <mc:Fallback>
+      <p:transition spd="slow">
+        <p:random/>
+      </p:transition>
+    </mc:Fallback>
+  </mc:AlternateContent>
   <p:hf sldNum="0" hdr="0" ftr="0" dt="0"/>
   <p:txStyles>
     <p:titleStyle>
@@ -5444,9 +5528,18 @@
   <p:clrMapOvr>
     <a:masterClrMapping/>
   </p:clrMapOvr>
-  <p:transition spd="slow">
-    <p:cut/>
-  </p:transition>
+  <mc:AlternateContent xmlns:mc="http://schemas.openxmlformats.org/markup-compatibility/2006">
+    <mc:Choice xmlns:p14="http://schemas.microsoft.com/office/powerpoint/2010/main" Requires="p14">
+      <p:transition spd="slow" p14:dur="1500">
+        <p:random/>
+      </p:transition>
+    </mc:Choice>
+    <mc:Fallback>
+      <p:transition spd="slow">
+        <p:random/>
+      </p:transition>
+    </mc:Fallback>
+  </mc:AlternateContent>
 </p:sld>
 </file>
 
@@ -5625,9 +5718,18 @@
   <p:clrMapOvr>
     <a:masterClrMapping/>
   </p:clrMapOvr>
-  <p:transition spd="slow">
-    <p:cut/>
-  </p:transition>
+  <mc:AlternateContent xmlns:mc="http://schemas.openxmlformats.org/markup-compatibility/2006">
+    <mc:Choice xmlns:p14="http://schemas.microsoft.com/office/powerpoint/2010/main" Requires="p14">
+      <p:transition spd="slow" p14:dur="1500">
+        <p:random/>
+      </p:transition>
+    </mc:Choice>
+    <mc:Fallback>
+      <p:transition spd="slow">
+        <p:random/>
+      </p:transition>
+    </mc:Fallback>
+  </mc:AlternateContent>
   <p:timing>
     <p:tnLst>
       <p:par>
@@ -6316,9 +6418,18 @@
   <p:clrMapOvr>
     <a:masterClrMapping/>
   </p:clrMapOvr>
-  <p:transition spd="slow">
-    <p:cut/>
-  </p:transition>
+  <mc:AlternateContent xmlns:mc="http://schemas.openxmlformats.org/markup-compatibility/2006">
+    <mc:Choice xmlns:p14="http://schemas.microsoft.com/office/powerpoint/2010/main" Requires="p14">
+      <p:transition spd="slow" p14:dur="1500">
+        <p:random/>
+      </p:transition>
+    </mc:Choice>
+    <mc:Fallback>
+      <p:transition spd="slow">
+        <p:random/>
+      </p:transition>
+    </mc:Fallback>
+  </mc:AlternateContent>
   <p:timing>
     <p:tnLst>
       <p:par>
@@ -7745,9 +7856,18 @@
   <p:clrMapOvr>
     <a:masterClrMapping/>
   </p:clrMapOvr>
-  <p:transition spd="slow">
-    <p:cut/>
-  </p:transition>
+  <mc:AlternateContent xmlns:mc="http://schemas.openxmlformats.org/markup-compatibility/2006">
+    <mc:Choice xmlns:p14="http://schemas.microsoft.com/office/powerpoint/2010/main" Requires="p14">
+      <p:transition spd="slow" p14:dur="1500">
+        <p:random/>
+      </p:transition>
+    </mc:Choice>
+    <mc:Fallback>
+      <p:transition spd="slow">
+        <p:random/>
+      </p:transition>
+    </mc:Fallback>
+  </mc:AlternateContent>
   <p:timing>
     <p:tnLst>
       <p:par>
@@ -8592,9 +8712,18 @@
   <p:clrMapOvr>
     <a:masterClrMapping/>
   </p:clrMapOvr>
-  <p:transition spd="slow">
-    <p:cut/>
-  </p:transition>
+  <mc:AlternateContent xmlns:mc="http://schemas.openxmlformats.org/markup-compatibility/2006">
+    <mc:Choice xmlns:p14="http://schemas.microsoft.com/office/powerpoint/2010/main" Requires="p14">
+      <p:transition spd="slow" p14:dur="1500">
+        <p:random/>
+      </p:transition>
+    </mc:Choice>
+    <mc:Fallback>
+      <p:transition spd="slow">
+        <p:random/>
+      </p:transition>
+    </mc:Fallback>
+  </mc:AlternateContent>
   <p:timing>
     <p:tnLst>
       <p:par>
@@ -9341,9 +9470,18 @@
   <p:clrMapOvr>
     <a:masterClrMapping/>
   </p:clrMapOvr>
-  <p:transition spd="slow">
-    <p:cut/>
-  </p:transition>
+  <mc:AlternateContent xmlns:mc="http://schemas.openxmlformats.org/markup-compatibility/2006">
+    <mc:Choice xmlns:p14="http://schemas.microsoft.com/office/powerpoint/2010/main" Requires="p14">
+      <p:transition spd="slow" p14:dur="1500">
+        <p:random/>
+      </p:transition>
+    </mc:Choice>
+    <mc:Fallback>
+      <p:transition spd="slow">
+        <p:random/>
+      </p:transition>
+    </mc:Fallback>
+  </mc:AlternateContent>
   <p:timing>
     <p:tnLst>
       <p:par>
@@ -9770,9 +9908,18 @@
   <p:clrMapOvr>
     <a:masterClrMapping/>
   </p:clrMapOvr>
-  <p:transition spd="slow">
-    <p:cut/>
-  </p:transition>
+  <mc:AlternateContent xmlns:mc="http://schemas.openxmlformats.org/markup-compatibility/2006">
+    <mc:Choice xmlns:p14="http://schemas.microsoft.com/office/powerpoint/2010/main" Requires="p14">
+      <p:transition spd="slow" p14:dur="1500">
+        <p:random/>
+      </p:transition>
+    </mc:Choice>
+    <mc:Fallback>
+      <p:transition spd="slow">
+        <p:random/>
+      </p:transition>
+    </mc:Fallback>
+  </mc:AlternateContent>
   <p:timing>
     <p:tnLst>
       <p:par>
@@ -10374,9 +10521,18 @@
   <p:clrMapOvr>
     <a:masterClrMapping/>
   </p:clrMapOvr>
-  <p:transition spd="slow">
-    <p:cut/>
-  </p:transition>
+  <mc:AlternateContent xmlns:mc="http://schemas.openxmlformats.org/markup-compatibility/2006">
+    <mc:Choice xmlns:p14="http://schemas.microsoft.com/office/powerpoint/2010/main" Requires="p14">
+      <p:transition spd="slow" p14:dur="1500">
+        <p:random/>
+      </p:transition>
+    </mc:Choice>
+    <mc:Fallback>
+      <p:transition spd="slow">
+        <p:random/>
+      </p:transition>
+    </mc:Fallback>
+  </mc:AlternateContent>
   <p:timing>
     <p:tnLst>
       <p:par>
@@ -10742,9 +10898,18 @@
   <p:clrMapOvr>
     <a:masterClrMapping/>
   </p:clrMapOvr>
-  <p:transition spd="slow">
-    <p:cut/>
-  </p:transition>
+  <mc:AlternateContent xmlns:mc="http://schemas.openxmlformats.org/markup-compatibility/2006">
+    <mc:Choice xmlns:p14="http://schemas.microsoft.com/office/powerpoint/2010/main" Requires="p14">
+      <p:transition spd="slow" p14:dur="1500">
+        <p:random/>
+      </p:transition>
+    </mc:Choice>
+    <mc:Fallback>
+      <p:transition spd="slow">
+        <p:random/>
+      </p:transition>
+    </mc:Fallback>
+  </mc:AlternateContent>
 </p:sld>
 </file>
 
@@ -10919,9 +11084,18 @@
   <p:clrMapOvr>
     <a:masterClrMapping/>
   </p:clrMapOvr>
-  <p:transition spd="slow">
-    <p:cut/>
-  </p:transition>
+  <mc:AlternateContent xmlns:mc="http://schemas.openxmlformats.org/markup-compatibility/2006">
+    <mc:Choice xmlns:p14="http://schemas.microsoft.com/office/powerpoint/2010/main" Requires="p14">
+      <p:transition spd="slow" p14:dur="1500">
+        <p:random/>
+      </p:transition>
+    </mc:Choice>
+    <mc:Fallback>
+      <p:transition spd="slow">
+        <p:random/>
+      </p:transition>
+    </mc:Fallback>
+  </mc:AlternateContent>
 </p:sld>
 </file>
 
@@ -11073,9 +11247,18 @@
   <p:clrMapOvr>
     <a:masterClrMapping/>
   </p:clrMapOvr>
-  <p:transition spd="slow">
-    <p:cut/>
-  </p:transition>
+  <mc:AlternateContent xmlns:mc="http://schemas.openxmlformats.org/markup-compatibility/2006">
+    <mc:Choice xmlns:p14="http://schemas.microsoft.com/office/powerpoint/2010/main" Requires="p14">
+      <p:transition spd="slow" p14:dur="1500">
+        <p:random/>
+      </p:transition>
+    </mc:Choice>
+    <mc:Fallback>
+      <p:transition spd="slow">
+        <p:random/>
+      </p:transition>
+    </mc:Fallback>
+  </mc:AlternateContent>
 </p:sld>
 </file>
 
@@ -11300,9 +11483,18 @@
   <p:clrMapOvr>
     <a:masterClrMapping/>
   </p:clrMapOvr>
-  <p:transition spd="slow">
-    <p:cut/>
-  </p:transition>
+  <mc:AlternateContent xmlns:mc="http://schemas.openxmlformats.org/markup-compatibility/2006">
+    <mc:Choice xmlns:p14="http://schemas.microsoft.com/office/powerpoint/2010/main" Requires="p14">
+      <p:transition spd="slow" p14:dur="1500">
+        <p:random/>
+      </p:transition>
+    </mc:Choice>
+    <mc:Fallback>
+      <p:transition spd="slow">
+        <p:random/>
+      </p:transition>
+    </mc:Fallback>
+  </mc:AlternateContent>
 </p:sld>
 </file>
 
@@ -11411,9 +11603,18 @@
   <p:clrMapOvr>
     <a:masterClrMapping/>
   </p:clrMapOvr>
-  <p:transition spd="slow">
-    <p:cut/>
-  </p:transition>
+  <mc:AlternateContent xmlns:mc="http://schemas.openxmlformats.org/markup-compatibility/2006">
+    <mc:Choice xmlns:p14="http://schemas.microsoft.com/office/powerpoint/2010/main" Requires="p14">
+      <p:transition spd="slow" p14:dur="1500">
+        <p:random/>
+      </p:transition>
+    </mc:Choice>
+    <mc:Fallback>
+      <p:transition spd="slow">
+        <p:random/>
+      </p:transition>
+    </mc:Fallback>
+  </mc:AlternateContent>
 </p:sld>
 </file>
 
@@ -11614,9 +11815,18 @@
   <p:clrMapOvr>
     <a:masterClrMapping/>
   </p:clrMapOvr>
-  <p:transition spd="slow">
-    <p:cut/>
-  </p:transition>
+  <mc:AlternateContent xmlns:mc="http://schemas.openxmlformats.org/markup-compatibility/2006">
+    <mc:Choice xmlns:p14="http://schemas.microsoft.com/office/powerpoint/2010/main" Requires="p14">
+      <p:transition spd="slow" p14:dur="1500">
+        <p:random/>
+      </p:transition>
+    </mc:Choice>
+    <mc:Fallback>
+      <p:transition spd="slow">
+        <p:random/>
+      </p:transition>
+    </mc:Fallback>
+  </mc:AlternateContent>
   <p:timing>
     <p:tnLst>
       <p:par>
@@ -12068,9 +12278,18 @@
   <p:clrMapOvr>
     <a:masterClrMapping/>
   </p:clrMapOvr>
-  <p:transition spd="slow">
-    <p:cut/>
-  </p:transition>
+  <mc:AlternateContent xmlns:mc="http://schemas.openxmlformats.org/markup-compatibility/2006">
+    <mc:Choice xmlns:p14="http://schemas.microsoft.com/office/powerpoint/2010/main" Requires="p14">
+      <p:transition spd="slow" p14:dur="1500">
+        <p:random/>
+      </p:transition>
+    </mc:Choice>
+    <mc:Fallback>
+      <p:transition spd="slow">
+        <p:random/>
+      </p:transition>
+    </mc:Fallback>
+  </mc:AlternateContent>
 </p:sld>
 </file>
 
@@ -12187,9 +12406,18 @@
   <p:clrMapOvr>
     <a:masterClrMapping/>
   </p:clrMapOvr>
-  <p:transition spd="slow">
-    <p:cut/>
-  </p:transition>
+  <mc:AlternateContent xmlns:mc="http://schemas.openxmlformats.org/markup-compatibility/2006">
+    <mc:Choice xmlns:p14="http://schemas.microsoft.com/office/powerpoint/2010/main" Requires="p14">
+      <p:transition spd="slow" p14:dur="1500">
+        <p:random/>
+      </p:transition>
+    </mc:Choice>
+    <mc:Fallback>
+      <p:transition spd="slow">
+        <p:random/>
+      </p:transition>
+    </mc:Fallback>
+  </mc:AlternateContent>
 </p:sld>
 </file>
 
@@ -12714,9 +12942,18 @@
   <p:clrMapOvr>
     <a:masterClrMapping/>
   </p:clrMapOvr>
-  <p:transition spd="slow">
-    <p:cut/>
-  </p:transition>
+  <mc:AlternateContent xmlns:mc="http://schemas.openxmlformats.org/markup-compatibility/2006">
+    <mc:Choice xmlns:p14="http://schemas.microsoft.com/office/powerpoint/2010/main" Requires="p14">
+      <p:transition spd="slow" p14:dur="1500">
+        <p:random/>
+      </p:transition>
+    </mc:Choice>
+    <mc:Fallback>
+      <p:transition spd="slow">
+        <p:random/>
+      </p:transition>
+    </mc:Fallback>
+  </mc:AlternateContent>
   <p:timing>
     <p:tnLst>
       <p:par>
@@ -13195,9 +13432,18 @@
   <p:clrMapOvr>
     <a:masterClrMapping/>
   </p:clrMapOvr>
-  <p:transition spd="slow">
-    <p:cut/>
-  </p:transition>
+  <mc:AlternateContent xmlns:mc="http://schemas.openxmlformats.org/markup-compatibility/2006">
+    <mc:Choice xmlns:p14="http://schemas.microsoft.com/office/powerpoint/2010/main" Requires="p14">
+      <p:transition spd="slow" p14:dur="1500">
+        <p:random/>
+      </p:transition>
+    </mc:Choice>
+    <mc:Fallback>
+      <p:transition spd="slow">
+        <p:random/>
+      </p:transition>
+    </mc:Fallback>
+  </mc:AlternateContent>
   <p:timing>
     <p:tnLst>
       <p:par>
@@ -13730,9 +13976,18 @@
   <p:clrMapOvr>
     <a:masterClrMapping/>
   </p:clrMapOvr>
-  <p:transition spd="slow">
-    <p:cut/>
-  </p:transition>
+  <mc:AlternateContent xmlns:mc="http://schemas.openxmlformats.org/markup-compatibility/2006">
+    <mc:Choice xmlns:p14="http://schemas.microsoft.com/office/powerpoint/2010/main" Requires="p14">
+      <p:transition spd="slow" p14:dur="1500">
+        <p:random/>
+      </p:transition>
+    </mc:Choice>
+    <mc:Fallback>
+      <p:transition spd="slow">
+        <p:random/>
+      </p:transition>
+    </mc:Fallback>
+  </mc:AlternateContent>
   <p:timing>
     <p:tnLst>
       <p:par>
@@ -14926,9 +15181,18 @@
   <p:clrMapOvr>
     <a:masterClrMapping/>
   </p:clrMapOvr>
-  <p:transition spd="slow">
-    <p:cut/>
-  </p:transition>
+  <mc:AlternateContent xmlns:mc="http://schemas.openxmlformats.org/markup-compatibility/2006">
+    <mc:Choice xmlns:p14="http://schemas.microsoft.com/office/powerpoint/2010/main" Requires="p14">
+      <p:transition spd="slow" p14:dur="1500">
+        <p:random/>
+      </p:transition>
+    </mc:Choice>
+    <mc:Fallback>
+      <p:transition spd="slow">
+        <p:random/>
+      </p:transition>
+    </mc:Fallback>
+  </mc:AlternateContent>
   <p:timing>
     <p:tnLst>
       <p:par>
@@ -16279,9 +16543,18 @@
   <p:clrMapOvr>
     <a:masterClrMapping/>
   </p:clrMapOvr>
-  <p:transition spd="slow">
-    <p:cut/>
-  </p:transition>
+  <mc:AlternateContent xmlns:mc="http://schemas.openxmlformats.org/markup-compatibility/2006">
+    <mc:Choice xmlns:p14="http://schemas.microsoft.com/office/powerpoint/2010/main" Requires="p14">
+      <p:transition spd="slow" p14:dur="1500">
+        <p:random/>
+      </p:transition>
+    </mc:Choice>
+    <mc:Fallback>
+      <p:transition spd="slow">
+        <p:random/>
+      </p:transition>
+    </mc:Fallback>
+  </mc:AlternateContent>
   <p:timing>
     <p:tnLst>
       <p:par>
@@ -17097,9 +17370,18 @@
   <p:clrMapOvr>
     <a:masterClrMapping/>
   </p:clrMapOvr>
-  <p:transition spd="slow">
-    <p:cut/>
-  </p:transition>
+  <mc:AlternateContent xmlns:mc="http://schemas.openxmlformats.org/markup-compatibility/2006">
+    <mc:Choice xmlns:p14="http://schemas.microsoft.com/office/powerpoint/2010/main" Requires="p14">
+      <p:transition spd="slow" p14:dur="1500">
+        <p:random/>
+      </p:transition>
+    </mc:Choice>
+    <mc:Fallback>
+      <p:transition spd="slow">
+        <p:random/>
+      </p:transition>
+    </mc:Fallback>
+  </mc:AlternateContent>
   <p:timing>
     <p:tnLst>
       <p:par>
@@ -17770,9 +18052,18 @@
   <p:clrMapOvr>
     <a:masterClrMapping/>
   </p:clrMapOvr>
-  <p:transition spd="slow">
-    <p:cut/>
-  </p:transition>
+  <mc:AlternateContent xmlns:mc="http://schemas.openxmlformats.org/markup-compatibility/2006">
+    <mc:Choice xmlns:p14="http://schemas.microsoft.com/office/powerpoint/2010/main" Requires="p14">
+      <p:transition spd="slow" p14:dur="1500">
+        <p:random/>
+      </p:transition>
+    </mc:Choice>
+    <mc:Fallback>
+      <p:transition spd="slow">
+        <p:random/>
+      </p:transition>
+    </mc:Fallback>
+  </mc:AlternateContent>
   <p:timing>
     <p:tnLst>
       <p:par>
